--- a/SQLSat Baton Rouge BI 2020/Ethics in Modern Data.pptx
+++ b/SQLSat Baton Rouge BI 2020/Ethics in Modern Data.pptx
@@ -5,10 +5,10 @@
     <p:sldMasterId id="2147483694" r:id="rId1"/>
   </p:sldMasterIdLst>
   <p:notesMasterIdLst>
-    <p:notesMasterId r:id="rId27"/>
+    <p:notesMasterId r:id="rId23"/>
   </p:notesMasterIdLst>
   <p:handoutMasterIdLst>
-    <p:handoutMasterId r:id="rId28"/>
+    <p:handoutMasterId r:id="rId24"/>
   </p:handoutMasterIdLst>
   <p:sldIdLst>
     <p:sldId id="321" r:id="rId2"/>
@@ -20,22 +20,18 @@
     <p:sldId id="344" r:id="rId8"/>
     <p:sldId id="343" r:id="rId9"/>
     <p:sldId id="346" r:id="rId10"/>
-    <p:sldId id="339" r:id="rId11"/>
-    <p:sldId id="345" r:id="rId12"/>
-    <p:sldId id="303" r:id="rId13"/>
-    <p:sldId id="323" r:id="rId14"/>
-    <p:sldId id="296" r:id="rId15"/>
-    <p:sldId id="324" r:id="rId16"/>
-    <p:sldId id="312" r:id="rId17"/>
-    <p:sldId id="325" r:id="rId18"/>
-    <p:sldId id="326" r:id="rId19"/>
-    <p:sldId id="327" r:id="rId20"/>
-    <p:sldId id="299" r:id="rId21"/>
-    <p:sldId id="329" r:id="rId22"/>
-    <p:sldId id="330" r:id="rId23"/>
-    <p:sldId id="331" r:id="rId24"/>
-    <p:sldId id="335" r:id="rId25"/>
-    <p:sldId id="334" r:id="rId26"/>
+    <p:sldId id="348" r:id="rId11"/>
+    <p:sldId id="347" r:id="rId12"/>
+    <p:sldId id="339" r:id="rId13"/>
+    <p:sldId id="345" r:id="rId14"/>
+    <p:sldId id="349" r:id="rId15"/>
+    <p:sldId id="350" r:id="rId16"/>
+    <p:sldId id="351" r:id="rId17"/>
+    <p:sldId id="352" r:id="rId18"/>
+    <p:sldId id="330" r:id="rId19"/>
+    <p:sldId id="331" r:id="rId20"/>
+    <p:sldId id="335" r:id="rId21"/>
+    <p:sldId id="334" r:id="rId22"/>
   </p:sldIdLst>
   <p:sldSz cx="9144000" cy="5143500" type="screen16x9"/>
   <p:notesSz cx="6858000" cy="9144000"/>
@@ -152,18 +148,14 @@
             <p14:sldId id="344"/>
             <p14:sldId id="343"/>
             <p14:sldId id="346"/>
+            <p14:sldId id="348"/>
+            <p14:sldId id="347"/>
             <p14:sldId id="339"/>
             <p14:sldId id="345"/>
-            <p14:sldId id="303"/>
-            <p14:sldId id="323"/>
-            <p14:sldId id="296"/>
-            <p14:sldId id="324"/>
-            <p14:sldId id="312"/>
-            <p14:sldId id="325"/>
-            <p14:sldId id="326"/>
-            <p14:sldId id="327"/>
-            <p14:sldId id="299"/>
-            <p14:sldId id="329"/>
+            <p14:sldId id="349"/>
+            <p14:sldId id="350"/>
+            <p14:sldId id="351"/>
+            <p14:sldId id="352"/>
             <p14:sldId id="330"/>
           </p14:sldIdLst>
         </p14:section>
@@ -206,7 +198,7 @@
 <file path=ppt/revisionInfo.xml><?xml version="1.0" encoding="utf-8"?>
 <p1510:revInfo xmlns:a="http://schemas.openxmlformats.org/drawingml/2006/main" xmlns:r="http://schemas.openxmlformats.org/officeDocument/2006/relationships" xmlns:p1510="http://schemas.microsoft.com/office/powerpoint/2015/10/main">
   <p1510:revLst>
-    <p1510:client id="{987DFEFB-91F3-4A2C-BC6D-A4C6CB8FF458}" v="171" dt="2019-09-27T04:36:03.543"/>
+    <p1510:client id="{3F651B5E-9455-4528-ACB5-78281FA73816}" v="16" dt="2019-10-18T01:17:35.374"/>
   </p1510:revLst>
 </p1510:revInfo>
 </file>
@@ -2573,6 +2565,237 @@
       </pc:sldMasterChg>
     </pc:docChg>
   </pc:docChgLst>
+  <pc:docChgLst>
+    <pc:chgData name="william a" userId="c66c7249b60d4ab2" providerId="LiveId" clId="{3F651B5E-9455-4528-ACB5-78281FA73816}"/>
+    <pc:docChg chg="undo custSel addSld delSld modSld sldOrd modSection">
+      <pc:chgData name="william a" userId="c66c7249b60d4ab2" providerId="LiveId" clId="{3F651B5E-9455-4528-ACB5-78281FA73816}" dt="2019-10-18T01:19:14.014" v="2035" actId="20577"/>
+      <pc:docMkLst>
+        <pc:docMk/>
+      </pc:docMkLst>
+      <pc:sldChg chg="del">
+        <pc:chgData name="william a" userId="c66c7249b60d4ab2" providerId="LiveId" clId="{3F651B5E-9455-4528-ACB5-78281FA73816}" dt="2019-10-18T00:54:13.874" v="2" actId="2696"/>
+        <pc:sldMkLst>
+          <pc:docMk/>
+          <pc:sldMk cId="2079728015" sldId="296"/>
+        </pc:sldMkLst>
+      </pc:sldChg>
+      <pc:sldChg chg="del">
+        <pc:chgData name="william a" userId="c66c7249b60d4ab2" providerId="LiveId" clId="{3F651B5E-9455-4528-ACB5-78281FA73816}" dt="2019-10-18T00:54:17.103" v="8" actId="2696"/>
+        <pc:sldMkLst>
+          <pc:docMk/>
+          <pc:sldMk cId="200595087" sldId="299"/>
+        </pc:sldMkLst>
+      </pc:sldChg>
+      <pc:sldChg chg="del">
+        <pc:chgData name="william a" userId="c66c7249b60d4ab2" providerId="LiveId" clId="{3F651B5E-9455-4528-ACB5-78281FA73816}" dt="2019-10-18T00:54:11.779" v="0" actId="2696"/>
+        <pc:sldMkLst>
+          <pc:docMk/>
+          <pc:sldMk cId="574922863" sldId="303"/>
+        </pc:sldMkLst>
+      </pc:sldChg>
+      <pc:sldChg chg="del">
+        <pc:chgData name="william a" userId="c66c7249b60d4ab2" providerId="LiveId" clId="{3F651B5E-9455-4528-ACB5-78281FA73816}" dt="2019-10-18T00:54:14.981" v="4" actId="2696"/>
+        <pc:sldMkLst>
+          <pc:docMk/>
+          <pc:sldMk cId="486348467" sldId="312"/>
+        </pc:sldMkLst>
+      </pc:sldChg>
+      <pc:sldChg chg="del">
+        <pc:chgData name="william a" userId="c66c7249b60d4ab2" providerId="LiveId" clId="{3F651B5E-9455-4528-ACB5-78281FA73816}" dt="2019-10-18T00:54:12.737" v="1" actId="2696"/>
+        <pc:sldMkLst>
+          <pc:docMk/>
+          <pc:sldMk cId="380098896" sldId="323"/>
+        </pc:sldMkLst>
+      </pc:sldChg>
+      <pc:sldChg chg="del">
+        <pc:chgData name="william a" userId="c66c7249b60d4ab2" providerId="LiveId" clId="{3F651B5E-9455-4528-ACB5-78281FA73816}" dt="2019-10-18T00:54:14.484" v="3" actId="2696"/>
+        <pc:sldMkLst>
+          <pc:docMk/>
+          <pc:sldMk cId="3831141445" sldId="324"/>
+        </pc:sldMkLst>
+      </pc:sldChg>
+      <pc:sldChg chg="del">
+        <pc:chgData name="william a" userId="c66c7249b60d4ab2" providerId="LiveId" clId="{3F651B5E-9455-4528-ACB5-78281FA73816}" dt="2019-10-18T00:54:15.411" v="5" actId="2696"/>
+        <pc:sldMkLst>
+          <pc:docMk/>
+          <pc:sldMk cId="2143127594" sldId="325"/>
+        </pc:sldMkLst>
+      </pc:sldChg>
+      <pc:sldChg chg="del">
+        <pc:chgData name="william a" userId="c66c7249b60d4ab2" providerId="LiveId" clId="{3F651B5E-9455-4528-ACB5-78281FA73816}" dt="2019-10-18T00:54:15.809" v="6" actId="2696"/>
+        <pc:sldMkLst>
+          <pc:docMk/>
+          <pc:sldMk cId="2347478078" sldId="326"/>
+        </pc:sldMkLst>
+      </pc:sldChg>
+      <pc:sldChg chg="del">
+        <pc:chgData name="william a" userId="c66c7249b60d4ab2" providerId="LiveId" clId="{3F651B5E-9455-4528-ACB5-78281FA73816}" dt="2019-10-18T00:54:16.358" v="7" actId="2696"/>
+        <pc:sldMkLst>
+          <pc:docMk/>
+          <pc:sldMk cId="3360030024" sldId="327"/>
+        </pc:sldMkLst>
+      </pc:sldChg>
+      <pc:sldChg chg="del">
+        <pc:chgData name="william a" userId="c66c7249b60d4ab2" providerId="LiveId" clId="{3F651B5E-9455-4528-ACB5-78281FA73816}" dt="2019-10-18T00:54:18.212" v="9" actId="2696"/>
+        <pc:sldMkLst>
+          <pc:docMk/>
+          <pc:sldMk cId="1842870381" sldId="329"/>
+        </pc:sldMkLst>
+      </pc:sldChg>
+      <pc:sldChg chg="add del">
+        <pc:chgData name="william a" userId="c66c7249b60d4ab2" providerId="LiveId" clId="{3F651B5E-9455-4528-ACB5-78281FA73816}" dt="2019-10-18T00:54:20.954" v="11" actId="2696"/>
+        <pc:sldMkLst>
+          <pc:docMk/>
+          <pc:sldMk cId="37594886" sldId="330"/>
+        </pc:sldMkLst>
+      </pc:sldChg>
+      <pc:sldChg chg="modSp">
+        <pc:chgData name="william a" userId="c66c7249b60d4ab2" providerId="LiveId" clId="{3F651B5E-9455-4528-ACB5-78281FA73816}" dt="2019-10-18T00:56:18.687" v="109" actId="20577"/>
+        <pc:sldMkLst>
+          <pc:docMk/>
+          <pc:sldMk cId="3797718599" sldId="345"/>
+        </pc:sldMkLst>
+        <pc:spChg chg="mod">
+          <ac:chgData name="william a" userId="c66c7249b60d4ab2" providerId="LiveId" clId="{3F651B5E-9455-4528-ACB5-78281FA73816}" dt="2019-10-18T00:56:18.687" v="109" actId="20577"/>
+          <ac:spMkLst>
+            <pc:docMk/>
+            <pc:sldMk cId="3797718599" sldId="345"/>
+            <ac:spMk id="2" creationId="{EF24CA04-327F-4A45-8923-92F6874B5AD6}"/>
+          </ac:spMkLst>
+        </pc:spChg>
+        <pc:spChg chg="mod">
+          <ac:chgData name="william a" userId="c66c7249b60d4ab2" providerId="LiveId" clId="{3F651B5E-9455-4528-ACB5-78281FA73816}" dt="2019-10-18T00:56:04.293" v="44" actId="20577"/>
+          <ac:spMkLst>
+            <pc:docMk/>
+            <pc:sldMk cId="3797718599" sldId="345"/>
+            <ac:spMk id="3" creationId="{53E16ADB-5B3B-4086-A261-D6274ABB7FBA}"/>
+          </ac:spMkLst>
+        </pc:spChg>
+      </pc:sldChg>
+      <pc:sldChg chg="modSp add ord">
+        <pc:chgData name="william a" userId="c66c7249b60d4ab2" providerId="LiveId" clId="{3F651B5E-9455-4528-ACB5-78281FA73816}" dt="2019-10-18T01:07:27.237" v="528"/>
+        <pc:sldMkLst>
+          <pc:docMk/>
+          <pc:sldMk cId="1033366313" sldId="347"/>
+        </pc:sldMkLst>
+        <pc:spChg chg="mod">
+          <ac:chgData name="william a" userId="c66c7249b60d4ab2" providerId="LiveId" clId="{3F651B5E-9455-4528-ACB5-78281FA73816}" dt="2019-10-18T01:00:06.800" v="430"/>
+          <ac:spMkLst>
+            <pc:docMk/>
+            <pc:sldMk cId="1033366313" sldId="347"/>
+            <ac:spMk id="2" creationId="{EF24CA04-327F-4A45-8923-92F6874B5AD6}"/>
+          </ac:spMkLst>
+        </pc:spChg>
+        <pc:spChg chg="mod">
+          <ac:chgData name="william a" userId="c66c7249b60d4ab2" providerId="LiveId" clId="{3F651B5E-9455-4528-ACB5-78281FA73816}" dt="2019-10-18T00:57:05.205" v="145" actId="20577"/>
+          <ac:spMkLst>
+            <pc:docMk/>
+            <pc:sldMk cId="1033366313" sldId="347"/>
+            <ac:spMk id="3" creationId="{53E16ADB-5B3B-4086-A261-D6274ABB7FBA}"/>
+          </ac:spMkLst>
+        </pc:spChg>
+      </pc:sldChg>
+      <pc:sldChg chg="modSp add">
+        <pc:chgData name="william a" userId="c66c7249b60d4ab2" providerId="LiveId" clId="{3F651B5E-9455-4528-ACB5-78281FA73816}" dt="2019-10-18T01:00:32.493" v="527" actId="20577"/>
+        <pc:sldMkLst>
+          <pc:docMk/>
+          <pc:sldMk cId="2363909983" sldId="348"/>
+        </pc:sldMkLst>
+        <pc:spChg chg="mod">
+          <ac:chgData name="william a" userId="c66c7249b60d4ab2" providerId="LiveId" clId="{3F651B5E-9455-4528-ACB5-78281FA73816}" dt="2019-10-18T01:00:32.493" v="527" actId="20577"/>
+          <ac:spMkLst>
+            <pc:docMk/>
+            <pc:sldMk cId="2363909983" sldId="348"/>
+            <ac:spMk id="2" creationId="{B3ADF4C9-17E7-4A38-9C43-7F6F1B602B98}"/>
+          </ac:spMkLst>
+        </pc:spChg>
+        <pc:spChg chg="mod">
+          <ac:chgData name="william a" userId="c66c7249b60d4ab2" providerId="LiveId" clId="{3F651B5E-9455-4528-ACB5-78281FA73816}" dt="2019-10-18T01:00:18.453" v="456" actId="20577"/>
+          <ac:spMkLst>
+            <pc:docMk/>
+            <pc:sldMk cId="2363909983" sldId="348"/>
+            <ac:spMk id="3" creationId="{26FBC2D6-8663-46AB-B95D-12060B43CE5C}"/>
+          </ac:spMkLst>
+        </pc:spChg>
+      </pc:sldChg>
+      <pc:sldChg chg="modSp add">
+        <pc:chgData name="william a" userId="c66c7249b60d4ab2" providerId="LiveId" clId="{3F651B5E-9455-4528-ACB5-78281FA73816}" dt="2019-10-18T01:10:13.482" v="668"/>
+        <pc:sldMkLst>
+          <pc:docMk/>
+          <pc:sldMk cId="2014374009" sldId="349"/>
+        </pc:sldMkLst>
+        <pc:spChg chg="mod">
+          <ac:chgData name="william a" userId="c66c7249b60d4ab2" providerId="LiveId" clId="{3F651B5E-9455-4528-ACB5-78281FA73816}" dt="2019-10-18T01:10:13.482" v="668"/>
+          <ac:spMkLst>
+            <pc:docMk/>
+            <pc:sldMk cId="2014374009" sldId="349"/>
+            <ac:spMk id="2" creationId="{EF24CA04-327F-4A45-8923-92F6874B5AD6}"/>
+          </ac:spMkLst>
+        </pc:spChg>
+        <pc:spChg chg="mod">
+          <ac:chgData name="william a" userId="c66c7249b60d4ab2" providerId="LiveId" clId="{3F651B5E-9455-4528-ACB5-78281FA73816}" dt="2019-10-18T01:07:36.457" v="561" actId="20577"/>
+          <ac:spMkLst>
+            <pc:docMk/>
+            <pc:sldMk cId="2014374009" sldId="349"/>
+            <ac:spMk id="3" creationId="{53E16ADB-5B3B-4086-A261-D6274ABB7FBA}"/>
+          </ac:spMkLst>
+        </pc:spChg>
+      </pc:sldChg>
+      <pc:sldChg chg="modSp add">
+        <pc:chgData name="william a" userId="c66c7249b60d4ab2" providerId="LiveId" clId="{3F651B5E-9455-4528-ACB5-78281FA73816}" dt="2019-10-18T01:14:36.252" v="1214" actId="20577"/>
+        <pc:sldMkLst>
+          <pc:docMk/>
+          <pc:sldMk cId="2137236302" sldId="350"/>
+        </pc:sldMkLst>
+        <pc:spChg chg="mod">
+          <ac:chgData name="william a" userId="c66c7249b60d4ab2" providerId="LiveId" clId="{3F651B5E-9455-4528-ACB5-78281FA73816}" dt="2019-10-18T01:14:36.252" v="1214" actId="20577"/>
+          <ac:spMkLst>
+            <pc:docMk/>
+            <pc:sldMk cId="2137236302" sldId="350"/>
+            <ac:spMk id="2" creationId="{EF24CA04-327F-4A45-8923-92F6874B5AD6}"/>
+          </ac:spMkLst>
+        </pc:spChg>
+      </pc:sldChg>
+      <pc:sldChg chg="modSp add">
+        <pc:chgData name="william a" userId="c66c7249b60d4ab2" providerId="LiveId" clId="{3F651B5E-9455-4528-ACB5-78281FA73816}" dt="2019-10-18T01:17:08.414" v="1557" actId="113"/>
+        <pc:sldMkLst>
+          <pc:docMk/>
+          <pc:sldMk cId="3720744517" sldId="351"/>
+        </pc:sldMkLst>
+        <pc:spChg chg="mod">
+          <ac:chgData name="william a" userId="c66c7249b60d4ab2" providerId="LiveId" clId="{3F651B5E-9455-4528-ACB5-78281FA73816}" dt="2019-10-18T01:17:08.414" v="1557" actId="113"/>
+          <ac:spMkLst>
+            <pc:docMk/>
+            <pc:sldMk cId="3720744517" sldId="351"/>
+            <ac:spMk id="2" creationId="{EF24CA04-327F-4A45-8923-92F6874B5AD6}"/>
+          </ac:spMkLst>
+        </pc:spChg>
+        <pc:spChg chg="mod">
+          <ac:chgData name="william a" userId="c66c7249b60d4ab2" providerId="LiveId" clId="{3F651B5E-9455-4528-ACB5-78281FA73816}" dt="2019-10-18T01:15:30.405" v="1291" actId="20577"/>
+          <ac:spMkLst>
+            <pc:docMk/>
+            <pc:sldMk cId="3720744517" sldId="351"/>
+            <ac:spMk id="3" creationId="{53E16ADB-5B3B-4086-A261-D6274ABB7FBA}"/>
+          </ac:spMkLst>
+        </pc:spChg>
+      </pc:sldChg>
+      <pc:sldChg chg="modSp add">
+        <pc:chgData name="william a" userId="c66c7249b60d4ab2" providerId="LiveId" clId="{3F651B5E-9455-4528-ACB5-78281FA73816}" dt="2019-10-18T01:19:14.014" v="2035" actId="20577"/>
+        <pc:sldMkLst>
+          <pc:docMk/>
+          <pc:sldMk cId="1944552648" sldId="352"/>
+        </pc:sldMkLst>
+        <pc:spChg chg="mod">
+          <ac:chgData name="william a" userId="c66c7249b60d4ab2" providerId="LiveId" clId="{3F651B5E-9455-4528-ACB5-78281FA73816}" dt="2019-10-18T01:19:14.014" v="2035" actId="20577"/>
+          <ac:spMkLst>
+            <pc:docMk/>
+            <pc:sldMk cId="1944552648" sldId="352"/>
+            <ac:spMk id="2" creationId="{EF24CA04-327F-4A45-8923-92F6874B5AD6}"/>
+          </ac:spMkLst>
+        </pc:spChg>
+      </pc:sldChg>
+    </pc:docChg>
+  </pc:docChgLst>
 </pc:chgInfo>
 </file>
 
@@ -2724,7 +2947,7 @@
           <a:p>
             <a:fld id="{2FDEA226-1950-9346-BBCC-45D214247BC3}" type="datetimeFigureOut">
               <a:rPr lang="en-US" smtClean="0"/>
-              <a:t>9/26/2019</a:t>
+              <a:t>10/17/2019</a:t>
             </a:fld>
             <a:endParaRPr lang="en-US"/>
           </a:p>
@@ -2824,7 +3047,7 @@
           <a:p>
             <a:fld id="{A76353FC-0869-45D3-95AF-CC29198471C2}" type="datetimeFigureOut">
               <a:rPr lang="en-US" smtClean="0"/>
-              <a:t>9/26/2019</a:t>
+              <a:t>10/17/2019</a:t>
             </a:fld>
             <a:endParaRPr lang="en-US"/>
           </a:p>
@@ -3290,7 +3513,7 @@
           <a:p>
             <a:fld id="{DDD65AC4-17B0-4E19-8496-B264E70A18D3}" type="slidenum">
               <a:rPr lang="en-US" smtClean="0"/>
-              <a:t>10</a:t>
+              <a:t>11</a:t>
             </a:fld>
             <a:endParaRPr lang="en-US"/>
           </a:p>
@@ -3299,7 +3522,7 @@
     </p:spTree>
     <p:extLst>
       <p:ext uri="{BB962C8B-B14F-4D97-AF65-F5344CB8AC3E}">
-        <p14:creationId xmlns:p14="http://schemas.microsoft.com/office/powerpoint/2010/main" val="3798782804"/>
+        <p14:creationId xmlns:p14="http://schemas.microsoft.com/office/powerpoint/2010/main" val="1861916887"/>
       </p:ext>
     </p:extLst>
   </p:cSld>
@@ -3374,7 +3597,7 @@
           <a:p>
             <a:fld id="{DDD65AC4-17B0-4E19-8496-B264E70A18D3}" type="slidenum">
               <a:rPr lang="en-US" smtClean="0"/>
-              <a:t>11</a:t>
+              <a:t>12</a:t>
             </a:fld>
             <a:endParaRPr lang="en-US"/>
           </a:p>
@@ -3383,7 +3606,7 @@
     </p:spTree>
     <p:extLst>
       <p:ext uri="{BB962C8B-B14F-4D97-AF65-F5344CB8AC3E}">
-        <p14:creationId xmlns:p14="http://schemas.microsoft.com/office/powerpoint/2010/main" val="2436583702"/>
+        <p14:creationId xmlns:p14="http://schemas.microsoft.com/office/powerpoint/2010/main" val="3798782804"/>
       </p:ext>
     </p:extLst>
   </p:cSld>
@@ -3458,7 +3681,7 @@
           <a:p>
             <a:fld id="{DDD65AC4-17B0-4E19-8496-B264E70A18D3}" type="slidenum">
               <a:rPr lang="en-US" smtClean="0"/>
-              <a:t>12</a:t>
+              <a:t>13</a:t>
             </a:fld>
             <a:endParaRPr lang="en-US"/>
           </a:p>
@@ -3467,7 +3690,7 @@
     </p:spTree>
     <p:extLst>
       <p:ext uri="{BB962C8B-B14F-4D97-AF65-F5344CB8AC3E}">
-        <p14:creationId xmlns:p14="http://schemas.microsoft.com/office/powerpoint/2010/main" val="2325946810"/>
+        <p14:creationId xmlns:p14="http://schemas.microsoft.com/office/powerpoint/2010/main" val="2436583702"/>
       </p:ext>
     </p:extLst>
   </p:cSld>
@@ -3542,7 +3765,7 @@
           <a:p>
             <a:fld id="{DDD65AC4-17B0-4E19-8496-B264E70A18D3}" type="slidenum">
               <a:rPr lang="en-US" smtClean="0"/>
-              <a:t>13</a:t>
+              <a:t>14</a:t>
             </a:fld>
             <a:endParaRPr lang="en-US"/>
           </a:p>
@@ -3551,7 +3774,7 @@
     </p:spTree>
     <p:extLst>
       <p:ext uri="{BB962C8B-B14F-4D97-AF65-F5344CB8AC3E}">
-        <p14:creationId xmlns:p14="http://schemas.microsoft.com/office/powerpoint/2010/main" val="3486578936"/>
+        <p14:creationId xmlns:p14="http://schemas.microsoft.com/office/powerpoint/2010/main" val="3021706624"/>
       </p:ext>
     </p:extLst>
   </p:cSld>
@@ -3626,7 +3849,7 @@
           <a:p>
             <a:fld id="{DDD65AC4-17B0-4E19-8496-B264E70A18D3}" type="slidenum">
               <a:rPr lang="en-US" smtClean="0"/>
-              <a:t>14</a:t>
+              <a:t>15</a:t>
             </a:fld>
             <a:endParaRPr lang="en-US"/>
           </a:p>
@@ -3635,7 +3858,7 @@
     </p:spTree>
     <p:extLst>
       <p:ext uri="{BB962C8B-B14F-4D97-AF65-F5344CB8AC3E}">
-        <p14:creationId xmlns:p14="http://schemas.microsoft.com/office/powerpoint/2010/main" val="2074399030"/>
+        <p14:creationId xmlns:p14="http://schemas.microsoft.com/office/powerpoint/2010/main" val="1971921015"/>
       </p:ext>
     </p:extLst>
   </p:cSld>
@@ -3710,7 +3933,7 @@
           <a:p>
             <a:fld id="{DDD65AC4-17B0-4E19-8496-B264E70A18D3}" type="slidenum">
               <a:rPr lang="en-US" smtClean="0"/>
-              <a:t>15</a:t>
+              <a:t>16</a:t>
             </a:fld>
             <a:endParaRPr lang="en-US"/>
           </a:p>
@@ -3719,7 +3942,7 @@
     </p:spTree>
     <p:extLst>
       <p:ext uri="{BB962C8B-B14F-4D97-AF65-F5344CB8AC3E}">
-        <p14:creationId xmlns:p14="http://schemas.microsoft.com/office/powerpoint/2010/main" val="265881301"/>
+        <p14:creationId xmlns:p14="http://schemas.microsoft.com/office/powerpoint/2010/main" val="2158867222"/>
       </p:ext>
     </p:extLst>
   </p:cSld>
@@ -3794,7 +4017,7 @@
           <a:p>
             <a:fld id="{DDD65AC4-17B0-4E19-8496-B264E70A18D3}" type="slidenum">
               <a:rPr lang="en-US" smtClean="0"/>
-              <a:t>16</a:t>
+              <a:t>17</a:t>
             </a:fld>
             <a:endParaRPr lang="en-US"/>
           </a:p>
@@ -3803,7 +4026,7 @@
     </p:spTree>
     <p:extLst>
       <p:ext uri="{BB962C8B-B14F-4D97-AF65-F5344CB8AC3E}">
-        <p14:creationId xmlns:p14="http://schemas.microsoft.com/office/powerpoint/2010/main" val="2342182107"/>
+        <p14:creationId xmlns:p14="http://schemas.microsoft.com/office/powerpoint/2010/main" val="2104492990"/>
       </p:ext>
     </p:extLst>
   </p:cSld>
@@ -3878,7 +4101,7 @@
           <a:p>
             <a:fld id="{DDD65AC4-17B0-4E19-8496-B264E70A18D3}" type="slidenum">
               <a:rPr lang="en-US" smtClean="0"/>
-              <a:t>17</a:t>
+              <a:t>18</a:t>
             </a:fld>
             <a:endParaRPr lang="en-US"/>
           </a:p>
@@ -3887,7 +4110,7 @@
     </p:spTree>
     <p:extLst>
       <p:ext uri="{BB962C8B-B14F-4D97-AF65-F5344CB8AC3E}">
-        <p14:creationId xmlns:p14="http://schemas.microsoft.com/office/powerpoint/2010/main" val="2571606889"/>
+        <p14:creationId xmlns:p14="http://schemas.microsoft.com/office/powerpoint/2010/main" val="1320978233"/>
       </p:ext>
     </p:extLst>
   </p:cSld>
@@ -3941,7 +4164,48 @@
           <a:bodyPr/>
           <a:lstStyle/>
           <a:p>
-            <a:endParaRPr lang="en-CA"/>
+            <a:r>
+              <a:rPr lang="en-US" i="1" dirty="0"/>
+              <a:t>[Moderator Part]</a:t>
+            </a:r>
+          </a:p>
+          <a:p>
+            <a:endParaRPr lang="en-US" i="1" dirty="0"/>
+          </a:p>
+          <a:p>
+            <a:pPr marL="0" marR="0" lvl="0" indent="0" algn="l" defTabSz="914400" rtl="0" eaLnBrk="1" fontAlgn="auto" latinLnBrk="0" hangingPunct="1">
+              <a:lnSpc>
+                <a:spcPct val="100000"/>
+              </a:lnSpc>
+              <a:spcBef>
+                <a:spcPts val="0"/>
+              </a:spcBef>
+              <a:spcAft>
+                <a:spcPts val="0"/>
+              </a:spcAft>
+              <a:buClrTx/>
+              <a:buSzTx/>
+              <a:buFontTx/>
+              <a:buNone/>
+              <a:tabLst/>
+              <a:defRPr/>
+            </a:pPr>
+            <a:r>
+              <a:rPr lang="en-US" sz="1200" i="1" kern="1200" dirty="0">
+                <a:solidFill>
+                  <a:schemeClr val="tx1"/>
+                </a:solidFill>
+                <a:effectLst/>
+                <a:latin typeface="+mn-lt"/>
+                <a:ea typeface="+mn-ea"/>
+                <a:cs typeface="+mn-cs"/>
+              </a:rPr>
+              <a:t>The moderator’s script will be added in this section after deck submission.</a:t>
+            </a:r>
+            <a:endParaRPr lang="en-CA" b="1" i="1" baseline="0" dirty="0"/>
+          </a:p>
+          <a:p>
+            <a:endParaRPr lang="en-CA" dirty="0"/>
           </a:p>
         </p:txBody>
       </p:sp>
@@ -3962,7 +4226,7 @@
           <a:p>
             <a:fld id="{DDD65AC4-17B0-4E19-8496-B264E70A18D3}" type="slidenum">
               <a:rPr lang="en-US" smtClean="0"/>
-              <a:t>18</a:t>
+              <a:t>19</a:t>
             </a:fld>
             <a:endParaRPr lang="en-US"/>
           </a:p>
@@ -3971,7 +4235,7 @@
     </p:spTree>
     <p:extLst>
       <p:ext uri="{BB962C8B-B14F-4D97-AF65-F5344CB8AC3E}">
-        <p14:creationId xmlns:p14="http://schemas.microsoft.com/office/powerpoint/2010/main" val="161478688"/>
+        <p14:creationId xmlns:p14="http://schemas.microsoft.com/office/powerpoint/2010/main" val="4081027143"/>
       </p:ext>
     </p:extLst>
   </p:cSld>
@@ -4025,7 +4289,48 @@
           <a:bodyPr/>
           <a:lstStyle/>
           <a:p>
-            <a:endParaRPr lang="en-CA"/>
+            <a:r>
+              <a:rPr lang="en-US" i="1" dirty="0"/>
+              <a:t>[Moderator Part]</a:t>
+            </a:r>
+          </a:p>
+          <a:p>
+            <a:endParaRPr lang="en-US" i="1" dirty="0"/>
+          </a:p>
+          <a:p>
+            <a:pPr marL="0" marR="0" lvl="0" indent="0" algn="l" defTabSz="914400" rtl="0" eaLnBrk="1" fontAlgn="auto" latinLnBrk="0" hangingPunct="1">
+              <a:lnSpc>
+                <a:spcPct val="100000"/>
+              </a:lnSpc>
+              <a:spcBef>
+                <a:spcPts val="0"/>
+              </a:spcBef>
+              <a:spcAft>
+                <a:spcPts val="0"/>
+              </a:spcAft>
+              <a:buClrTx/>
+              <a:buSzTx/>
+              <a:buFontTx/>
+              <a:buNone/>
+              <a:tabLst/>
+              <a:defRPr/>
+            </a:pPr>
+            <a:r>
+              <a:rPr lang="en-US" sz="1200" i="1" kern="1200" dirty="0">
+                <a:solidFill>
+                  <a:schemeClr val="tx1"/>
+                </a:solidFill>
+                <a:effectLst/>
+                <a:latin typeface="+mn-lt"/>
+                <a:ea typeface="+mn-ea"/>
+                <a:cs typeface="+mn-cs"/>
+              </a:rPr>
+              <a:t>The moderator’s script will be added in this section after deck submission.</a:t>
+            </a:r>
+            <a:endParaRPr lang="en-CA" b="1" i="1" baseline="0" dirty="0"/>
+          </a:p>
+          <a:p>
+            <a:endParaRPr lang="en-US" dirty="0"/>
           </a:p>
         </p:txBody>
       </p:sp>
@@ -4044,18 +4349,78 @@
           <a:bodyPr/>
           <a:lstStyle/>
           <a:p>
+            <a:pPr marL="0" marR="0" lvl="0" indent="0" algn="r" defTabSz="914400" rtl="0" eaLnBrk="1" fontAlgn="auto" latinLnBrk="0" hangingPunct="1">
+              <a:lnSpc>
+                <a:spcPct val="100000"/>
+              </a:lnSpc>
+              <a:spcBef>
+                <a:spcPts val="0"/>
+              </a:spcBef>
+              <a:spcAft>
+                <a:spcPts val="0"/>
+              </a:spcAft>
+              <a:buClrTx/>
+              <a:buSzTx/>
+              <a:buFontTx/>
+              <a:buNone/>
+              <a:tabLst/>
+              <a:defRPr/>
+            </a:pPr>
             <a:fld id="{DDD65AC4-17B0-4E19-8496-B264E70A18D3}" type="slidenum">
-              <a:rPr lang="en-US" smtClean="0"/>
-              <a:t>19</a:t>
+              <a:rPr kumimoji="0" lang="en-US" sz="1200" b="0" i="0" u="none" strike="noStrike" kern="1200" cap="none" spc="0" normalizeH="0" baseline="0" noProof="0" smtClean="0">
+                <a:ln>
+                  <a:noFill/>
+                </a:ln>
+                <a:solidFill>
+                  <a:prstClr val="black"/>
+                </a:solidFill>
+                <a:effectLst/>
+                <a:uLnTx/>
+                <a:uFillTx/>
+                <a:latin typeface="Calibri"/>
+                <a:ea typeface="+mn-ea"/>
+                <a:cs typeface="+mn-cs"/>
+              </a:rPr>
+              <a:pPr marL="0" marR="0" lvl="0" indent="0" algn="r" defTabSz="914400" rtl="0" eaLnBrk="1" fontAlgn="auto" latinLnBrk="0" hangingPunct="1">
+                <a:lnSpc>
+                  <a:spcPct val="100000"/>
+                </a:lnSpc>
+                <a:spcBef>
+                  <a:spcPts val="0"/>
+                </a:spcBef>
+                <a:spcAft>
+                  <a:spcPts val="0"/>
+                </a:spcAft>
+                <a:buClrTx/>
+                <a:buSzTx/>
+                <a:buFontTx/>
+                <a:buNone/>
+                <a:tabLst/>
+                <a:defRPr/>
+              </a:pPr>
+              <a:t>20</a:t>
             </a:fld>
-            <a:endParaRPr lang="en-US"/>
+            <a:endParaRPr kumimoji="0" lang="en-US" sz="1200" b="0" i="0" u="none" strike="noStrike" kern="1200" cap="none" spc="0" normalizeH="0" baseline="0" noProof="0">
+              <a:ln>
+                <a:noFill/>
+              </a:ln>
+              <a:solidFill>
+                <a:prstClr val="black"/>
+              </a:solidFill>
+              <a:effectLst/>
+              <a:uLnTx/>
+              <a:uFillTx/>
+              <a:latin typeface="Calibri"/>
+              <a:ea typeface="+mn-ea"/>
+              <a:cs typeface="+mn-cs"/>
+            </a:endParaRPr>
           </a:p>
         </p:txBody>
       </p:sp>
     </p:spTree>
     <p:extLst>
       <p:ext uri="{BB962C8B-B14F-4D97-AF65-F5344CB8AC3E}">
-        <p14:creationId xmlns:p14="http://schemas.microsoft.com/office/powerpoint/2010/main" val="1024569313"/>
+        <p14:creationId xmlns:p14="http://schemas.microsoft.com/office/powerpoint/2010/main" val="1789313780"/>
       </p:ext>
     </p:extLst>
   </p:cSld>
@@ -4359,7 +4724,7 @@
           <a:bodyPr/>
           <a:lstStyle/>
           <a:p>
-            <a:endParaRPr lang="en-CA" dirty="0"/>
+            <a:endParaRPr lang="en-CA"/>
           </a:p>
         </p:txBody>
       </p:sp>
@@ -4380,569 +4745,7 @@
           <a:p>
             <a:fld id="{DDD65AC4-17B0-4E19-8496-B264E70A18D3}" type="slidenum">
               <a:rPr lang="en-US" smtClean="0"/>
-              <a:t>20</a:t>
-            </a:fld>
-            <a:endParaRPr lang="en-US"/>
-          </a:p>
-        </p:txBody>
-      </p:sp>
-    </p:spTree>
-    <p:extLst>
-      <p:ext uri="{BB962C8B-B14F-4D97-AF65-F5344CB8AC3E}">
-        <p14:creationId xmlns:p14="http://schemas.microsoft.com/office/powerpoint/2010/main" val="2800007118"/>
-      </p:ext>
-    </p:extLst>
-  </p:cSld>
-  <p:clrMapOvr>
-    <a:masterClrMapping/>
-  </p:clrMapOvr>
-</p:notes>
-</file>
-
-<file path=ppt/notesSlides/notesSlide21.xml><?xml version="1.0" encoding="utf-8"?>
-<p:notes xmlns:a="http://schemas.openxmlformats.org/drawingml/2006/main" xmlns:r="http://schemas.openxmlformats.org/officeDocument/2006/relationships" xmlns:p="http://schemas.openxmlformats.org/presentationml/2006/main">
-  <p:cSld>
-    <p:spTree>
-      <p:nvGrpSpPr>
-        <p:cNvPr id="1" name=""/>
-        <p:cNvGrpSpPr/>
-        <p:nvPr/>
-      </p:nvGrpSpPr>
-      <p:grpSpPr>
-        <a:xfrm>
-          <a:off x="0" y="0"/>
-          <a:ext cx="0" cy="0"/>
-          <a:chOff x="0" y="0"/>
-          <a:chExt cx="0" cy="0"/>
-        </a:xfrm>
-      </p:grpSpPr>
-      <p:sp>
-        <p:nvSpPr>
-          <p:cNvPr id="2" name="Slide Image Placeholder 1"/>
-          <p:cNvSpPr>
-            <a:spLocks noGrp="1" noRot="1" noChangeAspect="1"/>
-          </p:cNvSpPr>
-          <p:nvPr>
-            <p:ph type="sldImg"/>
-          </p:nvPr>
-        </p:nvSpPr>
-        <p:spPr/>
-      </p:sp>
-      <p:sp>
-        <p:nvSpPr>
-          <p:cNvPr id="3" name="Notes Placeholder 2"/>
-          <p:cNvSpPr>
-            <a:spLocks noGrp="1"/>
-          </p:cNvSpPr>
-          <p:nvPr>
-            <p:ph type="body" idx="1"/>
-          </p:nvPr>
-        </p:nvSpPr>
-        <p:spPr/>
-        <p:txBody>
-          <a:bodyPr/>
-          <a:lstStyle/>
-          <a:p>
-            <a:endParaRPr lang="en-CA"/>
-          </a:p>
-        </p:txBody>
-      </p:sp>
-      <p:sp>
-        <p:nvSpPr>
-          <p:cNvPr id="4" name="Slide Number Placeholder 3"/>
-          <p:cNvSpPr>
-            <a:spLocks noGrp="1"/>
-          </p:cNvSpPr>
-          <p:nvPr>
-            <p:ph type="sldNum" sz="quarter" idx="10"/>
-          </p:nvPr>
-        </p:nvSpPr>
-        <p:spPr/>
-        <p:txBody>
-          <a:bodyPr/>
-          <a:lstStyle/>
-          <a:p>
-            <a:fld id="{DDD65AC4-17B0-4E19-8496-B264E70A18D3}" type="slidenum">
-              <a:rPr lang="en-US" smtClean="0"/>
               <a:t>21</a:t>
-            </a:fld>
-            <a:endParaRPr lang="en-US"/>
-          </a:p>
-        </p:txBody>
-      </p:sp>
-    </p:spTree>
-    <p:extLst>
-      <p:ext uri="{BB962C8B-B14F-4D97-AF65-F5344CB8AC3E}">
-        <p14:creationId xmlns:p14="http://schemas.microsoft.com/office/powerpoint/2010/main" val="971643684"/>
-      </p:ext>
-    </p:extLst>
-  </p:cSld>
-  <p:clrMapOvr>
-    <a:masterClrMapping/>
-  </p:clrMapOvr>
-</p:notes>
-</file>
-
-<file path=ppt/notesSlides/notesSlide22.xml><?xml version="1.0" encoding="utf-8"?>
-<p:notes xmlns:a="http://schemas.openxmlformats.org/drawingml/2006/main" xmlns:r="http://schemas.openxmlformats.org/officeDocument/2006/relationships" xmlns:p="http://schemas.openxmlformats.org/presentationml/2006/main">
-  <p:cSld>
-    <p:spTree>
-      <p:nvGrpSpPr>
-        <p:cNvPr id="1" name=""/>
-        <p:cNvGrpSpPr/>
-        <p:nvPr/>
-      </p:nvGrpSpPr>
-      <p:grpSpPr>
-        <a:xfrm>
-          <a:off x="0" y="0"/>
-          <a:ext cx="0" cy="0"/>
-          <a:chOff x="0" y="0"/>
-          <a:chExt cx="0" cy="0"/>
-        </a:xfrm>
-      </p:grpSpPr>
-      <p:sp>
-        <p:nvSpPr>
-          <p:cNvPr id="2" name="Slide Image Placeholder 1"/>
-          <p:cNvSpPr>
-            <a:spLocks noGrp="1" noRot="1" noChangeAspect="1"/>
-          </p:cNvSpPr>
-          <p:nvPr>
-            <p:ph type="sldImg"/>
-          </p:nvPr>
-        </p:nvSpPr>
-        <p:spPr/>
-      </p:sp>
-      <p:sp>
-        <p:nvSpPr>
-          <p:cNvPr id="3" name="Notes Placeholder 2"/>
-          <p:cNvSpPr>
-            <a:spLocks noGrp="1"/>
-          </p:cNvSpPr>
-          <p:nvPr>
-            <p:ph type="body" idx="1"/>
-          </p:nvPr>
-        </p:nvSpPr>
-        <p:spPr/>
-        <p:txBody>
-          <a:bodyPr/>
-          <a:lstStyle/>
-          <a:p>
-            <a:endParaRPr lang="en-CA"/>
-          </a:p>
-        </p:txBody>
-      </p:sp>
-      <p:sp>
-        <p:nvSpPr>
-          <p:cNvPr id="4" name="Slide Number Placeholder 3"/>
-          <p:cNvSpPr>
-            <a:spLocks noGrp="1"/>
-          </p:cNvSpPr>
-          <p:nvPr>
-            <p:ph type="sldNum" sz="quarter" idx="10"/>
-          </p:nvPr>
-        </p:nvSpPr>
-        <p:spPr/>
-        <p:txBody>
-          <a:bodyPr/>
-          <a:lstStyle/>
-          <a:p>
-            <a:fld id="{DDD65AC4-17B0-4E19-8496-B264E70A18D3}" type="slidenum">
-              <a:rPr lang="en-US" smtClean="0"/>
-              <a:t>22</a:t>
-            </a:fld>
-            <a:endParaRPr lang="en-US"/>
-          </a:p>
-        </p:txBody>
-      </p:sp>
-    </p:spTree>
-    <p:extLst>
-      <p:ext uri="{BB962C8B-B14F-4D97-AF65-F5344CB8AC3E}">
-        <p14:creationId xmlns:p14="http://schemas.microsoft.com/office/powerpoint/2010/main" val="1320978233"/>
-      </p:ext>
-    </p:extLst>
-  </p:cSld>
-  <p:clrMapOvr>
-    <a:masterClrMapping/>
-  </p:clrMapOvr>
-</p:notes>
-</file>
-
-<file path=ppt/notesSlides/notesSlide23.xml><?xml version="1.0" encoding="utf-8"?>
-<p:notes xmlns:a="http://schemas.openxmlformats.org/drawingml/2006/main" xmlns:r="http://schemas.openxmlformats.org/officeDocument/2006/relationships" xmlns:p="http://schemas.openxmlformats.org/presentationml/2006/main">
-  <p:cSld>
-    <p:spTree>
-      <p:nvGrpSpPr>
-        <p:cNvPr id="1" name=""/>
-        <p:cNvGrpSpPr/>
-        <p:nvPr/>
-      </p:nvGrpSpPr>
-      <p:grpSpPr>
-        <a:xfrm>
-          <a:off x="0" y="0"/>
-          <a:ext cx="0" cy="0"/>
-          <a:chOff x="0" y="0"/>
-          <a:chExt cx="0" cy="0"/>
-        </a:xfrm>
-      </p:grpSpPr>
-      <p:sp>
-        <p:nvSpPr>
-          <p:cNvPr id="2" name="Slide Image Placeholder 1"/>
-          <p:cNvSpPr>
-            <a:spLocks noGrp="1" noRot="1" noChangeAspect="1"/>
-          </p:cNvSpPr>
-          <p:nvPr>
-            <p:ph type="sldImg"/>
-          </p:nvPr>
-        </p:nvSpPr>
-        <p:spPr/>
-      </p:sp>
-      <p:sp>
-        <p:nvSpPr>
-          <p:cNvPr id="3" name="Notes Placeholder 2"/>
-          <p:cNvSpPr>
-            <a:spLocks noGrp="1"/>
-          </p:cNvSpPr>
-          <p:nvPr>
-            <p:ph type="body" idx="1"/>
-          </p:nvPr>
-        </p:nvSpPr>
-        <p:spPr/>
-        <p:txBody>
-          <a:bodyPr/>
-          <a:lstStyle/>
-          <a:p>
-            <a:r>
-              <a:rPr lang="en-US" i="1" dirty="0"/>
-              <a:t>[Moderator Part]</a:t>
-            </a:r>
-          </a:p>
-          <a:p>
-            <a:endParaRPr lang="en-US" i="1" dirty="0"/>
-          </a:p>
-          <a:p>
-            <a:pPr marL="0" marR="0" lvl="0" indent="0" algn="l" defTabSz="914400" rtl="0" eaLnBrk="1" fontAlgn="auto" latinLnBrk="0" hangingPunct="1">
-              <a:lnSpc>
-                <a:spcPct val="100000"/>
-              </a:lnSpc>
-              <a:spcBef>
-                <a:spcPts val="0"/>
-              </a:spcBef>
-              <a:spcAft>
-                <a:spcPts val="0"/>
-              </a:spcAft>
-              <a:buClrTx/>
-              <a:buSzTx/>
-              <a:buFontTx/>
-              <a:buNone/>
-              <a:tabLst/>
-              <a:defRPr/>
-            </a:pPr>
-            <a:r>
-              <a:rPr lang="en-US" sz="1200" i="1" kern="1200" dirty="0">
-                <a:solidFill>
-                  <a:schemeClr val="tx1"/>
-                </a:solidFill>
-                <a:effectLst/>
-                <a:latin typeface="+mn-lt"/>
-                <a:ea typeface="+mn-ea"/>
-                <a:cs typeface="+mn-cs"/>
-              </a:rPr>
-              <a:t>The moderator’s script will be added in this section after deck submission.</a:t>
-            </a:r>
-            <a:endParaRPr lang="en-CA" b="1" i="1" baseline="0" dirty="0"/>
-          </a:p>
-          <a:p>
-            <a:endParaRPr lang="en-CA" dirty="0"/>
-          </a:p>
-        </p:txBody>
-      </p:sp>
-      <p:sp>
-        <p:nvSpPr>
-          <p:cNvPr id="4" name="Slide Number Placeholder 3"/>
-          <p:cNvSpPr>
-            <a:spLocks noGrp="1"/>
-          </p:cNvSpPr>
-          <p:nvPr>
-            <p:ph type="sldNum" sz="quarter" idx="10"/>
-          </p:nvPr>
-        </p:nvSpPr>
-        <p:spPr/>
-        <p:txBody>
-          <a:bodyPr/>
-          <a:lstStyle/>
-          <a:p>
-            <a:fld id="{DDD65AC4-17B0-4E19-8496-B264E70A18D3}" type="slidenum">
-              <a:rPr lang="en-US" smtClean="0"/>
-              <a:t>23</a:t>
-            </a:fld>
-            <a:endParaRPr lang="en-US"/>
-          </a:p>
-        </p:txBody>
-      </p:sp>
-    </p:spTree>
-    <p:extLst>
-      <p:ext uri="{BB962C8B-B14F-4D97-AF65-F5344CB8AC3E}">
-        <p14:creationId xmlns:p14="http://schemas.microsoft.com/office/powerpoint/2010/main" val="4081027143"/>
-      </p:ext>
-    </p:extLst>
-  </p:cSld>
-  <p:clrMapOvr>
-    <a:masterClrMapping/>
-  </p:clrMapOvr>
-</p:notes>
-</file>
-
-<file path=ppt/notesSlides/notesSlide24.xml><?xml version="1.0" encoding="utf-8"?>
-<p:notes xmlns:a="http://schemas.openxmlformats.org/drawingml/2006/main" xmlns:r="http://schemas.openxmlformats.org/officeDocument/2006/relationships" xmlns:p="http://schemas.openxmlformats.org/presentationml/2006/main">
-  <p:cSld>
-    <p:spTree>
-      <p:nvGrpSpPr>
-        <p:cNvPr id="1" name=""/>
-        <p:cNvGrpSpPr/>
-        <p:nvPr/>
-      </p:nvGrpSpPr>
-      <p:grpSpPr>
-        <a:xfrm>
-          <a:off x="0" y="0"/>
-          <a:ext cx="0" cy="0"/>
-          <a:chOff x="0" y="0"/>
-          <a:chExt cx="0" cy="0"/>
-        </a:xfrm>
-      </p:grpSpPr>
-      <p:sp>
-        <p:nvSpPr>
-          <p:cNvPr id="2" name="Slide Image Placeholder 1"/>
-          <p:cNvSpPr>
-            <a:spLocks noGrp="1" noRot="1" noChangeAspect="1"/>
-          </p:cNvSpPr>
-          <p:nvPr>
-            <p:ph type="sldImg"/>
-          </p:nvPr>
-        </p:nvSpPr>
-        <p:spPr/>
-      </p:sp>
-      <p:sp>
-        <p:nvSpPr>
-          <p:cNvPr id="3" name="Notes Placeholder 2"/>
-          <p:cNvSpPr>
-            <a:spLocks noGrp="1"/>
-          </p:cNvSpPr>
-          <p:nvPr>
-            <p:ph type="body" idx="1"/>
-          </p:nvPr>
-        </p:nvSpPr>
-        <p:spPr/>
-        <p:txBody>
-          <a:bodyPr/>
-          <a:lstStyle/>
-          <a:p>
-            <a:r>
-              <a:rPr lang="en-US" i="1" dirty="0"/>
-              <a:t>[Moderator Part]</a:t>
-            </a:r>
-          </a:p>
-          <a:p>
-            <a:endParaRPr lang="en-US" i="1" dirty="0"/>
-          </a:p>
-          <a:p>
-            <a:pPr marL="0" marR="0" lvl="0" indent="0" algn="l" defTabSz="914400" rtl="0" eaLnBrk="1" fontAlgn="auto" latinLnBrk="0" hangingPunct="1">
-              <a:lnSpc>
-                <a:spcPct val="100000"/>
-              </a:lnSpc>
-              <a:spcBef>
-                <a:spcPts val="0"/>
-              </a:spcBef>
-              <a:spcAft>
-                <a:spcPts val="0"/>
-              </a:spcAft>
-              <a:buClrTx/>
-              <a:buSzTx/>
-              <a:buFontTx/>
-              <a:buNone/>
-              <a:tabLst/>
-              <a:defRPr/>
-            </a:pPr>
-            <a:r>
-              <a:rPr lang="en-US" sz="1200" i="1" kern="1200" dirty="0">
-                <a:solidFill>
-                  <a:schemeClr val="tx1"/>
-                </a:solidFill>
-                <a:effectLst/>
-                <a:latin typeface="+mn-lt"/>
-                <a:ea typeface="+mn-ea"/>
-                <a:cs typeface="+mn-cs"/>
-              </a:rPr>
-              <a:t>The moderator’s script will be added in this section after deck submission.</a:t>
-            </a:r>
-            <a:endParaRPr lang="en-CA" b="1" i="1" baseline="0" dirty="0"/>
-          </a:p>
-          <a:p>
-            <a:endParaRPr lang="en-US" dirty="0"/>
-          </a:p>
-        </p:txBody>
-      </p:sp>
-      <p:sp>
-        <p:nvSpPr>
-          <p:cNvPr id="4" name="Slide Number Placeholder 3"/>
-          <p:cNvSpPr>
-            <a:spLocks noGrp="1"/>
-          </p:cNvSpPr>
-          <p:nvPr>
-            <p:ph type="sldNum" sz="quarter" idx="10"/>
-          </p:nvPr>
-        </p:nvSpPr>
-        <p:spPr/>
-        <p:txBody>
-          <a:bodyPr/>
-          <a:lstStyle/>
-          <a:p>
-            <a:pPr marL="0" marR="0" lvl="0" indent="0" algn="r" defTabSz="914400" rtl="0" eaLnBrk="1" fontAlgn="auto" latinLnBrk="0" hangingPunct="1">
-              <a:lnSpc>
-                <a:spcPct val="100000"/>
-              </a:lnSpc>
-              <a:spcBef>
-                <a:spcPts val="0"/>
-              </a:spcBef>
-              <a:spcAft>
-                <a:spcPts val="0"/>
-              </a:spcAft>
-              <a:buClrTx/>
-              <a:buSzTx/>
-              <a:buFontTx/>
-              <a:buNone/>
-              <a:tabLst/>
-              <a:defRPr/>
-            </a:pPr>
-            <a:fld id="{DDD65AC4-17B0-4E19-8496-B264E70A18D3}" type="slidenum">
-              <a:rPr kumimoji="0" lang="en-US" sz="1200" b="0" i="0" u="none" strike="noStrike" kern="1200" cap="none" spc="0" normalizeH="0" baseline="0" noProof="0" smtClean="0">
-                <a:ln>
-                  <a:noFill/>
-                </a:ln>
-                <a:solidFill>
-                  <a:prstClr val="black"/>
-                </a:solidFill>
-                <a:effectLst/>
-                <a:uLnTx/>
-                <a:uFillTx/>
-                <a:latin typeface="Calibri"/>
-                <a:ea typeface="+mn-ea"/>
-                <a:cs typeface="+mn-cs"/>
-              </a:rPr>
-              <a:pPr marL="0" marR="0" lvl="0" indent="0" algn="r" defTabSz="914400" rtl="0" eaLnBrk="1" fontAlgn="auto" latinLnBrk="0" hangingPunct="1">
-                <a:lnSpc>
-                  <a:spcPct val="100000"/>
-                </a:lnSpc>
-                <a:spcBef>
-                  <a:spcPts val="0"/>
-                </a:spcBef>
-                <a:spcAft>
-                  <a:spcPts val="0"/>
-                </a:spcAft>
-                <a:buClrTx/>
-                <a:buSzTx/>
-                <a:buFontTx/>
-                <a:buNone/>
-                <a:tabLst/>
-                <a:defRPr/>
-              </a:pPr>
-              <a:t>24</a:t>
-            </a:fld>
-            <a:endParaRPr kumimoji="0" lang="en-US" sz="1200" b="0" i="0" u="none" strike="noStrike" kern="1200" cap="none" spc="0" normalizeH="0" baseline="0" noProof="0">
-              <a:ln>
-                <a:noFill/>
-              </a:ln>
-              <a:solidFill>
-                <a:prstClr val="black"/>
-              </a:solidFill>
-              <a:effectLst/>
-              <a:uLnTx/>
-              <a:uFillTx/>
-              <a:latin typeface="Calibri"/>
-              <a:ea typeface="+mn-ea"/>
-              <a:cs typeface="+mn-cs"/>
-            </a:endParaRPr>
-          </a:p>
-        </p:txBody>
-      </p:sp>
-    </p:spTree>
-    <p:extLst>
-      <p:ext uri="{BB962C8B-B14F-4D97-AF65-F5344CB8AC3E}">
-        <p14:creationId xmlns:p14="http://schemas.microsoft.com/office/powerpoint/2010/main" val="1789313780"/>
-      </p:ext>
-    </p:extLst>
-  </p:cSld>
-  <p:clrMapOvr>
-    <a:masterClrMapping/>
-  </p:clrMapOvr>
-</p:notes>
-</file>
-
-<file path=ppt/notesSlides/notesSlide25.xml><?xml version="1.0" encoding="utf-8"?>
-<p:notes xmlns:a="http://schemas.openxmlformats.org/drawingml/2006/main" xmlns:r="http://schemas.openxmlformats.org/officeDocument/2006/relationships" xmlns:p="http://schemas.openxmlformats.org/presentationml/2006/main">
-  <p:cSld>
-    <p:spTree>
-      <p:nvGrpSpPr>
-        <p:cNvPr id="1" name=""/>
-        <p:cNvGrpSpPr/>
-        <p:nvPr/>
-      </p:nvGrpSpPr>
-      <p:grpSpPr>
-        <a:xfrm>
-          <a:off x="0" y="0"/>
-          <a:ext cx="0" cy="0"/>
-          <a:chOff x="0" y="0"/>
-          <a:chExt cx="0" cy="0"/>
-        </a:xfrm>
-      </p:grpSpPr>
-      <p:sp>
-        <p:nvSpPr>
-          <p:cNvPr id="2" name="Slide Image Placeholder 1"/>
-          <p:cNvSpPr>
-            <a:spLocks noGrp="1" noRot="1" noChangeAspect="1"/>
-          </p:cNvSpPr>
-          <p:nvPr>
-            <p:ph type="sldImg"/>
-          </p:nvPr>
-        </p:nvSpPr>
-        <p:spPr/>
-      </p:sp>
-      <p:sp>
-        <p:nvSpPr>
-          <p:cNvPr id="3" name="Notes Placeholder 2"/>
-          <p:cNvSpPr>
-            <a:spLocks noGrp="1"/>
-          </p:cNvSpPr>
-          <p:nvPr>
-            <p:ph type="body" idx="1"/>
-          </p:nvPr>
-        </p:nvSpPr>
-        <p:spPr/>
-        <p:txBody>
-          <a:bodyPr/>
-          <a:lstStyle/>
-          <a:p>
-            <a:endParaRPr lang="en-CA"/>
-          </a:p>
-        </p:txBody>
-      </p:sp>
-      <p:sp>
-        <p:nvSpPr>
-          <p:cNvPr id="4" name="Slide Number Placeholder 3"/>
-          <p:cNvSpPr>
-            <a:spLocks noGrp="1"/>
-          </p:cNvSpPr>
-          <p:nvPr>
-            <p:ph type="sldNum" sz="quarter" idx="10"/>
-          </p:nvPr>
-        </p:nvSpPr>
-        <p:spPr/>
-        <p:txBody>
-          <a:bodyPr/>
-          <a:lstStyle/>
-          <a:p>
-            <a:fld id="{DDD65AC4-17B0-4E19-8496-B264E70A18D3}" type="slidenum">
-              <a:rPr lang="en-US" smtClean="0"/>
-              <a:t>25</a:t>
             </a:fld>
             <a:endParaRPr lang="en-US"/>
           </a:p>
@@ -20252,7 +20055,7 @@
 </file>
 
 <file path=ppt/slides/slide10.xml><?xml version="1.0" encoding="utf-8"?>
-<p:sld xmlns:a="http://schemas.openxmlformats.org/drawingml/2006/main" xmlns:r="http://schemas.openxmlformats.org/officeDocument/2006/relationships" xmlns:p="http://schemas.openxmlformats.org/presentationml/2006/main" showMasterSp="0">
+<p:sld xmlns:a="http://schemas.openxmlformats.org/drawingml/2006/main" xmlns:r="http://schemas.openxmlformats.org/officeDocument/2006/relationships" xmlns:p="http://schemas.openxmlformats.org/presentationml/2006/main">
   <p:cSld>
     <p:spTree>
       <p:nvGrpSpPr>
@@ -20273,7 +20076,7 @@
           <p:cNvPr id="2" name="Content Placeholder 1">
             <a:extLst>
               <a:ext uri="{FF2B5EF4-FFF2-40B4-BE49-F238E27FC236}">
-                <a16:creationId xmlns:a16="http://schemas.microsoft.com/office/drawing/2014/main" id="{EF24CA04-327F-4A45-8923-92F6874B5AD6}"/>
+                <a16:creationId xmlns:a16="http://schemas.microsoft.com/office/drawing/2014/main" id="{B3ADF4C9-17E7-4A38-9C43-7F6F1B602B98}"/>
               </a:ext>
             </a:extLst>
           </p:cNvPr>
@@ -20290,9 +20093,25 @@
           <a:lstStyle/>
           <a:p>
             <a:r>
-              <a:rPr lang="en-CA" dirty="0"/>
-              <a:t>How do we prove something we’ve gathered is valid</a:t>
-            </a:r>
+              <a:rPr lang="en-US" dirty="0"/>
+              <a:t>In our personal lives, this takes introspection, focus</a:t>
+            </a:r>
+          </a:p>
+          <a:p>
+            <a:r>
+              <a:rPr lang="en-US" dirty="0"/>
+              <a:t>Test yourself on your internal biases </a:t>
+            </a:r>
+            <a:r>
+              <a:rPr lang="en-US" dirty="0">
+                <a:hlinkClick r:id="rId2"/>
+              </a:rPr>
+              <a:t>https://implicit.harvard.edu/implicit/</a:t>
+            </a:r>
+            <a:endParaRPr lang="en-CA" dirty="0"/>
+          </a:p>
+          <a:p>
+            <a:endParaRPr lang="en-US" dirty="0"/>
           </a:p>
         </p:txBody>
       </p:sp>
@@ -20301,7 +20120,7 @@
           <p:cNvPr id="3" name="Title 2">
             <a:extLst>
               <a:ext uri="{FF2B5EF4-FFF2-40B4-BE49-F238E27FC236}">
-                <a16:creationId xmlns:a16="http://schemas.microsoft.com/office/drawing/2014/main" id="{53E16ADB-5B3B-4086-A261-D6274ABB7FBA}"/>
+                <a16:creationId xmlns:a16="http://schemas.microsoft.com/office/drawing/2014/main" id="{26FBC2D6-8663-46AB-B95D-12060B43CE5C}"/>
               </a:ext>
             </a:extLst>
           </p:cNvPr>
@@ -20318,8 +20137,8 @@
           <a:lstStyle/>
           <a:p>
             <a:r>
-              <a:rPr lang="en-CA" dirty="0"/>
-              <a:t>Construct Analysis</a:t>
+              <a:rPr lang="en-US" dirty="0"/>
+              <a:t>Overcoming Bias</a:t>
             </a:r>
           </a:p>
         </p:txBody>
@@ -20327,7 +20146,7 @@
     </p:spTree>
     <p:extLst>
       <p:ext uri="{BB962C8B-B14F-4D97-AF65-F5344CB8AC3E}">
-        <p14:creationId xmlns:p14="http://schemas.microsoft.com/office/powerpoint/2010/main" val="609362847"/>
+        <p14:creationId xmlns:p14="http://schemas.microsoft.com/office/powerpoint/2010/main" val="2363909983"/>
       </p:ext>
     </p:extLst>
   </p:cSld>
@@ -20376,8 +20195,20 @@
           <a:lstStyle/>
           <a:p>
             <a:r>
-              <a:rPr lang="en-CA" dirty="0"/>
-              <a:t>How do we prove something we’ve gathered is valid</a:t>
+              <a:rPr lang="en-US" dirty="0"/>
+              <a:t>Polling data should always provide the crosstabs</a:t>
+            </a:r>
+          </a:p>
+          <a:p>
+            <a:r>
+              <a:rPr lang="en-US" dirty="0"/>
+              <a:t>Failure to provide that transparency begs the accusation of biased interpretation</a:t>
+            </a:r>
+          </a:p>
+          <a:p>
+            <a:r>
+              <a:rPr lang="en-US" dirty="0"/>
+              <a:t>How can you “show the crosstabs” in your work?</a:t>
             </a:r>
           </a:p>
         </p:txBody>
@@ -20405,7 +20236,7 @@
           <a:p>
             <a:r>
               <a:rPr lang="en-CA" dirty="0"/>
-              <a:t>Construct Analysis</a:t>
+              <a:t>Fight bias by showing the crosstabs</a:t>
             </a:r>
           </a:p>
         </p:txBody>
@@ -20413,7 +20244,7 @@
     </p:spTree>
     <p:extLst>
       <p:ext uri="{BB962C8B-B14F-4D97-AF65-F5344CB8AC3E}">
-        <p14:creationId xmlns:p14="http://schemas.microsoft.com/office/powerpoint/2010/main" val="3797718599"/>
+        <p14:creationId xmlns:p14="http://schemas.microsoft.com/office/powerpoint/2010/main" val="1033366313"/>
       </p:ext>
     </p:extLst>
   </p:cSld>
@@ -20424,7 +20255,7 @@
 </file>
 
 <file path=ppt/slides/slide12.xml><?xml version="1.0" encoding="utf-8"?>
-<p:sld xmlns:a="http://schemas.openxmlformats.org/drawingml/2006/main" xmlns:r="http://schemas.openxmlformats.org/officeDocument/2006/relationships" xmlns:p="http://schemas.openxmlformats.org/presentationml/2006/main" showMasterSp="0" show="0">
+<p:sld xmlns:a="http://schemas.openxmlformats.org/drawingml/2006/main" xmlns:r="http://schemas.openxmlformats.org/officeDocument/2006/relationships" xmlns:p="http://schemas.openxmlformats.org/presentationml/2006/main" showMasterSp="0">
   <p:cSld>
     <p:spTree>
       <p:nvGrpSpPr>
@@ -20442,12 +20273,18 @@
       </p:grpSpPr>
       <p:sp>
         <p:nvSpPr>
-          <p:cNvPr id="4" name="Content Placeholder 3"/>
+          <p:cNvPr id="2" name="Content Placeholder 1">
+            <a:extLst>
+              <a:ext uri="{FF2B5EF4-FFF2-40B4-BE49-F238E27FC236}">
+                <a16:creationId xmlns:a16="http://schemas.microsoft.com/office/drawing/2014/main" id="{EF24CA04-327F-4A45-8923-92F6874B5AD6}"/>
+              </a:ext>
+            </a:extLst>
+          </p:cNvPr>
           <p:cNvSpPr>
             <a:spLocks noGrp="1"/>
           </p:cNvSpPr>
           <p:nvPr>
-            <p:ph idx="1"/>
+            <p:ph sz="quarter" idx="10"/>
           </p:nvPr>
         </p:nvSpPr>
         <p:spPr/>
@@ -20455,46 +20292,22 @@
           <a:bodyPr/>
           <a:lstStyle/>
           <a:p>
-            <a:pPr lvl="0"/>
-            <a:r>
-              <a:rPr lang="en-US" sz="2400" dirty="0"/>
-              <a:t>Use this layout to show software code</a:t>
-            </a:r>
-          </a:p>
-          <a:p>
-            <a:pPr lvl="1"/>
-            <a:r>
-              <a:rPr lang="en-US" sz="2000" dirty="0"/>
-              <a:t>The font is </a:t>
-            </a:r>
-            <a:r>
-              <a:rPr lang="en-US" sz="2000" dirty="0">
-                <a:solidFill>
-                  <a:srgbClr val="FF0000"/>
-                </a:solidFill>
-              </a:rPr>
-              <a:t>Consolas</a:t>
-            </a:r>
-            <a:r>
-              <a:rPr lang="en-US" sz="2000" dirty="0"/>
-              <a:t>, a monospace font</a:t>
-            </a:r>
-          </a:p>
-          <a:p>
-            <a:pPr lvl="1"/>
-            <a:r>
-              <a:rPr lang="en-US" sz="2000" dirty="0"/>
-              <a:t>The slide doesn’t use bullets but levels can be indented using the “Increase List Level” icon on the Home menu</a:t>
-            </a:r>
-          </a:p>
-          <a:p>
-            <a:endParaRPr lang="en-US" dirty="0"/>
+            <a:r>
+              <a:rPr lang="en-CA" dirty="0"/>
+              <a:t>How do we prove something we’ve gathered is valid</a:t>
+            </a:r>
           </a:p>
         </p:txBody>
       </p:sp>
       <p:sp>
         <p:nvSpPr>
-          <p:cNvPr id="2" name="Title 1"/>
+          <p:cNvPr id="3" name="Title 2">
+            <a:extLst>
+              <a:ext uri="{FF2B5EF4-FFF2-40B4-BE49-F238E27FC236}">
+                <a16:creationId xmlns:a16="http://schemas.microsoft.com/office/drawing/2014/main" id="{53E16ADB-5B3B-4086-A261-D6274ABB7FBA}"/>
+              </a:ext>
+            </a:extLst>
+          </p:cNvPr>
           <p:cNvSpPr>
             <a:spLocks noGrp="1"/>
           </p:cNvSpPr>
@@ -20508,17 +20321,16 @@
           <a:lstStyle/>
           <a:p>
             <a:r>
-              <a:rPr lang="en-US"/>
-              <a:t>Slide for Developer’s Software Code</a:t>
-            </a:r>
-            <a:endParaRPr lang="en-US" dirty="0"/>
+              <a:rPr lang="en-CA" dirty="0"/>
+              <a:t>Construct Analysis</a:t>
+            </a:r>
           </a:p>
         </p:txBody>
       </p:sp>
     </p:spTree>
     <p:extLst>
       <p:ext uri="{BB962C8B-B14F-4D97-AF65-F5344CB8AC3E}">
-        <p14:creationId xmlns:p14="http://schemas.microsoft.com/office/powerpoint/2010/main" val="574922863"/>
+        <p14:creationId xmlns:p14="http://schemas.microsoft.com/office/powerpoint/2010/main" val="609362847"/>
       </p:ext>
     </p:extLst>
   </p:cSld>
@@ -20529,7 +20341,7 @@
 </file>
 
 <file path=ppt/slides/slide13.xml><?xml version="1.0" encoding="utf-8"?>
-<p:sld xmlns:a="http://schemas.openxmlformats.org/drawingml/2006/main" xmlns:r="http://schemas.openxmlformats.org/officeDocument/2006/relationships" xmlns:p="http://schemas.openxmlformats.org/presentationml/2006/main" showMasterSp="0" show="0">
+<p:sld xmlns:a="http://schemas.openxmlformats.org/drawingml/2006/main" xmlns:r="http://schemas.openxmlformats.org/officeDocument/2006/relationships" xmlns:p="http://schemas.openxmlformats.org/presentationml/2006/main" showMasterSp="0">
   <p:cSld>
     <p:spTree>
       <p:nvGrpSpPr>
@@ -20547,7 +20359,13 @@
       </p:grpSpPr>
       <p:sp>
         <p:nvSpPr>
-          <p:cNvPr id="7" name="Content Placeholder 6"/>
+          <p:cNvPr id="2" name="Content Placeholder 1">
+            <a:extLst>
+              <a:ext uri="{FF2B5EF4-FFF2-40B4-BE49-F238E27FC236}">
+                <a16:creationId xmlns:a16="http://schemas.microsoft.com/office/drawing/2014/main" id="{EF24CA04-327F-4A45-8923-92F6874B5AD6}"/>
+              </a:ext>
+            </a:extLst>
+          </p:cNvPr>
           <p:cNvSpPr>
             <a:spLocks noGrp="1"/>
           </p:cNvSpPr>
@@ -20560,48 +20378,31 @@
           <a:bodyPr/>
           <a:lstStyle/>
           <a:p>
-            <a:pPr lvl="0"/>
-            <a:r>
-              <a:rPr lang="en-US"/>
-              <a:t>Agenda item one</a:t>
-            </a:r>
-          </a:p>
-          <a:p>
-            <a:pPr lvl="0"/>
-            <a:r>
-              <a:rPr lang="en-US"/>
-              <a:t>Agenda item two</a:t>
-            </a:r>
-          </a:p>
-          <a:p>
-            <a:pPr lvl="0"/>
-            <a:r>
-              <a:rPr lang="en-US"/>
-              <a:t>Agenda item three</a:t>
-            </a:r>
-          </a:p>
-          <a:p>
-            <a:pPr lvl="0"/>
-            <a:r>
-              <a:rPr lang="en-US"/>
-              <a:t>Agenda item four</a:t>
-            </a:r>
-          </a:p>
-          <a:p>
-            <a:pPr lvl="0"/>
-            <a:r>
-              <a:rPr lang="en-US"/>
-              <a:t>Agenda item five</a:t>
-            </a:r>
-          </a:p>
-          <a:p>
-            <a:endParaRPr lang="en-US" dirty="0"/>
+            <a:r>
+              <a:rPr lang="en-CA" dirty="0"/>
+              <a:t>Urge to mold data to fit others, even our competitors</a:t>
+            </a:r>
+          </a:p>
+          <a:p>
+            <a:r>
+              <a:rPr lang="en-US" dirty="0">
+                <a:hlinkClick r:id="rId3"/>
+              </a:rPr>
+              <a:t>https://fivethirtyeight.com/features/pollsters-say-they-follow-ethical-standards-but-they-arent-so-sure-about-their-peers/</a:t>
+            </a:r>
+            <a:endParaRPr lang="en-CA" dirty="0"/>
           </a:p>
         </p:txBody>
       </p:sp>
       <p:sp>
         <p:nvSpPr>
-          <p:cNvPr id="2" name="Title 1"/>
+          <p:cNvPr id="3" name="Title 2">
+            <a:extLst>
+              <a:ext uri="{FF2B5EF4-FFF2-40B4-BE49-F238E27FC236}">
+                <a16:creationId xmlns:a16="http://schemas.microsoft.com/office/drawing/2014/main" id="{53E16ADB-5B3B-4086-A261-D6274ABB7FBA}"/>
+              </a:ext>
+            </a:extLst>
+          </p:cNvPr>
           <p:cNvSpPr>
             <a:spLocks noGrp="1"/>
           </p:cNvSpPr>
@@ -20615,41 +20416,16 @@
           <a:lstStyle/>
           <a:p>
             <a:r>
-              <a:rPr lang="en-US"/>
-              <a:t>Agenda</a:t>
-            </a:r>
-            <a:endParaRPr lang="en-US" dirty="0"/>
-          </a:p>
-        </p:txBody>
-      </p:sp>
-      <p:sp>
-        <p:nvSpPr>
-          <p:cNvPr id="5" name="Content Placeholder 4"/>
-          <p:cNvSpPr>
-            <a:spLocks noGrp="1"/>
-          </p:cNvSpPr>
-          <p:nvPr>
-            <p:ph sz="quarter" idx="11"/>
-          </p:nvPr>
-        </p:nvSpPr>
-        <p:spPr/>
-        <p:txBody>
-          <a:bodyPr/>
-          <a:lstStyle/>
-          <a:p>
-            <a:pPr lvl="0"/>
-            <a:r>
-              <a:rPr lang="en-US"/>
-              <a:t>An agenda slide is highly recommended so attendees understand what you will be presenting and to minimize session hopping.</a:t>
-            </a:r>
-            <a:endParaRPr lang="en-US" dirty="0"/>
+              <a:rPr lang="en-CA" dirty="0"/>
+              <a:t>Fitting the competition</a:t>
+            </a:r>
           </a:p>
         </p:txBody>
       </p:sp>
     </p:spTree>
     <p:extLst>
       <p:ext uri="{BB962C8B-B14F-4D97-AF65-F5344CB8AC3E}">
-        <p14:creationId xmlns:p14="http://schemas.microsoft.com/office/powerpoint/2010/main" val="380098896"/>
+        <p14:creationId xmlns:p14="http://schemas.microsoft.com/office/powerpoint/2010/main" val="3797718599"/>
       </p:ext>
     </p:extLst>
   </p:cSld>
@@ -20660,7 +20436,7 @@
 </file>
 
 <file path=ppt/slides/slide14.xml><?xml version="1.0" encoding="utf-8"?>
-<p:sld xmlns:a="http://schemas.openxmlformats.org/drawingml/2006/main" xmlns:r="http://schemas.openxmlformats.org/officeDocument/2006/relationships" xmlns:p="http://schemas.openxmlformats.org/presentationml/2006/main" showMasterSp="0" show="0">
+<p:sld xmlns:a="http://schemas.openxmlformats.org/drawingml/2006/main" xmlns:r="http://schemas.openxmlformats.org/officeDocument/2006/relationships" xmlns:p="http://schemas.openxmlformats.org/presentationml/2006/main">
   <p:cSld>
     <p:spTree>
       <p:nvGrpSpPr>
@@ -20678,7 +20454,92 @@
       </p:grpSpPr>
       <p:sp>
         <p:nvSpPr>
-          <p:cNvPr id="38" name="Title 37"/>
+          <p:cNvPr id="2" name="Content Placeholder 1">
+            <a:extLst>
+              <a:ext uri="{FF2B5EF4-FFF2-40B4-BE49-F238E27FC236}">
+                <a16:creationId xmlns:a16="http://schemas.microsoft.com/office/drawing/2014/main" id="{EF24CA04-327F-4A45-8923-92F6874B5AD6}"/>
+              </a:ext>
+            </a:extLst>
+          </p:cNvPr>
+          <p:cNvSpPr>
+            <a:spLocks noGrp="1"/>
+          </p:cNvSpPr>
+          <p:nvPr>
+            <p:ph sz="quarter" idx="10"/>
+          </p:nvPr>
+        </p:nvSpPr>
+        <p:spPr/>
+        <p:txBody>
+          <a:bodyPr/>
+          <a:lstStyle/>
+          <a:p>
+            <a:r>
+              <a:rPr lang="en-US" dirty="0"/>
+              <a:t>Cambridge Analytica</a:t>
+            </a:r>
+          </a:p>
+          <a:p>
+            <a:r>
+              <a:rPr lang="en-US" dirty="0"/>
+              <a:t>Target knew Daughter was pregnant before family did</a:t>
+            </a:r>
+          </a:p>
+          <a:p>
+            <a:r>
+              <a:rPr lang="en-US" dirty="0"/>
+              <a:t>"control creep" refers to data that has been generated with a particular purpose in mind but which is repurposed </a:t>
+            </a:r>
+            <a:r>
+              <a:rPr lang="en-US" dirty="0">
+                <a:hlinkClick r:id="rId3"/>
+              </a:rPr>
+              <a:t>https://en.wikipedia.org/wiki/Big_data_ethics</a:t>
+            </a:r>
+            <a:endParaRPr lang="en-US" dirty="0"/>
+          </a:p>
+          <a:p>
+            <a:r>
+              <a:rPr lang="en-US" dirty="0"/>
+              <a:t>scientific progress through data can be achieved in a manner consistent with privacy values </a:t>
+            </a:r>
+            <a:r>
+              <a:rPr lang="en-US" dirty="0">
+                <a:hlinkClick r:id="rId3"/>
+              </a:rPr>
+              <a:t>https://en.wikipedia.org/wiki/Big_data_ethics</a:t>
+            </a:r>
+            <a:endParaRPr lang="en-US" dirty="0"/>
+          </a:p>
+          <a:p>
+            <a:r>
+              <a:rPr lang="en-US" i="1" dirty="0"/>
+              <a:t>“No one shall be subjected to arbitrary interference with his privacy, family, home or correspondence, nor to attacks upon his </a:t>
+            </a:r>
+            <a:r>
+              <a:rPr lang="en-US" i="1" dirty="0" err="1"/>
+              <a:t>honour</a:t>
+            </a:r>
+            <a:r>
+              <a:rPr lang="en-US" i="1" dirty="0"/>
+              <a:t> and reputation. Everyone has the right to the protection of the law against such interference or attacks.”</a:t>
+            </a:r>
+            <a:r>
+              <a:rPr lang="en-US" dirty="0"/>
+              <a:t> - United Nations Declaration of Human Rights Article 12.</a:t>
+            </a:r>
+            <a:endParaRPr lang="en-CA" dirty="0"/>
+          </a:p>
+        </p:txBody>
+      </p:sp>
+      <p:sp>
+        <p:nvSpPr>
+          <p:cNvPr id="3" name="Title 2">
+            <a:extLst>
+              <a:ext uri="{FF2B5EF4-FFF2-40B4-BE49-F238E27FC236}">
+                <a16:creationId xmlns:a16="http://schemas.microsoft.com/office/drawing/2014/main" id="{53E16ADB-5B3B-4086-A261-D6274ABB7FBA}"/>
+              </a:ext>
+            </a:extLst>
+          </p:cNvPr>
           <p:cNvSpPr>
             <a:spLocks noGrp="1"/>
           </p:cNvSpPr>
@@ -20692,155 +20553,16 @@
           <a:lstStyle/>
           <a:p>
             <a:r>
-              <a:rPr lang="en-US"/>
-              <a:t>Titles are set 36 Segoe UI</a:t>
-            </a:r>
-            <a:endParaRPr lang="en-US" dirty="0"/>
-          </a:p>
-        </p:txBody>
-      </p:sp>
-      <p:sp>
-        <p:nvSpPr>
-          <p:cNvPr id="46" name="Content Placeholder 45"/>
-          <p:cNvSpPr>
-            <a:spLocks noGrp="1"/>
-          </p:cNvSpPr>
-          <p:nvPr>
-            <p:ph sz="quarter" idx="10"/>
-          </p:nvPr>
-        </p:nvSpPr>
-        <p:spPr/>
-        <p:txBody>
-          <a:bodyPr/>
-          <a:lstStyle/>
-          <a:p>
-            <a:r>
-              <a:rPr lang="en-US"/>
-              <a:t>Heading One Style</a:t>
-            </a:r>
-            <a:endParaRPr lang="en-US" dirty="0"/>
-          </a:p>
-        </p:txBody>
-      </p:sp>
-      <p:sp>
-        <p:nvSpPr>
-          <p:cNvPr id="47" name="Content Placeholder 46"/>
-          <p:cNvSpPr>
-            <a:spLocks noGrp="1"/>
-          </p:cNvSpPr>
-          <p:nvPr>
-            <p:ph sz="quarter" idx="11"/>
-          </p:nvPr>
-        </p:nvSpPr>
-        <p:spPr/>
-        <p:txBody>
-          <a:bodyPr/>
-          <a:lstStyle/>
-          <a:p>
-            <a:r>
-              <a:rPr lang="en-US"/>
-              <a:t>Body content, 16pt Segoe UI (gray)</a:t>
-            </a:r>
-            <a:endParaRPr lang="en-US" dirty="0"/>
-          </a:p>
-        </p:txBody>
-      </p:sp>
-      <p:sp>
-        <p:nvSpPr>
-          <p:cNvPr id="48" name="Content Placeholder 47"/>
-          <p:cNvSpPr>
-            <a:spLocks noGrp="1"/>
-          </p:cNvSpPr>
-          <p:nvPr>
-            <p:ph sz="quarter" idx="12"/>
-          </p:nvPr>
-        </p:nvSpPr>
-        <p:spPr/>
-        <p:txBody>
-          <a:bodyPr/>
-          <a:lstStyle/>
-          <a:p>
-            <a:r>
-              <a:rPr lang="en-US"/>
-              <a:t>Heading Two Style</a:t>
-            </a:r>
-            <a:endParaRPr lang="en-US" dirty="0"/>
-          </a:p>
-        </p:txBody>
-      </p:sp>
-      <p:sp>
-        <p:nvSpPr>
-          <p:cNvPr id="49" name="Content Placeholder 48"/>
-          <p:cNvSpPr>
-            <a:spLocks noGrp="1"/>
-          </p:cNvSpPr>
-          <p:nvPr>
-            <p:ph sz="quarter" idx="13"/>
-          </p:nvPr>
-        </p:nvSpPr>
-        <p:spPr/>
-        <p:txBody>
-          <a:bodyPr/>
-          <a:lstStyle/>
-          <a:p>
-            <a:r>
-              <a:rPr lang="en-US"/>
-              <a:t>Body content, 16pt Segoe UI (gray)</a:t>
-            </a:r>
-            <a:endParaRPr lang="en-US" dirty="0"/>
-          </a:p>
-        </p:txBody>
-      </p:sp>
-      <p:sp>
-        <p:nvSpPr>
-          <p:cNvPr id="50" name="Content Placeholder 49"/>
-          <p:cNvSpPr>
-            <a:spLocks noGrp="1"/>
-          </p:cNvSpPr>
-          <p:nvPr>
-            <p:ph sz="quarter" idx="14"/>
-          </p:nvPr>
-        </p:nvSpPr>
-        <p:spPr/>
-        <p:txBody>
-          <a:bodyPr/>
-          <a:lstStyle/>
-          <a:p>
-            <a:r>
-              <a:rPr lang="en-US"/>
-              <a:t>HEADING THREE STYLE</a:t>
-            </a:r>
-            <a:endParaRPr lang="en-US" dirty="0"/>
-          </a:p>
-        </p:txBody>
-      </p:sp>
-      <p:sp>
-        <p:nvSpPr>
-          <p:cNvPr id="51" name="Content Placeholder 50"/>
-          <p:cNvSpPr>
-            <a:spLocks noGrp="1"/>
-          </p:cNvSpPr>
-          <p:nvPr>
-            <p:ph sz="quarter" idx="15"/>
-          </p:nvPr>
-        </p:nvSpPr>
-        <p:spPr/>
-        <p:txBody>
-          <a:bodyPr/>
-          <a:lstStyle/>
-          <a:p>
-            <a:r>
-              <a:rPr lang="en-US"/>
-              <a:t>Body content, 16pt Segoe UI (gray)</a:t>
-            </a:r>
-            <a:endParaRPr lang="en-US" dirty="0"/>
+              <a:rPr lang="en-CA" dirty="0"/>
+              <a:t>Ethics in Big Data Collection</a:t>
+            </a:r>
           </a:p>
         </p:txBody>
       </p:sp>
     </p:spTree>
     <p:extLst>
       <p:ext uri="{BB962C8B-B14F-4D97-AF65-F5344CB8AC3E}">
-        <p14:creationId xmlns:p14="http://schemas.microsoft.com/office/powerpoint/2010/main" val="2079728015"/>
+        <p14:creationId xmlns:p14="http://schemas.microsoft.com/office/powerpoint/2010/main" val="2014374009"/>
       </p:ext>
     </p:extLst>
   </p:cSld>
@@ -20851,7 +20573,7 @@
 </file>
 
 <file path=ppt/slides/slide15.xml><?xml version="1.0" encoding="utf-8"?>
-<p:sld xmlns:a="http://schemas.openxmlformats.org/drawingml/2006/main" xmlns:r="http://schemas.openxmlformats.org/officeDocument/2006/relationships" xmlns:p="http://schemas.openxmlformats.org/presentationml/2006/main" showMasterSp="0" show="0">
+<p:sld xmlns:a="http://schemas.openxmlformats.org/drawingml/2006/main" xmlns:r="http://schemas.openxmlformats.org/officeDocument/2006/relationships" xmlns:p="http://schemas.openxmlformats.org/presentationml/2006/main">
   <p:cSld>
     <p:spTree>
       <p:nvGrpSpPr>
@@ -20869,7 +20591,69 @@
       </p:grpSpPr>
       <p:sp>
         <p:nvSpPr>
-          <p:cNvPr id="2" name="Title 1"/>
+          <p:cNvPr id="2" name="Content Placeholder 1">
+            <a:extLst>
+              <a:ext uri="{FF2B5EF4-FFF2-40B4-BE49-F238E27FC236}">
+                <a16:creationId xmlns:a16="http://schemas.microsoft.com/office/drawing/2014/main" id="{EF24CA04-327F-4A45-8923-92F6874B5AD6}"/>
+              </a:ext>
+            </a:extLst>
+          </p:cNvPr>
+          <p:cNvSpPr>
+            <a:spLocks noGrp="1"/>
+          </p:cNvSpPr>
+          <p:nvPr>
+            <p:ph sz="quarter" idx="10"/>
+          </p:nvPr>
+        </p:nvSpPr>
+        <p:spPr/>
+        <p:txBody>
+          <a:bodyPr/>
+          <a:lstStyle/>
+          <a:p>
+            <a:r>
+              <a:rPr lang="en-US" dirty="0"/>
+              <a:t>Harvesting consumer activity data for research purposes maybe</a:t>
+            </a:r>
+          </a:p>
+          <a:p>
+            <a:pPr lvl="1"/>
+            <a:r>
+              <a:rPr lang="en-US" dirty="0"/>
+              <a:t>Unethical because of re-purposing of financial data</a:t>
+            </a:r>
+          </a:p>
+          <a:p>
+            <a:pPr lvl="2"/>
+            <a:r>
+              <a:rPr lang="en-US" dirty="0"/>
+              <a:t>Using financial data for health care research is potentially predatory</a:t>
+            </a:r>
+          </a:p>
+          <a:p>
+            <a:pPr lvl="1"/>
+            <a:r>
+              <a:rPr lang="en-US" dirty="0"/>
+              <a:t>Biased because of socioeconomic trends </a:t>
+            </a:r>
+          </a:p>
+          <a:p>
+            <a:pPr lvl="2"/>
+            <a:r>
+              <a:rPr lang="en-CA" dirty="0"/>
+              <a:t>Using financial data could exclude participants outside of that vendor customer based, or outside of the financial system altogether</a:t>
+            </a:r>
+          </a:p>
+        </p:txBody>
+      </p:sp>
+      <p:sp>
+        <p:nvSpPr>
+          <p:cNvPr id="3" name="Title 2">
+            <a:extLst>
+              <a:ext uri="{FF2B5EF4-FFF2-40B4-BE49-F238E27FC236}">
+                <a16:creationId xmlns:a16="http://schemas.microsoft.com/office/drawing/2014/main" id="{53E16ADB-5B3B-4086-A261-D6274ABB7FBA}"/>
+              </a:ext>
+            </a:extLst>
+          </p:cNvPr>
           <p:cNvSpPr>
             <a:spLocks noGrp="1"/>
           </p:cNvSpPr>
@@ -20883,1084 +20667,16 @@
           <a:lstStyle/>
           <a:p>
             <a:r>
-              <a:rPr lang="en-US"/>
-              <a:t>Two column layout with icons</a:t>
-            </a:r>
-            <a:endParaRPr lang="en-US" dirty="0"/>
-          </a:p>
-        </p:txBody>
-      </p:sp>
-      <p:sp>
-        <p:nvSpPr>
-          <p:cNvPr id="38" name="Text Placeholder 37"/>
-          <p:cNvSpPr>
-            <a:spLocks noGrp="1"/>
-          </p:cNvSpPr>
-          <p:nvPr>
-            <p:ph type="body" sz="quarter" idx="13"/>
-          </p:nvPr>
-        </p:nvSpPr>
-        <p:spPr/>
-        <p:txBody>
-          <a:bodyPr/>
-          <a:lstStyle/>
-          <a:p>
-            <a:r>
-              <a:rPr lang="en-US" dirty="0"/>
-              <a:t>Lorem ipsum dolor sit </a:t>
-            </a:r>
-            <a:r>
-              <a:rPr lang="en-US" dirty="0" err="1"/>
-              <a:t>amet</a:t>
-            </a:r>
-            <a:r>
-              <a:rPr lang="en-US" dirty="0"/>
-              <a:t>, </a:t>
-            </a:r>
-            <a:r>
-              <a:rPr lang="en-US" dirty="0" err="1"/>
-              <a:t>consectetur</a:t>
-            </a:r>
-            <a:r>
-              <a:rPr lang="en-US" dirty="0"/>
-              <a:t> </a:t>
-            </a:r>
-            <a:r>
-              <a:rPr lang="en-US" dirty="0" err="1"/>
-              <a:t>adipiscing</a:t>
-            </a:r>
-            <a:r>
-              <a:rPr lang="en-US" dirty="0"/>
-              <a:t> </a:t>
-            </a:r>
-            <a:r>
-              <a:rPr lang="en-US" dirty="0" err="1"/>
-              <a:t>elit</a:t>
-            </a:r>
-            <a:r>
-              <a:rPr lang="en-US" dirty="0"/>
-              <a:t>. </a:t>
-            </a:r>
-            <a:r>
-              <a:rPr lang="en-US" dirty="0" err="1"/>
-              <a:t>Aliquam</a:t>
-            </a:r>
-            <a:r>
-              <a:rPr lang="en-US" dirty="0"/>
-              <a:t> </a:t>
-            </a:r>
-            <a:r>
-              <a:rPr lang="en-US" dirty="0" err="1"/>
-              <a:t>porttitor</a:t>
-            </a:r>
-            <a:r>
-              <a:rPr lang="en-US" dirty="0"/>
-              <a:t> </a:t>
-            </a:r>
-            <a:r>
-              <a:rPr lang="en-US" dirty="0" err="1"/>
-              <a:t>felis</a:t>
-            </a:r>
-            <a:r>
-              <a:rPr lang="en-US" dirty="0"/>
-              <a:t> at </a:t>
-            </a:r>
-            <a:r>
-              <a:rPr lang="en-US" dirty="0" err="1"/>
-              <a:t>justo</a:t>
-            </a:r>
-            <a:r>
-              <a:rPr lang="en-US" dirty="0"/>
-              <a:t> convallis, </a:t>
-            </a:r>
-            <a:r>
-              <a:rPr lang="en-US" dirty="0" err="1"/>
-              <a:t>ut</a:t>
-            </a:r>
-            <a:r>
-              <a:rPr lang="en-US" dirty="0"/>
-              <a:t> </a:t>
-            </a:r>
-            <a:r>
-              <a:rPr lang="en-US" dirty="0" err="1"/>
-              <a:t>pretium</a:t>
-            </a:r>
-            <a:r>
-              <a:rPr lang="en-US" dirty="0"/>
-              <a:t> </a:t>
-            </a:r>
-            <a:r>
-              <a:rPr lang="en-US" dirty="0" err="1"/>
-              <a:t>felis</a:t>
-            </a:r>
-            <a:r>
-              <a:rPr lang="en-US" dirty="0"/>
-              <a:t> </a:t>
-            </a:r>
-            <a:r>
-              <a:rPr lang="en-US" dirty="0" err="1"/>
-              <a:t>posuere</a:t>
-            </a:r>
-            <a:r>
-              <a:rPr lang="en-US" dirty="0"/>
-              <a:t>. Vestibulum ante ipsum </a:t>
-            </a:r>
-            <a:r>
-              <a:rPr lang="en-US" dirty="0" err="1"/>
-              <a:t>primis</a:t>
-            </a:r>
-            <a:r>
-              <a:rPr lang="en-US" dirty="0"/>
-              <a:t> in </a:t>
-            </a:r>
-            <a:r>
-              <a:rPr lang="en-US" dirty="0" err="1"/>
-              <a:t>faucibus</a:t>
-            </a:r>
-            <a:r>
-              <a:rPr lang="en-US" dirty="0"/>
-              <a:t> </a:t>
-            </a:r>
-            <a:r>
-              <a:rPr lang="en-US" dirty="0" err="1"/>
-              <a:t>orci</a:t>
-            </a:r>
-            <a:r>
-              <a:rPr lang="en-US" dirty="0"/>
-              <a:t> </a:t>
-            </a:r>
-            <a:r>
-              <a:rPr lang="en-US" dirty="0" err="1"/>
-              <a:t>luctus</a:t>
-            </a:r>
-            <a:r>
-              <a:rPr lang="en-US" dirty="0"/>
-              <a:t> et </a:t>
-            </a:r>
-            <a:r>
-              <a:rPr lang="en-US" dirty="0" err="1"/>
-              <a:t>ultrices</a:t>
-            </a:r>
-            <a:r>
-              <a:rPr lang="en-US" dirty="0"/>
-              <a:t> </a:t>
-            </a:r>
-            <a:r>
-              <a:rPr lang="en-US" dirty="0" err="1"/>
-              <a:t>posuere</a:t>
-            </a:r>
-            <a:r>
-              <a:rPr lang="en-US" dirty="0"/>
-              <a:t> </a:t>
-            </a:r>
-            <a:r>
-              <a:rPr lang="en-US" dirty="0" err="1"/>
-              <a:t>cubilia</a:t>
-            </a:r>
-            <a:r>
-              <a:rPr lang="en-US" dirty="0"/>
-              <a:t> </a:t>
-            </a:r>
-            <a:r>
-              <a:rPr lang="en-US" dirty="0" err="1"/>
-              <a:t>Curae</a:t>
-            </a:r>
-            <a:r>
-              <a:rPr lang="en-US" dirty="0"/>
-              <a:t>.</a:t>
-            </a:r>
-          </a:p>
-          <a:p>
-            <a:endParaRPr lang="en-US" dirty="0"/>
-          </a:p>
-        </p:txBody>
-      </p:sp>
-      <p:cxnSp>
-        <p:nvCxnSpPr>
-          <p:cNvPr id="39" name="Straight Connector 38"/>
-          <p:cNvCxnSpPr/>
-          <p:nvPr/>
-        </p:nvCxnSpPr>
-        <p:spPr>
-          <a:xfrm>
-            <a:off x="397951" y="2103488"/>
-            <a:ext cx="3701157" cy="0"/>
-          </a:xfrm>
-          <a:prstGeom prst="line">
-            <a:avLst/>
-          </a:prstGeom>
-          <a:ln w="9525">
-            <a:solidFill>
-              <a:schemeClr val="bg2">
-                <a:lumMod val="85000"/>
-              </a:schemeClr>
-            </a:solidFill>
-          </a:ln>
-        </p:spPr>
-        <p:style>
-          <a:lnRef idx="1">
-            <a:schemeClr val="accent1"/>
-          </a:lnRef>
-          <a:fillRef idx="0">
-            <a:schemeClr val="accent1"/>
-          </a:fillRef>
-          <a:effectRef idx="0">
-            <a:schemeClr val="accent1"/>
-          </a:effectRef>
-          <a:fontRef idx="minor">
-            <a:schemeClr val="tx1"/>
-          </a:fontRef>
-        </p:style>
-      </p:cxnSp>
-      <p:cxnSp>
-        <p:nvCxnSpPr>
-          <p:cNvPr id="40" name="Straight Connector 39"/>
-          <p:cNvCxnSpPr/>
-          <p:nvPr/>
-        </p:nvCxnSpPr>
-        <p:spPr>
-          <a:xfrm>
-            <a:off x="4952761" y="2103488"/>
-            <a:ext cx="3701157" cy="0"/>
-          </a:xfrm>
-          <a:prstGeom prst="line">
-            <a:avLst/>
-          </a:prstGeom>
-          <a:ln w="9525">
-            <a:solidFill>
-              <a:schemeClr val="bg2">
-                <a:lumMod val="85000"/>
-              </a:schemeClr>
-            </a:solidFill>
-          </a:ln>
-        </p:spPr>
-        <p:style>
-          <a:lnRef idx="1">
-            <a:schemeClr val="accent1"/>
-          </a:lnRef>
-          <a:fillRef idx="0">
-            <a:schemeClr val="accent1"/>
-          </a:fillRef>
-          <a:effectRef idx="0">
-            <a:schemeClr val="accent1"/>
-          </a:effectRef>
-          <a:fontRef idx="minor">
-            <a:schemeClr val="tx1"/>
-          </a:fontRef>
-        </p:style>
-      </p:cxnSp>
-      <p:sp>
-        <p:nvSpPr>
-          <p:cNvPr id="11" name="Shape 2546">
-            <a:extLst>
-              <a:ext uri="{FF2B5EF4-FFF2-40B4-BE49-F238E27FC236}">
-                <a16:creationId xmlns:a16="http://schemas.microsoft.com/office/drawing/2014/main" id="{F02F00F1-7476-464D-B1A6-B009AA12DCBC}"/>
-              </a:ext>
-            </a:extLst>
-          </p:cNvPr>
-          <p:cNvSpPr/>
-          <p:nvPr/>
-        </p:nvSpPr>
-        <p:spPr>
-          <a:xfrm>
-            <a:off x="557261" y="1676161"/>
-            <a:ext cx="279554" cy="228726"/>
-          </a:xfrm>
-          <a:custGeom>
-            <a:avLst/>
-            <a:gdLst/>
-            <a:ahLst/>
-            <a:cxnLst>
-              <a:cxn ang="0">
-                <a:pos x="wd2" y="hd2"/>
-              </a:cxn>
-              <a:cxn ang="5400000">
-                <a:pos x="wd2" y="hd2"/>
-              </a:cxn>
-              <a:cxn ang="10800000">
-                <a:pos x="wd2" y="hd2"/>
-              </a:cxn>
-              <a:cxn ang="16200000">
-                <a:pos x="wd2" y="hd2"/>
-              </a:cxn>
-            </a:cxnLst>
-            <a:rect l="0" t="0" r="r" b="b"/>
-            <a:pathLst>
-              <a:path w="21600" h="21600" extrusionOk="0">
-                <a:moveTo>
-                  <a:pt x="20618" y="20400"/>
-                </a:moveTo>
-                <a:lnTo>
-                  <a:pt x="18655" y="20400"/>
-                </a:lnTo>
-                <a:lnTo>
-                  <a:pt x="18655" y="1200"/>
-                </a:lnTo>
-                <a:lnTo>
-                  <a:pt x="20618" y="1200"/>
-                </a:lnTo>
-                <a:cubicBezTo>
-                  <a:pt x="20618" y="1200"/>
-                  <a:pt x="20618" y="20400"/>
-                  <a:pt x="20618" y="20400"/>
-                </a:cubicBezTo>
-                <a:close/>
-                <a:moveTo>
-                  <a:pt x="21109" y="0"/>
-                </a:moveTo>
-                <a:lnTo>
-                  <a:pt x="18164" y="0"/>
-                </a:lnTo>
-                <a:cubicBezTo>
-                  <a:pt x="17893" y="0"/>
-                  <a:pt x="17673" y="269"/>
-                  <a:pt x="17673" y="600"/>
-                </a:cubicBezTo>
-                <a:lnTo>
-                  <a:pt x="17673" y="21000"/>
-                </a:lnTo>
-                <a:cubicBezTo>
-                  <a:pt x="17673" y="21332"/>
-                  <a:pt x="17893" y="21600"/>
-                  <a:pt x="18164" y="21600"/>
-                </a:cubicBezTo>
-                <a:lnTo>
-                  <a:pt x="21109" y="21600"/>
-                </a:lnTo>
-                <a:cubicBezTo>
-                  <a:pt x="21380" y="21600"/>
-                  <a:pt x="21600" y="21332"/>
-                  <a:pt x="21600" y="21000"/>
-                </a:cubicBezTo>
-                <a:lnTo>
-                  <a:pt x="21600" y="600"/>
-                </a:lnTo>
-                <a:cubicBezTo>
-                  <a:pt x="21600" y="269"/>
-                  <a:pt x="21380" y="0"/>
-                  <a:pt x="21109" y="0"/>
-                </a:cubicBezTo>
-                <a:moveTo>
-                  <a:pt x="8836" y="20400"/>
-                </a:moveTo>
-                <a:lnTo>
-                  <a:pt x="6873" y="20400"/>
-                </a:lnTo>
-                <a:lnTo>
-                  <a:pt x="6873" y="3600"/>
-                </a:lnTo>
-                <a:lnTo>
-                  <a:pt x="8836" y="3600"/>
-                </a:lnTo>
-                <a:cubicBezTo>
-                  <a:pt x="8836" y="3600"/>
-                  <a:pt x="8836" y="20400"/>
-                  <a:pt x="8836" y="20400"/>
-                </a:cubicBezTo>
-                <a:close/>
-                <a:moveTo>
-                  <a:pt x="9327" y="2400"/>
-                </a:moveTo>
-                <a:lnTo>
-                  <a:pt x="6382" y="2400"/>
-                </a:lnTo>
-                <a:cubicBezTo>
-                  <a:pt x="6111" y="2400"/>
-                  <a:pt x="5891" y="2669"/>
-                  <a:pt x="5891" y="3000"/>
-                </a:cubicBezTo>
-                <a:lnTo>
-                  <a:pt x="5891" y="21000"/>
-                </a:lnTo>
-                <a:cubicBezTo>
-                  <a:pt x="5891" y="21332"/>
-                  <a:pt x="6111" y="21600"/>
-                  <a:pt x="6382" y="21600"/>
-                </a:cubicBezTo>
-                <a:lnTo>
-                  <a:pt x="9327" y="21600"/>
-                </a:lnTo>
-                <a:cubicBezTo>
-                  <a:pt x="9598" y="21600"/>
-                  <a:pt x="9818" y="21332"/>
-                  <a:pt x="9818" y="21000"/>
-                </a:cubicBezTo>
-                <a:lnTo>
-                  <a:pt x="9818" y="3000"/>
-                </a:lnTo>
-                <a:cubicBezTo>
-                  <a:pt x="9818" y="2669"/>
-                  <a:pt x="9598" y="2400"/>
-                  <a:pt x="9327" y="2400"/>
-                </a:cubicBezTo>
-                <a:moveTo>
-                  <a:pt x="14727" y="20400"/>
-                </a:moveTo>
-                <a:lnTo>
-                  <a:pt x="12764" y="20400"/>
-                </a:lnTo>
-                <a:lnTo>
-                  <a:pt x="12764" y="10800"/>
-                </a:lnTo>
-                <a:lnTo>
-                  <a:pt x="14727" y="10800"/>
-                </a:lnTo>
-                <a:cubicBezTo>
-                  <a:pt x="14727" y="10800"/>
-                  <a:pt x="14727" y="20400"/>
-                  <a:pt x="14727" y="20400"/>
-                </a:cubicBezTo>
-                <a:close/>
-                <a:moveTo>
-                  <a:pt x="15218" y="9600"/>
-                </a:moveTo>
-                <a:lnTo>
-                  <a:pt x="12273" y="9600"/>
-                </a:lnTo>
-                <a:cubicBezTo>
-                  <a:pt x="12002" y="9600"/>
-                  <a:pt x="11782" y="9869"/>
-                  <a:pt x="11782" y="10200"/>
-                </a:cubicBezTo>
-                <a:lnTo>
-                  <a:pt x="11782" y="21000"/>
-                </a:lnTo>
-                <a:cubicBezTo>
-                  <a:pt x="11782" y="21332"/>
-                  <a:pt x="12002" y="21600"/>
-                  <a:pt x="12273" y="21600"/>
-                </a:cubicBezTo>
-                <a:lnTo>
-                  <a:pt x="15218" y="21600"/>
-                </a:lnTo>
-                <a:cubicBezTo>
-                  <a:pt x="15489" y="21600"/>
-                  <a:pt x="15709" y="21332"/>
-                  <a:pt x="15709" y="21000"/>
-                </a:cubicBezTo>
-                <a:lnTo>
-                  <a:pt x="15709" y="10200"/>
-                </a:lnTo>
-                <a:cubicBezTo>
-                  <a:pt x="15709" y="9869"/>
-                  <a:pt x="15489" y="9600"/>
-                  <a:pt x="15218" y="9600"/>
-                </a:cubicBezTo>
-                <a:moveTo>
-                  <a:pt x="2945" y="20400"/>
-                </a:moveTo>
-                <a:lnTo>
-                  <a:pt x="982" y="20400"/>
-                </a:lnTo>
-                <a:lnTo>
-                  <a:pt x="982" y="14400"/>
-                </a:lnTo>
-                <a:lnTo>
-                  <a:pt x="2945" y="14400"/>
-                </a:lnTo>
-                <a:cubicBezTo>
-                  <a:pt x="2945" y="14400"/>
-                  <a:pt x="2945" y="20400"/>
-                  <a:pt x="2945" y="20400"/>
-                </a:cubicBezTo>
-                <a:close/>
-                <a:moveTo>
-                  <a:pt x="3436" y="13200"/>
-                </a:moveTo>
-                <a:lnTo>
-                  <a:pt x="491" y="13200"/>
-                </a:lnTo>
-                <a:cubicBezTo>
-                  <a:pt x="220" y="13200"/>
-                  <a:pt x="0" y="13469"/>
-                  <a:pt x="0" y="13800"/>
-                </a:cubicBezTo>
-                <a:lnTo>
-                  <a:pt x="0" y="21000"/>
-                </a:lnTo>
-                <a:cubicBezTo>
-                  <a:pt x="0" y="21332"/>
-                  <a:pt x="220" y="21600"/>
-                  <a:pt x="491" y="21600"/>
-                </a:cubicBezTo>
-                <a:lnTo>
-                  <a:pt x="3436" y="21600"/>
-                </a:lnTo>
-                <a:cubicBezTo>
-                  <a:pt x="3707" y="21600"/>
-                  <a:pt x="3927" y="21332"/>
-                  <a:pt x="3927" y="21000"/>
-                </a:cubicBezTo>
-                <a:lnTo>
-                  <a:pt x="3927" y="13800"/>
-                </a:lnTo>
-                <a:cubicBezTo>
-                  <a:pt x="3927" y="13469"/>
-                  <a:pt x="3707" y="13200"/>
-                  <a:pt x="3436" y="13200"/>
-                </a:cubicBezTo>
-              </a:path>
-            </a:pathLst>
-          </a:custGeom>
-          <a:solidFill>
-            <a:schemeClr val="tx1"/>
-          </a:solidFill>
-          <a:ln w="12700">
-            <a:miter lim="400000"/>
-          </a:ln>
-        </p:spPr>
-        <p:txBody>
-          <a:bodyPr lIns="19045" tIns="19045" rIns="19045" bIns="19045" anchor="ctr"/>
-          <a:lstStyle/>
-          <a:p>
-            <a:pPr defTabSz="228532">
-              <a:defRPr sz="3000" cap="none">
-                <a:solidFill>
-                  <a:srgbClr val="FFFFFF"/>
-                </a:solidFill>
-                <a:effectLst>
-                  <a:outerShdw blurRad="38100" dist="12700" dir="5400000" rotWithShape="0">
-                    <a:srgbClr val="000000">
-                      <a:alpha val="50000"/>
-                    </a:srgbClr>
-                  </a:outerShdw>
-                </a:effectLst>
-                <a:latin typeface="Gill Sans"/>
-                <a:ea typeface="Gill Sans"/>
-                <a:cs typeface="Gill Sans"/>
-                <a:sym typeface="Gill Sans"/>
-              </a:defRPr>
-            </a:pPr>
-            <a:endParaRPr sz="1500">
-              <a:solidFill>
-                <a:srgbClr val="FFFFFF"/>
-              </a:solidFill>
-              <a:effectLst>
-                <a:outerShdw blurRad="38100" dist="12700" dir="5400000" rotWithShape="0">
-                  <a:srgbClr val="000000">
-                    <a:alpha val="50000"/>
-                  </a:srgbClr>
-                </a:outerShdw>
-              </a:effectLst>
-              <a:latin typeface="Gill Sans"/>
-              <a:ea typeface="Gill Sans"/>
-              <a:cs typeface="Gill Sans"/>
-              <a:sym typeface="Gill Sans"/>
-            </a:endParaRPr>
-          </a:p>
-        </p:txBody>
-      </p:sp>
-      <p:sp>
-        <p:nvSpPr>
-          <p:cNvPr id="12" name="Shape 2748">
-            <a:extLst>
-              <a:ext uri="{FF2B5EF4-FFF2-40B4-BE49-F238E27FC236}">
-                <a16:creationId xmlns:a16="http://schemas.microsoft.com/office/drawing/2014/main" id="{E9D7709E-7AB2-4492-AD55-FA89316C02E5}"/>
-              </a:ext>
-            </a:extLst>
-          </p:cNvPr>
-          <p:cNvSpPr/>
-          <p:nvPr/>
-        </p:nvSpPr>
-        <p:spPr>
-          <a:xfrm>
-            <a:off x="5161124" y="1650747"/>
-            <a:ext cx="279554" cy="279554"/>
-          </a:xfrm>
-          <a:custGeom>
-            <a:avLst/>
-            <a:gdLst/>
-            <a:ahLst/>
-            <a:cxnLst>
-              <a:cxn ang="0">
-                <a:pos x="wd2" y="hd2"/>
-              </a:cxn>
-              <a:cxn ang="5400000">
-                <a:pos x="wd2" y="hd2"/>
-              </a:cxn>
-              <a:cxn ang="10800000">
-                <a:pos x="wd2" y="hd2"/>
-              </a:cxn>
-              <a:cxn ang="16200000">
-                <a:pos x="wd2" y="hd2"/>
-              </a:cxn>
-            </a:cxnLst>
-            <a:rect l="0" t="0" r="r" b="b"/>
-            <a:pathLst>
-              <a:path w="21600" h="21600" extrusionOk="0">
-                <a:moveTo>
-                  <a:pt x="10800" y="20618"/>
-                </a:moveTo>
-                <a:cubicBezTo>
-                  <a:pt x="5377" y="20618"/>
-                  <a:pt x="982" y="16223"/>
-                  <a:pt x="982" y="10800"/>
-                </a:cubicBezTo>
-                <a:cubicBezTo>
-                  <a:pt x="982" y="5377"/>
-                  <a:pt x="5377" y="982"/>
-                  <a:pt x="10800" y="982"/>
-                </a:cubicBezTo>
-                <a:cubicBezTo>
-                  <a:pt x="16223" y="982"/>
-                  <a:pt x="20618" y="5377"/>
-                  <a:pt x="20618" y="10800"/>
-                </a:cubicBezTo>
-                <a:cubicBezTo>
-                  <a:pt x="20618" y="16223"/>
-                  <a:pt x="16223" y="20618"/>
-                  <a:pt x="10800" y="20618"/>
-                </a:cubicBezTo>
-                <a:moveTo>
-                  <a:pt x="18280" y="18579"/>
-                </a:moveTo>
-                <a:cubicBezTo>
-                  <a:pt x="20323" y="16614"/>
-                  <a:pt x="21600" y="13859"/>
-                  <a:pt x="21600" y="10800"/>
-                </a:cubicBezTo>
-                <a:cubicBezTo>
-                  <a:pt x="21600" y="4835"/>
-                  <a:pt x="16764" y="0"/>
-                  <a:pt x="10800" y="0"/>
-                </a:cubicBezTo>
-                <a:cubicBezTo>
-                  <a:pt x="4836" y="0"/>
-                  <a:pt x="0" y="4835"/>
-                  <a:pt x="0" y="10800"/>
-                </a:cubicBezTo>
-                <a:cubicBezTo>
-                  <a:pt x="0" y="13859"/>
-                  <a:pt x="1277" y="16614"/>
-                  <a:pt x="3320" y="18579"/>
-                </a:cubicBezTo>
-                <a:lnTo>
-                  <a:pt x="2107" y="20762"/>
-                </a:lnTo>
-                <a:cubicBezTo>
-                  <a:pt x="2019" y="20851"/>
-                  <a:pt x="1964" y="20974"/>
-                  <a:pt x="1964" y="21109"/>
-                </a:cubicBezTo>
-                <a:cubicBezTo>
-                  <a:pt x="1964" y="21380"/>
-                  <a:pt x="2184" y="21600"/>
-                  <a:pt x="2455" y="21600"/>
-                </a:cubicBezTo>
-                <a:cubicBezTo>
-                  <a:pt x="2590" y="21600"/>
-                  <a:pt x="2713" y="21545"/>
-                  <a:pt x="2802" y="21456"/>
-                </a:cubicBezTo>
-                <a:cubicBezTo>
-                  <a:pt x="2858" y="21400"/>
-                  <a:pt x="2894" y="21327"/>
-                  <a:pt x="2917" y="21248"/>
-                </a:cubicBezTo>
-                <a:lnTo>
-                  <a:pt x="4044" y="19219"/>
-                </a:lnTo>
-                <a:cubicBezTo>
-                  <a:pt x="5895" y="20706"/>
-                  <a:pt x="8242" y="21600"/>
-                  <a:pt x="10800" y="21600"/>
-                </a:cubicBezTo>
-                <a:cubicBezTo>
-                  <a:pt x="13358" y="21600"/>
-                  <a:pt x="15705" y="20706"/>
-                  <a:pt x="17555" y="19219"/>
-                </a:cubicBezTo>
-                <a:lnTo>
-                  <a:pt x="18683" y="21248"/>
-                </a:lnTo>
-                <a:cubicBezTo>
-                  <a:pt x="18743" y="21450"/>
-                  <a:pt x="18923" y="21600"/>
-                  <a:pt x="19145" y="21600"/>
-                </a:cubicBezTo>
-                <a:cubicBezTo>
-                  <a:pt x="19416" y="21600"/>
-                  <a:pt x="19636" y="21380"/>
-                  <a:pt x="19636" y="21109"/>
-                </a:cubicBezTo>
-                <a:cubicBezTo>
-                  <a:pt x="19636" y="20974"/>
-                  <a:pt x="19581" y="20851"/>
-                  <a:pt x="19493" y="20762"/>
-                </a:cubicBezTo>
-                <a:cubicBezTo>
-                  <a:pt x="19493" y="20762"/>
-                  <a:pt x="18280" y="18579"/>
-                  <a:pt x="18280" y="18579"/>
-                </a:cubicBezTo>
-                <a:close/>
-                <a:moveTo>
-                  <a:pt x="10800" y="16691"/>
-                </a:moveTo>
-                <a:cubicBezTo>
-                  <a:pt x="7547" y="16691"/>
-                  <a:pt x="4909" y="14053"/>
-                  <a:pt x="4909" y="10800"/>
-                </a:cubicBezTo>
-                <a:cubicBezTo>
-                  <a:pt x="4909" y="7547"/>
-                  <a:pt x="7547" y="4909"/>
-                  <a:pt x="10800" y="4909"/>
-                </a:cubicBezTo>
-                <a:cubicBezTo>
-                  <a:pt x="14053" y="4909"/>
-                  <a:pt x="16691" y="7547"/>
-                  <a:pt x="16691" y="10800"/>
-                </a:cubicBezTo>
-                <a:cubicBezTo>
-                  <a:pt x="16691" y="14053"/>
-                  <a:pt x="14053" y="16691"/>
-                  <a:pt x="10800" y="16691"/>
-                </a:cubicBezTo>
-                <a:moveTo>
-                  <a:pt x="10800" y="3927"/>
-                </a:moveTo>
-                <a:cubicBezTo>
-                  <a:pt x="7004" y="3927"/>
-                  <a:pt x="3927" y="7004"/>
-                  <a:pt x="3927" y="10800"/>
-                </a:cubicBezTo>
-                <a:cubicBezTo>
-                  <a:pt x="3927" y="14596"/>
-                  <a:pt x="7004" y="17673"/>
-                  <a:pt x="10800" y="17673"/>
-                </a:cubicBezTo>
-                <a:cubicBezTo>
-                  <a:pt x="14596" y="17673"/>
-                  <a:pt x="17673" y="14596"/>
-                  <a:pt x="17673" y="10800"/>
-                </a:cubicBezTo>
-                <a:cubicBezTo>
-                  <a:pt x="17673" y="7004"/>
-                  <a:pt x="14596" y="3927"/>
-                  <a:pt x="10800" y="3927"/>
-                </a:cubicBezTo>
-                <a:moveTo>
-                  <a:pt x="10800" y="12764"/>
-                </a:moveTo>
-                <a:cubicBezTo>
-                  <a:pt x="9716" y="12764"/>
-                  <a:pt x="8836" y="11884"/>
-                  <a:pt x="8836" y="10800"/>
-                </a:cubicBezTo>
-                <a:cubicBezTo>
-                  <a:pt x="8836" y="9716"/>
-                  <a:pt x="9716" y="8836"/>
-                  <a:pt x="10800" y="8836"/>
-                </a:cubicBezTo>
-                <a:cubicBezTo>
-                  <a:pt x="11884" y="8836"/>
-                  <a:pt x="12764" y="9716"/>
-                  <a:pt x="12764" y="10800"/>
-                </a:cubicBezTo>
-                <a:cubicBezTo>
-                  <a:pt x="12764" y="11884"/>
-                  <a:pt x="11884" y="12764"/>
-                  <a:pt x="10800" y="12764"/>
-                </a:cubicBezTo>
-                <a:moveTo>
-                  <a:pt x="10800" y="7855"/>
-                </a:moveTo>
-                <a:cubicBezTo>
-                  <a:pt x="9173" y="7855"/>
-                  <a:pt x="7855" y="9173"/>
-                  <a:pt x="7855" y="10800"/>
-                </a:cubicBezTo>
-                <a:cubicBezTo>
-                  <a:pt x="7855" y="12427"/>
-                  <a:pt x="9173" y="13745"/>
-                  <a:pt x="10800" y="13745"/>
-                </a:cubicBezTo>
-                <a:cubicBezTo>
-                  <a:pt x="12427" y="13745"/>
-                  <a:pt x="13745" y="12427"/>
-                  <a:pt x="13745" y="10800"/>
-                </a:cubicBezTo>
-                <a:cubicBezTo>
-                  <a:pt x="13745" y="9173"/>
-                  <a:pt x="12427" y="7855"/>
-                  <a:pt x="10800" y="7855"/>
-                </a:cubicBezTo>
-              </a:path>
-            </a:pathLst>
-          </a:custGeom>
-          <a:solidFill>
-            <a:schemeClr val="tx1"/>
-          </a:solidFill>
-          <a:ln w="12700">
-            <a:miter lim="400000"/>
-          </a:ln>
-        </p:spPr>
-        <p:txBody>
-          <a:bodyPr lIns="19045" tIns="19045" rIns="19045" bIns="19045" anchor="ctr"/>
-          <a:lstStyle/>
-          <a:p>
-            <a:pPr defTabSz="228532">
-              <a:defRPr sz="3000" cap="none">
-                <a:solidFill>
-                  <a:srgbClr val="FFFFFF"/>
-                </a:solidFill>
-                <a:effectLst>
-                  <a:outerShdw blurRad="38100" dist="12700" dir="5400000" rotWithShape="0">
-                    <a:srgbClr val="000000">
-                      <a:alpha val="50000"/>
-                    </a:srgbClr>
-                  </a:outerShdw>
-                </a:effectLst>
-                <a:latin typeface="Gill Sans"/>
-                <a:ea typeface="Gill Sans"/>
-                <a:cs typeface="Gill Sans"/>
-                <a:sym typeface="Gill Sans"/>
-              </a:defRPr>
-            </a:pPr>
-            <a:endParaRPr sz="1500">
-              <a:solidFill>
-                <a:srgbClr val="FFFFFF"/>
-              </a:solidFill>
-              <a:effectLst>
-                <a:outerShdw blurRad="38100" dist="12700" dir="5400000" rotWithShape="0">
-                  <a:srgbClr val="000000">
-                    <a:alpha val="50000"/>
-                  </a:srgbClr>
-                </a:outerShdw>
-              </a:effectLst>
-              <a:latin typeface="Gill Sans"/>
-              <a:ea typeface="Gill Sans"/>
-              <a:cs typeface="Gill Sans"/>
-              <a:sym typeface="Gill Sans"/>
-            </a:endParaRPr>
-          </a:p>
-        </p:txBody>
-      </p:sp>
-      <p:sp>
-        <p:nvSpPr>
-          <p:cNvPr id="9" name="Text Placeholder 37">
-            <a:extLst>
-              <a:ext uri="{FF2B5EF4-FFF2-40B4-BE49-F238E27FC236}">
-                <a16:creationId xmlns:a16="http://schemas.microsoft.com/office/drawing/2014/main" id="{9B887A01-1F17-4A4C-92C4-5C1FA30DED70}"/>
-              </a:ext>
-            </a:extLst>
-          </p:cNvPr>
-          <p:cNvSpPr txBox="1">
-            <a:spLocks/>
-          </p:cNvSpPr>
-          <p:nvPr/>
-        </p:nvSpPr>
-        <p:spPr>
-          <a:xfrm>
-            <a:off x="4952761" y="2160471"/>
-            <a:ext cx="3680532" cy="2392075"/>
-          </a:xfrm>
-          <a:prstGeom prst="rect">
-            <a:avLst/>
-          </a:prstGeom>
-        </p:spPr>
-        <p:txBody>
-          <a:bodyPr vert="horz" lIns="91440" tIns="45720" rIns="91440" bIns="45720" rtlCol="0">
-            <a:normAutofit/>
-          </a:bodyPr>
-          <a:lstStyle>
-            <a:lvl1pPr marL="0" marR="0" indent="0" algn="l" defTabSz="914400" rtl="0" eaLnBrk="1" fontAlgn="auto" latinLnBrk="0" hangingPunct="1">
-              <a:lnSpc>
-                <a:spcPct val="100000"/>
-              </a:lnSpc>
-              <a:spcBef>
-                <a:spcPts val="1000"/>
-              </a:spcBef>
-              <a:spcAft>
-                <a:spcPts val="0"/>
-              </a:spcAft>
-              <a:buClrTx/>
-              <a:buSzTx/>
-              <a:buFont typeface="Arial" panose="020B0604020202020204" pitchFamily="34" charset="0"/>
-              <a:buNone/>
-              <a:tabLst/>
-              <a:defRPr lang="en-US" sz="1400" b="0" i="0" kern="1200" dirty="0" smtClean="0">
-                <a:solidFill>
-                  <a:schemeClr val="tx1"/>
-                </a:solidFill>
-                <a:latin typeface="+mn-lt"/>
-                <a:ea typeface="Gotham Light" charset="0"/>
-                <a:cs typeface="Gotham Light" charset="0"/>
-              </a:defRPr>
-            </a:lvl1pPr>
-            <a:lvl2pPr marL="685800" marR="0" indent="-228600" algn="l" defTabSz="914400" rtl="0" eaLnBrk="1" fontAlgn="auto" latinLnBrk="0" hangingPunct="1">
-              <a:lnSpc>
-                <a:spcPct val="90000"/>
-              </a:lnSpc>
-              <a:spcBef>
-                <a:spcPts val="500"/>
-              </a:spcBef>
-              <a:spcAft>
-                <a:spcPts val="0"/>
-              </a:spcAft>
-              <a:buClrTx/>
-              <a:buSzTx/>
-              <a:buFont typeface="Arial" panose="020B0604020202020204" pitchFamily="34" charset="0"/>
-              <a:buChar char="•"/>
-              <a:tabLst/>
-              <a:defRPr lang="en-US" sz="2000" b="0" i="0" kern="1200" dirty="0" smtClean="0">
-                <a:solidFill>
-                  <a:schemeClr val="tx1"/>
-                </a:solidFill>
-                <a:latin typeface="Segoe UI Semilight" panose="020B0402040204020203" pitchFamily="34" charset="0"/>
-                <a:ea typeface="+mn-ea"/>
-                <a:cs typeface="Segoe UI Semilight" panose="020B0402040204020203" pitchFamily="34" charset="0"/>
-              </a:defRPr>
-            </a:lvl2pPr>
-            <a:lvl3pPr marL="1143000" marR="0" indent="-228600" algn="l" defTabSz="914400" rtl="0" eaLnBrk="1" fontAlgn="auto" latinLnBrk="0" hangingPunct="1">
-              <a:lnSpc>
-                <a:spcPct val="90000"/>
-              </a:lnSpc>
-              <a:spcBef>
-                <a:spcPts val="500"/>
-              </a:spcBef>
-              <a:spcAft>
-                <a:spcPts val="0"/>
-              </a:spcAft>
-              <a:buClrTx/>
-              <a:buSzTx/>
-              <a:buFont typeface="Arial" panose="020B0604020202020204" pitchFamily="34" charset="0"/>
-              <a:buChar char="•"/>
-              <a:tabLst/>
-              <a:defRPr lang="en-US" sz="1800" b="0" i="0" kern="1200" dirty="0" smtClean="0">
-                <a:solidFill>
-                  <a:schemeClr val="tx1"/>
-                </a:solidFill>
-                <a:latin typeface="Segoe UI Semilight" panose="020B0402040204020203" pitchFamily="34" charset="0"/>
-                <a:ea typeface="+mn-ea"/>
-                <a:cs typeface="Segoe UI Semilight" panose="020B0402040204020203" pitchFamily="34" charset="0"/>
-              </a:defRPr>
-            </a:lvl3pPr>
-            <a:lvl4pPr marL="1600200" marR="0" indent="-228600" algn="l" defTabSz="914400" rtl="0" eaLnBrk="1" fontAlgn="auto" latinLnBrk="0" hangingPunct="1">
-              <a:lnSpc>
-                <a:spcPct val="90000"/>
-              </a:lnSpc>
-              <a:spcBef>
-                <a:spcPts val="500"/>
-              </a:spcBef>
-              <a:spcAft>
-                <a:spcPts val="0"/>
-              </a:spcAft>
-              <a:buClrTx/>
-              <a:buSzTx/>
-              <a:buFont typeface="Arial" panose="020B0604020202020204" pitchFamily="34" charset="0"/>
-              <a:buChar char="•"/>
-              <a:tabLst/>
-              <a:defRPr lang="en-US" sz="1800" b="0" i="0" kern="1200" dirty="0" smtClean="0">
-                <a:solidFill>
-                  <a:schemeClr val="tx1"/>
-                </a:solidFill>
-                <a:latin typeface="Segoe UI Semilight" panose="020B0402040204020203" pitchFamily="34" charset="0"/>
-                <a:ea typeface="+mn-ea"/>
-                <a:cs typeface="Segoe UI Semilight" panose="020B0402040204020203" pitchFamily="34" charset="0"/>
-              </a:defRPr>
-            </a:lvl4pPr>
-            <a:lvl5pPr marL="2057400" marR="0" indent="-228600" algn="l" defTabSz="914400" rtl="0" eaLnBrk="1" fontAlgn="auto" latinLnBrk="0" hangingPunct="1">
-              <a:lnSpc>
-                <a:spcPct val="90000"/>
-              </a:lnSpc>
-              <a:spcBef>
-                <a:spcPts val="500"/>
-              </a:spcBef>
-              <a:spcAft>
-                <a:spcPts val="0"/>
-              </a:spcAft>
-              <a:buClrTx/>
-              <a:buSzTx/>
-              <a:buFont typeface="Arial" panose="020B0604020202020204" pitchFamily="34" charset="0"/>
-              <a:buChar char="•"/>
-              <a:tabLst/>
-              <a:defRPr lang="en-US" sz="1800" b="0" i="0" kern="1200" dirty="0">
-                <a:solidFill>
-                  <a:schemeClr val="tx1"/>
-                </a:solidFill>
-                <a:latin typeface="Segoe UI Semilight" panose="020B0402040204020203" pitchFamily="34" charset="0"/>
-                <a:ea typeface="+mn-ea"/>
-                <a:cs typeface="Segoe UI Semilight" panose="020B0402040204020203" pitchFamily="34" charset="0"/>
-              </a:defRPr>
-            </a:lvl5pPr>
-            <a:lvl6pPr marL="2514600" indent="-228600" algn="l" defTabSz="914400" rtl="0" eaLnBrk="1" latinLnBrk="0" hangingPunct="1">
-              <a:spcBef>
-                <a:spcPct val="20000"/>
-              </a:spcBef>
-              <a:buFont typeface="Arial" pitchFamily="34" charset="0"/>
-              <a:buChar char="•"/>
-              <a:defRPr sz="2000" kern="1200">
-                <a:solidFill>
-                  <a:schemeClr val="tx1"/>
-                </a:solidFill>
-                <a:latin typeface="+mn-lt"/>
-                <a:ea typeface="+mn-ea"/>
-                <a:cs typeface="+mn-cs"/>
-              </a:defRPr>
-            </a:lvl6pPr>
-            <a:lvl7pPr marL="2971800" indent="-228600" algn="l" defTabSz="914400" rtl="0" eaLnBrk="1" latinLnBrk="0" hangingPunct="1">
-              <a:spcBef>
-                <a:spcPct val="20000"/>
-              </a:spcBef>
-              <a:buFont typeface="Arial" pitchFamily="34" charset="0"/>
-              <a:buChar char="•"/>
-              <a:defRPr sz="2000" kern="1200">
-                <a:solidFill>
-                  <a:schemeClr val="tx1"/>
-                </a:solidFill>
-                <a:latin typeface="+mn-lt"/>
-                <a:ea typeface="+mn-ea"/>
-                <a:cs typeface="+mn-cs"/>
-              </a:defRPr>
-            </a:lvl7pPr>
-            <a:lvl8pPr marL="3429000" indent="-228600" algn="l" defTabSz="914400" rtl="0" eaLnBrk="1" latinLnBrk="0" hangingPunct="1">
-              <a:spcBef>
-                <a:spcPct val="20000"/>
-              </a:spcBef>
-              <a:buFont typeface="Arial" pitchFamily="34" charset="0"/>
-              <a:buChar char="•"/>
-              <a:defRPr sz="2000" kern="1200">
-                <a:solidFill>
-                  <a:schemeClr val="tx1"/>
-                </a:solidFill>
-                <a:latin typeface="+mn-lt"/>
-                <a:ea typeface="+mn-ea"/>
-                <a:cs typeface="+mn-cs"/>
-              </a:defRPr>
-            </a:lvl8pPr>
-            <a:lvl9pPr marL="3886200" indent="-228600" algn="l" defTabSz="914400" rtl="0" eaLnBrk="1" latinLnBrk="0" hangingPunct="1">
-              <a:spcBef>
-                <a:spcPct val="20000"/>
-              </a:spcBef>
-              <a:buFont typeface="Arial" pitchFamily="34" charset="0"/>
-              <a:buChar char="•"/>
-              <a:defRPr sz="2000" kern="1200">
-                <a:solidFill>
-                  <a:schemeClr val="tx1"/>
-                </a:solidFill>
-                <a:latin typeface="+mn-lt"/>
-                <a:ea typeface="+mn-ea"/>
-                <a:cs typeface="+mn-cs"/>
-              </a:defRPr>
-            </a:lvl9pPr>
-          </a:lstStyle>
-          <a:p>
-            <a:r>
-              <a:rPr lang="en-CA"/>
-              <a:t>Lorem ipsum dolor sit amet, consectetur adipiscing elit. Aliquam porttitor felis at justo convallis, ut pretium felis posuere. Vestibulum ante ipsum primis in faucibus orci luctus et ultrices posuere cubilia Curae.</a:t>
-            </a:r>
-          </a:p>
-          <a:p>
-            <a:endParaRPr lang="en-CA"/>
+              <a:rPr lang="en-CA" dirty="0"/>
+              <a:t>Ethics in Big Data Collection</a:t>
+            </a:r>
           </a:p>
         </p:txBody>
       </p:sp>
     </p:spTree>
     <p:extLst>
       <p:ext uri="{BB962C8B-B14F-4D97-AF65-F5344CB8AC3E}">
-        <p14:creationId xmlns:p14="http://schemas.microsoft.com/office/powerpoint/2010/main" val="3831141445"/>
+        <p14:creationId xmlns:p14="http://schemas.microsoft.com/office/powerpoint/2010/main" val="2137236302"/>
       </p:ext>
     </p:extLst>
   </p:cSld>
@@ -21971,7 +20687,7 @@
 </file>
 
 <file path=ppt/slides/slide16.xml><?xml version="1.0" encoding="utf-8"?>
-<p:sld xmlns:a="http://schemas.openxmlformats.org/drawingml/2006/main" xmlns:r="http://schemas.openxmlformats.org/officeDocument/2006/relationships" xmlns:p="http://schemas.openxmlformats.org/presentationml/2006/main" showMasterSp="0" show="0">
+<p:sld xmlns:a="http://schemas.openxmlformats.org/drawingml/2006/main" xmlns:r="http://schemas.openxmlformats.org/officeDocument/2006/relationships" xmlns:p="http://schemas.openxmlformats.org/presentationml/2006/main">
   <p:cSld>
     <p:spTree>
       <p:nvGrpSpPr>
@@ -21989,7 +20705,60 @@
       </p:grpSpPr>
       <p:sp>
         <p:nvSpPr>
-          <p:cNvPr id="5" name="Title 4"/>
+          <p:cNvPr id="2" name="Content Placeholder 1">
+            <a:extLst>
+              <a:ext uri="{FF2B5EF4-FFF2-40B4-BE49-F238E27FC236}">
+                <a16:creationId xmlns:a16="http://schemas.microsoft.com/office/drawing/2014/main" id="{EF24CA04-327F-4A45-8923-92F6874B5AD6}"/>
+              </a:ext>
+            </a:extLst>
+          </p:cNvPr>
+          <p:cNvSpPr>
+            <a:spLocks noGrp="1"/>
+          </p:cNvSpPr>
+          <p:nvPr>
+            <p:ph sz="quarter" idx="10"/>
+          </p:nvPr>
+        </p:nvSpPr>
+        <p:spPr/>
+        <p:txBody>
+          <a:bodyPr/>
+          <a:lstStyle/>
+          <a:p>
+            <a:r>
+              <a:rPr lang="en-US" dirty="0"/>
+              <a:t>Analytical models or predictive models must </a:t>
+            </a:r>
+            <a:r>
+              <a:rPr lang="en-US" b="1" dirty="0"/>
+              <a:t>account for past trends or institutionalize past trends</a:t>
+            </a:r>
+            <a:r>
+              <a:rPr lang="en-US" dirty="0"/>
+              <a:t>. </a:t>
+            </a:r>
+          </a:p>
+          <a:p>
+            <a:pPr lvl="1"/>
+            <a:r>
+              <a:rPr lang="en-US" dirty="0"/>
+              <a:t>Market segmentation for special rate loan offers, ATM locations, service locations, only further existing socioeconomic divides.</a:t>
+            </a:r>
+          </a:p>
+          <a:p>
+            <a:pPr lvl="1"/>
+            <a:endParaRPr lang="en-CA" dirty="0"/>
+          </a:p>
+        </p:txBody>
+      </p:sp>
+      <p:sp>
+        <p:nvSpPr>
+          <p:cNvPr id="3" name="Title 2">
+            <a:extLst>
+              <a:ext uri="{FF2B5EF4-FFF2-40B4-BE49-F238E27FC236}">
+                <a16:creationId xmlns:a16="http://schemas.microsoft.com/office/drawing/2014/main" id="{53E16ADB-5B3B-4086-A261-D6274ABB7FBA}"/>
+              </a:ext>
+            </a:extLst>
+          </p:cNvPr>
           <p:cNvSpPr>
             <a:spLocks noGrp="1"/>
           </p:cNvSpPr>
@@ -22003,266 +20772,16 @@
           <a:lstStyle/>
           <a:p>
             <a:r>
-              <a:rPr lang="en-US" dirty="0"/>
-              <a:t>Two column layout</a:t>
-            </a:r>
-          </a:p>
-        </p:txBody>
-      </p:sp>
-      <p:sp>
-        <p:nvSpPr>
-          <p:cNvPr id="6" name="Text Placeholder 5"/>
-          <p:cNvSpPr>
-            <a:spLocks noGrp="1"/>
-          </p:cNvSpPr>
-          <p:nvPr>
-            <p:ph type="body" sz="quarter" idx="10"/>
-          </p:nvPr>
-        </p:nvSpPr>
-        <p:spPr/>
-        <p:txBody>
-          <a:bodyPr/>
-          <a:lstStyle/>
-          <a:p>
-            <a:r>
-              <a:rPr lang="en-US" dirty="0"/>
-              <a:t>Title Here</a:t>
-            </a:r>
-          </a:p>
-        </p:txBody>
-      </p:sp>
-      <p:sp>
-        <p:nvSpPr>
-          <p:cNvPr id="8" name="Text Placeholder 7"/>
-          <p:cNvSpPr>
-            <a:spLocks noGrp="1"/>
-          </p:cNvSpPr>
-          <p:nvPr>
-            <p:ph type="body" sz="quarter" idx="14"/>
-          </p:nvPr>
-        </p:nvSpPr>
-        <p:spPr/>
-        <p:txBody>
-          <a:bodyPr/>
-          <a:lstStyle/>
-          <a:p>
-            <a:r>
-              <a:rPr lang="en-US"/>
-              <a:t>Title Here</a:t>
-            </a:r>
-            <a:endParaRPr lang="en-US" dirty="0"/>
-          </a:p>
-        </p:txBody>
-      </p:sp>
-      <p:sp>
-        <p:nvSpPr>
-          <p:cNvPr id="7" name="Text Placeholder 6"/>
-          <p:cNvSpPr>
-            <a:spLocks noGrp="1"/>
-          </p:cNvSpPr>
-          <p:nvPr>
-            <p:ph type="body" sz="quarter" idx="13"/>
-          </p:nvPr>
-        </p:nvSpPr>
-        <p:spPr/>
-        <p:txBody>
-          <a:bodyPr/>
-          <a:lstStyle/>
-          <a:p>
-            <a:r>
-              <a:rPr lang="en-US" dirty="0"/>
-              <a:t>Lorem ipsum dolor sit </a:t>
-            </a:r>
-            <a:r>
-              <a:rPr lang="en-US" dirty="0" err="1"/>
-              <a:t>amet</a:t>
-            </a:r>
-            <a:r>
-              <a:rPr lang="en-US" dirty="0"/>
-              <a:t>, </a:t>
-            </a:r>
-            <a:r>
-              <a:rPr lang="en-US" dirty="0" err="1"/>
-              <a:t>consectetur</a:t>
-            </a:r>
-            <a:r>
-              <a:rPr lang="en-US" dirty="0"/>
-              <a:t> </a:t>
-            </a:r>
-            <a:r>
-              <a:rPr lang="en-US" dirty="0" err="1"/>
-              <a:t>adipiscing</a:t>
-            </a:r>
-            <a:r>
-              <a:rPr lang="en-US" dirty="0"/>
-              <a:t> </a:t>
-            </a:r>
-            <a:r>
-              <a:rPr lang="en-US" dirty="0" err="1"/>
-              <a:t>elit</a:t>
-            </a:r>
-            <a:r>
-              <a:rPr lang="en-US" dirty="0"/>
-              <a:t>. </a:t>
-            </a:r>
-            <a:r>
-              <a:rPr lang="en-US" dirty="0" err="1"/>
-              <a:t>Aliquam</a:t>
-            </a:r>
-            <a:r>
-              <a:rPr lang="en-US" dirty="0"/>
-              <a:t> </a:t>
-            </a:r>
-            <a:r>
-              <a:rPr lang="en-US" dirty="0" err="1"/>
-              <a:t>porttitor</a:t>
-            </a:r>
-            <a:r>
-              <a:rPr lang="en-US" dirty="0"/>
-              <a:t> </a:t>
-            </a:r>
-            <a:r>
-              <a:rPr lang="en-US" dirty="0" err="1"/>
-              <a:t>felis</a:t>
-            </a:r>
-            <a:r>
-              <a:rPr lang="en-US" dirty="0"/>
-              <a:t> at </a:t>
-            </a:r>
-            <a:r>
-              <a:rPr lang="en-US" dirty="0" err="1"/>
-              <a:t>justo</a:t>
-            </a:r>
-            <a:r>
-              <a:rPr lang="en-US" dirty="0"/>
-              <a:t> convallis, </a:t>
-            </a:r>
-            <a:r>
-              <a:rPr lang="en-US" dirty="0" err="1"/>
-              <a:t>ut</a:t>
-            </a:r>
-            <a:r>
-              <a:rPr lang="en-US" dirty="0"/>
-              <a:t> </a:t>
-            </a:r>
-            <a:r>
-              <a:rPr lang="en-US" dirty="0" err="1"/>
-              <a:t>pretium</a:t>
-            </a:r>
-            <a:r>
-              <a:rPr lang="en-US" dirty="0"/>
-              <a:t> </a:t>
-            </a:r>
-            <a:r>
-              <a:rPr lang="en-US" dirty="0" err="1"/>
-              <a:t>felis</a:t>
-            </a:r>
-            <a:r>
-              <a:rPr lang="en-US" dirty="0"/>
-              <a:t> </a:t>
-            </a:r>
-            <a:r>
-              <a:rPr lang="en-US" dirty="0" err="1"/>
-              <a:t>posuere</a:t>
-            </a:r>
-            <a:r>
-              <a:rPr lang="en-US" dirty="0"/>
-              <a:t>. Vestibulum ante ipsum </a:t>
-            </a:r>
-            <a:r>
-              <a:rPr lang="en-US" dirty="0" err="1"/>
-              <a:t>primis</a:t>
-            </a:r>
-            <a:r>
-              <a:rPr lang="en-US" dirty="0"/>
-              <a:t> in </a:t>
-            </a:r>
-            <a:r>
-              <a:rPr lang="en-US" dirty="0" err="1"/>
-              <a:t>faucibus</a:t>
-            </a:r>
-            <a:r>
-              <a:rPr lang="en-US" dirty="0"/>
-              <a:t> </a:t>
-            </a:r>
-            <a:r>
-              <a:rPr lang="en-US" dirty="0" err="1"/>
-              <a:t>orci</a:t>
-            </a:r>
-            <a:r>
-              <a:rPr lang="en-US" dirty="0"/>
-              <a:t> </a:t>
-            </a:r>
-            <a:r>
-              <a:rPr lang="en-US" dirty="0" err="1"/>
-              <a:t>luctus</a:t>
-            </a:r>
-            <a:r>
-              <a:rPr lang="en-US" dirty="0"/>
-              <a:t> et </a:t>
-            </a:r>
-            <a:r>
-              <a:rPr lang="en-US" dirty="0" err="1"/>
-              <a:t>ultrices</a:t>
-            </a:r>
-            <a:r>
-              <a:rPr lang="en-US" dirty="0"/>
-              <a:t> </a:t>
-            </a:r>
-            <a:r>
-              <a:rPr lang="en-US" dirty="0" err="1"/>
-              <a:t>posuere</a:t>
-            </a:r>
-            <a:r>
-              <a:rPr lang="en-US" dirty="0"/>
-              <a:t> </a:t>
-            </a:r>
-            <a:r>
-              <a:rPr lang="en-US" dirty="0" err="1"/>
-              <a:t>cubilia</a:t>
-            </a:r>
-            <a:r>
-              <a:rPr lang="en-US" dirty="0"/>
-              <a:t> </a:t>
-            </a:r>
-            <a:r>
-              <a:rPr lang="en-US" dirty="0" err="1"/>
-              <a:t>Curae</a:t>
-            </a:r>
-            <a:r>
-              <a:rPr lang="en-US" dirty="0"/>
-              <a:t>.</a:t>
-            </a:r>
-          </a:p>
-        </p:txBody>
-      </p:sp>
-      <p:sp>
-        <p:nvSpPr>
-          <p:cNvPr id="9" name="Text Placeholder 8"/>
-          <p:cNvSpPr>
-            <a:spLocks noGrp="1"/>
-          </p:cNvSpPr>
-          <p:nvPr>
-            <p:ph type="body" sz="quarter" idx="15"/>
-          </p:nvPr>
-        </p:nvSpPr>
-        <p:spPr/>
-        <p:txBody>
-          <a:bodyPr/>
-          <a:lstStyle/>
-          <a:p>
-            <a:r>
-              <a:rPr lang="en-US"/>
-              <a:t>Lorem ipsum dolor sit amet, consectetur adipiscing elit. Aliquam porttitor felis at justo convallis, ut pretium felis posuere. Vestibulum ante ipsum primis in faucibus orci luctus et ultrices posuere cubilia Curae.</a:t>
-            </a:r>
-            <a:endParaRPr lang="en-US" dirty="0"/>
+              <a:rPr lang="en-CA" dirty="0"/>
+              <a:t>Ethics in Big Data Analysis</a:t>
+            </a:r>
           </a:p>
         </p:txBody>
       </p:sp>
     </p:spTree>
     <p:extLst>
       <p:ext uri="{BB962C8B-B14F-4D97-AF65-F5344CB8AC3E}">
-        <p14:creationId xmlns:p14="http://schemas.microsoft.com/office/powerpoint/2010/main" val="486348467"/>
+        <p14:creationId xmlns:p14="http://schemas.microsoft.com/office/powerpoint/2010/main" val="3720744517"/>
       </p:ext>
     </p:extLst>
   </p:cSld>
@@ -22273,7 +20792,7 @@
 </file>
 
 <file path=ppt/slides/slide17.xml><?xml version="1.0" encoding="utf-8"?>
-<p:sld xmlns:a="http://schemas.openxmlformats.org/drawingml/2006/main" xmlns:r="http://schemas.openxmlformats.org/officeDocument/2006/relationships" xmlns:p="http://schemas.openxmlformats.org/presentationml/2006/main" showMasterSp="0" show="0">
+<p:sld xmlns:a="http://schemas.openxmlformats.org/drawingml/2006/main" xmlns:r="http://schemas.openxmlformats.org/officeDocument/2006/relationships" xmlns:p="http://schemas.openxmlformats.org/presentationml/2006/main">
   <p:cSld>
     <p:spTree>
       <p:nvGrpSpPr>
@@ -22291,10 +20810,65 @@
       </p:grpSpPr>
       <p:sp>
         <p:nvSpPr>
-          <p:cNvPr id="2" name="Title 1">
+          <p:cNvPr id="2" name="Content Placeholder 1">
             <a:extLst>
               <a:ext uri="{FF2B5EF4-FFF2-40B4-BE49-F238E27FC236}">
-                <a16:creationId xmlns:a16="http://schemas.microsoft.com/office/drawing/2014/main" id="{62E04464-3ACD-4B21-B201-37842A265CC2}"/>
+                <a16:creationId xmlns:a16="http://schemas.microsoft.com/office/drawing/2014/main" id="{EF24CA04-327F-4A45-8923-92F6874B5AD6}"/>
+              </a:ext>
+            </a:extLst>
+          </p:cNvPr>
+          <p:cNvSpPr>
+            <a:spLocks noGrp="1"/>
+          </p:cNvSpPr>
+          <p:nvPr>
+            <p:ph sz="quarter" idx="10"/>
+          </p:nvPr>
+        </p:nvSpPr>
+        <p:spPr/>
+        <p:txBody>
+          <a:bodyPr/>
+          <a:lstStyle/>
+          <a:p>
+            <a:r>
+              <a:rPr lang="en-US" dirty="0"/>
+              <a:t>Analysts must be aware of consent mechanisms, both how they were collected, and more logistically, how this data can be incorporated </a:t>
+            </a:r>
+            <a:r>
+              <a:rPr lang="en-US"/>
+              <a:t>into analysis.</a:t>
+            </a:r>
+            <a:endParaRPr lang="en-US" dirty="0"/>
+          </a:p>
+          <a:p>
+            <a:pPr lvl="1"/>
+            <a:r>
+              <a:rPr lang="en-US" dirty="0"/>
+              <a:t>Where is it recorded that patients signed off on the privacy policy?</a:t>
+            </a:r>
+          </a:p>
+          <a:p>
+            <a:pPr lvl="1"/>
+            <a:r>
+              <a:rPr lang="en-US" dirty="0"/>
+              <a:t>Where is it recorded that customers asked to be contacted?</a:t>
+            </a:r>
+          </a:p>
+          <a:p>
+            <a:pPr lvl="1"/>
+            <a:r>
+              <a:rPr lang="en-US" dirty="0"/>
+              <a:t>Where is it recorded which contacts are on a “do not call” list?</a:t>
+            </a:r>
+            <a:endParaRPr lang="en-CA" dirty="0"/>
+          </a:p>
+        </p:txBody>
+      </p:sp>
+      <p:sp>
+        <p:nvSpPr>
+          <p:cNvPr id="3" name="Title 2">
+            <a:extLst>
+              <a:ext uri="{FF2B5EF4-FFF2-40B4-BE49-F238E27FC236}">
+                <a16:creationId xmlns:a16="http://schemas.microsoft.com/office/drawing/2014/main" id="{53E16ADB-5B3B-4086-A261-D6274ABB7FBA}"/>
               </a:ext>
             </a:extLst>
           </p:cNvPr>
@@ -22311,2317 +20885,16 @@
           <a:lstStyle/>
           <a:p>
             <a:r>
-              <a:rPr lang="en-US" dirty="0"/>
-              <a:t>Three column layout with Icons</a:t>
-            </a:r>
-            <a:endParaRPr lang="en-CA" dirty="0"/>
-          </a:p>
-        </p:txBody>
-      </p:sp>
-      <p:sp>
-        <p:nvSpPr>
-          <p:cNvPr id="6" name="Text Placeholder 5">
-            <a:extLst>
-              <a:ext uri="{FF2B5EF4-FFF2-40B4-BE49-F238E27FC236}">
-                <a16:creationId xmlns:a16="http://schemas.microsoft.com/office/drawing/2014/main" id="{85DCF801-A60C-43A4-8E8F-B0BBC50E703A}"/>
-              </a:ext>
-            </a:extLst>
-          </p:cNvPr>
-          <p:cNvSpPr>
-            <a:spLocks noGrp="1"/>
-          </p:cNvSpPr>
-          <p:nvPr>
-            <p:ph type="body" sz="quarter" idx="13"/>
-          </p:nvPr>
-        </p:nvSpPr>
-        <p:spPr>
-          <a:xfrm>
-            <a:off x="317578" y="2166899"/>
-            <a:ext cx="2601844" cy="2451156"/>
-          </a:xfrm>
-        </p:spPr>
-        <p:txBody>
-          <a:bodyPr>
-            <a:normAutofit/>
-          </a:bodyPr>
-          <a:lstStyle/>
-          <a:p>
-            <a:pPr lvl="0"/>
-            <a:r>
-              <a:rPr lang="en-US" dirty="0">
-                <a:solidFill>
-                  <a:srgbClr val="FFFFFF">
-                    <a:lumMod val="50000"/>
-                  </a:srgbClr>
-                </a:solidFill>
-              </a:rPr>
-              <a:t>Lorem ipsum dolor sit </a:t>
-            </a:r>
-            <a:r>
-              <a:rPr lang="en-US" dirty="0" err="1">
-                <a:solidFill>
-                  <a:srgbClr val="FFFFFF">
-                    <a:lumMod val="50000"/>
-                  </a:srgbClr>
-                </a:solidFill>
-              </a:rPr>
-              <a:t>amet</a:t>
-            </a:r>
-            <a:r>
-              <a:rPr lang="en-US" dirty="0">
-                <a:solidFill>
-                  <a:srgbClr val="FFFFFF">
-                    <a:lumMod val="50000"/>
-                  </a:srgbClr>
-                </a:solidFill>
-              </a:rPr>
-              <a:t>, </a:t>
-            </a:r>
-            <a:r>
-              <a:rPr lang="en-US" dirty="0" err="1">
-                <a:solidFill>
-                  <a:srgbClr val="FFFFFF">
-                    <a:lumMod val="50000"/>
-                  </a:srgbClr>
-                </a:solidFill>
-              </a:rPr>
-              <a:t>consectetur</a:t>
-            </a:r>
-            <a:r>
-              <a:rPr lang="en-US" dirty="0">
-                <a:solidFill>
-                  <a:srgbClr val="FFFFFF">
-                    <a:lumMod val="50000"/>
-                  </a:srgbClr>
-                </a:solidFill>
-              </a:rPr>
-              <a:t> </a:t>
-            </a:r>
-            <a:r>
-              <a:rPr lang="en-US" dirty="0" err="1">
-                <a:solidFill>
-                  <a:srgbClr val="FFFFFF">
-                    <a:lumMod val="50000"/>
-                  </a:srgbClr>
-                </a:solidFill>
-              </a:rPr>
-              <a:t>adipiscing</a:t>
-            </a:r>
-            <a:r>
-              <a:rPr lang="en-US" dirty="0">
-                <a:solidFill>
-                  <a:srgbClr val="FFFFFF">
-                    <a:lumMod val="50000"/>
-                  </a:srgbClr>
-                </a:solidFill>
-              </a:rPr>
-              <a:t> </a:t>
-            </a:r>
-            <a:r>
-              <a:rPr lang="en-US" dirty="0" err="1">
-                <a:solidFill>
-                  <a:srgbClr val="FFFFFF">
-                    <a:lumMod val="50000"/>
-                  </a:srgbClr>
-                </a:solidFill>
-              </a:rPr>
-              <a:t>elit</a:t>
-            </a:r>
-            <a:r>
-              <a:rPr lang="en-US" dirty="0">
-                <a:solidFill>
-                  <a:srgbClr val="FFFFFF">
-                    <a:lumMod val="50000"/>
-                  </a:srgbClr>
-                </a:solidFill>
-              </a:rPr>
-              <a:t>, </a:t>
-            </a:r>
-            <a:r>
-              <a:rPr lang="en-US" dirty="0" err="1">
-                <a:solidFill>
-                  <a:srgbClr val="FFFFFF">
-                    <a:lumMod val="50000"/>
-                  </a:srgbClr>
-                </a:solidFill>
-              </a:rPr>
-              <a:t>sed</a:t>
-            </a:r>
-            <a:r>
-              <a:rPr lang="en-US" dirty="0">
-                <a:solidFill>
-                  <a:srgbClr val="FFFFFF">
-                    <a:lumMod val="50000"/>
-                  </a:srgbClr>
-                </a:solidFill>
-              </a:rPr>
-              <a:t> do </a:t>
-            </a:r>
-            <a:r>
-              <a:rPr lang="en-US" dirty="0" err="1">
-                <a:solidFill>
-                  <a:srgbClr val="FFFFFF">
-                    <a:lumMod val="50000"/>
-                  </a:srgbClr>
-                </a:solidFill>
-              </a:rPr>
-              <a:t>eiusmod</a:t>
-            </a:r>
-            <a:r>
-              <a:rPr lang="en-US" dirty="0">
-                <a:solidFill>
-                  <a:srgbClr val="FFFFFF">
-                    <a:lumMod val="50000"/>
-                  </a:srgbClr>
-                </a:solidFill>
-              </a:rPr>
-              <a:t> </a:t>
-            </a:r>
-            <a:r>
-              <a:rPr lang="en-US" dirty="0" err="1">
-                <a:solidFill>
-                  <a:srgbClr val="FFFFFF">
-                    <a:lumMod val="50000"/>
-                  </a:srgbClr>
-                </a:solidFill>
-              </a:rPr>
-              <a:t>tempor</a:t>
-            </a:r>
-            <a:r>
-              <a:rPr lang="en-US" dirty="0">
-                <a:solidFill>
-                  <a:srgbClr val="FFFFFF">
-                    <a:lumMod val="50000"/>
-                  </a:srgbClr>
-                </a:solidFill>
-              </a:rPr>
-              <a:t> </a:t>
-            </a:r>
-            <a:r>
-              <a:rPr lang="en-US" dirty="0" err="1">
-                <a:solidFill>
-                  <a:srgbClr val="FFFFFF">
-                    <a:lumMod val="50000"/>
-                  </a:srgbClr>
-                </a:solidFill>
-              </a:rPr>
-              <a:t>incididunt</a:t>
-            </a:r>
-            <a:r>
-              <a:rPr lang="en-US" dirty="0">
-                <a:solidFill>
-                  <a:srgbClr val="FFFFFF">
-                    <a:lumMod val="50000"/>
-                  </a:srgbClr>
-                </a:solidFill>
-              </a:rPr>
-              <a:t> </a:t>
-            </a:r>
-            <a:r>
-              <a:rPr lang="en-US" dirty="0" err="1">
-                <a:solidFill>
-                  <a:srgbClr val="FFFFFF">
-                    <a:lumMod val="50000"/>
-                  </a:srgbClr>
-                </a:solidFill>
-              </a:rPr>
-              <a:t>ut</a:t>
-            </a:r>
-            <a:r>
-              <a:rPr lang="en-US" dirty="0">
-                <a:solidFill>
-                  <a:srgbClr val="FFFFFF">
-                    <a:lumMod val="50000"/>
-                  </a:srgbClr>
-                </a:solidFill>
-              </a:rPr>
-              <a:t> </a:t>
-            </a:r>
-            <a:r>
-              <a:rPr lang="en-US" dirty="0" err="1">
-                <a:solidFill>
-                  <a:srgbClr val="FFFFFF">
-                    <a:lumMod val="50000"/>
-                  </a:srgbClr>
-                </a:solidFill>
-              </a:rPr>
-              <a:t>labore</a:t>
-            </a:r>
-            <a:r>
-              <a:rPr lang="en-US" dirty="0">
-                <a:solidFill>
-                  <a:srgbClr val="FFFFFF">
-                    <a:lumMod val="50000"/>
-                  </a:srgbClr>
-                </a:solidFill>
-              </a:rPr>
-              <a:t> et dolore magna </a:t>
-            </a:r>
-            <a:r>
-              <a:rPr lang="en-US" dirty="0" err="1">
-                <a:solidFill>
-                  <a:srgbClr val="FFFFFF">
-                    <a:lumMod val="50000"/>
-                  </a:srgbClr>
-                </a:solidFill>
-              </a:rPr>
-              <a:t>aliqua</a:t>
-            </a:r>
-            <a:r>
-              <a:rPr lang="en-US" dirty="0">
-                <a:solidFill>
-                  <a:srgbClr val="FFFFFF">
-                    <a:lumMod val="50000"/>
-                  </a:srgbClr>
-                </a:solidFill>
-              </a:rPr>
-              <a:t>. </a:t>
-            </a:r>
-          </a:p>
-          <a:p>
-            <a:endParaRPr lang="en-CA" dirty="0"/>
-          </a:p>
-        </p:txBody>
-      </p:sp>
-      <p:sp>
-        <p:nvSpPr>
-          <p:cNvPr id="9" name="Shape 2645">
-            <a:extLst>
-              <a:ext uri="{FF2B5EF4-FFF2-40B4-BE49-F238E27FC236}">
-                <a16:creationId xmlns:a16="http://schemas.microsoft.com/office/drawing/2014/main" id="{6959E19B-9A42-443D-972E-18607018D2F8}"/>
-              </a:ext>
-            </a:extLst>
-          </p:cNvPr>
-          <p:cNvSpPr/>
-          <p:nvPr/>
-        </p:nvSpPr>
-        <p:spPr>
-          <a:xfrm>
-            <a:off x="706923" y="1729041"/>
-            <a:ext cx="382013" cy="277828"/>
-          </a:xfrm>
-          <a:custGeom>
-            <a:avLst/>
-            <a:gdLst/>
-            <a:ahLst/>
-            <a:cxnLst>
-              <a:cxn ang="0">
-                <a:pos x="wd2" y="hd2"/>
-              </a:cxn>
-              <a:cxn ang="5400000">
-                <a:pos x="wd2" y="hd2"/>
-              </a:cxn>
-              <a:cxn ang="10800000">
-                <a:pos x="wd2" y="hd2"/>
-              </a:cxn>
-              <a:cxn ang="16200000">
-                <a:pos x="wd2" y="hd2"/>
-              </a:cxn>
-            </a:cxnLst>
-            <a:rect l="0" t="0" r="r" b="b"/>
-            <a:pathLst>
-              <a:path w="21600" h="21600" extrusionOk="0">
-                <a:moveTo>
-                  <a:pt x="1408" y="20250"/>
-                </a:moveTo>
-                <a:lnTo>
-                  <a:pt x="2740" y="17504"/>
-                </a:lnTo>
-                <a:cubicBezTo>
-                  <a:pt x="2807" y="17526"/>
-                  <a:pt x="2874" y="17550"/>
-                  <a:pt x="2945" y="17550"/>
-                </a:cubicBezTo>
-                <a:lnTo>
-                  <a:pt x="18655" y="17550"/>
-                </a:lnTo>
-                <a:cubicBezTo>
-                  <a:pt x="18726" y="17550"/>
-                  <a:pt x="18793" y="17526"/>
-                  <a:pt x="18860" y="17504"/>
-                </a:cubicBezTo>
-                <a:lnTo>
-                  <a:pt x="20192" y="20250"/>
-                </a:lnTo>
-                <a:cubicBezTo>
-                  <a:pt x="20192" y="20250"/>
-                  <a:pt x="1408" y="20250"/>
-                  <a:pt x="1408" y="20250"/>
-                </a:cubicBezTo>
-                <a:close/>
-                <a:moveTo>
-                  <a:pt x="2945" y="1350"/>
-                </a:moveTo>
-                <a:lnTo>
-                  <a:pt x="18655" y="1350"/>
-                </a:lnTo>
-                <a:lnTo>
-                  <a:pt x="18655" y="16200"/>
-                </a:lnTo>
-                <a:lnTo>
-                  <a:pt x="2945" y="16200"/>
-                </a:lnTo>
-                <a:cubicBezTo>
-                  <a:pt x="2945" y="16200"/>
-                  <a:pt x="2945" y="1350"/>
-                  <a:pt x="2945" y="1350"/>
-                </a:cubicBezTo>
-                <a:close/>
-                <a:moveTo>
-                  <a:pt x="21510" y="20558"/>
-                </a:moveTo>
-                <a:lnTo>
-                  <a:pt x="21518" y="20551"/>
-                </a:lnTo>
-                <a:lnTo>
-                  <a:pt x="19591" y="16577"/>
-                </a:lnTo>
-                <a:cubicBezTo>
-                  <a:pt x="19617" y="16457"/>
-                  <a:pt x="19636" y="16332"/>
-                  <a:pt x="19636" y="16200"/>
-                </a:cubicBezTo>
-                <a:lnTo>
-                  <a:pt x="19636" y="1350"/>
-                </a:lnTo>
-                <a:cubicBezTo>
-                  <a:pt x="19636" y="605"/>
-                  <a:pt x="19197" y="0"/>
-                  <a:pt x="18655" y="0"/>
-                </a:cubicBezTo>
-                <a:lnTo>
-                  <a:pt x="2945" y="0"/>
-                </a:lnTo>
-                <a:cubicBezTo>
-                  <a:pt x="2403" y="0"/>
-                  <a:pt x="1964" y="605"/>
-                  <a:pt x="1964" y="1350"/>
-                </a:cubicBezTo>
-                <a:lnTo>
-                  <a:pt x="1964" y="16200"/>
-                </a:lnTo>
-                <a:cubicBezTo>
-                  <a:pt x="1964" y="16332"/>
-                  <a:pt x="1983" y="16457"/>
-                  <a:pt x="2009" y="16577"/>
-                </a:cubicBezTo>
-                <a:lnTo>
-                  <a:pt x="82" y="20551"/>
-                </a:lnTo>
-                <a:lnTo>
-                  <a:pt x="90" y="20558"/>
-                </a:lnTo>
-                <a:cubicBezTo>
-                  <a:pt x="38" y="20665"/>
-                  <a:pt x="0" y="20787"/>
-                  <a:pt x="0" y="20925"/>
-                </a:cubicBezTo>
-                <a:cubicBezTo>
-                  <a:pt x="0" y="21298"/>
-                  <a:pt x="220" y="21600"/>
-                  <a:pt x="491" y="21600"/>
-                </a:cubicBezTo>
-                <a:lnTo>
-                  <a:pt x="21109" y="21600"/>
-                </a:lnTo>
-                <a:cubicBezTo>
-                  <a:pt x="21380" y="21600"/>
-                  <a:pt x="21600" y="21298"/>
-                  <a:pt x="21600" y="20925"/>
-                </a:cubicBezTo>
-                <a:cubicBezTo>
-                  <a:pt x="21600" y="20787"/>
-                  <a:pt x="21562" y="20665"/>
-                  <a:pt x="21510" y="20558"/>
-                </a:cubicBezTo>
-              </a:path>
-            </a:pathLst>
-          </a:custGeom>
-          <a:solidFill>
-            <a:schemeClr val="tx1"/>
-          </a:solidFill>
-          <a:ln w="12700">
-            <a:miter lim="400000"/>
-          </a:ln>
-        </p:spPr>
-        <p:txBody>
-          <a:bodyPr lIns="19050" tIns="19050" rIns="19050" bIns="19050" anchor="ctr"/>
-          <a:lstStyle/>
-          <a:p>
-            <a:pPr defTabSz="228600">
-              <a:defRPr sz="3000" cap="none">
-                <a:solidFill>
-                  <a:srgbClr val="FFFFFF"/>
-                </a:solidFill>
-                <a:effectLst>
-                  <a:outerShdw blurRad="38100" dist="12700" dir="5400000" rotWithShape="0">
-                    <a:srgbClr val="000000">
-                      <a:alpha val="50000"/>
-                    </a:srgbClr>
-                  </a:outerShdw>
-                </a:effectLst>
-                <a:latin typeface="Gill Sans"/>
-                <a:ea typeface="Gill Sans"/>
-                <a:cs typeface="Gill Sans"/>
-                <a:sym typeface="Gill Sans"/>
-              </a:defRPr>
-            </a:pPr>
-            <a:endParaRPr sz="1500"/>
-          </a:p>
-        </p:txBody>
-      </p:sp>
-      <p:sp>
-        <p:nvSpPr>
-          <p:cNvPr id="10" name="Shape 2617">
-            <a:extLst>
-              <a:ext uri="{FF2B5EF4-FFF2-40B4-BE49-F238E27FC236}">
-                <a16:creationId xmlns:a16="http://schemas.microsoft.com/office/drawing/2014/main" id="{EB9C8B29-6DC8-45A9-85F0-3E4CBD20AD29}"/>
-              </a:ext>
-            </a:extLst>
-          </p:cNvPr>
-          <p:cNvSpPr/>
-          <p:nvPr/>
-        </p:nvSpPr>
-        <p:spPr>
-          <a:xfrm>
-            <a:off x="3588652" y="1685523"/>
-            <a:ext cx="392756" cy="321346"/>
-          </a:xfrm>
-          <a:custGeom>
-            <a:avLst/>
-            <a:gdLst/>
-            <a:ahLst/>
-            <a:cxnLst>
-              <a:cxn ang="0">
-                <a:pos x="wd2" y="hd2"/>
-              </a:cxn>
-              <a:cxn ang="5400000">
-                <a:pos x="wd2" y="hd2"/>
-              </a:cxn>
-              <a:cxn ang="10800000">
-                <a:pos x="wd2" y="hd2"/>
-              </a:cxn>
-              <a:cxn ang="16200000">
-                <a:pos x="wd2" y="hd2"/>
-              </a:cxn>
-            </a:cxnLst>
-            <a:rect l="0" t="0" r="r" b="b"/>
-            <a:pathLst>
-              <a:path w="21600" h="21600" extrusionOk="0">
-                <a:moveTo>
-                  <a:pt x="4457" y="20400"/>
-                </a:moveTo>
-                <a:cubicBezTo>
-                  <a:pt x="4686" y="18711"/>
-                  <a:pt x="5897" y="18036"/>
-                  <a:pt x="7134" y="17493"/>
-                </a:cubicBezTo>
-                <a:lnTo>
-                  <a:pt x="7173" y="17477"/>
-                </a:lnTo>
-                <a:cubicBezTo>
-                  <a:pt x="8055" y="17190"/>
-                  <a:pt x="9626" y="16039"/>
-                  <a:pt x="9626" y="13569"/>
-                </a:cubicBezTo>
-                <a:cubicBezTo>
-                  <a:pt x="9626" y="11474"/>
-                  <a:pt x="8932" y="10452"/>
-                  <a:pt x="8558" y="9902"/>
-                </a:cubicBezTo>
-                <a:cubicBezTo>
-                  <a:pt x="8484" y="9791"/>
-                  <a:pt x="8394" y="9649"/>
-                  <a:pt x="8414" y="9680"/>
-                </a:cubicBezTo>
-                <a:cubicBezTo>
-                  <a:pt x="8384" y="9599"/>
-                  <a:pt x="8237" y="9129"/>
-                  <a:pt x="8449" y="8035"/>
-                </a:cubicBezTo>
-                <a:cubicBezTo>
-                  <a:pt x="8549" y="7522"/>
-                  <a:pt x="8380" y="7241"/>
-                  <a:pt x="8380" y="7241"/>
-                </a:cubicBezTo>
-                <a:cubicBezTo>
-                  <a:pt x="8112" y="6505"/>
-                  <a:pt x="7614" y="5133"/>
-                  <a:pt x="7988" y="4025"/>
-                </a:cubicBezTo>
-                <a:cubicBezTo>
-                  <a:pt x="8490" y="2492"/>
-                  <a:pt x="8935" y="2190"/>
-                  <a:pt x="9741" y="1747"/>
-                </a:cubicBezTo>
-                <a:cubicBezTo>
-                  <a:pt x="9788" y="1721"/>
-                  <a:pt x="9834" y="1691"/>
-                  <a:pt x="9877" y="1657"/>
-                </a:cubicBezTo>
-                <a:cubicBezTo>
-                  <a:pt x="10029" y="1535"/>
-                  <a:pt x="10674" y="1200"/>
-                  <a:pt x="11403" y="1200"/>
-                </a:cubicBezTo>
-                <a:cubicBezTo>
-                  <a:pt x="11768" y="1200"/>
-                  <a:pt x="12075" y="1285"/>
-                  <a:pt x="12318" y="1454"/>
-                </a:cubicBezTo>
-                <a:cubicBezTo>
-                  <a:pt x="12610" y="1655"/>
-                  <a:pt x="12890" y="2039"/>
-                  <a:pt x="13313" y="3271"/>
-                </a:cubicBezTo>
-                <a:cubicBezTo>
-                  <a:pt x="14101" y="5469"/>
-                  <a:pt x="13602" y="6698"/>
-                  <a:pt x="13350" y="7124"/>
-                </a:cubicBezTo>
-                <a:cubicBezTo>
-                  <a:pt x="13183" y="7407"/>
-                  <a:pt x="13126" y="7764"/>
-                  <a:pt x="13191" y="8102"/>
-                </a:cubicBezTo>
-                <a:cubicBezTo>
-                  <a:pt x="13386" y="9109"/>
-                  <a:pt x="13260" y="9534"/>
-                  <a:pt x="13227" y="9619"/>
-                </a:cubicBezTo>
-                <a:cubicBezTo>
-                  <a:pt x="13219" y="9631"/>
-                  <a:pt x="13101" y="9814"/>
-                  <a:pt x="13041" y="9902"/>
-                </a:cubicBezTo>
-                <a:cubicBezTo>
-                  <a:pt x="12668" y="10452"/>
-                  <a:pt x="11973" y="11474"/>
-                  <a:pt x="11973" y="13569"/>
-                </a:cubicBezTo>
-                <a:cubicBezTo>
-                  <a:pt x="11973" y="16039"/>
-                  <a:pt x="13545" y="17190"/>
-                  <a:pt x="14427" y="17477"/>
-                </a:cubicBezTo>
-                <a:lnTo>
-                  <a:pt x="14466" y="17493"/>
-                </a:lnTo>
-                <a:cubicBezTo>
-                  <a:pt x="15703" y="18036"/>
-                  <a:pt x="16914" y="18711"/>
-                  <a:pt x="17143" y="20400"/>
-                </a:cubicBezTo>
-                <a:cubicBezTo>
-                  <a:pt x="17143" y="20400"/>
-                  <a:pt x="4457" y="20400"/>
-                  <a:pt x="4457" y="20400"/>
-                </a:cubicBezTo>
-                <a:close/>
-                <a:moveTo>
-                  <a:pt x="14715" y="16328"/>
-                </a:moveTo>
-                <a:cubicBezTo>
-                  <a:pt x="14715" y="16328"/>
-                  <a:pt x="12955" y="15815"/>
-                  <a:pt x="12955" y="13569"/>
-                </a:cubicBezTo>
-                <a:cubicBezTo>
-                  <a:pt x="12955" y="11596"/>
-                  <a:pt x="13678" y="10901"/>
-                  <a:pt x="13957" y="10421"/>
-                </a:cubicBezTo>
-                <a:cubicBezTo>
-                  <a:pt x="13957" y="10421"/>
-                  <a:pt x="14531" y="9807"/>
-                  <a:pt x="14146" y="7826"/>
-                </a:cubicBezTo>
-                <a:cubicBezTo>
-                  <a:pt x="14787" y="6740"/>
-                  <a:pt x="14995" y="4972"/>
-                  <a:pt x="14211" y="2789"/>
-                </a:cubicBezTo>
-                <a:cubicBezTo>
-                  <a:pt x="13774" y="1514"/>
-                  <a:pt x="13389" y="815"/>
-                  <a:pt x="12801" y="409"/>
-                </a:cubicBezTo>
-                <a:cubicBezTo>
-                  <a:pt x="12370" y="110"/>
-                  <a:pt x="11880" y="0"/>
-                  <a:pt x="11403" y="0"/>
-                </a:cubicBezTo>
-                <a:cubicBezTo>
-                  <a:pt x="10516" y="0"/>
-                  <a:pt x="9675" y="384"/>
-                  <a:pt x="9339" y="653"/>
-                </a:cubicBezTo>
-                <a:cubicBezTo>
-                  <a:pt x="8357" y="1192"/>
-                  <a:pt x="7697" y="1688"/>
-                  <a:pt x="7077" y="3579"/>
-                </a:cubicBezTo>
-                <a:cubicBezTo>
-                  <a:pt x="6540" y="5168"/>
-                  <a:pt x="7179" y="6892"/>
-                  <a:pt x="7494" y="7758"/>
-                </a:cubicBezTo>
-                <a:cubicBezTo>
-                  <a:pt x="7110" y="9740"/>
-                  <a:pt x="7642" y="10421"/>
-                  <a:pt x="7642" y="10421"/>
-                </a:cubicBezTo>
-                <a:cubicBezTo>
-                  <a:pt x="7922" y="10901"/>
-                  <a:pt x="8644" y="11596"/>
-                  <a:pt x="8644" y="13569"/>
-                </a:cubicBezTo>
-                <a:cubicBezTo>
-                  <a:pt x="8644" y="15815"/>
-                  <a:pt x="6885" y="16328"/>
-                  <a:pt x="6885" y="16328"/>
-                </a:cubicBezTo>
-                <a:cubicBezTo>
-                  <a:pt x="5768" y="16819"/>
-                  <a:pt x="3436" y="17760"/>
-                  <a:pt x="3436" y="21000"/>
-                </a:cubicBezTo>
-                <a:cubicBezTo>
-                  <a:pt x="3436" y="21000"/>
-                  <a:pt x="3436" y="21600"/>
-                  <a:pt x="3927" y="21600"/>
-                </a:cubicBezTo>
-                <a:lnTo>
-                  <a:pt x="17673" y="21600"/>
-                </a:lnTo>
-                <a:cubicBezTo>
-                  <a:pt x="18164" y="21600"/>
-                  <a:pt x="18164" y="21000"/>
-                  <a:pt x="18164" y="21000"/>
-                </a:cubicBezTo>
-                <a:cubicBezTo>
-                  <a:pt x="18164" y="17760"/>
-                  <a:pt x="15832" y="16819"/>
-                  <a:pt x="14715" y="16328"/>
-                </a:cubicBezTo>
-                <a:moveTo>
-                  <a:pt x="19516" y="15006"/>
-                </a:moveTo>
-                <a:cubicBezTo>
-                  <a:pt x="19516" y="15006"/>
-                  <a:pt x="18416" y="14701"/>
-                  <a:pt x="18416" y="12954"/>
-                </a:cubicBezTo>
-                <a:cubicBezTo>
-                  <a:pt x="18416" y="11419"/>
-                  <a:pt x="18794" y="10879"/>
-                  <a:pt x="19017" y="10506"/>
-                </a:cubicBezTo>
-                <a:cubicBezTo>
-                  <a:pt x="19017" y="10506"/>
-                  <a:pt x="19443" y="9975"/>
-                  <a:pt x="19136" y="8435"/>
-                </a:cubicBezTo>
-                <a:cubicBezTo>
-                  <a:pt x="19388" y="7760"/>
-                  <a:pt x="19900" y="6419"/>
-                  <a:pt x="19470" y="5184"/>
-                </a:cubicBezTo>
-                <a:cubicBezTo>
-                  <a:pt x="18974" y="3714"/>
-                  <a:pt x="18645" y="3327"/>
-                  <a:pt x="17860" y="2908"/>
-                </a:cubicBezTo>
-                <a:cubicBezTo>
-                  <a:pt x="17591" y="2699"/>
-                  <a:pt x="16918" y="2400"/>
-                  <a:pt x="16208" y="2400"/>
-                </a:cubicBezTo>
-                <a:cubicBezTo>
-                  <a:pt x="15873" y="2400"/>
-                  <a:pt x="15531" y="2473"/>
-                  <a:pt x="15218" y="2647"/>
-                </a:cubicBezTo>
-                <a:cubicBezTo>
-                  <a:pt x="15343" y="3035"/>
-                  <a:pt x="15449" y="3420"/>
-                  <a:pt x="15525" y="3799"/>
-                </a:cubicBezTo>
-                <a:cubicBezTo>
-                  <a:pt x="15537" y="3790"/>
-                  <a:pt x="15550" y="3779"/>
-                  <a:pt x="15563" y="3770"/>
-                </a:cubicBezTo>
-                <a:cubicBezTo>
-                  <a:pt x="15730" y="3657"/>
-                  <a:pt x="15948" y="3600"/>
-                  <a:pt x="16208" y="3600"/>
-                </a:cubicBezTo>
-                <a:cubicBezTo>
-                  <a:pt x="16716" y="3600"/>
-                  <a:pt x="17211" y="3825"/>
-                  <a:pt x="17332" y="3919"/>
-                </a:cubicBezTo>
-                <a:cubicBezTo>
-                  <a:pt x="17375" y="3953"/>
-                  <a:pt x="17421" y="3983"/>
-                  <a:pt x="17467" y="4008"/>
-                </a:cubicBezTo>
-                <a:cubicBezTo>
-                  <a:pt x="17950" y="4265"/>
-                  <a:pt x="18131" y="4362"/>
-                  <a:pt x="18562" y="5641"/>
-                </a:cubicBezTo>
-                <a:cubicBezTo>
-                  <a:pt x="18822" y="6387"/>
-                  <a:pt x="18452" y="7378"/>
-                  <a:pt x="18253" y="7911"/>
-                </a:cubicBezTo>
-                <a:cubicBezTo>
-                  <a:pt x="18161" y="8156"/>
-                  <a:pt x="18130" y="8457"/>
-                  <a:pt x="18182" y="8718"/>
-                </a:cubicBezTo>
-                <a:cubicBezTo>
-                  <a:pt x="18316" y="9392"/>
-                  <a:pt x="18254" y="9706"/>
-                  <a:pt x="18232" y="9784"/>
-                </a:cubicBezTo>
-                <a:cubicBezTo>
-                  <a:pt x="18230" y="9788"/>
-                  <a:pt x="18227" y="9793"/>
-                  <a:pt x="18224" y="9798"/>
-                </a:cubicBezTo>
-                <a:lnTo>
-                  <a:pt x="18191" y="9853"/>
-                </a:lnTo>
-                <a:cubicBezTo>
-                  <a:pt x="17926" y="10290"/>
-                  <a:pt x="17434" y="11106"/>
-                  <a:pt x="17434" y="12954"/>
-                </a:cubicBezTo>
-                <a:cubicBezTo>
-                  <a:pt x="17434" y="15019"/>
-                  <a:pt x="18570" y="15933"/>
-                  <a:pt x="19229" y="16155"/>
-                </a:cubicBezTo>
-                <a:cubicBezTo>
-                  <a:pt x="19856" y="16429"/>
-                  <a:pt x="20435" y="16859"/>
-                  <a:pt x="20582" y="17999"/>
-                </a:cubicBezTo>
-                <a:lnTo>
-                  <a:pt x="18459" y="18000"/>
-                </a:lnTo>
-                <a:cubicBezTo>
-                  <a:pt x="18647" y="18353"/>
-                  <a:pt x="18802" y="18755"/>
-                  <a:pt x="18920" y="19200"/>
-                </a:cubicBezTo>
-                <a:lnTo>
-                  <a:pt x="21109" y="19199"/>
-                </a:lnTo>
-                <a:cubicBezTo>
-                  <a:pt x="21600" y="19199"/>
-                  <a:pt x="21600" y="18599"/>
-                  <a:pt x="21600" y="18599"/>
-                </a:cubicBezTo>
-                <a:cubicBezTo>
-                  <a:pt x="21600" y="16199"/>
-                  <a:pt x="20410" y="15388"/>
-                  <a:pt x="19516" y="15006"/>
-                </a:cubicBezTo>
-                <a:moveTo>
-                  <a:pt x="2371" y="16155"/>
-                </a:moveTo>
-                <a:cubicBezTo>
-                  <a:pt x="3030" y="15933"/>
-                  <a:pt x="4166" y="15019"/>
-                  <a:pt x="4166" y="12954"/>
-                </a:cubicBezTo>
-                <a:cubicBezTo>
-                  <a:pt x="4166" y="11106"/>
-                  <a:pt x="3673" y="10290"/>
-                  <a:pt x="3409" y="9853"/>
-                </a:cubicBezTo>
-                <a:lnTo>
-                  <a:pt x="3376" y="9798"/>
-                </a:lnTo>
-                <a:cubicBezTo>
-                  <a:pt x="3373" y="9793"/>
-                  <a:pt x="3370" y="9788"/>
-                  <a:pt x="3367" y="9784"/>
-                </a:cubicBezTo>
-                <a:cubicBezTo>
-                  <a:pt x="3346" y="9706"/>
-                  <a:pt x="3283" y="9392"/>
-                  <a:pt x="3418" y="8718"/>
-                </a:cubicBezTo>
-                <a:cubicBezTo>
-                  <a:pt x="3470" y="8457"/>
-                  <a:pt x="3439" y="8156"/>
-                  <a:pt x="3347" y="7911"/>
-                </a:cubicBezTo>
-                <a:cubicBezTo>
-                  <a:pt x="3148" y="7378"/>
-                  <a:pt x="2778" y="6387"/>
-                  <a:pt x="3038" y="5641"/>
-                </a:cubicBezTo>
-                <a:cubicBezTo>
-                  <a:pt x="3469" y="4362"/>
-                  <a:pt x="3649" y="4265"/>
-                  <a:pt x="4133" y="4008"/>
-                </a:cubicBezTo>
-                <a:cubicBezTo>
-                  <a:pt x="4180" y="3983"/>
-                  <a:pt x="4225" y="3953"/>
-                  <a:pt x="4268" y="3919"/>
-                </a:cubicBezTo>
-                <a:cubicBezTo>
-                  <a:pt x="4389" y="3825"/>
-                  <a:pt x="4884" y="3600"/>
-                  <a:pt x="5392" y="3600"/>
-                </a:cubicBezTo>
-                <a:cubicBezTo>
-                  <a:pt x="5636" y="3600"/>
-                  <a:pt x="5839" y="3655"/>
-                  <a:pt x="6002" y="3755"/>
-                </a:cubicBezTo>
-                <a:cubicBezTo>
-                  <a:pt x="6045" y="3548"/>
-                  <a:pt x="6096" y="3341"/>
-                  <a:pt x="6165" y="3134"/>
-                </a:cubicBezTo>
-                <a:cubicBezTo>
-                  <a:pt x="6225" y="2950"/>
-                  <a:pt x="6289" y="2793"/>
-                  <a:pt x="6351" y="2630"/>
-                </a:cubicBezTo>
-                <a:cubicBezTo>
-                  <a:pt x="6046" y="2468"/>
-                  <a:pt x="5716" y="2400"/>
-                  <a:pt x="5392" y="2400"/>
-                </a:cubicBezTo>
-                <a:cubicBezTo>
-                  <a:pt x="4682" y="2400"/>
-                  <a:pt x="4009" y="2699"/>
-                  <a:pt x="3740" y="2908"/>
-                </a:cubicBezTo>
-                <a:cubicBezTo>
-                  <a:pt x="2955" y="3327"/>
-                  <a:pt x="2625" y="3714"/>
-                  <a:pt x="2130" y="5184"/>
-                </a:cubicBezTo>
-                <a:cubicBezTo>
-                  <a:pt x="1700" y="6419"/>
-                  <a:pt x="2212" y="7760"/>
-                  <a:pt x="2464" y="8435"/>
-                </a:cubicBezTo>
-                <a:cubicBezTo>
-                  <a:pt x="2156" y="9975"/>
-                  <a:pt x="2583" y="10506"/>
-                  <a:pt x="2583" y="10506"/>
-                </a:cubicBezTo>
-                <a:cubicBezTo>
-                  <a:pt x="2806" y="10879"/>
-                  <a:pt x="3185" y="11419"/>
-                  <a:pt x="3185" y="12954"/>
-                </a:cubicBezTo>
-                <a:cubicBezTo>
-                  <a:pt x="3185" y="14701"/>
-                  <a:pt x="2084" y="15006"/>
-                  <a:pt x="2084" y="15006"/>
-                </a:cubicBezTo>
-                <a:cubicBezTo>
-                  <a:pt x="1191" y="15388"/>
-                  <a:pt x="0" y="16199"/>
-                  <a:pt x="0" y="18599"/>
-                </a:cubicBezTo>
-                <a:cubicBezTo>
-                  <a:pt x="0" y="18599"/>
-                  <a:pt x="0" y="19199"/>
-                  <a:pt x="491" y="19199"/>
-                </a:cubicBezTo>
-                <a:lnTo>
-                  <a:pt x="2680" y="19200"/>
-                </a:lnTo>
-                <a:cubicBezTo>
-                  <a:pt x="2798" y="18755"/>
-                  <a:pt x="2952" y="18353"/>
-                  <a:pt x="3141" y="18000"/>
-                </a:cubicBezTo>
-                <a:lnTo>
-                  <a:pt x="1018" y="17999"/>
-                </a:lnTo>
-                <a:cubicBezTo>
-                  <a:pt x="1165" y="16859"/>
-                  <a:pt x="1744" y="16429"/>
-                  <a:pt x="2371" y="16155"/>
-                </a:cubicBezTo>
-              </a:path>
-            </a:pathLst>
-          </a:custGeom>
-          <a:solidFill>
-            <a:schemeClr val="tx1"/>
-          </a:solidFill>
-          <a:ln w="12700">
-            <a:miter lim="400000"/>
-          </a:ln>
-        </p:spPr>
-        <p:txBody>
-          <a:bodyPr lIns="19045" tIns="19045" rIns="19045" bIns="19045" anchor="ctr"/>
-          <a:lstStyle/>
-          <a:p>
-            <a:pPr defTabSz="228532">
-              <a:defRPr sz="3000" cap="none">
-                <a:solidFill>
-                  <a:srgbClr val="FFFFFF"/>
-                </a:solidFill>
-                <a:effectLst>
-                  <a:outerShdw blurRad="38100" dist="12700" dir="5400000" rotWithShape="0">
-                    <a:srgbClr val="000000">
-                      <a:alpha val="50000"/>
-                    </a:srgbClr>
-                  </a:outerShdw>
-                </a:effectLst>
-                <a:latin typeface="Gill Sans"/>
-                <a:ea typeface="Gill Sans"/>
-                <a:cs typeface="Gill Sans"/>
-                <a:sym typeface="Gill Sans"/>
-              </a:defRPr>
-            </a:pPr>
-            <a:endParaRPr sz="1500">
-              <a:solidFill>
-                <a:srgbClr val="FFFFFF"/>
-              </a:solidFill>
-              <a:effectLst>
-                <a:outerShdw blurRad="38100" dist="12700" dir="5400000" rotWithShape="0">
-                  <a:srgbClr val="000000">
-                    <a:alpha val="50000"/>
-                  </a:srgbClr>
-                </a:outerShdw>
-              </a:effectLst>
-              <a:latin typeface="Gill Sans"/>
-              <a:ea typeface="Gill Sans"/>
-              <a:cs typeface="Gill Sans"/>
-              <a:sym typeface="Gill Sans"/>
-            </a:endParaRPr>
-          </a:p>
-        </p:txBody>
-      </p:sp>
-      <p:sp>
-        <p:nvSpPr>
-          <p:cNvPr id="11" name="Shape 2690">
-            <a:extLst>
-              <a:ext uri="{FF2B5EF4-FFF2-40B4-BE49-F238E27FC236}">
-                <a16:creationId xmlns:a16="http://schemas.microsoft.com/office/drawing/2014/main" id="{04CFBA81-A478-4109-ABCF-C70795B40965}"/>
-              </a:ext>
-            </a:extLst>
-          </p:cNvPr>
-          <p:cNvSpPr/>
-          <p:nvPr/>
-        </p:nvSpPr>
-        <p:spPr>
-          <a:xfrm>
-            <a:off x="6481124" y="1685523"/>
-            <a:ext cx="355705" cy="321346"/>
-          </a:xfrm>
-          <a:custGeom>
-            <a:avLst/>
-            <a:gdLst/>
-            <a:ahLst/>
-            <a:cxnLst>
-              <a:cxn ang="0">
-                <a:pos x="wd2" y="hd2"/>
-              </a:cxn>
-              <a:cxn ang="5400000">
-                <a:pos x="wd2" y="hd2"/>
-              </a:cxn>
-              <a:cxn ang="10800000">
-                <a:pos x="wd2" y="hd2"/>
-              </a:cxn>
-              <a:cxn ang="16200000">
-                <a:pos x="wd2" y="hd2"/>
-              </a:cxn>
-            </a:cxnLst>
-            <a:rect l="0" t="0" r="r" b="b"/>
-            <a:pathLst>
-              <a:path w="21600" h="21600" extrusionOk="0">
-                <a:moveTo>
-                  <a:pt x="20618" y="11880"/>
-                </a:moveTo>
-                <a:cubicBezTo>
-                  <a:pt x="20618" y="12476"/>
-                  <a:pt x="20178" y="12960"/>
-                  <a:pt x="19636" y="12960"/>
-                </a:cubicBezTo>
-                <a:lnTo>
-                  <a:pt x="19636" y="8640"/>
-                </a:lnTo>
-                <a:cubicBezTo>
-                  <a:pt x="20178" y="8640"/>
-                  <a:pt x="20618" y="9124"/>
-                  <a:pt x="20618" y="9720"/>
-                </a:cubicBezTo>
-                <a:cubicBezTo>
-                  <a:pt x="20618" y="9720"/>
-                  <a:pt x="20618" y="11880"/>
-                  <a:pt x="20618" y="11880"/>
-                </a:cubicBezTo>
-                <a:close/>
-                <a:moveTo>
-                  <a:pt x="18655" y="19980"/>
-                </a:moveTo>
-                <a:cubicBezTo>
-                  <a:pt x="18655" y="20279"/>
-                  <a:pt x="18434" y="20520"/>
-                  <a:pt x="18164" y="20520"/>
-                </a:cubicBezTo>
-                <a:cubicBezTo>
-                  <a:pt x="17893" y="20520"/>
-                  <a:pt x="17673" y="20279"/>
-                  <a:pt x="17673" y="19980"/>
-                </a:cubicBezTo>
-                <a:lnTo>
-                  <a:pt x="17673" y="1620"/>
-                </a:lnTo>
-                <a:cubicBezTo>
-                  <a:pt x="17673" y="1322"/>
-                  <a:pt x="17893" y="1080"/>
-                  <a:pt x="18164" y="1080"/>
-                </a:cubicBezTo>
-                <a:cubicBezTo>
-                  <a:pt x="18434" y="1080"/>
-                  <a:pt x="18655" y="1322"/>
-                  <a:pt x="18655" y="1620"/>
-                </a:cubicBezTo>
-                <a:cubicBezTo>
-                  <a:pt x="18655" y="1620"/>
-                  <a:pt x="18655" y="19980"/>
-                  <a:pt x="18655" y="19980"/>
-                </a:cubicBezTo>
-                <a:close/>
-                <a:moveTo>
-                  <a:pt x="16691" y="18404"/>
-                </a:moveTo>
-                <a:lnTo>
-                  <a:pt x="2944" y="13512"/>
-                </a:lnTo>
-                <a:cubicBezTo>
-                  <a:pt x="2944" y="13508"/>
-                  <a:pt x="2945" y="13504"/>
-                  <a:pt x="2945" y="13500"/>
-                </a:cubicBezTo>
-                <a:lnTo>
-                  <a:pt x="2945" y="8100"/>
-                </a:lnTo>
-                <a:cubicBezTo>
-                  <a:pt x="2945" y="8096"/>
-                  <a:pt x="2944" y="8093"/>
-                  <a:pt x="2944" y="8089"/>
-                </a:cubicBezTo>
-                <a:lnTo>
-                  <a:pt x="16691" y="3197"/>
-                </a:lnTo>
-                <a:cubicBezTo>
-                  <a:pt x="16691" y="3197"/>
-                  <a:pt x="16691" y="18404"/>
-                  <a:pt x="16691" y="18404"/>
-                </a:cubicBezTo>
-                <a:close/>
-                <a:moveTo>
-                  <a:pt x="12480" y="18725"/>
-                </a:moveTo>
-                <a:cubicBezTo>
-                  <a:pt x="12316" y="19294"/>
-                  <a:pt x="11764" y="19608"/>
-                  <a:pt x="11247" y="19428"/>
-                </a:cubicBezTo>
-                <a:lnTo>
-                  <a:pt x="6102" y="17625"/>
-                </a:lnTo>
-                <a:cubicBezTo>
-                  <a:pt x="5585" y="17444"/>
-                  <a:pt x="5299" y="16837"/>
-                  <a:pt x="5464" y="16269"/>
-                </a:cubicBezTo>
-                <a:lnTo>
-                  <a:pt x="5654" y="15610"/>
-                </a:lnTo>
-                <a:lnTo>
-                  <a:pt x="12661" y="18104"/>
-                </a:lnTo>
-                <a:cubicBezTo>
-                  <a:pt x="12661" y="18104"/>
-                  <a:pt x="12480" y="18725"/>
-                  <a:pt x="12480" y="18725"/>
-                </a:cubicBezTo>
-                <a:close/>
-                <a:moveTo>
-                  <a:pt x="1964" y="13500"/>
-                </a:moveTo>
-                <a:lnTo>
-                  <a:pt x="982" y="13500"/>
-                </a:lnTo>
-                <a:lnTo>
-                  <a:pt x="982" y="8100"/>
-                </a:lnTo>
-                <a:lnTo>
-                  <a:pt x="1964" y="8100"/>
-                </a:lnTo>
-                <a:cubicBezTo>
-                  <a:pt x="1964" y="8100"/>
-                  <a:pt x="1964" y="13500"/>
-                  <a:pt x="1964" y="13500"/>
-                </a:cubicBezTo>
-                <a:close/>
-                <a:moveTo>
-                  <a:pt x="19636" y="7560"/>
-                </a:moveTo>
-                <a:lnTo>
-                  <a:pt x="19636" y="1620"/>
-                </a:lnTo>
-                <a:cubicBezTo>
-                  <a:pt x="19636" y="725"/>
-                  <a:pt x="18977" y="0"/>
-                  <a:pt x="18164" y="0"/>
-                </a:cubicBezTo>
-                <a:cubicBezTo>
-                  <a:pt x="17350" y="0"/>
-                  <a:pt x="16691" y="725"/>
-                  <a:pt x="16691" y="1620"/>
-                </a:cubicBezTo>
-                <a:lnTo>
-                  <a:pt x="16691" y="2062"/>
-                </a:lnTo>
-                <a:lnTo>
-                  <a:pt x="2411" y="7144"/>
-                </a:lnTo>
-                <a:cubicBezTo>
-                  <a:pt x="2276" y="7067"/>
-                  <a:pt x="2126" y="7020"/>
-                  <a:pt x="1964" y="7020"/>
-                </a:cubicBezTo>
-                <a:lnTo>
-                  <a:pt x="982" y="7020"/>
-                </a:lnTo>
-                <a:cubicBezTo>
-                  <a:pt x="440" y="7020"/>
-                  <a:pt x="0" y="7504"/>
-                  <a:pt x="0" y="8100"/>
-                </a:cubicBezTo>
-                <a:lnTo>
-                  <a:pt x="0" y="13500"/>
-                </a:lnTo>
-                <a:cubicBezTo>
-                  <a:pt x="0" y="14097"/>
-                  <a:pt x="440" y="14580"/>
-                  <a:pt x="982" y="14580"/>
-                </a:cubicBezTo>
-                <a:lnTo>
-                  <a:pt x="1964" y="14580"/>
-                </a:lnTo>
-                <a:cubicBezTo>
-                  <a:pt x="2126" y="14580"/>
-                  <a:pt x="2276" y="14533"/>
-                  <a:pt x="2411" y="14457"/>
-                </a:cubicBezTo>
-                <a:lnTo>
-                  <a:pt x="4720" y="15278"/>
-                </a:lnTo>
-                <a:lnTo>
-                  <a:pt x="4529" y="15941"/>
-                </a:lnTo>
-                <a:cubicBezTo>
-                  <a:pt x="4199" y="17078"/>
-                  <a:pt x="4770" y="18292"/>
-                  <a:pt x="5803" y="18654"/>
-                </a:cubicBezTo>
-                <a:lnTo>
-                  <a:pt x="10949" y="20456"/>
-                </a:lnTo>
-                <a:cubicBezTo>
-                  <a:pt x="11983" y="20819"/>
-                  <a:pt x="13087" y="20190"/>
-                  <a:pt x="13416" y="19053"/>
-                </a:cubicBezTo>
-                <a:lnTo>
-                  <a:pt x="13595" y="18437"/>
-                </a:lnTo>
-                <a:lnTo>
-                  <a:pt x="16691" y="19538"/>
-                </a:lnTo>
-                <a:lnTo>
-                  <a:pt x="16691" y="19980"/>
-                </a:lnTo>
-                <a:cubicBezTo>
-                  <a:pt x="16691" y="20875"/>
-                  <a:pt x="17350" y="21600"/>
-                  <a:pt x="18164" y="21600"/>
-                </a:cubicBezTo>
-                <a:cubicBezTo>
-                  <a:pt x="18977" y="21600"/>
-                  <a:pt x="19636" y="20875"/>
-                  <a:pt x="19636" y="19980"/>
-                </a:cubicBezTo>
-                <a:lnTo>
-                  <a:pt x="19636" y="14040"/>
-                </a:lnTo>
-                <a:cubicBezTo>
-                  <a:pt x="20721" y="14040"/>
-                  <a:pt x="21600" y="13073"/>
-                  <a:pt x="21600" y="11880"/>
-                </a:cubicBezTo>
-                <a:lnTo>
-                  <a:pt x="21600" y="9720"/>
-                </a:lnTo>
-                <a:cubicBezTo>
-                  <a:pt x="21600" y="8527"/>
-                  <a:pt x="20721" y="7560"/>
-                  <a:pt x="19636" y="7560"/>
-                </a:cubicBezTo>
-              </a:path>
-            </a:pathLst>
-          </a:custGeom>
-          <a:solidFill>
-            <a:schemeClr val="tx1"/>
-          </a:solidFill>
-          <a:ln w="12700">
-            <a:miter lim="400000"/>
-          </a:ln>
-        </p:spPr>
-        <p:txBody>
-          <a:bodyPr lIns="19045" tIns="19045" rIns="19045" bIns="19045" anchor="ctr"/>
-          <a:lstStyle/>
-          <a:p>
-            <a:pPr defTabSz="228532">
-              <a:defRPr sz="3000" cap="none">
-                <a:solidFill>
-                  <a:srgbClr val="FFFFFF"/>
-                </a:solidFill>
-                <a:effectLst>
-                  <a:outerShdw blurRad="38100" dist="12700" dir="5400000" rotWithShape="0">
-                    <a:srgbClr val="000000">
-                      <a:alpha val="50000"/>
-                    </a:srgbClr>
-                  </a:outerShdw>
-                </a:effectLst>
-                <a:latin typeface="Gill Sans"/>
-                <a:ea typeface="Gill Sans"/>
-                <a:cs typeface="Gill Sans"/>
-                <a:sym typeface="Gill Sans"/>
-              </a:defRPr>
-            </a:pPr>
-            <a:endParaRPr sz="1500">
-              <a:solidFill>
-                <a:srgbClr val="FFFFFF"/>
-              </a:solidFill>
-              <a:effectLst>
-                <a:outerShdw blurRad="38100" dist="12700" dir="5400000" rotWithShape="0">
-                  <a:srgbClr val="000000">
-                    <a:alpha val="50000"/>
-                  </a:srgbClr>
-                </a:outerShdw>
-              </a:effectLst>
-              <a:latin typeface="Gill Sans"/>
-              <a:ea typeface="Gill Sans"/>
-              <a:cs typeface="Gill Sans"/>
-              <a:sym typeface="Gill Sans"/>
-            </a:endParaRPr>
-          </a:p>
-        </p:txBody>
-      </p:sp>
-      <p:cxnSp>
-        <p:nvCxnSpPr>
-          <p:cNvPr id="15" name="Straight Connector 14">
-            <a:extLst>
-              <a:ext uri="{FF2B5EF4-FFF2-40B4-BE49-F238E27FC236}">
-                <a16:creationId xmlns:a16="http://schemas.microsoft.com/office/drawing/2014/main" id="{E5CA5269-4E9F-4177-A595-27A9921D7BA6}"/>
-              </a:ext>
-            </a:extLst>
-          </p:cNvPr>
-          <p:cNvCxnSpPr>
-            <a:cxnSpLocks/>
-          </p:cNvCxnSpPr>
-          <p:nvPr/>
-        </p:nvCxnSpPr>
-        <p:spPr>
-          <a:xfrm>
-            <a:off x="420491" y="2166899"/>
-            <a:ext cx="2376105" cy="0"/>
-          </a:xfrm>
-          <a:prstGeom prst="line">
-            <a:avLst/>
-          </a:prstGeom>
-          <a:ln w="9525">
-            <a:solidFill>
-              <a:schemeClr val="bg2">
-                <a:lumMod val="85000"/>
-              </a:schemeClr>
-            </a:solidFill>
-          </a:ln>
-        </p:spPr>
-        <p:style>
-          <a:lnRef idx="1">
-            <a:schemeClr val="accent1"/>
-          </a:lnRef>
-          <a:fillRef idx="0">
-            <a:schemeClr val="accent1"/>
-          </a:fillRef>
-          <a:effectRef idx="0">
-            <a:schemeClr val="accent1"/>
-          </a:effectRef>
-          <a:fontRef idx="minor">
-            <a:schemeClr val="tx1"/>
-          </a:fontRef>
-        </p:style>
-      </p:cxnSp>
-      <p:cxnSp>
-        <p:nvCxnSpPr>
-          <p:cNvPr id="53" name="Straight Connector 52">
-            <a:extLst>
-              <a:ext uri="{FF2B5EF4-FFF2-40B4-BE49-F238E27FC236}">
-                <a16:creationId xmlns:a16="http://schemas.microsoft.com/office/drawing/2014/main" id="{857086EE-8223-4822-ACF6-1A75A4D759CD}"/>
-              </a:ext>
-            </a:extLst>
-          </p:cNvPr>
-          <p:cNvCxnSpPr>
-            <a:cxnSpLocks/>
-          </p:cNvCxnSpPr>
-          <p:nvPr/>
-        </p:nvCxnSpPr>
-        <p:spPr>
-          <a:xfrm>
-            <a:off x="3383947" y="2166899"/>
-            <a:ext cx="2354971" cy="0"/>
-          </a:xfrm>
-          <a:prstGeom prst="line">
-            <a:avLst/>
-          </a:prstGeom>
-          <a:ln w="9525">
-            <a:solidFill>
-              <a:schemeClr val="bg2">
-                <a:lumMod val="85000"/>
-              </a:schemeClr>
-            </a:solidFill>
-          </a:ln>
-        </p:spPr>
-        <p:style>
-          <a:lnRef idx="1">
-            <a:schemeClr val="accent1"/>
-          </a:lnRef>
-          <a:fillRef idx="0">
-            <a:schemeClr val="accent1"/>
-          </a:fillRef>
-          <a:effectRef idx="0">
-            <a:schemeClr val="accent1"/>
-          </a:effectRef>
-          <a:fontRef idx="minor">
-            <a:schemeClr val="tx1"/>
-          </a:fontRef>
-        </p:style>
-      </p:cxnSp>
-      <p:cxnSp>
-        <p:nvCxnSpPr>
-          <p:cNvPr id="56" name="Straight Connector 55">
-            <a:extLst>
-              <a:ext uri="{FF2B5EF4-FFF2-40B4-BE49-F238E27FC236}">
-                <a16:creationId xmlns:a16="http://schemas.microsoft.com/office/drawing/2014/main" id="{439A573A-07F0-445D-80B1-93AB84CFD1DC}"/>
-              </a:ext>
-            </a:extLst>
-          </p:cNvPr>
-          <p:cNvCxnSpPr>
-            <a:cxnSpLocks/>
-          </p:cNvCxnSpPr>
-          <p:nvPr/>
-        </p:nvCxnSpPr>
-        <p:spPr>
-          <a:xfrm>
-            <a:off x="6312920" y="2163634"/>
-            <a:ext cx="2354971" cy="0"/>
-          </a:xfrm>
-          <a:prstGeom prst="line">
-            <a:avLst/>
-          </a:prstGeom>
-          <a:ln w="9525">
-            <a:solidFill>
-              <a:schemeClr val="bg2">
-                <a:lumMod val="85000"/>
-              </a:schemeClr>
-            </a:solidFill>
-          </a:ln>
-        </p:spPr>
-        <p:style>
-          <a:lnRef idx="1">
-            <a:schemeClr val="accent1"/>
-          </a:lnRef>
-          <a:fillRef idx="0">
-            <a:schemeClr val="accent1"/>
-          </a:fillRef>
-          <a:effectRef idx="0">
-            <a:schemeClr val="accent1"/>
-          </a:effectRef>
-          <a:fontRef idx="minor">
-            <a:schemeClr val="tx1"/>
-          </a:fontRef>
-        </p:style>
-      </p:cxnSp>
-      <p:sp>
-        <p:nvSpPr>
-          <p:cNvPr id="12" name="Text Placeholder 5">
-            <a:extLst>
-              <a:ext uri="{FF2B5EF4-FFF2-40B4-BE49-F238E27FC236}">
-                <a16:creationId xmlns:a16="http://schemas.microsoft.com/office/drawing/2014/main" id="{99C25F7C-20A4-42A0-8C95-E4CAF250F710}"/>
-              </a:ext>
-            </a:extLst>
-          </p:cNvPr>
-          <p:cNvSpPr txBox="1">
-            <a:spLocks/>
-          </p:cNvSpPr>
-          <p:nvPr/>
-        </p:nvSpPr>
-        <p:spPr>
-          <a:xfrm>
-            <a:off x="3260510" y="2166899"/>
-            <a:ext cx="2601844" cy="2451156"/>
-          </a:xfrm>
-          <a:prstGeom prst="rect">
-            <a:avLst/>
-          </a:prstGeom>
-        </p:spPr>
-        <p:txBody>
-          <a:bodyPr vert="horz" lIns="91440" tIns="45720" rIns="91440" bIns="45720" rtlCol="0">
-            <a:normAutofit/>
-          </a:bodyPr>
-          <a:lstStyle>
-            <a:lvl1pPr marL="0" marR="0" indent="0" algn="l" defTabSz="914400" rtl="0" eaLnBrk="1" fontAlgn="auto" latinLnBrk="0" hangingPunct="1">
-              <a:lnSpc>
-                <a:spcPct val="100000"/>
-              </a:lnSpc>
-              <a:spcBef>
-                <a:spcPts val="1000"/>
-              </a:spcBef>
-              <a:spcAft>
-                <a:spcPts val="0"/>
-              </a:spcAft>
-              <a:buClrTx/>
-              <a:buSzTx/>
-              <a:buFont typeface="Arial" panose="020B0604020202020204" pitchFamily="34" charset="0"/>
-              <a:buNone/>
-              <a:tabLst/>
-              <a:defRPr lang="en-US" sz="1400" b="0" i="0" kern="1200" dirty="0" smtClean="0">
-                <a:solidFill>
-                  <a:schemeClr val="tx1"/>
-                </a:solidFill>
-                <a:latin typeface="+mn-lt"/>
-                <a:ea typeface="Gotham Light" charset="0"/>
-                <a:cs typeface="Gotham Light" charset="0"/>
-              </a:defRPr>
-            </a:lvl1pPr>
-            <a:lvl2pPr marL="685800" marR="0" indent="-228600" algn="l" defTabSz="914400" rtl="0" eaLnBrk="1" fontAlgn="auto" latinLnBrk="0" hangingPunct="1">
-              <a:lnSpc>
-                <a:spcPct val="90000"/>
-              </a:lnSpc>
-              <a:spcBef>
-                <a:spcPts val="500"/>
-              </a:spcBef>
-              <a:spcAft>
-                <a:spcPts val="0"/>
-              </a:spcAft>
-              <a:buClrTx/>
-              <a:buSzTx/>
-              <a:buFont typeface="Arial" panose="020B0604020202020204" pitchFamily="34" charset="0"/>
-              <a:buChar char="•"/>
-              <a:tabLst/>
-              <a:defRPr lang="en-US" sz="2000" b="0" i="0" kern="1200" dirty="0" smtClean="0">
-                <a:solidFill>
-                  <a:schemeClr val="tx1"/>
-                </a:solidFill>
-                <a:latin typeface="Segoe UI Semilight" panose="020B0402040204020203" pitchFamily="34" charset="0"/>
-                <a:ea typeface="+mn-ea"/>
-                <a:cs typeface="Segoe UI Semilight" panose="020B0402040204020203" pitchFamily="34" charset="0"/>
-              </a:defRPr>
-            </a:lvl2pPr>
-            <a:lvl3pPr marL="1143000" marR="0" indent="-228600" algn="l" defTabSz="914400" rtl="0" eaLnBrk="1" fontAlgn="auto" latinLnBrk="0" hangingPunct="1">
-              <a:lnSpc>
-                <a:spcPct val="90000"/>
-              </a:lnSpc>
-              <a:spcBef>
-                <a:spcPts val="500"/>
-              </a:spcBef>
-              <a:spcAft>
-                <a:spcPts val="0"/>
-              </a:spcAft>
-              <a:buClrTx/>
-              <a:buSzTx/>
-              <a:buFont typeface="Arial" panose="020B0604020202020204" pitchFamily="34" charset="0"/>
-              <a:buChar char="•"/>
-              <a:tabLst/>
-              <a:defRPr lang="en-US" sz="1800" b="0" i="0" kern="1200" dirty="0" smtClean="0">
-                <a:solidFill>
-                  <a:schemeClr val="tx1"/>
-                </a:solidFill>
-                <a:latin typeface="Segoe UI Semilight" panose="020B0402040204020203" pitchFamily="34" charset="0"/>
-                <a:ea typeface="+mn-ea"/>
-                <a:cs typeface="Segoe UI Semilight" panose="020B0402040204020203" pitchFamily="34" charset="0"/>
-              </a:defRPr>
-            </a:lvl3pPr>
-            <a:lvl4pPr marL="1600200" marR="0" indent="-228600" algn="l" defTabSz="914400" rtl="0" eaLnBrk="1" fontAlgn="auto" latinLnBrk="0" hangingPunct="1">
-              <a:lnSpc>
-                <a:spcPct val="90000"/>
-              </a:lnSpc>
-              <a:spcBef>
-                <a:spcPts val="500"/>
-              </a:spcBef>
-              <a:spcAft>
-                <a:spcPts val="0"/>
-              </a:spcAft>
-              <a:buClrTx/>
-              <a:buSzTx/>
-              <a:buFont typeface="Arial" panose="020B0604020202020204" pitchFamily="34" charset="0"/>
-              <a:buChar char="•"/>
-              <a:tabLst/>
-              <a:defRPr lang="en-US" sz="1800" b="0" i="0" kern="1200" dirty="0" smtClean="0">
-                <a:solidFill>
-                  <a:schemeClr val="tx1"/>
-                </a:solidFill>
-                <a:latin typeface="Segoe UI Semilight" panose="020B0402040204020203" pitchFamily="34" charset="0"/>
-                <a:ea typeface="+mn-ea"/>
-                <a:cs typeface="Segoe UI Semilight" panose="020B0402040204020203" pitchFamily="34" charset="0"/>
-              </a:defRPr>
-            </a:lvl4pPr>
-            <a:lvl5pPr marL="2057400" marR="0" indent="-228600" algn="l" defTabSz="914400" rtl="0" eaLnBrk="1" fontAlgn="auto" latinLnBrk="0" hangingPunct="1">
-              <a:lnSpc>
-                <a:spcPct val="90000"/>
-              </a:lnSpc>
-              <a:spcBef>
-                <a:spcPts val="500"/>
-              </a:spcBef>
-              <a:spcAft>
-                <a:spcPts val="0"/>
-              </a:spcAft>
-              <a:buClrTx/>
-              <a:buSzTx/>
-              <a:buFont typeface="Arial" panose="020B0604020202020204" pitchFamily="34" charset="0"/>
-              <a:buChar char="•"/>
-              <a:tabLst/>
-              <a:defRPr lang="en-US" sz="1800" b="0" i="0" kern="1200" dirty="0">
-                <a:solidFill>
-                  <a:schemeClr val="tx1"/>
-                </a:solidFill>
-                <a:latin typeface="Segoe UI Semilight" panose="020B0402040204020203" pitchFamily="34" charset="0"/>
-                <a:ea typeface="+mn-ea"/>
-                <a:cs typeface="Segoe UI Semilight" panose="020B0402040204020203" pitchFamily="34" charset="0"/>
-              </a:defRPr>
-            </a:lvl5pPr>
-            <a:lvl6pPr marL="2514600" indent="-228600" algn="l" defTabSz="914400" rtl="0" eaLnBrk="1" latinLnBrk="0" hangingPunct="1">
-              <a:spcBef>
-                <a:spcPct val="20000"/>
-              </a:spcBef>
-              <a:buFont typeface="Arial" pitchFamily="34" charset="0"/>
-              <a:buChar char="•"/>
-              <a:defRPr sz="2000" kern="1200">
-                <a:solidFill>
-                  <a:schemeClr val="tx1"/>
-                </a:solidFill>
-                <a:latin typeface="+mn-lt"/>
-                <a:ea typeface="+mn-ea"/>
-                <a:cs typeface="+mn-cs"/>
-              </a:defRPr>
-            </a:lvl6pPr>
-            <a:lvl7pPr marL="2971800" indent="-228600" algn="l" defTabSz="914400" rtl="0" eaLnBrk="1" latinLnBrk="0" hangingPunct="1">
-              <a:spcBef>
-                <a:spcPct val="20000"/>
-              </a:spcBef>
-              <a:buFont typeface="Arial" pitchFamily="34" charset="0"/>
-              <a:buChar char="•"/>
-              <a:defRPr sz="2000" kern="1200">
-                <a:solidFill>
-                  <a:schemeClr val="tx1"/>
-                </a:solidFill>
-                <a:latin typeface="+mn-lt"/>
-                <a:ea typeface="+mn-ea"/>
-                <a:cs typeface="+mn-cs"/>
-              </a:defRPr>
-            </a:lvl7pPr>
-            <a:lvl8pPr marL="3429000" indent="-228600" algn="l" defTabSz="914400" rtl="0" eaLnBrk="1" latinLnBrk="0" hangingPunct="1">
-              <a:spcBef>
-                <a:spcPct val="20000"/>
-              </a:spcBef>
-              <a:buFont typeface="Arial" pitchFamily="34" charset="0"/>
-              <a:buChar char="•"/>
-              <a:defRPr sz="2000" kern="1200">
-                <a:solidFill>
-                  <a:schemeClr val="tx1"/>
-                </a:solidFill>
-                <a:latin typeface="+mn-lt"/>
-                <a:ea typeface="+mn-ea"/>
-                <a:cs typeface="+mn-cs"/>
-              </a:defRPr>
-            </a:lvl8pPr>
-            <a:lvl9pPr marL="3886200" indent="-228600" algn="l" defTabSz="914400" rtl="0" eaLnBrk="1" latinLnBrk="0" hangingPunct="1">
-              <a:spcBef>
-                <a:spcPct val="20000"/>
-              </a:spcBef>
-              <a:buFont typeface="Arial" pitchFamily="34" charset="0"/>
-              <a:buChar char="•"/>
-              <a:defRPr sz="2000" kern="1200">
-                <a:solidFill>
-                  <a:schemeClr val="tx1"/>
-                </a:solidFill>
-                <a:latin typeface="+mn-lt"/>
-                <a:ea typeface="+mn-ea"/>
-                <a:cs typeface="+mn-cs"/>
-              </a:defRPr>
-            </a:lvl9pPr>
-          </a:lstStyle>
-          <a:p>
-            <a:r>
-              <a:rPr lang="en-CA" dirty="0">
-                <a:solidFill>
-                  <a:srgbClr val="FFFFFF">
-                    <a:lumMod val="50000"/>
-                  </a:srgbClr>
-                </a:solidFill>
-              </a:rPr>
-              <a:t>Lorem ipsum dolor sit </a:t>
-            </a:r>
-            <a:r>
-              <a:rPr lang="en-CA" dirty="0" err="1">
-                <a:solidFill>
-                  <a:srgbClr val="FFFFFF">
-                    <a:lumMod val="50000"/>
-                  </a:srgbClr>
-                </a:solidFill>
-              </a:rPr>
-              <a:t>amet</a:t>
-            </a:r>
-            <a:r>
-              <a:rPr lang="en-CA" dirty="0">
-                <a:solidFill>
-                  <a:srgbClr val="FFFFFF">
-                    <a:lumMod val="50000"/>
-                  </a:srgbClr>
-                </a:solidFill>
-              </a:rPr>
-              <a:t>, </a:t>
-            </a:r>
-            <a:r>
-              <a:rPr lang="en-CA" dirty="0" err="1">
-                <a:solidFill>
-                  <a:srgbClr val="FFFFFF">
-                    <a:lumMod val="50000"/>
-                  </a:srgbClr>
-                </a:solidFill>
-              </a:rPr>
-              <a:t>consectetur</a:t>
-            </a:r>
-            <a:r>
-              <a:rPr lang="en-CA" dirty="0">
-                <a:solidFill>
-                  <a:srgbClr val="FFFFFF">
-                    <a:lumMod val="50000"/>
-                  </a:srgbClr>
-                </a:solidFill>
-              </a:rPr>
-              <a:t> </a:t>
-            </a:r>
-            <a:r>
-              <a:rPr lang="en-CA" dirty="0" err="1">
-                <a:solidFill>
-                  <a:srgbClr val="FFFFFF">
-                    <a:lumMod val="50000"/>
-                  </a:srgbClr>
-                </a:solidFill>
-              </a:rPr>
-              <a:t>adipiscing</a:t>
-            </a:r>
-            <a:r>
-              <a:rPr lang="en-CA" dirty="0">
-                <a:solidFill>
-                  <a:srgbClr val="FFFFFF">
-                    <a:lumMod val="50000"/>
-                  </a:srgbClr>
-                </a:solidFill>
-              </a:rPr>
-              <a:t> </a:t>
-            </a:r>
-            <a:r>
-              <a:rPr lang="en-CA" dirty="0" err="1">
-                <a:solidFill>
-                  <a:srgbClr val="FFFFFF">
-                    <a:lumMod val="50000"/>
-                  </a:srgbClr>
-                </a:solidFill>
-              </a:rPr>
-              <a:t>elit</a:t>
-            </a:r>
-            <a:r>
-              <a:rPr lang="en-CA" dirty="0">
-                <a:solidFill>
-                  <a:srgbClr val="FFFFFF">
-                    <a:lumMod val="50000"/>
-                  </a:srgbClr>
-                </a:solidFill>
-              </a:rPr>
-              <a:t>, sed do </a:t>
-            </a:r>
-            <a:r>
-              <a:rPr lang="en-CA" dirty="0" err="1">
-                <a:solidFill>
-                  <a:srgbClr val="FFFFFF">
-                    <a:lumMod val="50000"/>
-                  </a:srgbClr>
-                </a:solidFill>
-              </a:rPr>
-              <a:t>eiusmod</a:t>
-            </a:r>
-            <a:r>
-              <a:rPr lang="en-CA" dirty="0">
-                <a:solidFill>
-                  <a:srgbClr val="FFFFFF">
-                    <a:lumMod val="50000"/>
-                  </a:srgbClr>
-                </a:solidFill>
-              </a:rPr>
-              <a:t> </a:t>
-            </a:r>
-            <a:r>
-              <a:rPr lang="en-CA" dirty="0" err="1">
-                <a:solidFill>
-                  <a:srgbClr val="FFFFFF">
-                    <a:lumMod val="50000"/>
-                  </a:srgbClr>
-                </a:solidFill>
-              </a:rPr>
-              <a:t>tempor</a:t>
-            </a:r>
-            <a:r>
-              <a:rPr lang="en-CA" dirty="0">
-                <a:solidFill>
-                  <a:srgbClr val="FFFFFF">
-                    <a:lumMod val="50000"/>
-                  </a:srgbClr>
-                </a:solidFill>
-              </a:rPr>
-              <a:t> </a:t>
-            </a:r>
-            <a:r>
-              <a:rPr lang="en-CA" dirty="0" err="1">
-                <a:solidFill>
-                  <a:srgbClr val="FFFFFF">
-                    <a:lumMod val="50000"/>
-                  </a:srgbClr>
-                </a:solidFill>
-              </a:rPr>
-              <a:t>incididunt</a:t>
-            </a:r>
-            <a:r>
-              <a:rPr lang="en-CA" dirty="0">
-                <a:solidFill>
-                  <a:srgbClr val="FFFFFF">
-                    <a:lumMod val="50000"/>
-                  </a:srgbClr>
-                </a:solidFill>
-              </a:rPr>
-              <a:t> </a:t>
-            </a:r>
-            <a:r>
-              <a:rPr lang="en-CA" dirty="0" err="1">
-                <a:solidFill>
-                  <a:srgbClr val="FFFFFF">
-                    <a:lumMod val="50000"/>
-                  </a:srgbClr>
-                </a:solidFill>
-              </a:rPr>
-              <a:t>ut</a:t>
-            </a:r>
-            <a:r>
-              <a:rPr lang="en-CA" dirty="0">
-                <a:solidFill>
-                  <a:srgbClr val="FFFFFF">
-                    <a:lumMod val="50000"/>
-                  </a:srgbClr>
-                </a:solidFill>
-              </a:rPr>
-              <a:t> </a:t>
-            </a:r>
-            <a:r>
-              <a:rPr lang="en-CA" dirty="0" err="1">
-                <a:solidFill>
-                  <a:srgbClr val="FFFFFF">
-                    <a:lumMod val="50000"/>
-                  </a:srgbClr>
-                </a:solidFill>
-              </a:rPr>
-              <a:t>labore</a:t>
-            </a:r>
-            <a:r>
-              <a:rPr lang="en-CA" dirty="0">
-                <a:solidFill>
-                  <a:srgbClr val="FFFFFF">
-                    <a:lumMod val="50000"/>
-                  </a:srgbClr>
-                </a:solidFill>
-              </a:rPr>
-              <a:t> et dolore magna </a:t>
-            </a:r>
-            <a:r>
-              <a:rPr lang="en-CA" dirty="0" err="1">
-                <a:solidFill>
-                  <a:srgbClr val="FFFFFF">
-                    <a:lumMod val="50000"/>
-                  </a:srgbClr>
-                </a:solidFill>
-              </a:rPr>
-              <a:t>aliqua</a:t>
-            </a:r>
-            <a:r>
-              <a:rPr lang="en-CA" dirty="0">
-                <a:solidFill>
-                  <a:srgbClr val="FFFFFF">
-                    <a:lumMod val="50000"/>
-                  </a:srgbClr>
-                </a:solidFill>
-              </a:rPr>
-              <a:t>. </a:t>
-            </a:r>
-          </a:p>
-          <a:p>
-            <a:endParaRPr lang="en-CA" dirty="0"/>
-          </a:p>
-        </p:txBody>
-      </p:sp>
-      <p:sp>
-        <p:nvSpPr>
-          <p:cNvPr id="13" name="Text Placeholder 5">
-            <a:extLst>
-              <a:ext uri="{FF2B5EF4-FFF2-40B4-BE49-F238E27FC236}">
-                <a16:creationId xmlns:a16="http://schemas.microsoft.com/office/drawing/2014/main" id="{7E487B72-5F65-4B34-99D3-2E8B349A1CD9}"/>
-              </a:ext>
-            </a:extLst>
-          </p:cNvPr>
-          <p:cNvSpPr txBox="1">
-            <a:spLocks/>
-          </p:cNvSpPr>
-          <p:nvPr/>
-        </p:nvSpPr>
-        <p:spPr>
-          <a:xfrm>
-            <a:off x="6203442" y="2166899"/>
-            <a:ext cx="2601844" cy="2451156"/>
-          </a:xfrm>
-          <a:prstGeom prst="rect">
-            <a:avLst/>
-          </a:prstGeom>
-        </p:spPr>
-        <p:txBody>
-          <a:bodyPr vert="horz" lIns="91440" tIns="45720" rIns="91440" bIns="45720" rtlCol="0">
-            <a:normAutofit/>
-          </a:bodyPr>
-          <a:lstStyle>
-            <a:lvl1pPr marL="0" marR="0" indent="0" algn="l" defTabSz="914400" rtl="0" eaLnBrk="1" fontAlgn="auto" latinLnBrk="0" hangingPunct="1">
-              <a:lnSpc>
-                <a:spcPct val="100000"/>
-              </a:lnSpc>
-              <a:spcBef>
-                <a:spcPts val="1000"/>
-              </a:spcBef>
-              <a:spcAft>
-                <a:spcPts val="0"/>
-              </a:spcAft>
-              <a:buClrTx/>
-              <a:buSzTx/>
-              <a:buFont typeface="Arial" panose="020B0604020202020204" pitchFamily="34" charset="0"/>
-              <a:buNone/>
-              <a:tabLst/>
-              <a:defRPr lang="en-US" sz="1400" b="0" i="0" kern="1200" dirty="0" smtClean="0">
-                <a:solidFill>
-                  <a:schemeClr val="tx1"/>
-                </a:solidFill>
-                <a:latin typeface="+mn-lt"/>
-                <a:ea typeface="Gotham Light" charset="0"/>
-                <a:cs typeface="Gotham Light" charset="0"/>
-              </a:defRPr>
-            </a:lvl1pPr>
-            <a:lvl2pPr marL="685800" marR="0" indent="-228600" algn="l" defTabSz="914400" rtl="0" eaLnBrk="1" fontAlgn="auto" latinLnBrk="0" hangingPunct="1">
-              <a:lnSpc>
-                <a:spcPct val="90000"/>
-              </a:lnSpc>
-              <a:spcBef>
-                <a:spcPts val="500"/>
-              </a:spcBef>
-              <a:spcAft>
-                <a:spcPts val="0"/>
-              </a:spcAft>
-              <a:buClrTx/>
-              <a:buSzTx/>
-              <a:buFont typeface="Arial" panose="020B0604020202020204" pitchFamily="34" charset="0"/>
-              <a:buChar char="•"/>
-              <a:tabLst/>
-              <a:defRPr lang="en-US" sz="2000" b="0" i="0" kern="1200" dirty="0" smtClean="0">
-                <a:solidFill>
-                  <a:schemeClr val="tx1"/>
-                </a:solidFill>
-                <a:latin typeface="Segoe UI Semilight" panose="020B0402040204020203" pitchFamily="34" charset="0"/>
-                <a:ea typeface="+mn-ea"/>
-                <a:cs typeface="Segoe UI Semilight" panose="020B0402040204020203" pitchFamily="34" charset="0"/>
-              </a:defRPr>
-            </a:lvl2pPr>
-            <a:lvl3pPr marL="1143000" marR="0" indent="-228600" algn="l" defTabSz="914400" rtl="0" eaLnBrk="1" fontAlgn="auto" latinLnBrk="0" hangingPunct="1">
-              <a:lnSpc>
-                <a:spcPct val="90000"/>
-              </a:lnSpc>
-              <a:spcBef>
-                <a:spcPts val="500"/>
-              </a:spcBef>
-              <a:spcAft>
-                <a:spcPts val="0"/>
-              </a:spcAft>
-              <a:buClrTx/>
-              <a:buSzTx/>
-              <a:buFont typeface="Arial" panose="020B0604020202020204" pitchFamily="34" charset="0"/>
-              <a:buChar char="•"/>
-              <a:tabLst/>
-              <a:defRPr lang="en-US" sz="1800" b="0" i="0" kern="1200" dirty="0" smtClean="0">
-                <a:solidFill>
-                  <a:schemeClr val="tx1"/>
-                </a:solidFill>
-                <a:latin typeface="Segoe UI Semilight" panose="020B0402040204020203" pitchFamily="34" charset="0"/>
-                <a:ea typeface="+mn-ea"/>
-                <a:cs typeface="Segoe UI Semilight" panose="020B0402040204020203" pitchFamily="34" charset="0"/>
-              </a:defRPr>
-            </a:lvl3pPr>
-            <a:lvl4pPr marL="1600200" marR="0" indent="-228600" algn="l" defTabSz="914400" rtl="0" eaLnBrk="1" fontAlgn="auto" latinLnBrk="0" hangingPunct="1">
-              <a:lnSpc>
-                <a:spcPct val="90000"/>
-              </a:lnSpc>
-              <a:spcBef>
-                <a:spcPts val="500"/>
-              </a:spcBef>
-              <a:spcAft>
-                <a:spcPts val="0"/>
-              </a:spcAft>
-              <a:buClrTx/>
-              <a:buSzTx/>
-              <a:buFont typeface="Arial" panose="020B0604020202020204" pitchFamily="34" charset="0"/>
-              <a:buChar char="•"/>
-              <a:tabLst/>
-              <a:defRPr lang="en-US" sz="1800" b="0" i="0" kern="1200" dirty="0" smtClean="0">
-                <a:solidFill>
-                  <a:schemeClr val="tx1"/>
-                </a:solidFill>
-                <a:latin typeface="Segoe UI Semilight" panose="020B0402040204020203" pitchFamily="34" charset="0"/>
-                <a:ea typeface="+mn-ea"/>
-                <a:cs typeface="Segoe UI Semilight" panose="020B0402040204020203" pitchFamily="34" charset="0"/>
-              </a:defRPr>
-            </a:lvl4pPr>
-            <a:lvl5pPr marL="2057400" marR="0" indent="-228600" algn="l" defTabSz="914400" rtl="0" eaLnBrk="1" fontAlgn="auto" latinLnBrk="0" hangingPunct="1">
-              <a:lnSpc>
-                <a:spcPct val="90000"/>
-              </a:lnSpc>
-              <a:spcBef>
-                <a:spcPts val="500"/>
-              </a:spcBef>
-              <a:spcAft>
-                <a:spcPts val="0"/>
-              </a:spcAft>
-              <a:buClrTx/>
-              <a:buSzTx/>
-              <a:buFont typeface="Arial" panose="020B0604020202020204" pitchFamily="34" charset="0"/>
-              <a:buChar char="•"/>
-              <a:tabLst/>
-              <a:defRPr lang="en-US" sz="1800" b="0" i="0" kern="1200" dirty="0">
-                <a:solidFill>
-                  <a:schemeClr val="tx1"/>
-                </a:solidFill>
-                <a:latin typeface="Segoe UI Semilight" panose="020B0402040204020203" pitchFamily="34" charset="0"/>
-                <a:ea typeface="+mn-ea"/>
-                <a:cs typeface="Segoe UI Semilight" panose="020B0402040204020203" pitchFamily="34" charset="0"/>
-              </a:defRPr>
-            </a:lvl5pPr>
-            <a:lvl6pPr marL="2514600" indent="-228600" algn="l" defTabSz="914400" rtl="0" eaLnBrk="1" latinLnBrk="0" hangingPunct="1">
-              <a:spcBef>
-                <a:spcPct val="20000"/>
-              </a:spcBef>
-              <a:buFont typeface="Arial" pitchFamily="34" charset="0"/>
-              <a:buChar char="•"/>
-              <a:defRPr sz="2000" kern="1200">
-                <a:solidFill>
-                  <a:schemeClr val="tx1"/>
-                </a:solidFill>
-                <a:latin typeface="+mn-lt"/>
-                <a:ea typeface="+mn-ea"/>
-                <a:cs typeface="+mn-cs"/>
-              </a:defRPr>
-            </a:lvl6pPr>
-            <a:lvl7pPr marL="2971800" indent="-228600" algn="l" defTabSz="914400" rtl="0" eaLnBrk="1" latinLnBrk="0" hangingPunct="1">
-              <a:spcBef>
-                <a:spcPct val="20000"/>
-              </a:spcBef>
-              <a:buFont typeface="Arial" pitchFamily="34" charset="0"/>
-              <a:buChar char="•"/>
-              <a:defRPr sz="2000" kern="1200">
-                <a:solidFill>
-                  <a:schemeClr val="tx1"/>
-                </a:solidFill>
-                <a:latin typeface="+mn-lt"/>
-                <a:ea typeface="+mn-ea"/>
-                <a:cs typeface="+mn-cs"/>
-              </a:defRPr>
-            </a:lvl7pPr>
-            <a:lvl8pPr marL="3429000" indent="-228600" algn="l" defTabSz="914400" rtl="0" eaLnBrk="1" latinLnBrk="0" hangingPunct="1">
-              <a:spcBef>
-                <a:spcPct val="20000"/>
-              </a:spcBef>
-              <a:buFont typeface="Arial" pitchFamily="34" charset="0"/>
-              <a:buChar char="•"/>
-              <a:defRPr sz="2000" kern="1200">
-                <a:solidFill>
-                  <a:schemeClr val="tx1"/>
-                </a:solidFill>
-                <a:latin typeface="+mn-lt"/>
-                <a:ea typeface="+mn-ea"/>
-                <a:cs typeface="+mn-cs"/>
-              </a:defRPr>
-            </a:lvl8pPr>
-            <a:lvl9pPr marL="3886200" indent="-228600" algn="l" defTabSz="914400" rtl="0" eaLnBrk="1" latinLnBrk="0" hangingPunct="1">
-              <a:spcBef>
-                <a:spcPct val="20000"/>
-              </a:spcBef>
-              <a:buFont typeface="Arial" pitchFamily="34" charset="0"/>
-              <a:buChar char="•"/>
-              <a:defRPr sz="2000" kern="1200">
-                <a:solidFill>
-                  <a:schemeClr val="tx1"/>
-                </a:solidFill>
-                <a:latin typeface="+mn-lt"/>
-                <a:ea typeface="+mn-ea"/>
-                <a:cs typeface="+mn-cs"/>
-              </a:defRPr>
-            </a:lvl9pPr>
-          </a:lstStyle>
-          <a:p>
-            <a:r>
-              <a:rPr lang="en-CA" dirty="0">
-                <a:solidFill>
-                  <a:srgbClr val="FFFFFF">
-                    <a:lumMod val="50000"/>
-                  </a:srgbClr>
-                </a:solidFill>
-              </a:rPr>
-              <a:t>Lorem ipsum dolor sit </a:t>
-            </a:r>
-            <a:r>
-              <a:rPr lang="en-CA" dirty="0" err="1">
-                <a:solidFill>
-                  <a:srgbClr val="FFFFFF">
-                    <a:lumMod val="50000"/>
-                  </a:srgbClr>
-                </a:solidFill>
-              </a:rPr>
-              <a:t>amet</a:t>
-            </a:r>
-            <a:r>
-              <a:rPr lang="en-CA" dirty="0">
-                <a:solidFill>
-                  <a:srgbClr val="FFFFFF">
-                    <a:lumMod val="50000"/>
-                  </a:srgbClr>
-                </a:solidFill>
-              </a:rPr>
-              <a:t>, </a:t>
-            </a:r>
-            <a:r>
-              <a:rPr lang="en-CA" dirty="0" err="1">
-                <a:solidFill>
-                  <a:srgbClr val="FFFFFF">
-                    <a:lumMod val="50000"/>
-                  </a:srgbClr>
-                </a:solidFill>
-              </a:rPr>
-              <a:t>consectetur</a:t>
-            </a:r>
-            <a:r>
-              <a:rPr lang="en-CA" dirty="0">
-                <a:solidFill>
-                  <a:srgbClr val="FFFFFF">
-                    <a:lumMod val="50000"/>
-                  </a:srgbClr>
-                </a:solidFill>
-              </a:rPr>
-              <a:t> </a:t>
-            </a:r>
-            <a:r>
-              <a:rPr lang="en-CA" dirty="0" err="1">
-                <a:solidFill>
-                  <a:srgbClr val="FFFFFF">
-                    <a:lumMod val="50000"/>
-                  </a:srgbClr>
-                </a:solidFill>
-              </a:rPr>
-              <a:t>adipiscing</a:t>
-            </a:r>
-            <a:r>
-              <a:rPr lang="en-CA" dirty="0">
-                <a:solidFill>
-                  <a:srgbClr val="FFFFFF">
-                    <a:lumMod val="50000"/>
-                  </a:srgbClr>
-                </a:solidFill>
-              </a:rPr>
-              <a:t> </a:t>
-            </a:r>
-            <a:r>
-              <a:rPr lang="en-CA" dirty="0" err="1">
-                <a:solidFill>
-                  <a:srgbClr val="FFFFFF">
-                    <a:lumMod val="50000"/>
-                  </a:srgbClr>
-                </a:solidFill>
-              </a:rPr>
-              <a:t>elit</a:t>
-            </a:r>
-            <a:r>
-              <a:rPr lang="en-CA" dirty="0">
-                <a:solidFill>
-                  <a:srgbClr val="FFFFFF">
-                    <a:lumMod val="50000"/>
-                  </a:srgbClr>
-                </a:solidFill>
-              </a:rPr>
-              <a:t>, sed do </a:t>
-            </a:r>
-            <a:r>
-              <a:rPr lang="en-CA" dirty="0" err="1">
-                <a:solidFill>
-                  <a:srgbClr val="FFFFFF">
-                    <a:lumMod val="50000"/>
-                  </a:srgbClr>
-                </a:solidFill>
-              </a:rPr>
-              <a:t>eiusmod</a:t>
-            </a:r>
-            <a:r>
-              <a:rPr lang="en-CA" dirty="0">
-                <a:solidFill>
-                  <a:srgbClr val="FFFFFF">
-                    <a:lumMod val="50000"/>
-                  </a:srgbClr>
-                </a:solidFill>
-              </a:rPr>
-              <a:t> </a:t>
-            </a:r>
-            <a:r>
-              <a:rPr lang="en-CA" dirty="0" err="1">
-                <a:solidFill>
-                  <a:srgbClr val="FFFFFF">
-                    <a:lumMod val="50000"/>
-                  </a:srgbClr>
-                </a:solidFill>
-              </a:rPr>
-              <a:t>tempor</a:t>
-            </a:r>
-            <a:r>
-              <a:rPr lang="en-CA" dirty="0">
-                <a:solidFill>
-                  <a:srgbClr val="FFFFFF">
-                    <a:lumMod val="50000"/>
-                  </a:srgbClr>
-                </a:solidFill>
-              </a:rPr>
-              <a:t> </a:t>
-            </a:r>
-            <a:r>
-              <a:rPr lang="en-CA" dirty="0" err="1">
-                <a:solidFill>
-                  <a:srgbClr val="FFFFFF">
-                    <a:lumMod val="50000"/>
-                  </a:srgbClr>
-                </a:solidFill>
-              </a:rPr>
-              <a:t>incididunt</a:t>
-            </a:r>
-            <a:r>
-              <a:rPr lang="en-CA" dirty="0">
-                <a:solidFill>
-                  <a:srgbClr val="FFFFFF">
-                    <a:lumMod val="50000"/>
-                  </a:srgbClr>
-                </a:solidFill>
-              </a:rPr>
-              <a:t> </a:t>
-            </a:r>
-            <a:r>
-              <a:rPr lang="en-CA" dirty="0" err="1">
-                <a:solidFill>
-                  <a:srgbClr val="FFFFFF">
-                    <a:lumMod val="50000"/>
-                  </a:srgbClr>
-                </a:solidFill>
-              </a:rPr>
-              <a:t>ut</a:t>
-            </a:r>
-            <a:r>
-              <a:rPr lang="en-CA" dirty="0">
-                <a:solidFill>
-                  <a:srgbClr val="FFFFFF">
-                    <a:lumMod val="50000"/>
-                  </a:srgbClr>
-                </a:solidFill>
-              </a:rPr>
-              <a:t> </a:t>
-            </a:r>
-            <a:r>
-              <a:rPr lang="en-CA" dirty="0" err="1">
-                <a:solidFill>
-                  <a:srgbClr val="FFFFFF">
-                    <a:lumMod val="50000"/>
-                  </a:srgbClr>
-                </a:solidFill>
-              </a:rPr>
-              <a:t>labore</a:t>
-            </a:r>
-            <a:r>
-              <a:rPr lang="en-CA" dirty="0">
-                <a:solidFill>
-                  <a:srgbClr val="FFFFFF">
-                    <a:lumMod val="50000"/>
-                  </a:srgbClr>
-                </a:solidFill>
-              </a:rPr>
-              <a:t> et dolore magna </a:t>
-            </a:r>
-            <a:r>
-              <a:rPr lang="en-CA" dirty="0" err="1">
-                <a:solidFill>
-                  <a:srgbClr val="FFFFFF">
-                    <a:lumMod val="50000"/>
-                  </a:srgbClr>
-                </a:solidFill>
-              </a:rPr>
-              <a:t>aliqua</a:t>
-            </a:r>
-            <a:r>
-              <a:rPr lang="en-CA" dirty="0">
-                <a:solidFill>
-                  <a:srgbClr val="FFFFFF">
-                    <a:lumMod val="50000"/>
-                  </a:srgbClr>
-                </a:solidFill>
-              </a:rPr>
-              <a:t>. </a:t>
-            </a:r>
-          </a:p>
-          <a:p>
-            <a:endParaRPr lang="en-CA" dirty="0"/>
+              <a:rPr lang="en-CA" dirty="0"/>
+              <a:t>Ethics in Big Data Analysis</a:t>
+            </a:r>
           </a:p>
         </p:txBody>
       </p:sp>
     </p:spTree>
     <p:extLst>
       <p:ext uri="{BB962C8B-B14F-4D97-AF65-F5344CB8AC3E}">
-        <p14:creationId xmlns:p14="http://schemas.microsoft.com/office/powerpoint/2010/main" val="2143127594"/>
+        <p14:creationId xmlns:p14="http://schemas.microsoft.com/office/powerpoint/2010/main" val="1944552648"/>
       </p:ext>
     </p:extLst>
   </p:cSld>
@@ -24653,7 +20926,7 @@
           <p:cNvPr id="2" name="Title 1">
             <a:extLst>
               <a:ext uri="{FF2B5EF4-FFF2-40B4-BE49-F238E27FC236}">
-                <a16:creationId xmlns:a16="http://schemas.microsoft.com/office/drawing/2014/main" id="{62E04464-3ACD-4B21-B201-37842A265CC2}"/>
+                <a16:creationId xmlns:a16="http://schemas.microsoft.com/office/drawing/2014/main" id="{EC900C2F-E01F-47BA-9C2C-436BCDA6FB6D}"/>
               </a:ext>
             </a:extLst>
           </p:cNvPr>
@@ -24661,7 +20934,7 @@
             <a:spLocks noGrp="1"/>
           </p:cNvSpPr>
           <p:nvPr>
-            <p:ph type="title"/>
+            <p:ph type="ctrTitle"/>
           </p:nvPr>
         </p:nvSpPr>
         <p:spPr/>
@@ -24670,674 +20943,16 @@
           <a:lstStyle/>
           <a:p>
             <a:r>
-              <a:rPr lang="en-US" dirty="0"/>
-              <a:t>Three column layout</a:t>
-            </a:r>
-            <a:endParaRPr lang="en-CA" dirty="0"/>
-          </a:p>
-        </p:txBody>
-      </p:sp>
-      <p:sp>
-        <p:nvSpPr>
-          <p:cNvPr id="3" name="Text Placeholder 2">
-            <a:extLst>
-              <a:ext uri="{FF2B5EF4-FFF2-40B4-BE49-F238E27FC236}">
-                <a16:creationId xmlns:a16="http://schemas.microsoft.com/office/drawing/2014/main" id="{10F086A9-1D9B-4A95-AD34-266ED4EF38D0}"/>
-              </a:ext>
-            </a:extLst>
-          </p:cNvPr>
-          <p:cNvSpPr>
-            <a:spLocks noGrp="1"/>
-          </p:cNvSpPr>
-          <p:nvPr>
-            <p:ph type="body" sz="quarter" idx="10"/>
-          </p:nvPr>
-        </p:nvSpPr>
-        <p:spPr/>
-        <p:txBody>
-          <a:bodyPr/>
-          <a:lstStyle/>
-          <a:p>
-            <a:r>
-              <a:rPr lang="en-US" dirty="0"/>
-              <a:t>Title Here</a:t>
-            </a:r>
-          </a:p>
-        </p:txBody>
-      </p:sp>
-      <p:sp>
-        <p:nvSpPr>
-          <p:cNvPr id="4" name="Text Placeholder 3">
-            <a:extLst>
-              <a:ext uri="{FF2B5EF4-FFF2-40B4-BE49-F238E27FC236}">
-                <a16:creationId xmlns:a16="http://schemas.microsoft.com/office/drawing/2014/main" id="{71ED3F36-D6C9-4424-8E6F-5151E316D775}"/>
-              </a:ext>
-            </a:extLst>
-          </p:cNvPr>
-          <p:cNvSpPr>
-            <a:spLocks noGrp="1"/>
-          </p:cNvSpPr>
-          <p:nvPr>
-            <p:ph type="body" sz="quarter" idx="13"/>
-          </p:nvPr>
-        </p:nvSpPr>
-        <p:spPr/>
-        <p:txBody>
-          <a:bodyPr/>
-          <a:lstStyle/>
-          <a:p>
-            <a:r>
-              <a:rPr lang="en-US" dirty="0"/>
-              <a:t>Lorem ipsum dolor sit </a:t>
-            </a:r>
-            <a:r>
-              <a:rPr lang="en-US" dirty="0" err="1"/>
-              <a:t>amet</a:t>
-            </a:r>
-            <a:r>
-              <a:rPr lang="en-US" dirty="0"/>
-              <a:t>, </a:t>
-            </a:r>
-            <a:r>
-              <a:rPr lang="en-US" dirty="0" err="1"/>
-              <a:t>consectetur</a:t>
-            </a:r>
-            <a:r>
-              <a:rPr lang="en-US" dirty="0"/>
-              <a:t> </a:t>
-            </a:r>
-            <a:r>
-              <a:rPr lang="en-US" dirty="0" err="1"/>
-              <a:t>adipiscing</a:t>
-            </a:r>
-            <a:r>
-              <a:rPr lang="en-US" dirty="0"/>
-              <a:t> </a:t>
-            </a:r>
-            <a:r>
-              <a:rPr lang="en-US" dirty="0" err="1"/>
-              <a:t>elit</a:t>
-            </a:r>
-            <a:r>
-              <a:rPr lang="en-US" dirty="0"/>
-              <a:t>. </a:t>
-            </a:r>
-            <a:r>
-              <a:rPr lang="en-US" dirty="0" err="1"/>
-              <a:t>Aliquam</a:t>
-            </a:r>
-            <a:r>
-              <a:rPr lang="en-US" dirty="0"/>
-              <a:t> </a:t>
-            </a:r>
-            <a:r>
-              <a:rPr lang="en-US" dirty="0" err="1"/>
-              <a:t>porttitor</a:t>
-            </a:r>
-            <a:r>
-              <a:rPr lang="en-US" dirty="0"/>
-              <a:t> </a:t>
-            </a:r>
-            <a:r>
-              <a:rPr lang="en-US" dirty="0" err="1"/>
-              <a:t>felis</a:t>
-            </a:r>
-            <a:r>
-              <a:rPr lang="en-US" dirty="0"/>
-              <a:t> at </a:t>
-            </a:r>
-            <a:r>
-              <a:rPr lang="en-US" dirty="0" err="1"/>
-              <a:t>justo</a:t>
-            </a:r>
-            <a:r>
-              <a:rPr lang="en-US" dirty="0"/>
-              <a:t> convallis, </a:t>
-            </a:r>
-            <a:r>
-              <a:rPr lang="en-US" dirty="0" err="1"/>
-              <a:t>ut</a:t>
-            </a:r>
-            <a:r>
-              <a:rPr lang="en-US" dirty="0"/>
-              <a:t> </a:t>
-            </a:r>
-            <a:r>
-              <a:rPr lang="en-US" dirty="0" err="1"/>
-              <a:t>pretium</a:t>
-            </a:r>
-            <a:r>
-              <a:rPr lang="en-US" dirty="0"/>
-              <a:t> </a:t>
-            </a:r>
-            <a:r>
-              <a:rPr lang="en-US" dirty="0" err="1"/>
-              <a:t>felis</a:t>
-            </a:r>
-            <a:r>
-              <a:rPr lang="en-US" dirty="0"/>
-              <a:t> </a:t>
-            </a:r>
-            <a:r>
-              <a:rPr lang="en-US" dirty="0" err="1"/>
-              <a:t>posuere</a:t>
-            </a:r>
-            <a:r>
-              <a:rPr lang="en-US" dirty="0"/>
-              <a:t>. Vestibulum ante ipsum </a:t>
-            </a:r>
-            <a:r>
-              <a:rPr lang="en-US" dirty="0" err="1"/>
-              <a:t>primis</a:t>
-            </a:r>
-            <a:r>
-              <a:rPr lang="en-US" dirty="0"/>
-              <a:t> in </a:t>
-            </a:r>
-            <a:r>
-              <a:rPr lang="en-US" dirty="0" err="1"/>
-              <a:t>faucibus</a:t>
-            </a:r>
-            <a:r>
-              <a:rPr lang="en-US" dirty="0"/>
-              <a:t> </a:t>
-            </a:r>
-            <a:r>
-              <a:rPr lang="en-US" dirty="0" err="1"/>
-              <a:t>orci</a:t>
-            </a:r>
-            <a:r>
-              <a:rPr lang="en-US" dirty="0"/>
-              <a:t> </a:t>
-            </a:r>
-            <a:r>
-              <a:rPr lang="en-US" dirty="0" err="1"/>
-              <a:t>luctus</a:t>
-            </a:r>
-            <a:r>
-              <a:rPr lang="en-US" dirty="0"/>
-              <a:t> et </a:t>
-            </a:r>
-            <a:r>
-              <a:rPr lang="en-US" dirty="0" err="1"/>
-              <a:t>ultrices</a:t>
-            </a:r>
-            <a:r>
-              <a:rPr lang="en-US" dirty="0"/>
-              <a:t> </a:t>
-            </a:r>
-            <a:r>
-              <a:rPr lang="en-US" dirty="0" err="1"/>
-              <a:t>posuere</a:t>
-            </a:r>
-            <a:r>
-              <a:rPr lang="en-US" dirty="0"/>
-              <a:t> </a:t>
-            </a:r>
-            <a:r>
-              <a:rPr lang="en-US" dirty="0" err="1"/>
-              <a:t>cubilia</a:t>
-            </a:r>
-            <a:r>
-              <a:rPr lang="en-US" dirty="0"/>
-              <a:t> </a:t>
-            </a:r>
-            <a:r>
-              <a:rPr lang="en-US" dirty="0" err="1"/>
-              <a:t>Curae</a:t>
-            </a:r>
-            <a:r>
-              <a:rPr lang="en-US" dirty="0"/>
-              <a:t>.</a:t>
-            </a:r>
-          </a:p>
-          <a:p>
-            <a:endParaRPr lang="en-CA" dirty="0"/>
-          </a:p>
-        </p:txBody>
-      </p:sp>
-      <p:sp>
-        <p:nvSpPr>
-          <p:cNvPr id="5" name="Text Placeholder 4">
-            <a:extLst>
-              <a:ext uri="{FF2B5EF4-FFF2-40B4-BE49-F238E27FC236}">
-                <a16:creationId xmlns:a16="http://schemas.microsoft.com/office/drawing/2014/main" id="{0ED558FE-6BD7-43EF-936A-4EF2026127D1}"/>
-              </a:ext>
-            </a:extLst>
-          </p:cNvPr>
-          <p:cNvSpPr>
-            <a:spLocks noGrp="1"/>
-          </p:cNvSpPr>
-          <p:nvPr>
-            <p:ph type="body" sz="quarter" idx="18"/>
-          </p:nvPr>
-        </p:nvSpPr>
-        <p:spPr/>
-        <p:txBody>
-          <a:bodyPr/>
-          <a:lstStyle/>
-          <a:p>
-            <a:r>
-              <a:rPr lang="en-US" dirty="0"/>
-              <a:t>Title Here</a:t>
-            </a:r>
-          </a:p>
-        </p:txBody>
-      </p:sp>
-      <p:sp>
-        <p:nvSpPr>
-          <p:cNvPr id="6" name="Text Placeholder 5">
-            <a:extLst>
-              <a:ext uri="{FF2B5EF4-FFF2-40B4-BE49-F238E27FC236}">
-                <a16:creationId xmlns:a16="http://schemas.microsoft.com/office/drawing/2014/main" id="{85DCF801-A60C-43A4-8E8F-B0BBC50E703A}"/>
-              </a:ext>
-            </a:extLst>
-          </p:cNvPr>
-          <p:cNvSpPr>
-            <a:spLocks noGrp="1"/>
-          </p:cNvSpPr>
-          <p:nvPr>
-            <p:ph type="body" sz="quarter" idx="19"/>
-          </p:nvPr>
-        </p:nvSpPr>
-        <p:spPr/>
-        <p:txBody>
-          <a:bodyPr/>
-          <a:lstStyle/>
-          <a:p>
-            <a:r>
-              <a:rPr lang="en-US" dirty="0"/>
-              <a:t>Lorem ipsum dolor sit </a:t>
-            </a:r>
-            <a:r>
-              <a:rPr lang="en-US" dirty="0" err="1"/>
-              <a:t>amet</a:t>
-            </a:r>
-            <a:r>
-              <a:rPr lang="en-US" dirty="0"/>
-              <a:t>, </a:t>
-            </a:r>
-            <a:r>
-              <a:rPr lang="en-US" dirty="0" err="1"/>
-              <a:t>consectetur</a:t>
-            </a:r>
-            <a:r>
-              <a:rPr lang="en-US" dirty="0"/>
-              <a:t> </a:t>
-            </a:r>
-            <a:r>
-              <a:rPr lang="en-US" dirty="0" err="1"/>
-              <a:t>adipiscing</a:t>
-            </a:r>
-            <a:r>
-              <a:rPr lang="en-US" dirty="0"/>
-              <a:t> </a:t>
-            </a:r>
-            <a:r>
-              <a:rPr lang="en-US" dirty="0" err="1"/>
-              <a:t>elit</a:t>
-            </a:r>
-            <a:r>
-              <a:rPr lang="en-US" dirty="0"/>
-              <a:t>. </a:t>
-            </a:r>
-            <a:r>
-              <a:rPr lang="en-US" dirty="0" err="1"/>
-              <a:t>Aliquam</a:t>
-            </a:r>
-            <a:r>
-              <a:rPr lang="en-US" dirty="0"/>
-              <a:t> </a:t>
-            </a:r>
-            <a:r>
-              <a:rPr lang="en-US" dirty="0" err="1"/>
-              <a:t>porttitor</a:t>
-            </a:r>
-            <a:r>
-              <a:rPr lang="en-US" dirty="0"/>
-              <a:t> </a:t>
-            </a:r>
-            <a:r>
-              <a:rPr lang="en-US" dirty="0" err="1"/>
-              <a:t>felis</a:t>
-            </a:r>
-            <a:r>
-              <a:rPr lang="en-US" dirty="0"/>
-              <a:t> at </a:t>
-            </a:r>
-            <a:r>
-              <a:rPr lang="en-US" dirty="0" err="1"/>
-              <a:t>justo</a:t>
-            </a:r>
-            <a:r>
-              <a:rPr lang="en-US" dirty="0"/>
-              <a:t> convallis, </a:t>
-            </a:r>
-            <a:r>
-              <a:rPr lang="en-US" dirty="0" err="1"/>
-              <a:t>ut</a:t>
-            </a:r>
-            <a:r>
-              <a:rPr lang="en-US" dirty="0"/>
-              <a:t> </a:t>
-            </a:r>
-            <a:r>
-              <a:rPr lang="en-US" dirty="0" err="1"/>
-              <a:t>pretium</a:t>
-            </a:r>
-            <a:r>
-              <a:rPr lang="en-US" dirty="0"/>
-              <a:t> </a:t>
-            </a:r>
-            <a:r>
-              <a:rPr lang="en-US" dirty="0" err="1"/>
-              <a:t>felis</a:t>
-            </a:r>
-            <a:r>
-              <a:rPr lang="en-US" dirty="0"/>
-              <a:t> </a:t>
-            </a:r>
-            <a:r>
-              <a:rPr lang="en-US" dirty="0" err="1"/>
-              <a:t>posuere</a:t>
-            </a:r>
-            <a:r>
-              <a:rPr lang="en-US" dirty="0"/>
-              <a:t>. Vestibulum ante ipsum </a:t>
-            </a:r>
-            <a:r>
-              <a:rPr lang="en-US" dirty="0" err="1"/>
-              <a:t>primis</a:t>
-            </a:r>
-            <a:r>
-              <a:rPr lang="en-US" dirty="0"/>
-              <a:t> in </a:t>
-            </a:r>
-            <a:r>
-              <a:rPr lang="en-US" dirty="0" err="1"/>
-              <a:t>faucibus</a:t>
-            </a:r>
-            <a:r>
-              <a:rPr lang="en-US" dirty="0"/>
-              <a:t> </a:t>
-            </a:r>
-            <a:r>
-              <a:rPr lang="en-US" dirty="0" err="1"/>
-              <a:t>orci</a:t>
-            </a:r>
-            <a:r>
-              <a:rPr lang="en-US" dirty="0"/>
-              <a:t> </a:t>
-            </a:r>
-            <a:r>
-              <a:rPr lang="en-US" dirty="0" err="1"/>
-              <a:t>luctus</a:t>
-            </a:r>
-            <a:r>
-              <a:rPr lang="en-US" dirty="0"/>
-              <a:t> et </a:t>
-            </a:r>
-            <a:r>
-              <a:rPr lang="en-US" dirty="0" err="1"/>
-              <a:t>ultrices</a:t>
-            </a:r>
-            <a:r>
-              <a:rPr lang="en-US" dirty="0"/>
-              <a:t> </a:t>
-            </a:r>
-            <a:r>
-              <a:rPr lang="en-US" dirty="0" err="1"/>
-              <a:t>posuere</a:t>
-            </a:r>
-            <a:r>
-              <a:rPr lang="en-US" dirty="0"/>
-              <a:t> </a:t>
-            </a:r>
-            <a:r>
-              <a:rPr lang="en-US" dirty="0" err="1"/>
-              <a:t>cubilia</a:t>
-            </a:r>
-            <a:r>
-              <a:rPr lang="en-US" dirty="0"/>
-              <a:t> </a:t>
-            </a:r>
-            <a:r>
-              <a:rPr lang="en-US" dirty="0" err="1"/>
-              <a:t>Curae</a:t>
-            </a:r>
-            <a:r>
-              <a:rPr lang="en-US" dirty="0"/>
-              <a:t>.</a:t>
-            </a:r>
-          </a:p>
-          <a:p>
-            <a:endParaRPr lang="en-CA" dirty="0"/>
-          </a:p>
-        </p:txBody>
-      </p:sp>
-      <p:sp>
-        <p:nvSpPr>
-          <p:cNvPr id="7" name="Text Placeholder 6">
-            <a:extLst>
-              <a:ext uri="{FF2B5EF4-FFF2-40B4-BE49-F238E27FC236}">
-                <a16:creationId xmlns:a16="http://schemas.microsoft.com/office/drawing/2014/main" id="{AE2B54E2-22C4-4A08-9D01-9BF32522B05E}"/>
-              </a:ext>
-            </a:extLst>
-          </p:cNvPr>
-          <p:cNvSpPr>
-            <a:spLocks noGrp="1"/>
-          </p:cNvSpPr>
-          <p:nvPr>
-            <p:ph type="body" sz="quarter" idx="20"/>
-          </p:nvPr>
-        </p:nvSpPr>
-        <p:spPr/>
-        <p:txBody>
-          <a:bodyPr/>
-          <a:lstStyle/>
-          <a:p>
-            <a:r>
-              <a:rPr lang="en-US" dirty="0"/>
-              <a:t>Title Here</a:t>
-            </a:r>
-          </a:p>
-        </p:txBody>
-      </p:sp>
-      <p:sp>
-        <p:nvSpPr>
-          <p:cNvPr id="8" name="Text Placeholder 7">
-            <a:extLst>
-              <a:ext uri="{FF2B5EF4-FFF2-40B4-BE49-F238E27FC236}">
-                <a16:creationId xmlns:a16="http://schemas.microsoft.com/office/drawing/2014/main" id="{F7C5DA20-C609-4640-BA05-0228222487A9}"/>
-              </a:ext>
-            </a:extLst>
-          </p:cNvPr>
-          <p:cNvSpPr>
-            <a:spLocks noGrp="1"/>
-          </p:cNvSpPr>
-          <p:nvPr>
-            <p:ph type="body" sz="quarter" idx="21"/>
-          </p:nvPr>
-        </p:nvSpPr>
-        <p:spPr/>
-        <p:txBody>
-          <a:bodyPr/>
-          <a:lstStyle/>
-          <a:p>
-            <a:r>
-              <a:rPr lang="en-US" dirty="0"/>
-              <a:t>Lorem ipsum dolor sit </a:t>
-            </a:r>
-            <a:r>
-              <a:rPr lang="en-US" dirty="0" err="1"/>
-              <a:t>amet</a:t>
-            </a:r>
-            <a:r>
-              <a:rPr lang="en-US" dirty="0"/>
-              <a:t>, </a:t>
-            </a:r>
-            <a:r>
-              <a:rPr lang="en-US" dirty="0" err="1"/>
-              <a:t>consectetur</a:t>
-            </a:r>
-            <a:r>
-              <a:rPr lang="en-US" dirty="0"/>
-              <a:t> </a:t>
-            </a:r>
-            <a:r>
-              <a:rPr lang="en-US" dirty="0" err="1"/>
-              <a:t>adipiscing</a:t>
-            </a:r>
-            <a:r>
-              <a:rPr lang="en-US" dirty="0"/>
-              <a:t> </a:t>
-            </a:r>
-            <a:r>
-              <a:rPr lang="en-US" dirty="0" err="1"/>
-              <a:t>elit</a:t>
-            </a:r>
-            <a:r>
-              <a:rPr lang="en-US" dirty="0"/>
-              <a:t>. </a:t>
-            </a:r>
-            <a:r>
-              <a:rPr lang="en-US" dirty="0" err="1"/>
-              <a:t>Aliquam</a:t>
-            </a:r>
-            <a:r>
-              <a:rPr lang="en-US" dirty="0"/>
-              <a:t> </a:t>
-            </a:r>
-            <a:r>
-              <a:rPr lang="en-US" dirty="0" err="1"/>
-              <a:t>porttitor</a:t>
-            </a:r>
-            <a:r>
-              <a:rPr lang="en-US" dirty="0"/>
-              <a:t> </a:t>
-            </a:r>
-            <a:r>
-              <a:rPr lang="en-US" dirty="0" err="1"/>
-              <a:t>felis</a:t>
-            </a:r>
-            <a:r>
-              <a:rPr lang="en-US" dirty="0"/>
-              <a:t> at </a:t>
-            </a:r>
-            <a:r>
-              <a:rPr lang="en-US" dirty="0" err="1"/>
-              <a:t>justo</a:t>
-            </a:r>
-            <a:r>
-              <a:rPr lang="en-US" dirty="0"/>
-              <a:t> convallis, </a:t>
-            </a:r>
-            <a:r>
-              <a:rPr lang="en-US" dirty="0" err="1"/>
-              <a:t>ut</a:t>
-            </a:r>
-            <a:r>
-              <a:rPr lang="en-US" dirty="0"/>
-              <a:t> </a:t>
-            </a:r>
-            <a:r>
-              <a:rPr lang="en-US" dirty="0" err="1"/>
-              <a:t>pretium</a:t>
-            </a:r>
-            <a:r>
-              <a:rPr lang="en-US" dirty="0"/>
-              <a:t> </a:t>
-            </a:r>
-            <a:r>
-              <a:rPr lang="en-US" dirty="0" err="1"/>
-              <a:t>felis</a:t>
-            </a:r>
-            <a:r>
-              <a:rPr lang="en-US" dirty="0"/>
-              <a:t> </a:t>
-            </a:r>
-            <a:r>
-              <a:rPr lang="en-US" dirty="0" err="1"/>
-              <a:t>posuere</a:t>
-            </a:r>
-            <a:r>
-              <a:rPr lang="en-US" dirty="0"/>
-              <a:t>. Vestibulum ante ipsum </a:t>
-            </a:r>
-            <a:r>
-              <a:rPr lang="en-US" dirty="0" err="1"/>
-              <a:t>primis</a:t>
-            </a:r>
-            <a:r>
-              <a:rPr lang="en-US" dirty="0"/>
-              <a:t> in </a:t>
-            </a:r>
-            <a:r>
-              <a:rPr lang="en-US" dirty="0" err="1"/>
-              <a:t>faucibus</a:t>
-            </a:r>
-            <a:r>
-              <a:rPr lang="en-US" dirty="0"/>
-              <a:t> </a:t>
-            </a:r>
-            <a:r>
-              <a:rPr lang="en-US" dirty="0" err="1"/>
-              <a:t>orci</a:t>
-            </a:r>
-            <a:r>
-              <a:rPr lang="en-US" dirty="0"/>
-              <a:t> </a:t>
-            </a:r>
-            <a:r>
-              <a:rPr lang="en-US" dirty="0" err="1"/>
-              <a:t>luctus</a:t>
-            </a:r>
-            <a:r>
-              <a:rPr lang="en-US" dirty="0"/>
-              <a:t> et </a:t>
-            </a:r>
-            <a:r>
-              <a:rPr lang="en-US" dirty="0" err="1"/>
-              <a:t>ultrices</a:t>
-            </a:r>
-            <a:r>
-              <a:rPr lang="en-US" dirty="0"/>
-              <a:t> </a:t>
-            </a:r>
-            <a:r>
-              <a:rPr lang="en-US" dirty="0" err="1"/>
-              <a:t>posuere</a:t>
-            </a:r>
-            <a:r>
-              <a:rPr lang="en-US" dirty="0"/>
-              <a:t> </a:t>
-            </a:r>
-            <a:r>
-              <a:rPr lang="en-US" dirty="0" err="1"/>
-              <a:t>cubilia</a:t>
-            </a:r>
-            <a:r>
-              <a:rPr lang="en-US" dirty="0"/>
-              <a:t> </a:t>
-            </a:r>
-            <a:r>
-              <a:rPr lang="en-US" dirty="0" err="1"/>
-              <a:t>Curae</a:t>
-            </a:r>
-            <a:r>
-              <a:rPr lang="en-US" dirty="0"/>
-              <a:t>.</a:t>
-            </a:r>
-          </a:p>
-          <a:p>
-            <a:endParaRPr lang="en-CA" dirty="0"/>
+              <a:rPr lang="en-CA" dirty="0"/>
+              <a:t>Section break</a:t>
+            </a:r>
           </a:p>
         </p:txBody>
       </p:sp>
     </p:spTree>
     <p:extLst>
       <p:ext uri="{BB962C8B-B14F-4D97-AF65-F5344CB8AC3E}">
-        <p14:creationId xmlns:p14="http://schemas.microsoft.com/office/powerpoint/2010/main" val="2347478078"/>
+        <p14:creationId xmlns:p14="http://schemas.microsoft.com/office/powerpoint/2010/main" val="37594886"/>
       </p:ext>
     </p:extLst>
   </p:cSld>
@@ -25366,12 +20981,18 @@
       </p:grpSpPr>
       <p:sp>
         <p:nvSpPr>
-          <p:cNvPr id="2" name="Title 1"/>
+          <p:cNvPr id="2" name="Title 1">
+            <a:extLst>
+              <a:ext uri="{FF2B5EF4-FFF2-40B4-BE49-F238E27FC236}">
+                <a16:creationId xmlns:a16="http://schemas.microsoft.com/office/drawing/2014/main" id="{830B3856-B1A1-4F35-87B8-CF9A17A74EF0}"/>
+              </a:ext>
+            </a:extLst>
+          </p:cNvPr>
           <p:cNvSpPr>
             <a:spLocks noGrp="1"/>
           </p:cNvSpPr>
           <p:nvPr>
-            <p:ph type="title"/>
+            <p:ph type="ctrTitle"/>
           </p:nvPr>
         </p:nvSpPr>
         <p:spPr/>
@@ -25380,1276 +21001,25 @@
           <a:lstStyle/>
           <a:p>
             <a:r>
-              <a:rPr lang="en-US"/>
-              <a:t>Your title</a:t>
-            </a:r>
-          </a:p>
-        </p:txBody>
-      </p:sp>
-      <p:sp>
-        <p:nvSpPr>
-          <p:cNvPr id="3" name="Text Placeholder 2"/>
-          <p:cNvSpPr>
-            <a:spLocks noGrp="1"/>
-          </p:cNvSpPr>
-          <p:nvPr>
-            <p:ph type="body" sz="quarter" idx="11"/>
-          </p:nvPr>
-        </p:nvSpPr>
-        <p:spPr/>
-        <p:txBody>
-          <a:bodyPr/>
-          <a:lstStyle/>
-          <a:p>
-            <a:r>
-              <a:rPr lang="en-US"/>
-              <a:t>Lorem ipsum dolor sit amet, consectetur adipiscing elit, sed do eiusmod tempor incididunt ut labore.</a:t>
-            </a:r>
-            <a:endParaRPr lang="en-US" dirty="0"/>
-          </a:p>
-        </p:txBody>
-      </p:sp>
-      <p:sp>
-        <p:nvSpPr>
-          <p:cNvPr id="4" name="Text Placeholder 3"/>
-          <p:cNvSpPr>
-            <a:spLocks noGrp="1"/>
-          </p:cNvSpPr>
-          <p:nvPr>
-            <p:ph type="body" sz="quarter" idx="12"/>
-          </p:nvPr>
-        </p:nvSpPr>
-        <p:spPr/>
-        <p:txBody>
-          <a:bodyPr/>
-          <a:lstStyle/>
-          <a:p>
-            <a:r>
-              <a:rPr lang="en-US"/>
-              <a:t>Lorem ipsum dolor sit amet, consectetur adipiscing elit, sed do eiusmod tempor incididunt ut labore.</a:t>
-            </a:r>
-            <a:endParaRPr lang="en-US" dirty="0"/>
-          </a:p>
-        </p:txBody>
-      </p:sp>
-      <p:sp>
-        <p:nvSpPr>
-          <p:cNvPr id="5" name="Text Placeholder 4"/>
-          <p:cNvSpPr>
-            <a:spLocks noGrp="1"/>
-          </p:cNvSpPr>
-          <p:nvPr>
-            <p:ph type="body" sz="quarter" idx="13"/>
-          </p:nvPr>
-        </p:nvSpPr>
-        <p:spPr/>
-        <p:txBody>
-          <a:bodyPr/>
-          <a:lstStyle/>
-          <a:p>
-            <a:r>
-              <a:rPr lang="en-US"/>
-              <a:t>Lorem ipsum dolor sit amet, consectetur adipiscing elit, sed do eiusmod tempor incididunt ut labore.</a:t>
-            </a:r>
-            <a:endParaRPr lang="en-US" dirty="0"/>
-          </a:p>
-        </p:txBody>
-      </p:sp>
-      <p:sp>
-        <p:nvSpPr>
-          <p:cNvPr id="6" name="Text Placeholder 5"/>
-          <p:cNvSpPr>
-            <a:spLocks noGrp="1"/>
-          </p:cNvSpPr>
-          <p:nvPr>
-            <p:ph type="body" sz="quarter" idx="14"/>
-          </p:nvPr>
-        </p:nvSpPr>
-        <p:spPr/>
-        <p:txBody>
-          <a:bodyPr/>
-          <a:lstStyle/>
-          <a:p>
-            <a:r>
-              <a:rPr lang="en-US"/>
-              <a:t>Lorem ipsum dolor sit amet, consectetur adipiscing elit, sed do eiusmod tempor incididunt ut labore.</a:t>
-            </a:r>
-            <a:endParaRPr lang="en-US" dirty="0"/>
-          </a:p>
-        </p:txBody>
-      </p:sp>
-      <p:sp>
-        <p:nvSpPr>
-          <p:cNvPr id="7" name="Text Placeholder 6"/>
-          <p:cNvSpPr>
-            <a:spLocks noGrp="1"/>
-          </p:cNvSpPr>
-          <p:nvPr>
-            <p:ph type="body" sz="quarter" idx="15"/>
-          </p:nvPr>
-        </p:nvSpPr>
-        <p:spPr/>
-        <p:txBody>
-          <a:bodyPr/>
-          <a:lstStyle/>
-          <a:p>
-            <a:r>
-              <a:rPr lang="en-US"/>
-              <a:t>Lorem ipsum dolor sit amet, consectetur adipiscing elit, sed do eiusmod tempor incididunt ut labore.</a:t>
-            </a:r>
-            <a:endParaRPr lang="en-US" dirty="0"/>
-          </a:p>
-        </p:txBody>
-      </p:sp>
-      <p:sp>
-        <p:nvSpPr>
-          <p:cNvPr id="8" name="Text Placeholder 7"/>
-          <p:cNvSpPr>
-            <a:spLocks noGrp="1"/>
-          </p:cNvSpPr>
-          <p:nvPr>
-            <p:ph type="body" sz="quarter" idx="16"/>
-          </p:nvPr>
-        </p:nvSpPr>
-        <p:spPr/>
-        <p:txBody>
-          <a:bodyPr/>
-          <a:lstStyle/>
-          <a:p>
-            <a:r>
-              <a:rPr lang="en-US"/>
-              <a:t>Lorem ipsum dolor sit amet, consectetur adipiscing elit, sed do eiusmod tempor incididunt ut labore.</a:t>
-            </a:r>
-            <a:endParaRPr lang="en-US" dirty="0"/>
-          </a:p>
-        </p:txBody>
-      </p:sp>
-      <p:sp>
-        <p:nvSpPr>
-          <p:cNvPr id="15" name="Shape 2903"/>
-          <p:cNvSpPr/>
-          <p:nvPr/>
-        </p:nvSpPr>
-        <p:spPr>
-          <a:xfrm>
-            <a:off x="1590695" y="1506059"/>
-            <a:ext cx="209550" cy="209550"/>
-          </a:xfrm>
-          <a:custGeom>
-            <a:avLst/>
-            <a:gdLst/>
-            <a:ahLst/>
-            <a:cxnLst>
-              <a:cxn ang="0">
-                <a:pos x="wd2" y="hd2"/>
-              </a:cxn>
-              <a:cxn ang="5400000">
-                <a:pos x="wd2" y="hd2"/>
-              </a:cxn>
-              <a:cxn ang="10800000">
-                <a:pos x="wd2" y="hd2"/>
-              </a:cxn>
-              <a:cxn ang="16200000">
-                <a:pos x="wd2" y="hd2"/>
-              </a:cxn>
-            </a:cxnLst>
-            <a:rect l="0" t="0" r="r" b="b"/>
-            <a:pathLst>
-              <a:path w="21600" h="21600" extrusionOk="0">
-                <a:moveTo>
-                  <a:pt x="10800" y="20618"/>
-                </a:moveTo>
-                <a:cubicBezTo>
-                  <a:pt x="5377" y="20618"/>
-                  <a:pt x="982" y="16223"/>
-                  <a:pt x="982" y="10800"/>
-                </a:cubicBezTo>
-                <a:cubicBezTo>
-                  <a:pt x="982" y="5377"/>
-                  <a:pt x="5377" y="982"/>
-                  <a:pt x="10800" y="982"/>
-                </a:cubicBezTo>
-                <a:cubicBezTo>
-                  <a:pt x="16222" y="982"/>
-                  <a:pt x="20618" y="5377"/>
-                  <a:pt x="20618" y="10800"/>
-                </a:cubicBezTo>
-                <a:cubicBezTo>
-                  <a:pt x="20618" y="16223"/>
-                  <a:pt x="16222" y="20618"/>
-                  <a:pt x="10800" y="20618"/>
-                </a:cubicBezTo>
-                <a:moveTo>
-                  <a:pt x="10800" y="0"/>
-                </a:moveTo>
-                <a:cubicBezTo>
-                  <a:pt x="4836" y="0"/>
-                  <a:pt x="0" y="4835"/>
-                  <a:pt x="0" y="10800"/>
-                </a:cubicBezTo>
-                <a:cubicBezTo>
-                  <a:pt x="0" y="16765"/>
-                  <a:pt x="4836" y="21600"/>
-                  <a:pt x="10800" y="21600"/>
-                </a:cubicBezTo>
-                <a:cubicBezTo>
-                  <a:pt x="16764" y="21600"/>
-                  <a:pt x="21600" y="16765"/>
-                  <a:pt x="21600" y="10800"/>
-                </a:cubicBezTo>
-                <a:cubicBezTo>
-                  <a:pt x="21600" y="4835"/>
-                  <a:pt x="16764" y="0"/>
-                  <a:pt x="10800" y="0"/>
-                </a:cubicBezTo>
-                <a:moveTo>
-                  <a:pt x="16200" y="8836"/>
-                </a:moveTo>
-                <a:cubicBezTo>
-                  <a:pt x="16065" y="8836"/>
-                  <a:pt x="15942" y="8891"/>
-                  <a:pt x="15852" y="8980"/>
-                </a:cubicBezTo>
-                <a:lnTo>
-                  <a:pt x="10800" y="13574"/>
-                </a:lnTo>
-                <a:lnTo>
-                  <a:pt x="5747" y="8980"/>
-                </a:lnTo>
-                <a:cubicBezTo>
-                  <a:pt x="5658" y="8891"/>
-                  <a:pt x="5535" y="8836"/>
-                  <a:pt x="5400" y="8836"/>
-                </a:cubicBezTo>
-                <a:cubicBezTo>
-                  <a:pt x="5129" y="8836"/>
-                  <a:pt x="4909" y="9056"/>
-                  <a:pt x="4909" y="9327"/>
-                </a:cubicBezTo>
-                <a:cubicBezTo>
-                  <a:pt x="4909" y="9463"/>
-                  <a:pt x="4964" y="9586"/>
-                  <a:pt x="5053" y="9674"/>
-                </a:cubicBezTo>
-                <a:lnTo>
-                  <a:pt x="10453" y="14583"/>
-                </a:lnTo>
-                <a:cubicBezTo>
-                  <a:pt x="10542" y="14673"/>
-                  <a:pt x="10665" y="14727"/>
-                  <a:pt x="10800" y="14727"/>
-                </a:cubicBezTo>
-                <a:cubicBezTo>
-                  <a:pt x="10935" y="14727"/>
-                  <a:pt x="11058" y="14673"/>
-                  <a:pt x="11147" y="14583"/>
-                </a:cubicBezTo>
-                <a:lnTo>
-                  <a:pt x="16547" y="9674"/>
-                </a:lnTo>
-                <a:cubicBezTo>
-                  <a:pt x="16636" y="9586"/>
-                  <a:pt x="16691" y="9463"/>
-                  <a:pt x="16691" y="9327"/>
-                </a:cubicBezTo>
-                <a:cubicBezTo>
-                  <a:pt x="16691" y="9056"/>
-                  <a:pt x="16471" y="8836"/>
-                  <a:pt x="16200" y="8836"/>
-                </a:cubicBezTo>
-              </a:path>
-            </a:pathLst>
-          </a:custGeom>
-          <a:solidFill>
-            <a:schemeClr val="tx1"/>
-          </a:solidFill>
-          <a:ln w="12700">
-            <a:miter lim="400000"/>
-          </a:ln>
-        </p:spPr>
-        <p:txBody>
-          <a:bodyPr lIns="14284" tIns="14284" rIns="14284" bIns="14284" anchor="ctr"/>
-          <a:lstStyle/>
-          <a:p>
-            <a:pPr defTabSz="171399">
-              <a:defRPr sz="3000" cap="none">
-                <a:solidFill>
-                  <a:srgbClr val="FFFFFF"/>
-                </a:solidFill>
-                <a:effectLst>
-                  <a:outerShdw blurRad="38100" dist="12700" dir="5400000" rotWithShape="0">
-                    <a:srgbClr val="000000">
-                      <a:alpha val="50000"/>
-                    </a:srgbClr>
-                  </a:outerShdw>
-                </a:effectLst>
-                <a:latin typeface="Gill Sans"/>
-                <a:ea typeface="Gill Sans"/>
-                <a:cs typeface="Gill Sans"/>
-                <a:sym typeface="Gill Sans"/>
-              </a:defRPr>
-            </a:pPr>
-            <a:endParaRPr sz="1125">
-              <a:solidFill>
-                <a:schemeClr val="bg2">
-                  <a:lumMod val="50000"/>
-                </a:schemeClr>
-              </a:solidFill>
-              <a:effectLst>
-                <a:outerShdw blurRad="38100" dist="12700" dir="5400000" rotWithShape="0">
-                  <a:srgbClr val="000000">
-                    <a:alpha val="50000"/>
-                  </a:srgbClr>
-                </a:outerShdw>
-              </a:effectLst>
-              <a:latin typeface="Gill Sans"/>
-              <a:ea typeface="Gill Sans"/>
-              <a:cs typeface="Gill Sans"/>
-              <a:sym typeface="Gill Sans"/>
-            </a:endParaRPr>
-          </a:p>
-        </p:txBody>
-      </p:sp>
-      <p:sp>
-        <p:nvSpPr>
-          <p:cNvPr id="16" name="Shape 2903"/>
-          <p:cNvSpPr/>
-          <p:nvPr/>
-        </p:nvSpPr>
-        <p:spPr>
-          <a:xfrm>
-            <a:off x="4545563" y="1506059"/>
-            <a:ext cx="209550" cy="209550"/>
-          </a:xfrm>
-          <a:custGeom>
-            <a:avLst/>
-            <a:gdLst/>
-            <a:ahLst/>
-            <a:cxnLst>
-              <a:cxn ang="0">
-                <a:pos x="wd2" y="hd2"/>
-              </a:cxn>
-              <a:cxn ang="5400000">
-                <a:pos x="wd2" y="hd2"/>
-              </a:cxn>
-              <a:cxn ang="10800000">
-                <a:pos x="wd2" y="hd2"/>
-              </a:cxn>
-              <a:cxn ang="16200000">
-                <a:pos x="wd2" y="hd2"/>
-              </a:cxn>
-            </a:cxnLst>
-            <a:rect l="0" t="0" r="r" b="b"/>
-            <a:pathLst>
-              <a:path w="21600" h="21600" extrusionOk="0">
-                <a:moveTo>
-                  <a:pt x="10800" y="20618"/>
-                </a:moveTo>
-                <a:cubicBezTo>
-                  <a:pt x="5377" y="20618"/>
-                  <a:pt x="982" y="16223"/>
-                  <a:pt x="982" y="10800"/>
-                </a:cubicBezTo>
-                <a:cubicBezTo>
-                  <a:pt x="982" y="5377"/>
-                  <a:pt x="5377" y="982"/>
-                  <a:pt x="10800" y="982"/>
-                </a:cubicBezTo>
-                <a:cubicBezTo>
-                  <a:pt x="16222" y="982"/>
-                  <a:pt x="20618" y="5377"/>
-                  <a:pt x="20618" y="10800"/>
-                </a:cubicBezTo>
-                <a:cubicBezTo>
-                  <a:pt x="20618" y="16223"/>
-                  <a:pt x="16222" y="20618"/>
-                  <a:pt x="10800" y="20618"/>
-                </a:cubicBezTo>
-                <a:moveTo>
-                  <a:pt x="10800" y="0"/>
-                </a:moveTo>
-                <a:cubicBezTo>
-                  <a:pt x="4836" y="0"/>
-                  <a:pt x="0" y="4835"/>
-                  <a:pt x="0" y="10800"/>
-                </a:cubicBezTo>
-                <a:cubicBezTo>
-                  <a:pt x="0" y="16765"/>
-                  <a:pt x="4836" y="21600"/>
-                  <a:pt x="10800" y="21600"/>
-                </a:cubicBezTo>
-                <a:cubicBezTo>
-                  <a:pt x="16764" y="21600"/>
-                  <a:pt x="21600" y="16765"/>
-                  <a:pt x="21600" y="10800"/>
-                </a:cubicBezTo>
-                <a:cubicBezTo>
-                  <a:pt x="21600" y="4835"/>
-                  <a:pt x="16764" y="0"/>
-                  <a:pt x="10800" y="0"/>
-                </a:cubicBezTo>
-                <a:moveTo>
-                  <a:pt x="16200" y="8836"/>
-                </a:moveTo>
-                <a:cubicBezTo>
-                  <a:pt x="16065" y="8836"/>
-                  <a:pt x="15942" y="8891"/>
-                  <a:pt x="15852" y="8980"/>
-                </a:cubicBezTo>
-                <a:lnTo>
-                  <a:pt x="10800" y="13574"/>
-                </a:lnTo>
-                <a:lnTo>
-                  <a:pt x="5747" y="8980"/>
-                </a:lnTo>
-                <a:cubicBezTo>
-                  <a:pt x="5658" y="8891"/>
-                  <a:pt x="5535" y="8836"/>
-                  <a:pt x="5400" y="8836"/>
-                </a:cubicBezTo>
-                <a:cubicBezTo>
-                  <a:pt x="5129" y="8836"/>
-                  <a:pt x="4909" y="9056"/>
-                  <a:pt x="4909" y="9327"/>
-                </a:cubicBezTo>
-                <a:cubicBezTo>
-                  <a:pt x="4909" y="9463"/>
-                  <a:pt x="4964" y="9586"/>
-                  <a:pt x="5053" y="9674"/>
-                </a:cubicBezTo>
-                <a:lnTo>
-                  <a:pt x="10453" y="14583"/>
-                </a:lnTo>
-                <a:cubicBezTo>
-                  <a:pt x="10542" y="14673"/>
-                  <a:pt x="10665" y="14727"/>
-                  <a:pt x="10800" y="14727"/>
-                </a:cubicBezTo>
-                <a:cubicBezTo>
-                  <a:pt x="10935" y="14727"/>
-                  <a:pt x="11058" y="14673"/>
-                  <a:pt x="11147" y="14583"/>
-                </a:cubicBezTo>
-                <a:lnTo>
-                  <a:pt x="16547" y="9674"/>
-                </a:lnTo>
-                <a:cubicBezTo>
-                  <a:pt x="16636" y="9586"/>
-                  <a:pt x="16691" y="9463"/>
-                  <a:pt x="16691" y="9327"/>
-                </a:cubicBezTo>
-                <a:cubicBezTo>
-                  <a:pt x="16691" y="9056"/>
-                  <a:pt x="16471" y="8836"/>
-                  <a:pt x="16200" y="8836"/>
-                </a:cubicBezTo>
-              </a:path>
-            </a:pathLst>
-          </a:custGeom>
-          <a:solidFill>
-            <a:schemeClr val="tx1"/>
-          </a:solidFill>
-          <a:ln w="12700">
-            <a:miter lim="400000"/>
-          </a:ln>
-        </p:spPr>
-        <p:txBody>
-          <a:bodyPr lIns="14284" tIns="14284" rIns="14284" bIns="14284" anchor="ctr"/>
-          <a:lstStyle/>
-          <a:p>
-            <a:pPr defTabSz="171399">
-              <a:defRPr sz="3000" cap="none">
-                <a:solidFill>
-                  <a:srgbClr val="FFFFFF"/>
-                </a:solidFill>
-                <a:effectLst>
-                  <a:outerShdw blurRad="38100" dist="12700" dir="5400000" rotWithShape="0">
-                    <a:srgbClr val="000000">
-                      <a:alpha val="50000"/>
-                    </a:srgbClr>
-                  </a:outerShdw>
-                </a:effectLst>
-                <a:latin typeface="Gill Sans"/>
-                <a:ea typeface="Gill Sans"/>
-                <a:cs typeface="Gill Sans"/>
-                <a:sym typeface="Gill Sans"/>
-              </a:defRPr>
-            </a:pPr>
-            <a:endParaRPr sz="1125">
-              <a:solidFill>
-                <a:schemeClr val="bg2">
-                  <a:lumMod val="50000"/>
-                </a:schemeClr>
-              </a:solidFill>
-              <a:effectLst>
-                <a:outerShdw blurRad="38100" dist="12700" dir="5400000" rotWithShape="0">
-                  <a:srgbClr val="000000">
-                    <a:alpha val="50000"/>
-                  </a:srgbClr>
-                </a:outerShdw>
-              </a:effectLst>
-              <a:latin typeface="Gill Sans"/>
-              <a:ea typeface="Gill Sans"/>
-              <a:cs typeface="Gill Sans"/>
-              <a:sym typeface="Gill Sans"/>
-            </a:endParaRPr>
-          </a:p>
-        </p:txBody>
-      </p:sp>
-      <p:sp>
-        <p:nvSpPr>
-          <p:cNvPr id="17" name="Shape 2903"/>
-          <p:cNvSpPr/>
-          <p:nvPr/>
-        </p:nvSpPr>
-        <p:spPr>
-          <a:xfrm>
-            <a:off x="7378522" y="1506059"/>
-            <a:ext cx="209550" cy="209550"/>
-          </a:xfrm>
-          <a:custGeom>
-            <a:avLst/>
-            <a:gdLst/>
-            <a:ahLst/>
-            <a:cxnLst>
-              <a:cxn ang="0">
-                <a:pos x="wd2" y="hd2"/>
-              </a:cxn>
-              <a:cxn ang="5400000">
-                <a:pos x="wd2" y="hd2"/>
-              </a:cxn>
-              <a:cxn ang="10800000">
-                <a:pos x="wd2" y="hd2"/>
-              </a:cxn>
-              <a:cxn ang="16200000">
-                <a:pos x="wd2" y="hd2"/>
-              </a:cxn>
-            </a:cxnLst>
-            <a:rect l="0" t="0" r="r" b="b"/>
-            <a:pathLst>
-              <a:path w="21600" h="21600" extrusionOk="0">
-                <a:moveTo>
-                  <a:pt x="10800" y="20618"/>
-                </a:moveTo>
-                <a:cubicBezTo>
-                  <a:pt x="5377" y="20618"/>
-                  <a:pt x="982" y="16223"/>
-                  <a:pt x="982" y="10800"/>
-                </a:cubicBezTo>
-                <a:cubicBezTo>
-                  <a:pt x="982" y="5377"/>
-                  <a:pt x="5377" y="982"/>
-                  <a:pt x="10800" y="982"/>
-                </a:cubicBezTo>
-                <a:cubicBezTo>
-                  <a:pt x="16222" y="982"/>
-                  <a:pt x="20618" y="5377"/>
-                  <a:pt x="20618" y="10800"/>
-                </a:cubicBezTo>
-                <a:cubicBezTo>
-                  <a:pt x="20618" y="16223"/>
-                  <a:pt x="16222" y="20618"/>
-                  <a:pt x="10800" y="20618"/>
-                </a:cubicBezTo>
-                <a:moveTo>
-                  <a:pt x="10800" y="0"/>
-                </a:moveTo>
-                <a:cubicBezTo>
-                  <a:pt x="4836" y="0"/>
-                  <a:pt x="0" y="4835"/>
-                  <a:pt x="0" y="10800"/>
-                </a:cubicBezTo>
-                <a:cubicBezTo>
-                  <a:pt x="0" y="16765"/>
-                  <a:pt x="4836" y="21600"/>
-                  <a:pt x="10800" y="21600"/>
-                </a:cubicBezTo>
-                <a:cubicBezTo>
-                  <a:pt x="16764" y="21600"/>
-                  <a:pt x="21600" y="16765"/>
-                  <a:pt x="21600" y="10800"/>
-                </a:cubicBezTo>
-                <a:cubicBezTo>
-                  <a:pt x="21600" y="4835"/>
-                  <a:pt x="16764" y="0"/>
-                  <a:pt x="10800" y="0"/>
-                </a:cubicBezTo>
-                <a:moveTo>
-                  <a:pt x="16200" y="8836"/>
-                </a:moveTo>
-                <a:cubicBezTo>
-                  <a:pt x="16065" y="8836"/>
-                  <a:pt x="15942" y="8891"/>
-                  <a:pt x="15852" y="8980"/>
-                </a:cubicBezTo>
-                <a:lnTo>
-                  <a:pt x="10800" y="13574"/>
-                </a:lnTo>
-                <a:lnTo>
-                  <a:pt x="5747" y="8980"/>
-                </a:lnTo>
-                <a:cubicBezTo>
-                  <a:pt x="5658" y="8891"/>
-                  <a:pt x="5535" y="8836"/>
-                  <a:pt x="5400" y="8836"/>
-                </a:cubicBezTo>
-                <a:cubicBezTo>
-                  <a:pt x="5129" y="8836"/>
-                  <a:pt x="4909" y="9056"/>
-                  <a:pt x="4909" y="9327"/>
-                </a:cubicBezTo>
-                <a:cubicBezTo>
-                  <a:pt x="4909" y="9463"/>
-                  <a:pt x="4964" y="9586"/>
-                  <a:pt x="5053" y="9674"/>
-                </a:cubicBezTo>
-                <a:lnTo>
-                  <a:pt x="10453" y="14583"/>
-                </a:lnTo>
-                <a:cubicBezTo>
-                  <a:pt x="10542" y="14673"/>
-                  <a:pt x="10665" y="14727"/>
-                  <a:pt x="10800" y="14727"/>
-                </a:cubicBezTo>
-                <a:cubicBezTo>
-                  <a:pt x="10935" y="14727"/>
-                  <a:pt x="11058" y="14673"/>
-                  <a:pt x="11147" y="14583"/>
-                </a:cubicBezTo>
-                <a:lnTo>
-                  <a:pt x="16547" y="9674"/>
-                </a:lnTo>
-                <a:cubicBezTo>
-                  <a:pt x="16636" y="9586"/>
-                  <a:pt x="16691" y="9463"/>
-                  <a:pt x="16691" y="9327"/>
-                </a:cubicBezTo>
-                <a:cubicBezTo>
-                  <a:pt x="16691" y="9056"/>
-                  <a:pt x="16471" y="8836"/>
-                  <a:pt x="16200" y="8836"/>
-                </a:cubicBezTo>
-              </a:path>
-            </a:pathLst>
-          </a:custGeom>
-          <a:solidFill>
-            <a:schemeClr val="tx1"/>
-          </a:solidFill>
-          <a:ln w="12700">
-            <a:miter lim="400000"/>
-          </a:ln>
-        </p:spPr>
-        <p:txBody>
-          <a:bodyPr lIns="14284" tIns="14284" rIns="14284" bIns="14284" anchor="ctr"/>
-          <a:lstStyle/>
-          <a:p>
-            <a:pPr defTabSz="171399">
-              <a:defRPr sz="3000" cap="none">
-                <a:solidFill>
-                  <a:srgbClr val="FFFFFF"/>
-                </a:solidFill>
-                <a:effectLst>
-                  <a:outerShdw blurRad="38100" dist="12700" dir="5400000" rotWithShape="0">
-                    <a:srgbClr val="000000">
-                      <a:alpha val="50000"/>
-                    </a:srgbClr>
-                  </a:outerShdw>
-                </a:effectLst>
-                <a:latin typeface="Gill Sans"/>
-                <a:ea typeface="Gill Sans"/>
-                <a:cs typeface="Gill Sans"/>
-                <a:sym typeface="Gill Sans"/>
-              </a:defRPr>
-            </a:pPr>
-            <a:endParaRPr sz="1125">
-              <a:solidFill>
-                <a:schemeClr val="bg2">
-                  <a:lumMod val="50000"/>
-                </a:schemeClr>
-              </a:solidFill>
-              <a:effectLst>
-                <a:outerShdw blurRad="38100" dist="12700" dir="5400000" rotWithShape="0">
-                  <a:srgbClr val="000000">
-                    <a:alpha val="50000"/>
-                  </a:srgbClr>
-                </a:outerShdw>
-              </a:effectLst>
-              <a:latin typeface="Gill Sans"/>
-              <a:ea typeface="Gill Sans"/>
-              <a:cs typeface="Gill Sans"/>
-              <a:sym typeface="Gill Sans"/>
-            </a:endParaRPr>
-          </a:p>
-        </p:txBody>
-      </p:sp>
-      <p:sp>
-        <p:nvSpPr>
-          <p:cNvPr id="18" name="Shape 2903"/>
-          <p:cNvSpPr/>
-          <p:nvPr/>
-        </p:nvSpPr>
-        <p:spPr>
-          <a:xfrm>
-            <a:off x="1590695" y="3121418"/>
-            <a:ext cx="209550" cy="209550"/>
-          </a:xfrm>
-          <a:custGeom>
-            <a:avLst/>
-            <a:gdLst/>
-            <a:ahLst/>
-            <a:cxnLst>
-              <a:cxn ang="0">
-                <a:pos x="wd2" y="hd2"/>
-              </a:cxn>
-              <a:cxn ang="5400000">
-                <a:pos x="wd2" y="hd2"/>
-              </a:cxn>
-              <a:cxn ang="10800000">
-                <a:pos x="wd2" y="hd2"/>
-              </a:cxn>
-              <a:cxn ang="16200000">
-                <a:pos x="wd2" y="hd2"/>
-              </a:cxn>
-            </a:cxnLst>
-            <a:rect l="0" t="0" r="r" b="b"/>
-            <a:pathLst>
-              <a:path w="21600" h="21600" extrusionOk="0">
-                <a:moveTo>
-                  <a:pt x="10800" y="20618"/>
-                </a:moveTo>
-                <a:cubicBezTo>
-                  <a:pt x="5377" y="20618"/>
-                  <a:pt x="982" y="16223"/>
-                  <a:pt x="982" y="10800"/>
-                </a:cubicBezTo>
-                <a:cubicBezTo>
-                  <a:pt x="982" y="5377"/>
-                  <a:pt x="5377" y="982"/>
-                  <a:pt x="10800" y="982"/>
-                </a:cubicBezTo>
-                <a:cubicBezTo>
-                  <a:pt x="16222" y="982"/>
-                  <a:pt x="20618" y="5377"/>
-                  <a:pt x="20618" y="10800"/>
-                </a:cubicBezTo>
-                <a:cubicBezTo>
-                  <a:pt x="20618" y="16223"/>
-                  <a:pt x="16222" y="20618"/>
-                  <a:pt x="10800" y="20618"/>
-                </a:cubicBezTo>
-                <a:moveTo>
-                  <a:pt x="10800" y="0"/>
-                </a:moveTo>
-                <a:cubicBezTo>
-                  <a:pt x="4836" y="0"/>
-                  <a:pt x="0" y="4835"/>
-                  <a:pt x="0" y="10800"/>
-                </a:cubicBezTo>
-                <a:cubicBezTo>
-                  <a:pt x="0" y="16765"/>
-                  <a:pt x="4836" y="21600"/>
-                  <a:pt x="10800" y="21600"/>
-                </a:cubicBezTo>
-                <a:cubicBezTo>
-                  <a:pt x="16764" y="21600"/>
-                  <a:pt x="21600" y="16765"/>
-                  <a:pt x="21600" y="10800"/>
-                </a:cubicBezTo>
-                <a:cubicBezTo>
-                  <a:pt x="21600" y="4835"/>
-                  <a:pt x="16764" y="0"/>
-                  <a:pt x="10800" y="0"/>
-                </a:cubicBezTo>
-                <a:moveTo>
-                  <a:pt x="16200" y="8836"/>
-                </a:moveTo>
-                <a:cubicBezTo>
-                  <a:pt x="16065" y="8836"/>
-                  <a:pt x="15942" y="8891"/>
-                  <a:pt x="15852" y="8980"/>
-                </a:cubicBezTo>
-                <a:lnTo>
-                  <a:pt x="10800" y="13574"/>
-                </a:lnTo>
-                <a:lnTo>
-                  <a:pt x="5747" y="8980"/>
-                </a:lnTo>
-                <a:cubicBezTo>
-                  <a:pt x="5658" y="8891"/>
-                  <a:pt x="5535" y="8836"/>
-                  <a:pt x="5400" y="8836"/>
-                </a:cubicBezTo>
-                <a:cubicBezTo>
-                  <a:pt x="5129" y="8836"/>
-                  <a:pt x="4909" y="9056"/>
-                  <a:pt x="4909" y="9327"/>
-                </a:cubicBezTo>
-                <a:cubicBezTo>
-                  <a:pt x="4909" y="9463"/>
-                  <a:pt x="4964" y="9586"/>
-                  <a:pt x="5053" y="9674"/>
-                </a:cubicBezTo>
-                <a:lnTo>
-                  <a:pt x="10453" y="14583"/>
-                </a:lnTo>
-                <a:cubicBezTo>
-                  <a:pt x="10542" y="14673"/>
-                  <a:pt x="10665" y="14727"/>
-                  <a:pt x="10800" y="14727"/>
-                </a:cubicBezTo>
-                <a:cubicBezTo>
-                  <a:pt x="10935" y="14727"/>
-                  <a:pt x="11058" y="14673"/>
-                  <a:pt x="11147" y="14583"/>
-                </a:cubicBezTo>
-                <a:lnTo>
-                  <a:pt x="16547" y="9674"/>
-                </a:lnTo>
-                <a:cubicBezTo>
-                  <a:pt x="16636" y="9586"/>
-                  <a:pt x="16691" y="9463"/>
-                  <a:pt x="16691" y="9327"/>
-                </a:cubicBezTo>
-                <a:cubicBezTo>
-                  <a:pt x="16691" y="9056"/>
-                  <a:pt x="16471" y="8836"/>
-                  <a:pt x="16200" y="8836"/>
-                </a:cubicBezTo>
-              </a:path>
-            </a:pathLst>
-          </a:custGeom>
-          <a:solidFill>
-            <a:schemeClr val="tx1"/>
-          </a:solidFill>
-          <a:ln w="12700">
-            <a:miter lim="400000"/>
-          </a:ln>
-        </p:spPr>
-        <p:txBody>
-          <a:bodyPr lIns="14284" tIns="14284" rIns="14284" bIns="14284" anchor="ctr"/>
-          <a:lstStyle/>
-          <a:p>
-            <a:pPr defTabSz="171399">
-              <a:defRPr sz="3000" cap="none">
-                <a:solidFill>
-                  <a:srgbClr val="FFFFFF"/>
-                </a:solidFill>
-                <a:effectLst>
-                  <a:outerShdw blurRad="38100" dist="12700" dir="5400000" rotWithShape="0">
-                    <a:srgbClr val="000000">
-                      <a:alpha val="50000"/>
-                    </a:srgbClr>
-                  </a:outerShdw>
-                </a:effectLst>
-                <a:latin typeface="Gill Sans"/>
-                <a:ea typeface="Gill Sans"/>
-                <a:cs typeface="Gill Sans"/>
-                <a:sym typeface="Gill Sans"/>
-              </a:defRPr>
-            </a:pPr>
-            <a:endParaRPr sz="1125">
-              <a:solidFill>
-                <a:schemeClr val="bg2">
-                  <a:lumMod val="50000"/>
-                </a:schemeClr>
-              </a:solidFill>
-              <a:effectLst>
-                <a:outerShdw blurRad="38100" dist="12700" dir="5400000" rotWithShape="0">
-                  <a:srgbClr val="000000">
-                    <a:alpha val="50000"/>
-                  </a:srgbClr>
-                </a:outerShdw>
-              </a:effectLst>
-              <a:latin typeface="Gill Sans"/>
-              <a:ea typeface="Gill Sans"/>
-              <a:cs typeface="Gill Sans"/>
-              <a:sym typeface="Gill Sans"/>
-            </a:endParaRPr>
-          </a:p>
-        </p:txBody>
-      </p:sp>
-      <p:sp>
-        <p:nvSpPr>
-          <p:cNvPr id="19" name="Shape 2903"/>
-          <p:cNvSpPr/>
-          <p:nvPr/>
-        </p:nvSpPr>
-        <p:spPr>
-          <a:xfrm>
-            <a:off x="4545563" y="3121418"/>
-            <a:ext cx="209550" cy="209550"/>
-          </a:xfrm>
-          <a:custGeom>
-            <a:avLst/>
-            <a:gdLst/>
-            <a:ahLst/>
-            <a:cxnLst>
-              <a:cxn ang="0">
-                <a:pos x="wd2" y="hd2"/>
-              </a:cxn>
-              <a:cxn ang="5400000">
-                <a:pos x="wd2" y="hd2"/>
-              </a:cxn>
-              <a:cxn ang="10800000">
-                <a:pos x="wd2" y="hd2"/>
-              </a:cxn>
-              <a:cxn ang="16200000">
-                <a:pos x="wd2" y="hd2"/>
-              </a:cxn>
-            </a:cxnLst>
-            <a:rect l="0" t="0" r="r" b="b"/>
-            <a:pathLst>
-              <a:path w="21600" h="21600" extrusionOk="0">
-                <a:moveTo>
-                  <a:pt x="10800" y="20618"/>
-                </a:moveTo>
-                <a:cubicBezTo>
-                  <a:pt x="5377" y="20618"/>
-                  <a:pt x="982" y="16223"/>
-                  <a:pt x="982" y="10800"/>
-                </a:cubicBezTo>
-                <a:cubicBezTo>
-                  <a:pt x="982" y="5377"/>
-                  <a:pt x="5377" y="982"/>
-                  <a:pt x="10800" y="982"/>
-                </a:cubicBezTo>
-                <a:cubicBezTo>
-                  <a:pt x="16222" y="982"/>
-                  <a:pt x="20618" y="5377"/>
-                  <a:pt x="20618" y="10800"/>
-                </a:cubicBezTo>
-                <a:cubicBezTo>
-                  <a:pt x="20618" y="16223"/>
-                  <a:pt x="16222" y="20618"/>
-                  <a:pt x="10800" y="20618"/>
-                </a:cubicBezTo>
-                <a:moveTo>
-                  <a:pt x="10800" y="0"/>
-                </a:moveTo>
-                <a:cubicBezTo>
-                  <a:pt x="4836" y="0"/>
-                  <a:pt x="0" y="4835"/>
-                  <a:pt x="0" y="10800"/>
-                </a:cubicBezTo>
-                <a:cubicBezTo>
-                  <a:pt x="0" y="16765"/>
-                  <a:pt x="4836" y="21600"/>
-                  <a:pt x="10800" y="21600"/>
-                </a:cubicBezTo>
-                <a:cubicBezTo>
-                  <a:pt x="16764" y="21600"/>
-                  <a:pt x="21600" y="16765"/>
-                  <a:pt x="21600" y="10800"/>
-                </a:cubicBezTo>
-                <a:cubicBezTo>
-                  <a:pt x="21600" y="4835"/>
-                  <a:pt x="16764" y="0"/>
-                  <a:pt x="10800" y="0"/>
-                </a:cubicBezTo>
-                <a:moveTo>
-                  <a:pt x="16200" y="8836"/>
-                </a:moveTo>
-                <a:cubicBezTo>
-                  <a:pt x="16065" y="8836"/>
-                  <a:pt x="15942" y="8891"/>
-                  <a:pt x="15852" y="8980"/>
-                </a:cubicBezTo>
-                <a:lnTo>
-                  <a:pt x="10800" y="13574"/>
-                </a:lnTo>
-                <a:lnTo>
-                  <a:pt x="5747" y="8980"/>
-                </a:lnTo>
-                <a:cubicBezTo>
-                  <a:pt x="5658" y="8891"/>
-                  <a:pt x="5535" y="8836"/>
-                  <a:pt x="5400" y="8836"/>
-                </a:cubicBezTo>
-                <a:cubicBezTo>
-                  <a:pt x="5129" y="8836"/>
-                  <a:pt x="4909" y="9056"/>
-                  <a:pt x="4909" y="9327"/>
-                </a:cubicBezTo>
-                <a:cubicBezTo>
-                  <a:pt x="4909" y="9463"/>
-                  <a:pt x="4964" y="9586"/>
-                  <a:pt x="5053" y="9674"/>
-                </a:cubicBezTo>
-                <a:lnTo>
-                  <a:pt x="10453" y="14583"/>
-                </a:lnTo>
-                <a:cubicBezTo>
-                  <a:pt x="10542" y="14673"/>
-                  <a:pt x="10665" y="14727"/>
-                  <a:pt x="10800" y="14727"/>
-                </a:cubicBezTo>
-                <a:cubicBezTo>
-                  <a:pt x="10935" y="14727"/>
-                  <a:pt x="11058" y="14673"/>
-                  <a:pt x="11147" y="14583"/>
-                </a:cubicBezTo>
-                <a:lnTo>
-                  <a:pt x="16547" y="9674"/>
-                </a:lnTo>
-                <a:cubicBezTo>
-                  <a:pt x="16636" y="9586"/>
-                  <a:pt x="16691" y="9463"/>
-                  <a:pt x="16691" y="9327"/>
-                </a:cubicBezTo>
-                <a:cubicBezTo>
-                  <a:pt x="16691" y="9056"/>
-                  <a:pt x="16471" y="8836"/>
-                  <a:pt x="16200" y="8836"/>
-                </a:cubicBezTo>
-              </a:path>
-            </a:pathLst>
-          </a:custGeom>
-          <a:solidFill>
-            <a:schemeClr val="tx1"/>
-          </a:solidFill>
-          <a:ln w="12700">
-            <a:miter lim="400000"/>
-          </a:ln>
-        </p:spPr>
-        <p:txBody>
-          <a:bodyPr lIns="14284" tIns="14284" rIns="14284" bIns="14284" anchor="ctr"/>
-          <a:lstStyle/>
-          <a:p>
-            <a:pPr defTabSz="171399">
-              <a:defRPr sz="3000" cap="none">
-                <a:solidFill>
-                  <a:srgbClr val="FFFFFF"/>
-                </a:solidFill>
-                <a:effectLst>
-                  <a:outerShdw blurRad="38100" dist="12700" dir="5400000" rotWithShape="0">
-                    <a:srgbClr val="000000">
-                      <a:alpha val="50000"/>
-                    </a:srgbClr>
-                  </a:outerShdw>
-                </a:effectLst>
-                <a:latin typeface="Gill Sans"/>
-                <a:ea typeface="Gill Sans"/>
-                <a:cs typeface="Gill Sans"/>
-                <a:sym typeface="Gill Sans"/>
-              </a:defRPr>
-            </a:pPr>
-            <a:endParaRPr sz="1125">
-              <a:solidFill>
-                <a:schemeClr val="bg2">
-                  <a:lumMod val="50000"/>
-                </a:schemeClr>
-              </a:solidFill>
-              <a:effectLst>
-                <a:outerShdw blurRad="38100" dist="12700" dir="5400000" rotWithShape="0">
-                  <a:srgbClr val="000000">
-                    <a:alpha val="50000"/>
-                  </a:srgbClr>
-                </a:outerShdw>
-              </a:effectLst>
-              <a:latin typeface="Gill Sans"/>
-              <a:ea typeface="Gill Sans"/>
-              <a:cs typeface="Gill Sans"/>
-              <a:sym typeface="Gill Sans"/>
-            </a:endParaRPr>
-          </a:p>
-        </p:txBody>
-      </p:sp>
-      <p:sp>
-        <p:nvSpPr>
-          <p:cNvPr id="20" name="Shape 2903"/>
-          <p:cNvSpPr/>
-          <p:nvPr/>
-        </p:nvSpPr>
-        <p:spPr>
-          <a:xfrm>
-            <a:off x="7378522" y="3121418"/>
-            <a:ext cx="209550" cy="209550"/>
-          </a:xfrm>
-          <a:custGeom>
-            <a:avLst/>
-            <a:gdLst/>
-            <a:ahLst/>
-            <a:cxnLst>
-              <a:cxn ang="0">
-                <a:pos x="wd2" y="hd2"/>
-              </a:cxn>
-              <a:cxn ang="5400000">
-                <a:pos x="wd2" y="hd2"/>
-              </a:cxn>
-              <a:cxn ang="10800000">
-                <a:pos x="wd2" y="hd2"/>
-              </a:cxn>
-              <a:cxn ang="16200000">
-                <a:pos x="wd2" y="hd2"/>
-              </a:cxn>
-            </a:cxnLst>
-            <a:rect l="0" t="0" r="r" b="b"/>
-            <a:pathLst>
-              <a:path w="21600" h="21600" extrusionOk="0">
-                <a:moveTo>
-                  <a:pt x="10800" y="20618"/>
-                </a:moveTo>
-                <a:cubicBezTo>
-                  <a:pt x="5377" y="20618"/>
-                  <a:pt x="982" y="16223"/>
-                  <a:pt x="982" y="10800"/>
-                </a:cubicBezTo>
-                <a:cubicBezTo>
-                  <a:pt x="982" y="5377"/>
-                  <a:pt x="5377" y="982"/>
-                  <a:pt x="10800" y="982"/>
-                </a:cubicBezTo>
-                <a:cubicBezTo>
-                  <a:pt x="16222" y="982"/>
-                  <a:pt x="20618" y="5377"/>
-                  <a:pt x="20618" y="10800"/>
-                </a:cubicBezTo>
-                <a:cubicBezTo>
-                  <a:pt x="20618" y="16223"/>
-                  <a:pt x="16222" y="20618"/>
-                  <a:pt x="10800" y="20618"/>
-                </a:cubicBezTo>
-                <a:moveTo>
-                  <a:pt x="10800" y="0"/>
-                </a:moveTo>
-                <a:cubicBezTo>
-                  <a:pt x="4836" y="0"/>
-                  <a:pt x="0" y="4835"/>
-                  <a:pt x="0" y="10800"/>
-                </a:cubicBezTo>
-                <a:cubicBezTo>
-                  <a:pt x="0" y="16765"/>
-                  <a:pt x="4836" y="21600"/>
-                  <a:pt x="10800" y="21600"/>
-                </a:cubicBezTo>
-                <a:cubicBezTo>
-                  <a:pt x="16764" y="21600"/>
-                  <a:pt x="21600" y="16765"/>
-                  <a:pt x="21600" y="10800"/>
-                </a:cubicBezTo>
-                <a:cubicBezTo>
-                  <a:pt x="21600" y="4835"/>
-                  <a:pt x="16764" y="0"/>
-                  <a:pt x="10800" y="0"/>
-                </a:cubicBezTo>
-                <a:moveTo>
-                  <a:pt x="16200" y="8836"/>
-                </a:moveTo>
-                <a:cubicBezTo>
-                  <a:pt x="16065" y="8836"/>
-                  <a:pt x="15942" y="8891"/>
-                  <a:pt x="15852" y="8980"/>
-                </a:cubicBezTo>
-                <a:lnTo>
-                  <a:pt x="10800" y="13574"/>
-                </a:lnTo>
-                <a:lnTo>
-                  <a:pt x="5747" y="8980"/>
-                </a:lnTo>
-                <a:cubicBezTo>
-                  <a:pt x="5658" y="8891"/>
-                  <a:pt x="5535" y="8836"/>
-                  <a:pt x="5400" y="8836"/>
-                </a:cubicBezTo>
-                <a:cubicBezTo>
-                  <a:pt x="5129" y="8836"/>
-                  <a:pt x="4909" y="9056"/>
-                  <a:pt x="4909" y="9327"/>
-                </a:cubicBezTo>
-                <a:cubicBezTo>
-                  <a:pt x="4909" y="9463"/>
-                  <a:pt x="4964" y="9586"/>
-                  <a:pt x="5053" y="9674"/>
-                </a:cubicBezTo>
-                <a:lnTo>
-                  <a:pt x="10453" y="14583"/>
-                </a:lnTo>
-                <a:cubicBezTo>
-                  <a:pt x="10542" y="14673"/>
-                  <a:pt x="10665" y="14727"/>
-                  <a:pt x="10800" y="14727"/>
-                </a:cubicBezTo>
-                <a:cubicBezTo>
-                  <a:pt x="10935" y="14727"/>
-                  <a:pt x="11058" y="14673"/>
-                  <a:pt x="11147" y="14583"/>
-                </a:cubicBezTo>
-                <a:lnTo>
-                  <a:pt x="16547" y="9674"/>
-                </a:lnTo>
-                <a:cubicBezTo>
-                  <a:pt x="16636" y="9586"/>
-                  <a:pt x="16691" y="9463"/>
-                  <a:pt x="16691" y="9327"/>
-                </a:cubicBezTo>
-                <a:cubicBezTo>
-                  <a:pt x="16691" y="9056"/>
-                  <a:pt x="16471" y="8836"/>
-                  <a:pt x="16200" y="8836"/>
-                </a:cubicBezTo>
-              </a:path>
-            </a:pathLst>
-          </a:custGeom>
-          <a:solidFill>
-            <a:schemeClr val="tx1"/>
-          </a:solidFill>
-          <a:ln w="12700">
-            <a:miter lim="400000"/>
-          </a:ln>
-        </p:spPr>
-        <p:txBody>
-          <a:bodyPr lIns="14284" tIns="14284" rIns="14284" bIns="14284" anchor="ctr"/>
-          <a:lstStyle/>
-          <a:p>
-            <a:pPr defTabSz="171399">
-              <a:defRPr sz="3000" cap="none">
-                <a:solidFill>
-                  <a:srgbClr val="FFFFFF"/>
-                </a:solidFill>
-                <a:effectLst>
-                  <a:outerShdw blurRad="38100" dist="12700" dir="5400000" rotWithShape="0">
-                    <a:srgbClr val="000000">
-                      <a:alpha val="50000"/>
-                    </a:srgbClr>
-                  </a:outerShdw>
-                </a:effectLst>
-                <a:latin typeface="Gill Sans"/>
-                <a:ea typeface="Gill Sans"/>
-                <a:cs typeface="Gill Sans"/>
-                <a:sym typeface="Gill Sans"/>
-              </a:defRPr>
-            </a:pPr>
-            <a:endParaRPr sz="1125">
-              <a:solidFill>
-                <a:schemeClr val="bg2">
-                  <a:lumMod val="50000"/>
-                </a:schemeClr>
-              </a:solidFill>
-              <a:effectLst>
-                <a:outerShdw blurRad="38100" dist="12700" dir="5400000" rotWithShape="0">
-                  <a:srgbClr val="000000">
-                    <a:alpha val="50000"/>
-                  </a:srgbClr>
-                </a:outerShdw>
-              </a:effectLst>
-              <a:latin typeface="Gill Sans"/>
-              <a:ea typeface="Gill Sans"/>
-              <a:cs typeface="Gill Sans"/>
-              <a:sym typeface="Gill Sans"/>
-            </a:endParaRPr>
+              <a:rPr lang="en-CA" dirty="0"/>
+              <a:t>Questions?</a:t>
+            </a:r>
           </a:p>
         </p:txBody>
       </p:sp>
     </p:spTree>
     <p:extLst>
       <p:ext uri="{BB962C8B-B14F-4D97-AF65-F5344CB8AC3E}">
-        <p14:creationId xmlns:p14="http://schemas.microsoft.com/office/powerpoint/2010/main" val="3360030024"/>
+        <p14:creationId xmlns:p14="http://schemas.microsoft.com/office/powerpoint/2010/main" val="3319312414"/>
       </p:ext>
     </p:extLst>
   </p:cSld>
   <p:clrMapOvr>
     <a:masterClrMapping/>
   </p:clrMapOvr>
+  <p:transition spd="slow">
+    <p:push dir="u"/>
+  </p:transition>
 </p:sld>
 </file>
 
@@ -26696,1868 +21066,6 @@
 </file>
 
 <file path=ppt/slides/slide20.xml><?xml version="1.0" encoding="utf-8"?>
-<p:sld xmlns:a="http://schemas.openxmlformats.org/drawingml/2006/main" xmlns:r="http://schemas.openxmlformats.org/officeDocument/2006/relationships" xmlns:p="http://schemas.openxmlformats.org/presentationml/2006/main" showMasterSp="0" show="0">
-  <p:cSld>
-    <p:spTree>
-      <p:nvGrpSpPr>
-        <p:cNvPr id="1" name=""/>
-        <p:cNvGrpSpPr/>
-        <p:nvPr/>
-      </p:nvGrpSpPr>
-      <p:grpSpPr>
-        <a:xfrm>
-          <a:off x="0" y="0"/>
-          <a:ext cx="0" cy="0"/>
-          <a:chOff x="0" y="0"/>
-          <a:chExt cx="0" cy="0"/>
-        </a:xfrm>
-      </p:grpSpPr>
-      <p:sp>
-        <p:nvSpPr>
-          <p:cNvPr id="2" name="Title 1"/>
-          <p:cNvSpPr>
-            <a:spLocks noGrp="1"/>
-          </p:cNvSpPr>
-          <p:nvPr>
-            <p:ph type="title"/>
-          </p:nvPr>
-        </p:nvSpPr>
-        <p:spPr/>
-        <p:txBody>
-          <a:bodyPr/>
-          <a:lstStyle/>
-          <a:p>
-            <a:r>
-              <a:rPr lang="en-US"/>
-              <a:t>Table Style</a:t>
-            </a:r>
-            <a:endParaRPr lang="en-US" dirty="0"/>
-          </a:p>
-        </p:txBody>
-      </p:sp>
-      <p:graphicFrame>
-        <p:nvGraphicFramePr>
-          <p:cNvPr id="6" name="Table 5"/>
-          <p:cNvGraphicFramePr>
-            <a:graphicFrameLocks noGrp="1"/>
-          </p:cNvGraphicFramePr>
-          <p:nvPr>
-            <p:extLst>
-              <p:ext uri="{D42A27DB-BD31-4B8C-83A1-F6EECF244321}">
-                <p14:modId xmlns:p14="http://schemas.microsoft.com/office/powerpoint/2010/main" val="1662008800"/>
-              </p:ext>
-            </p:extLst>
-          </p:nvPr>
-        </p:nvGraphicFramePr>
-        <p:xfrm>
-          <a:off x="406401" y="1721797"/>
-          <a:ext cx="8395695" cy="1858220"/>
-        </p:xfrm>
-        <a:graphic>
-          <a:graphicData uri="http://schemas.openxmlformats.org/drawingml/2006/table">
-            <a:tbl>
-              <a:tblPr firstRow="1" bandRow="1">
-                <a:tableStyleId>{5A111915-BE36-4E01-A7E5-04B1672EAD32}</a:tableStyleId>
-              </a:tblPr>
-              <a:tblGrid>
-                <a:gridCol w="1679139">
-                  <a:extLst>
-                    <a:ext uri="{9D8B030D-6E8A-4147-A177-3AD203B41FA5}">
-                      <a16:colId xmlns:a16="http://schemas.microsoft.com/office/drawing/2014/main" val="20000"/>
-                    </a:ext>
-                  </a:extLst>
-                </a:gridCol>
-                <a:gridCol w="1679139">
-                  <a:extLst>
-                    <a:ext uri="{9D8B030D-6E8A-4147-A177-3AD203B41FA5}">
-                      <a16:colId xmlns:a16="http://schemas.microsoft.com/office/drawing/2014/main" val="20001"/>
-                    </a:ext>
-                  </a:extLst>
-                </a:gridCol>
-                <a:gridCol w="1679139">
-                  <a:extLst>
-                    <a:ext uri="{9D8B030D-6E8A-4147-A177-3AD203B41FA5}">
-                      <a16:colId xmlns:a16="http://schemas.microsoft.com/office/drawing/2014/main" val="20002"/>
-                    </a:ext>
-                  </a:extLst>
-                </a:gridCol>
-                <a:gridCol w="1679139">
-                  <a:extLst>
-                    <a:ext uri="{9D8B030D-6E8A-4147-A177-3AD203B41FA5}">
-                      <a16:colId xmlns:a16="http://schemas.microsoft.com/office/drawing/2014/main" val="20003"/>
-                    </a:ext>
-                  </a:extLst>
-                </a:gridCol>
-                <a:gridCol w="1679139">
-                  <a:extLst>
-                    <a:ext uri="{9D8B030D-6E8A-4147-A177-3AD203B41FA5}">
-                      <a16:colId xmlns:a16="http://schemas.microsoft.com/office/drawing/2014/main" val="20004"/>
-                    </a:ext>
-                  </a:extLst>
-                </a:gridCol>
-              </a:tblGrid>
-              <a:tr h="371644">
-                <a:tc>
-                  <a:txBody>
-                    <a:bodyPr/>
-                    <a:lstStyle/>
-                    <a:p>
-                      <a:pPr algn="l"/>
-                      <a:r>
-                        <a:rPr lang="en-US" sz="1100" b="1" dirty="0">
-                          <a:solidFill>
-                            <a:schemeClr val="accent4"/>
-                          </a:solidFill>
-                          <a:latin typeface="+mn-lt"/>
-                          <a:cs typeface="Segoe"/>
-                        </a:rPr>
-                        <a:t>HEADING</a:t>
-                      </a:r>
-                    </a:p>
-                  </a:txBody>
-                  <a:tcPr marT="34290" marB="34290" anchor="ctr">
-                    <a:lnL w="9525" cap="flat" cmpd="sng" algn="ctr">
-                      <a:noFill/>
-                      <a:prstDash val="solid"/>
-                    </a:lnL>
-                    <a:lnR>
-                      <a:noFill/>
-                    </a:lnR>
-                    <a:lnT w="9525" cap="flat" cmpd="sng" algn="ctr">
-                      <a:noFill/>
-                      <a:prstDash val="solid"/>
-                    </a:lnT>
-                    <a:lnB w="6350" cap="flat" cmpd="sng" algn="ctr">
-                      <a:solidFill>
-                        <a:prstClr val="white">
-                          <a:lumMod val="50000"/>
-                        </a:prstClr>
-                      </a:solidFill>
-                      <a:prstDash val="sysDot"/>
-                      <a:round/>
-                      <a:headEnd type="none" w="med" len="med"/>
-                      <a:tailEnd type="none" w="med" len="med"/>
-                    </a:lnB>
-                    <a:lnTlToBr w="12700" cmpd="sng">
-                      <a:noFill/>
-                      <a:prstDash val="solid"/>
-                    </a:lnTlToBr>
-                    <a:lnBlToTr w="12700" cmpd="sng">
-                      <a:noFill/>
-                      <a:prstDash val="solid"/>
-                    </a:lnBlToTr>
-                    <a:noFill/>
-                  </a:tcPr>
-                </a:tc>
-                <a:tc>
-                  <a:txBody>
-                    <a:bodyPr/>
-                    <a:lstStyle/>
-                    <a:p>
-                      <a:pPr marL="0" marR="0" indent="0" algn="l" defTabSz="914400" rtl="0" eaLnBrk="1" fontAlgn="auto" latinLnBrk="0" hangingPunct="1">
-                        <a:lnSpc>
-                          <a:spcPct val="100000"/>
-                        </a:lnSpc>
-                        <a:spcBef>
-                          <a:spcPts val="0"/>
-                        </a:spcBef>
-                        <a:spcAft>
-                          <a:spcPts val="0"/>
-                        </a:spcAft>
-                        <a:buClrTx/>
-                        <a:buSzTx/>
-                        <a:buFontTx/>
-                        <a:buNone/>
-                        <a:tabLst/>
-                        <a:defRPr/>
-                      </a:pPr>
-                      <a:r>
-                        <a:rPr lang="en-US" sz="1100" b="1" dirty="0">
-                          <a:solidFill>
-                            <a:schemeClr val="accent4"/>
-                          </a:solidFill>
-                          <a:latin typeface="+mn-lt"/>
-                          <a:cs typeface="Segoe"/>
-                        </a:rPr>
-                        <a:t>HEADING</a:t>
-                      </a:r>
-                    </a:p>
-                  </a:txBody>
-                  <a:tcPr marT="34290" marB="34290" anchor="ctr">
-                    <a:lnL>
-                      <a:noFill/>
-                    </a:lnL>
-                    <a:lnR>
-                      <a:noFill/>
-                    </a:lnR>
-                    <a:lnT w="9525" cap="flat" cmpd="sng" algn="ctr">
-                      <a:noFill/>
-                      <a:prstDash val="solid"/>
-                    </a:lnT>
-                    <a:lnB w="6350" cap="flat" cmpd="sng" algn="ctr">
-                      <a:solidFill>
-                        <a:prstClr val="white">
-                          <a:lumMod val="50000"/>
-                        </a:prstClr>
-                      </a:solidFill>
-                      <a:prstDash val="sysDot"/>
-                      <a:round/>
-                      <a:headEnd type="none" w="med" len="med"/>
-                      <a:tailEnd type="none" w="med" len="med"/>
-                    </a:lnB>
-                    <a:lnTlToBr w="12700" cmpd="sng">
-                      <a:noFill/>
-                      <a:prstDash val="solid"/>
-                    </a:lnTlToBr>
-                    <a:lnBlToTr w="12700" cmpd="sng">
-                      <a:noFill/>
-                      <a:prstDash val="solid"/>
-                    </a:lnBlToTr>
-                    <a:noFill/>
-                  </a:tcPr>
-                </a:tc>
-                <a:tc>
-                  <a:txBody>
-                    <a:bodyPr/>
-                    <a:lstStyle/>
-                    <a:p>
-                      <a:pPr marL="0" marR="0" indent="0" algn="l" defTabSz="914400" rtl="0" eaLnBrk="1" fontAlgn="auto" latinLnBrk="0" hangingPunct="1">
-                        <a:lnSpc>
-                          <a:spcPct val="100000"/>
-                        </a:lnSpc>
-                        <a:spcBef>
-                          <a:spcPts val="0"/>
-                        </a:spcBef>
-                        <a:spcAft>
-                          <a:spcPts val="0"/>
-                        </a:spcAft>
-                        <a:buClrTx/>
-                        <a:buSzTx/>
-                        <a:buFontTx/>
-                        <a:buNone/>
-                        <a:tabLst/>
-                        <a:defRPr/>
-                      </a:pPr>
-                      <a:r>
-                        <a:rPr lang="en-US" sz="1100" b="1" dirty="0">
-                          <a:solidFill>
-                            <a:schemeClr val="accent4"/>
-                          </a:solidFill>
-                          <a:latin typeface="+mn-lt"/>
-                          <a:cs typeface="Segoe"/>
-                        </a:rPr>
-                        <a:t>HEADING</a:t>
-                      </a:r>
-                    </a:p>
-                  </a:txBody>
-                  <a:tcPr marT="34290" marB="34290" anchor="ctr">
-                    <a:lnL>
-                      <a:noFill/>
-                    </a:lnL>
-                    <a:lnR>
-                      <a:noFill/>
-                    </a:lnR>
-                    <a:lnT w="9525" cap="flat" cmpd="sng" algn="ctr">
-                      <a:noFill/>
-                      <a:prstDash val="solid"/>
-                    </a:lnT>
-                    <a:lnB w="6350" cap="flat" cmpd="sng" algn="ctr">
-                      <a:solidFill>
-                        <a:prstClr val="white">
-                          <a:lumMod val="50000"/>
-                        </a:prstClr>
-                      </a:solidFill>
-                      <a:prstDash val="sysDot"/>
-                      <a:round/>
-                      <a:headEnd type="none" w="med" len="med"/>
-                      <a:tailEnd type="none" w="med" len="med"/>
-                    </a:lnB>
-                    <a:lnTlToBr w="12700" cmpd="sng">
-                      <a:noFill/>
-                      <a:prstDash val="solid"/>
-                    </a:lnTlToBr>
-                    <a:lnBlToTr w="12700" cmpd="sng">
-                      <a:noFill/>
-                      <a:prstDash val="solid"/>
-                    </a:lnBlToTr>
-                    <a:noFill/>
-                  </a:tcPr>
-                </a:tc>
-                <a:tc>
-                  <a:txBody>
-                    <a:bodyPr/>
-                    <a:lstStyle/>
-                    <a:p>
-                      <a:pPr marL="0" marR="0" indent="0" algn="l" defTabSz="914400" rtl="0" eaLnBrk="1" fontAlgn="auto" latinLnBrk="0" hangingPunct="1">
-                        <a:lnSpc>
-                          <a:spcPct val="100000"/>
-                        </a:lnSpc>
-                        <a:spcBef>
-                          <a:spcPts val="0"/>
-                        </a:spcBef>
-                        <a:spcAft>
-                          <a:spcPts val="0"/>
-                        </a:spcAft>
-                        <a:buClrTx/>
-                        <a:buSzTx/>
-                        <a:buFontTx/>
-                        <a:buNone/>
-                        <a:tabLst/>
-                        <a:defRPr/>
-                      </a:pPr>
-                      <a:r>
-                        <a:rPr lang="en-US" sz="1100" b="1" dirty="0">
-                          <a:solidFill>
-                            <a:schemeClr val="accent4"/>
-                          </a:solidFill>
-                          <a:latin typeface="+mn-lt"/>
-                          <a:cs typeface="Segoe"/>
-                        </a:rPr>
-                        <a:t>HEADING</a:t>
-                      </a:r>
-                    </a:p>
-                  </a:txBody>
-                  <a:tcPr marT="34290" marB="34290" anchor="ctr">
-                    <a:lnL>
-                      <a:noFill/>
-                    </a:lnL>
-                    <a:lnR>
-                      <a:noFill/>
-                    </a:lnR>
-                    <a:lnT w="9525" cap="flat" cmpd="sng" algn="ctr">
-                      <a:noFill/>
-                      <a:prstDash val="solid"/>
-                    </a:lnT>
-                    <a:lnB w="6350" cap="flat" cmpd="sng" algn="ctr">
-                      <a:solidFill>
-                        <a:prstClr val="white">
-                          <a:lumMod val="50000"/>
-                        </a:prstClr>
-                      </a:solidFill>
-                      <a:prstDash val="sysDot"/>
-                      <a:round/>
-                      <a:headEnd type="none" w="med" len="med"/>
-                      <a:tailEnd type="none" w="med" len="med"/>
-                    </a:lnB>
-                    <a:lnTlToBr w="12700" cmpd="sng">
-                      <a:noFill/>
-                      <a:prstDash val="solid"/>
-                    </a:lnTlToBr>
-                    <a:lnBlToTr w="12700" cmpd="sng">
-                      <a:noFill/>
-                      <a:prstDash val="solid"/>
-                    </a:lnBlToTr>
-                    <a:noFill/>
-                  </a:tcPr>
-                </a:tc>
-                <a:tc>
-                  <a:txBody>
-                    <a:bodyPr/>
-                    <a:lstStyle/>
-                    <a:p>
-                      <a:pPr marL="0" marR="0" indent="0" algn="l" defTabSz="914400" rtl="0" eaLnBrk="1" fontAlgn="auto" latinLnBrk="0" hangingPunct="1">
-                        <a:lnSpc>
-                          <a:spcPct val="100000"/>
-                        </a:lnSpc>
-                        <a:spcBef>
-                          <a:spcPts val="0"/>
-                        </a:spcBef>
-                        <a:spcAft>
-                          <a:spcPts val="0"/>
-                        </a:spcAft>
-                        <a:buClrTx/>
-                        <a:buSzTx/>
-                        <a:buFontTx/>
-                        <a:buNone/>
-                        <a:tabLst/>
-                        <a:defRPr/>
-                      </a:pPr>
-                      <a:r>
-                        <a:rPr lang="en-US" sz="1100" b="1" dirty="0">
-                          <a:solidFill>
-                            <a:schemeClr val="accent4"/>
-                          </a:solidFill>
-                          <a:latin typeface="+mn-lt"/>
-                          <a:cs typeface="Segoe"/>
-                        </a:rPr>
-                        <a:t>HEADING</a:t>
-                      </a:r>
-                    </a:p>
-                  </a:txBody>
-                  <a:tcPr marT="34290" marB="34290" anchor="ctr">
-                    <a:lnL>
-                      <a:noFill/>
-                    </a:lnL>
-                    <a:lnR>
-                      <a:noFill/>
-                    </a:lnR>
-                    <a:lnT w="9525" cap="flat" cmpd="sng" algn="ctr">
-                      <a:noFill/>
-                      <a:prstDash val="solid"/>
-                    </a:lnT>
-                    <a:lnB w="6350" cap="flat" cmpd="sng" algn="ctr">
-                      <a:solidFill>
-                        <a:prstClr val="white">
-                          <a:lumMod val="50000"/>
-                        </a:prstClr>
-                      </a:solidFill>
-                      <a:prstDash val="sysDot"/>
-                      <a:round/>
-                      <a:headEnd type="none" w="med" len="med"/>
-                      <a:tailEnd type="none" w="med" len="med"/>
-                    </a:lnB>
-                    <a:lnTlToBr w="12700" cmpd="sng">
-                      <a:noFill/>
-                      <a:prstDash val="solid"/>
-                    </a:lnTlToBr>
-                    <a:lnBlToTr w="12700" cmpd="sng">
-                      <a:noFill/>
-                      <a:prstDash val="solid"/>
-                    </a:lnBlToTr>
-                    <a:noFill/>
-                  </a:tcPr>
-                </a:tc>
-                <a:extLst>
-                  <a:ext uri="{0D108BD9-81ED-4DB2-BD59-A6C34878D82A}">
-                    <a16:rowId xmlns:a16="http://schemas.microsoft.com/office/drawing/2014/main" val="10000"/>
-                  </a:ext>
-                </a:extLst>
-              </a:tr>
-              <a:tr h="371644">
-                <a:tc>
-                  <a:txBody>
-                    <a:bodyPr/>
-                    <a:lstStyle/>
-                    <a:p>
-                      <a:pPr algn="l"/>
-                      <a:r>
-                        <a:rPr lang="en-US" sz="1200" b="0" dirty="0">
-                          <a:solidFill>
-                            <a:schemeClr val="tx1"/>
-                          </a:solidFill>
-                          <a:latin typeface="+mn-lt"/>
-                          <a:cs typeface="Segoe"/>
-                        </a:rPr>
-                        <a:t>Body text</a:t>
-                      </a:r>
-                    </a:p>
-                  </a:txBody>
-                  <a:tcPr marT="34290" marB="34290" anchor="ctr">
-                    <a:lnL w="9525" cap="flat" cmpd="sng" algn="ctr">
-                      <a:noFill/>
-                      <a:prstDash val="solid"/>
-                    </a:lnL>
-                    <a:lnR>
-                      <a:noFill/>
-                    </a:lnR>
-                    <a:lnT w="6350" cap="flat" cmpd="sng" algn="ctr">
-                      <a:solidFill>
-                        <a:prstClr val="white">
-                          <a:lumMod val="50000"/>
-                        </a:prstClr>
-                      </a:solidFill>
-                      <a:prstDash val="sysDot"/>
-                      <a:round/>
-                      <a:headEnd type="none" w="med" len="med"/>
-                      <a:tailEnd type="none" w="med" len="med"/>
-                    </a:lnT>
-                    <a:lnB w="6350" cap="flat" cmpd="sng" algn="ctr">
-                      <a:solidFill>
-                        <a:prstClr val="white">
-                          <a:lumMod val="50000"/>
-                        </a:prstClr>
-                      </a:solidFill>
-                      <a:prstDash val="sysDot"/>
-                      <a:round/>
-                      <a:headEnd type="none" w="med" len="med"/>
-                      <a:tailEnd type="none" w="med" len="med"/>
-                    </a:lnB>
-                    <a:lnTlToBr w="12700" cmpd="sng">
-                      <a:noFill/>
-                      <a:prstDash val="solid"/>
-                    </a:lnTlToBr>
-                    <a:lnBlToTr w="12700" cmpd="sng">
-                      <a:noFill/>
-                      <a:prstDash val="solid"/>
-                    </a:lnBlToTr>
-                  </a:tcPr>
-                </a:tc>
-                <a:tc>
-                  <a:txBody>
-                    <a:bodyPr/>
-                    <a:lstStyle/>
-                    <a:p>
-                      <a:pPr algn="l"/>
-                      <a:r>
-                        <a:rPr lang="en-US" sz="1200" b="0" dirty="0">
-                          <a:solidFill>
-                            <a:schemeClr val="tx1"/>
-                          </a:solidFill>
-                          <a:latin typeface="+mn-lt"/>
-                          <a:cs typeface="Segoe"/>
-                        </a:rPr>
-                        <a:t>Body text</a:t>
-                      </a:r>
-                    </a:p>
-                  </a:txBody>
-                  <a:tcPr marT="34290" marB="34290" anchor="ctr">
-                    <a:lnL>
-                      <a:noFill/>
-                    </a:lnL>
-                    <a:lnR>
-                      <a:noFill/>
-                    </a:lnR>
-                    <a:lnT w="6350" cap="flat" cmpd="sng" algn="ctr">
-                      <a:solidFill>
-                        <a:prstClr val="white">
-                          <a:lumMod val="50000"/>
-                        </a:prstClr>
-                      </a:solidFill>
-                      <a:prstDash val="sysDot"/>
-                      <a:round/>
-                      <a:headEnd type="none" w="med" len="med"/>
-                      <a:tailEnd type="none" w="med" len="med"/>
-                    </a:lnT>
-                    <a:lnB w="6350" cap="flat" cmpd="sng" algn="ctr">
-                      <a:solidFill>
-                        <a:prstClr val="white">
-                          <a:lumMod val="50000"/>
-                        </a:prstClr>
-                      </a:solidFill>
-                      <a:prstDash val="sysDot"/>
-                      <a:round/>
-                      <a:headEnd type="none" w="med" len="med"/>
-                      <a:tailEnd type="none" w="med" len="med"/>
-                    </a:lnB>
-                    <a:lnTlToBr w="12700" cmpd="sng">
-                      <a:noFill/>
-                      <a:prstDash val="solid"/>
-                    </a:lnTlToBr>
-                    <a:lnBlToTr w="12700" cmpd="sng">
-                      <a:noFill/>
-                      <a:prstDash val="solid"/>
-                    </a:lnBlToTr>
-                  </a:tcPr>
-                </a:tc>
-                <a:tc>
-                  <a:txBody>
-                    <a:bodyPr/>
-                    <a:lstStyle/>
-                    <a:p>
-                      <a:pPr algn="l"/>
-                      <a:r>
-                        <a:rPr lang="en-US" sz="1200" b="0" dirty="0">
-                          <a:solidFill>
-                            <a:schemeClr val="tx1"/>
-                          </a:solidFill>
-                          <a:latin typeface="+mn-lt"/>
-                          <a:cs typeface="Segoe"/>
-                        </a:rPr>
-                        <a:t>Body text</a:t>
-                      </a:r>
-                    </a:p>
-                  </a:txBody>
-                  <a:tcPr marT="34290" marB="34290" anchor="ctr">
-                    <a:lnL>
-                      <a:noFill/>
-                    </a:lnL>
-                    <a:lnR>
-                      <a:noFill/>
-                    </a:lnR>
-                    <a:lnT w="6350" cap="flat" cmpd="sng" algn="ctr">
-                      <a:solidFill>
-                        <a:prstClr val="white">
-                          <a:lumMod val="50000"/>
-                        </a:prstClr>
-                      </a:solidFill>
-                      <a:prstDash val="sysDot"/>
-                      <a:round/>
-                      <a:headEnd type="none" w="med" len="med"/>
-                      <a:tailEnd type="none" w="med" len="med"/>
-                    </a:lnT>
-                    <a:lnB w="6350" cap="flat" cmpd="sng" algn="ctr">
-                      <a:solidFill>
-                        <a:prstClr val="white">
-                          <a:lumMod val="50000"/>
-                        </a:prstClr>
-                      </a:solidFill>
-                      <a:prstDash val="sysDot"/>
-                      <a:round/>
-                      <a:headEnd type="none" w="med" len="med"/>
-                      <a:tailEnd type="none" w="med" len="med"/>
-                    </a:lnB>
-                    <a:lnTlToBr w="12700" cmpd="sng">
-                      <a:noFill/>
-                      <a:prstDash val="solid"/>
-                    </a:lnTlToBr>
-                    <a:lnBlToTr w="12700" cmpd="sng">
-                      <a:noFill/>
-                      <a:prstDash val="solid"/>
-                    </a:lnBlToTr>
-                  </a:tcPr>
-                </a:tc>
-                <a:tc>
-                  <a:txBody>
-                    <a:bodyPr/>
-                    <a:lstStyle/>
-                    <a:p>
-                      <a:pPr algn="l"/>
-                      <a:r>
-                        <a:rPr lang="en-US" sz="1200" b="0" dirty="0">
-                          <a:solidFill>
-                            <a:schemeClr val="tx1"/>
-                          </a:solidFill>
-                          <a:latin typeface="+mn-lt"/>
-                          <a:cs typeface="Segoe"/>
-                        </a:rPr>
-                        <a:t>Body text</a:t>
-                      </a:r>
-                    </a:p>
-                  </a:txBody>
-                  <a:tcPr marT="34290" marB="34290" anchor="ctr">
-                    <a:lnL>
-                      <a:noFill/>
-                    </a:lnL>
-                    <a:lnR>
-                      <a:noFill/>
-                    </a:lnR>
-                    <a:lnT w="6350" cap="flat" cmpd="sng" algn="ctr">
-                      <a:solidFill>
-                        <a:prstClr val="white">
-                          <a:lumMod val="50000"/>
-                        </a:prstClr>
-                      </a:solidFill>
-                      <a:prstDash val="sysDot"/>
-                      <a:round/>
-                      <a:headEnd type="none" w="med" len="med"/>
-                      <a:tailEnd type="none" w="med" len="med"/>
-                    </a:lnT>
-                    <a:lnB w="6350" cap="flat" cmpd="sng" algn="ctr">
-                      <a:solidFill>
-                        <a:prstClr val="white">
-                          <a:lumMod val="50000"/>
-                        </a:prstClr>
-                      </a:solidFill>
-                      <a:prstDash val="sysDot"/>
-                      <a:round/>
-                      <a:headEnd type="none" w="med" len="med"/>
-                      <a:tailEnd type="none" w="med" len="med"/>
-                    </a:lnB>
-                    <a:lnTlToBr w="12700" cmpd="sng">
-                      <a:noFill/>
-                      <a:prstDash val="solid"/>
-                    </a:lnTlToBr>
-                    <a:lnBlToTr w="12700" cmpd="sng">
-                      <a:noFill/>
-                      <a:prstDash val="solid"/>
-                    </a:lnBlToTr>
-                  </a:tcPr>
-                </a:tc>
-                <a:tc>
-                  <a:txBody>
-                    <a:bodyPr/>
-                    <a:lstStyle/>
-                    <a:p>
-                      <a:pPr algn="l"/>
-                      <a:r>
-                        <a:rPr lang="en-US" sz="1200" b="0" dirty="0">
-                          <a:solidFill>
-                            <a:schemeClr val="tx1"/>
-                          </a:solidFill>
-                          <a:latin typeface="+mn-lt"/>
-                          <a:cs typeface="Segoe"/>
-                        </a:rPr>
-                        <a:t>Body text</a:t>
-                      </a:r>
-                    </a:p>
-                  </a:txBody>
-                  <a:tcPr marT="34290" marB="34290" anchor="ctr">
-                    <a:lnL>
-                      <a:noFill/>
-                    </a:lnL>
-                    <a:lnR>
-                      <a:noFill/>
-                    </a:lnR>
-                    <a:lnT w="6350" cap="flat" cmpd="sng" algn="ctr">
-                      <a:solidFill>
-                        <a:prstClr val="white">
-                          <a:lumMod val="50000"/>
-                        </a:prstClr>
-                      </a:solidFill>
-                      <a:prstDash val="sysDot"/>
-                      <a:round/>
-                      <a:headEnd type="none" w="med" len="med"/>
-                      <a:tailEnd type="none" w="med" len="med"/>
-                    </a:lnT>
-                    <a:lnB w="6350" cap="flat" cmpd="sng" algn="ctr">
-                      <a:solidFill>
-                        <a:prstClr val="white">
-                          <a:lumMod val="50000"/>
-                        </a:prstClr>
-                      </a:solidFill>
-                      <a:prstDash val="sysDot"/>
-                      <a:round/>
-                      <a:headEnd type="none" w="med" len="med"/>
-                      <a:tailEnd type="none" w="med" len="med"/>
-                    </a:lnB>
-                    <a:lnTlToBr w="12700" cmpd="sng">
-                      <a:noFill/>
-                      <a:prstDash val="solid"/>
-                    </a:lnTlToBr>
-                    <a:lnBlToTr w="12700" cmpd="sng">
-                      <a:noFill/>
-                      <a:prstDash val="solid"/>
-                    </a:lnBlToTr>
-                  </a:tcPr>
-                </a:tc>
-                <a:extLst>
-                  <a:ext uri="{0D108BD9-81ED-4DB2-BD59-A6C34878D82A}">
-                    <a16:rowId xmlns:a16="http://schemas.microsoft.com/office/drawing/2014/main" val="10001"/>
-                  </a:ext>
-                </a:extLst>
-              </a:tr>
-              <a:tr h="371644">
-                <a:tc>
-                  <a:txBody>
-                    <a:bodyPr/>
-                    <a:lstStyle/>
-                    <a:p>
-                      <a:pPr algn="l"/>
-                      <a:r>
-                        <a:rPr lang="en-US" sz="1200" b="0" dirty="0">
-                          <a:solidFill>
-                            <a:schemeClr val="tx1"/>
-                          </a:solidFill>
-                          <a:latin typeface="+mn-lt"/>
-                          <a:cs typeface="Segoe"/>
-                        </a:rPr>
-                        <a:t>Body text</a:t>
-                      </a:r>
-                    </a:p>
-                  </a:txBody>
-                  <a:tcPr marT="34290" marB="34290" anchor="ctr">
-                    <a:lnL w="9525" cap="flat" cmpd="sng" algn="ctr">
-                      <a:noFill/>
-                      <a:prstDash val="solid"/>
-                    </a:lnL>
-                    <a:lnR>
-                      <a:noFill/>
-                    </a:lnR>
-                    <a:lnT w="6350" cap="flat" cmpd="sng" algn="ctr">
-                      <a:solidFill>
-                        <a:prstClr val="white">
-                          <a:lumMod val="50000"/>
-                        </a:prstClr>
-                      </a:solidFill>
-                      <a:prstDash val="sysDot"/>
-                      <a:round/>
-                      <a:headEnd type="none" w="med" len="med"/>
-                      <a:tailEnd type="none" w="med" len="med"/>
-                    </a:lnT>
-                    <a:lnB w="6350" cap="flat" cmpd="sng" algn="ctr">
-                      <a:solidFill>
-                        <a:prstClr val="white">
-                          <a:lumMod val="50000"/>
-                        </a:prstClr>
-                      </a:solidFill>
-                      <a:prstDash val="sysDot"/>
-                      <a:round/>
-                      <a:headEnd type="none" w="med" len="med"/>
-                      <a:tailEnd type="none" w="med" len="med"/>
-                    </a:lnB>
-                    <a:lnTlToBr w="12700" cmpd="sng">
-                      <a:noFill/>
-                      <a:prstDash val="solid"/>
-                    </a:lnTlToBr>
-                    <a:lnBlToTr w="12700" cmpd="sng">
-                      <a:noFill/>
-                      <a:prstDash val="solid"/>
-                    </a:lnBlToTr>
-                    <a:solidFill>
-                      <a:schemeClr val="bg2">
-                        <a:lumMod val="95000"/>
-                      </a:schemeClr>
-                    </a:solidFill>
-                  </a:tcPr>
-                </a:tc>
-                <a:tc>
-                  <a:txBody>
-                    <a:bodyPr/>
-                    <a:lstStyle/>
-                    <a:p>
-                      <a:pPr algn="l"/>
-                      <a:r>
-                        <a:rPr lang="en-US" sz="1200" b="0" dirty="0">
-                          <a:solidFill>
-                            <a:schemeClr val="tx1"/>
-                          </a:solidFill>
-                          <a:latin typeface="+mn-lt"/>
-                          <a:cs typeface="Segoe"/>
-                        </a:rPr>
-                        <a:t>Body text</a:t>
-                      </a:r>
-                    </a:p>
-                  </a:txBody>
-                  <a:tcPr marT="34290" marB="34290" anchor="ctr">
-                    <a:lnL>
-                      <a:noFill/>
-                    </a:lnL>
-                    <a:lnR>
-                      <a:noFill/>
-                    </a:lnR>
-                    <a:lnT w="6350" cap="flat" cmpd="sng" algn="ctr">
-                      <a:solidFill>
-                        <a:prstClr val="white">
-                          <a:lumMod val="50000"/>
-                        </a:prstClr>
-                      </a:solidFill>
-                      <a:prstDash val="sysDot"/>
-                      <a:round/>
-                      <a:headEnd type="none" w="med" len="med"/>
-                      <a:tailEnd type="none" w="med" len="med"/>
-                    </a:lnT>
-                    <a:lnB w="6350" cap="flat" cmpd="sng" algn="ctr">
-                      <a:solidFill>
-                        <a:prstClr val="white">
-                          <a:lumMod val="50000"/>
-                        </a:prstClr>
-                      </a:solidFill>
-                      <a:prstDash val="sysDot"/>
-                      <a:round/>
-                      <a:headEnd type="none" w="med" len="med"/>
-                      <a:tailEnd type="none" w="med" len="med"/>
-                    </a:lnB>
-                    <a:lnTlToBr w="12700" cmpd="sng">
-                      <a:noFill/>
-                      <a:prstDash val="solid"/>
-                    </a:lnTlToBr>
-                    <a:lnBlToTr w="12700" cmpd="sng">
-                      <a:noFill/>
-                      <a:prstDash val="solid"/>
-                    </a:lnBlToTr>
-                    <a:solidFill>
-                      <a:schemeClr val="bg2">
-                        <a:lumMod val="95000"/>
-                      </a:schemeClr>
-                    </a:solidFill>
-                  </a:tcPr>
-                </a:tc>
-                <a:tc>
-                  <a:txBody>
-                    <a:bodyPr/>
-                    <a:lstStyle/>
-                    <a:p>
-                      <a:pPr algn="l"/>
-                      <a:r>
-                        <a:rPr lang="en-US" sz="1200" b="0" dirty="0">
-                          <a:solidFill>
-                            <a:schemeClr val="tx1"/>
-                          </a:solidFill>
-                          <a:latin typeface="+mn-lt"/>
-                          <a:cs typeface="Segoe"/>
-                        </a:rPr>
-                        <a:t>Body text</a:t>
-                      </a:r>
-                    </a:p>
-                  </a:txBody>
-                  <a:tcPr marT="34290" marB="34290" anchor="ctr">
-                    <a:lnL>
-                      <a:noFill/>
-                    </a:lnL>
-                    <a:lnR>
-                      <a:noFill/>
-                    </a:lnR>
-                    <a:lnT w="6350" cap="flat" cmpd="sng" algn="ctr">
-                      <a:solidFill>
-                        <a:prstClr val="white">
-                          <a:lumMod val="50000"/>
-                        </a:prstClr>
-                      </a:solidFill>
-                      <a:prstDash val="sysDot"/>
-                      <a:round/>
-                      <a:headEnd type="none" w="med" len="med"/>
-                      <a:tailEnd type="none" w="med" len="med"/>
-                    </a:lnT>
-                    <a:lnB w="6350" cap="flat" cmpd="sng" algn="ctr">
-                      <a:solidFill>
-                        <a:prstClr val="white">
-                          <a:lumMod val="50000"/>
-                        </a:prstClr>
-                      </a:solidFill>
-                      <a:prstDash val="sysDot"/>
-                      <a:round/>
-                      <a:headEnd type="none" w="med" len="med"/>
-                      <a:tailEnd type="none" w="med" len="med"/>
-                    </a:lnB>
-                    <a:lnTlToBr w="12700" cmpd="sng">
-                      <a:noFill/>
-                      <a:prstDash val="solid"/>
-                    </a:lnTlToBr>
-                    <a:lnBlToTr w="12700" cmpd="sng">
-                      <a:noFill/>
-                      <a:prstDash val="solid"/>
-                    </a:lnBlToTr>
-                    <a:solidFill>
-                      <a:schemeClr val="bg2">
-                        <a:lumMod val="95000"/>
-                      </a:schemeClr>
-                    </a:solidFill>
-                  </a:tcPr>
-                </a:tc>
-                <a:tc>
-                  <a:txBody>
-                    <a:bodyPr/>
-                    <a:lstStyle/>
-                    <a:p>
-                      <a:pPr algn="l"/>
-                      <a:r>
-                        <a:rPr lang="en-US" sz="1200" b="0" dirty="0">
-                          <a:solidFill>
-                            <a:schemeClr val="tx1"/>
-                          </a:solidFill>
-                          <a:latin typeface="+mn-lt"/>
-                          <a:cs typeface="Segoe"/>
-                        </a:rPr>
-                        <a:t>Body text</a:t>
-                      </a:r>
-                    </a:p>
-                  </a:txBody>
-                  <a:tcPr marT="34290" marB="34290" anchor="ctr">
-                    <a:lnL>
-                      <a:noFill/>
-                    </a:lnL>
-                    <a:lnR>
-                      <a:noFill/>
-                    </a:lnR>
-                    <a:lnT w="6350" cap="flat" cmpd="sng" algn="ctr">
-                      <a:solidFill>
-                        <a:prstClr val="white">
-                          <a:lumMod val="50000"/>
-                        </a:prstClr>
-                      </a:solidFill>
-                      <a:prstDash val="sysDot"/>
-                      <a:round/>
-                      <a:headEnd type="none" w="med" len="med"/>
-                      <a:tailEnd type="none" w="med" len="med"/>
-                    </a:lnT>
-                    <a:lnB w="6350" cap="flat" cmpd="sng" algn="ctr">
-                      <a:solidFill>
-                        <a:prstClr val="white">
-                          <a:lumMod val="50000"/>
-                        </a:prstClr>
-                      </a:solidFill>
-                      <a:prstDash val="sysDot"/>
-                      <a:round/>
-                      <a:headEnd type="none" w="med" len="med"/>
-                      <a:tailEnd type="none" w="med" len="med"/>
-                    </a:lnB>
-                    <a:lnTlToBr w="12700" cmpd="sng">
-                      <a:noFill/>
-                      <a:prstDash val="solid"/>
-                    </a:lnTlToBr>
-                    <a:lnBlToTr w="12700" cmpd="sng">
-                      <a:noFill/>
-                      <a:prstDash val="solid"/>
-                    </a:lnBlToTr>
-                    <a:solidFill>
-                      <a:schemeClr val="bg2">
-                        <a:lumMod val="95000"/>
-                      </a:schemeClr>
-                    </a:solidFill>
-                  </a:tcPr>
-                </a:tc>
-                <a:tc>
-                  <a:txBody>
-                    <a:bodyPr/>
-                    <a:lstStyle/>
-                    <a:p>
-                      <a:pPr algn="l"/>
-                      <a:r>
-                        <a:rPr lang="en-US" sz="1200" b="0" dirty="0">
-                          <a:solidFill>
-                            <a:schemeClr val="tx1"/>
-                          </a:solidFill>
-                          <a:latin typeface="+mn-lt"/>
-                          <a:cs typeface="Segoe"/>
-                        </a:rPr>
-                        <a:t>Body text</a:t>
-                      </a:r>
-                    </a:p>
-                  </a:txBody>
-                  <a:tcPr marT="34290" marB="34290" anchor="ctr">
-                    <a:lnL>
-                      <a:noFill/>
-                    </a:lnL>
-                    <a:lnR>
-                      <a:noFill/>
-                    </a:lnR>
-                    <a:lnT w="6350" cap="flat" cmpd="sng" algn="ctr">
-                      <a:solidFill>
-                        <a:prstClr val="white">
-                          <a:lumMod val="50000"/>
-                        </a:prstClr>
-                      </a:solidFill>
-                      <a:prstDash val="sysDot"/>
-                      <a:round/>
-                      <a:headEnd type="none" w="med" len="med"/>
-                      <a:tailEnd type="none" w="med" len="med"/>
-                    </a:lnT>
-                    <a:lnB w="6350" cap="flat" cmpd="sng" algn="ctr">
-                      <a:solidFill>
-                        <a:prstClr val="white">
-                          <a:lumMod val="50000"/>
-                        </a:prstClr>
-                      </a:solidFill>
-                      <a:prstDash val="sysDot"/>
-                      <a:round/>
-                      <a:headEnd type="none" w="med" len="med"/>
-                      <a:tailEnd type="none" w="med" len="med"/>
-                    </a:lnB>
-                    <a:lnTlToBr w="12700" cmpd="sng">
-                      <a:noFill/>
-                      <a:prstDash val="solid"/>
-                    </a:lnTlToBr>
-                    <a:lnBlToTr w="12700" cmpd="sng">
-                      <a:noFill/>
-                      <a:prstDash val="solid"/>
-                    </a:lnBlToTr>
-                    <a:solidFill>
-                      <a:schemeClr val="bg2">
-                        <a:lumMod val="95000"/>
-                      </a:schemeClr>
-                    </a:solidFill>
-                  </a:tcPr>
-                </a:tc>
-                <a:extLst>
-                  <a:ext uri="{0D108BD9-81ED-4DB2-BD59-A6C34878D82A}">
-                    <a16:rowId xmlns:a16="http://schemas.microsoft.com/office/drawing/2014/main" val="10002"/>
-                  </a:ext>
-                </a:extLst>
-              </a:tr>
-              <a:tr h="371644">
-                <a:tc>
-                  <a:txBody>
-                    <a:bodyPr/>
-                    <a:lstStyle/>
-                    <a:p>
-                      <a:pPr algn="l"/>
-                      <a:r>
-                        <a:rPr lang="en-US" sz="1200" b="0">
-                          <a:solidFill>
-                            <a:schemeClr val="tx1"/>
-                          </a:solidFill>
-                          <a:latin typeface="+mn-lt"/>
-                          <a:cs typeface="Segoe"/>
-                        </a:rPr>
-                        <a:t>Body text</a:t>
-                      </a:r>
-                      <a:endParaRPr lang="en-US" sz="1200" b="0" dirty="0">
-                        <a:solidFill>
-                          <a:schemeClr val="tx1"/>
-                        </a:solidFill>
-                        <a:latin typeface="+mn-lt"/>
-                        <a:cs typeface="Segoe"/>
-                      </a:endParaRPr>
-                    </a:p>
-                  </a:txBody>
-                  <a:tcPr marT="34290" marB="34290" anchor="ctr">
-                    <a:lnL w="9525" cap="flat" cmpd="sng" algn="ctr">
-                      <a:noFill/>
-                      <a:prstDash val="solid"/>
-                    </a:lnL>
-                    <a:lnR>
-                      <a:noFill/>
-                    </a:lnR>
-                    <a:lnT w="6350" cap="flat" cmpd="sng" algn="ctr">
-                      <a:solidFill>
-                        <a:prstClr val="white">
-                          <a:lumMod val="50000"/>
-                        </a:prstClr>
-                      </a:solidFill>
-                      <a:prstDash val="sysDot"/>
-                      <a:round/>
-                      <a:headEnd type="none" w="med" len="med"/>
-                      <a:tailEnd type="none" w="med" len="med"/>
-                    </a:lnT>
-                    <a:lnB w="6350" cap="flat" cmpd="sng" algn="ctr">
-                      <a:solidFill>
-                        <a:prstClr val="white">
-                          <a:lumMod val="50000"/>
-                        </a:prstClr>
-                      </a:solidFill>
-                      <a:prstDash val="sysDot"/>
-                      <a:round/>
-                      <a:headEnd type="none" w="med" len="med"/>
-                      <a:tailEnd type="none" w="med" len="med"/>
-                    </a:lnB>
-                    <a:lnTlToBr w="12700" cmpd="sng">
-                      <a:noFill/>
-                      <a:prstDash val="solid"/>
-                    </a:lnTlToBr>
-                    <a:lnBlToTr w="12700" cmpd="sng">
-                      <a:noFill/>
-                      <a:prstDash val="solid"/>
-                    </a:lnBlToTr>
-                  </a:tcPr>
-                </a:tc>
-                <a:tc>
-                  <a:txBody>
-                    <a:bodyPr/>
-                    <a:lstStyle/>
-                    <a:p>
-                      <a:pPr algn="l"/>
-                      <a:r>
-                        <a:rPr lang="en-US" sz="1200" b="0" dirty="0">
-                          <a:solidFill>
-                            <a:schemeClr val="tx1"/>
-                          </a:solidFill>
-                          <a:latin typeface="+mn-lt"/>
-                          <a:cs typeface="Segoe"/>
-                        </a:rPr>
-                        <a:t>Body text</a:t>
-                      </a:r>
-                    </a:p>
-                  </a:txBody>
-                  <a:tcPr marT="34290" marB="34290" anchor="ctr">
-                    <a:lnL>
-                      <a:noFill/>
-                    </a:lnL>
-                    <a:lnR>
-                      <a:noFill/>
-                    </a:lnR>
-                    <a:lnT w="6350" cap="flat" cmpd="sng" algn="ctr">
-                      <a:solidFill>
-                        <a:prstClr val="white">
-                          <a:lumMod val="50000"/>
-                        </a:prstClr>
-                      </a:solidFill>
-                      <a:prstDash val="sysDot"/>
-                      <a:round/>
-                      <a:headEnd type="none" w="med" len="med"/>
-                      <a:tailEnd type="none" w="med" len="med"/>
-                    </a:lnT>
-                    <a:lnB w="6350" cap="flat" cmpd="sng" algn="ctr">
-                      <a:solidFill>
-                        <a:prstClr val="white">
-                          <a:lumMod val="50000"/>
-                        </a:prstClr>
-                      </a:solidFill>
-                      <a:prstDash val="sysDot"/>
-                      <a:round/>
-                      <a:headEnd type="none" w="med" len="med"/>
-                      <a:tailEnd type="none" w="med" len="med"/>
-                    </a:lnB>
-                    <a:lnTlToBr w="12700" cmpd="sng">
-                      <a:noFill/>
-                      <a:prstDash val="solid"/>
-                    </a:lnTlToBr>
-                    <a:lnBlToTr w="12700" cmpd="sng">
-                      <a:noFill/>
-                      <a:prstDash val="solid"/>
-                    </a:lnBlToTr>
-                  </a:tcPr>
-                </a:tc>
-                <a:tc>
-                  <a:txBody>
-                    <a:bodyPr/>
-                    <a:lstStyle/>
-                    <a:p>
-                      <a:pPr algn="l"/>
-                      <a:r>
-                        <a:rPr lang="en-US" sz="1200" b="0" dirty="0">
-                          <a:solidFill>
-                            <a:schemeClr val="tx1"/>
-                          </a:solidFill>
-                          <a:latin typeface="+mn-lt"/>
-                          <a:cs typeface="Segoe"/>
-                        </a:rPr>
-                        <a:t>Body text</a:t>
-                      </a:r>
-                    </a:p>
-                  </a:txBody>
-                  <a:tcPr marT="34290" marB="34290" anchor="ctr">
-                    <a:lnL>
-                      <a:noFill/>
-                    </a:lnL>
-                    <a:lnR>
-                      <a:noFill/>
-                    </a:lnR>
-                    <a:lnT w="6350" cap="flat" cmpd="sng" algn="ctr">
-                      <a:solidFill>
-                        <a:prstClr val="white">
-                          <a:lumMod val="50000"/>
-                        </a:prstClr>
-                      </a:solidFill>
-                      <a:prstDash val="sysDot"/>
-                      <a:round/>
-                      <a:headEnd type="none" w="med" len="med"/>
-                      <a:tailEnd type="none" w="med" len="med"/>
-                    </a:lnT>
-                    <a:lnB w="6350" cap="flat" cmpd="sng" algn="ctr">
-                      <a:solidFill>
-                        <a:prstClr val="white">
-                          <a:lumMod val="50000"/>
-                        </a:prstClr>
-                      </a:solidFill>
-                      <a:prstDash val="sysDot"/>
-                      <a:round/>
-                      <a:headEnd type="none" w="med" len="med"/>
-                      <a:tailEnd type="none" w="med" len="med"/>
-                    </a:lnB>
-                    <a:lnTlToBr w="12700" cmpd="sng">
-                      <a:noFill/>
-                      <a:prstDash val="solid"/>
-                    </a:lnTlToBr>
-                    <a:lnBlToTr w="12700" cmpd="sng">
-                      <a:noFill/>
-                      <a:prstDash val="solid"/>
-                    </a:lnBlToTr>
-                  </a:tcPr>
-                </a:tc>
-                <a:tc>
-                  <a:txBody>
-                    <a:bodyPr/>
-                    <a:lstStyle/>
-                    <a:p>
-                      <a:pPr algn="l"/>
-                      <a:r>
-                        <a:rPr lang="en-US" sz="1200" b="0" dirty="0">
-                          <a:solidFill>
-                            <a:schemeClr val="tx1"/>
-                          </a:solidFill>
-                          <a:latin typeface="+mn-lt"/>
-                          <a:cs typeface="Segoe"/>
-                        </a:rPr>
-                        <a:t>Body text</a:t>
-                      </a:r>
-                    </a:p>
-                  </a:txBody>
-                  <a:tcPr marT="34290" marB="34290" anchor="ctr">
-                    <a:lnL>
-                      <a:noFill/>
-                    </a:lnL>
-                    <a:lnR>
-                      <a:noFill/>
-                    </a:lnR>
-                    <a:lnT w="6350" cap="flat" cmpd="sng" algn="ctr">
-                      <a:solidFill>
-                        <a:prstClr val="white">
-                          <a:lumMod val="50000"/>
-                        </a:prstClr>
-                      </a:solidFill>
-                      <a:prstDash val="sysDot"/>
-                      <a:round/>
-                      <a:headEnd type="none" w="med" len="med"/>
-                      <a:tailEnd type="none" w="med" len="med"/>
-                    </a:lnT>
-                    <a:lnB w="6350" cap="flat" cmpd="sng" algn="ctr">
-                      <a:solidFill>
-                        <a:prstClr val="white">
-                          <a:lumMod val="50000"/>
-                        </a:prstClr>
-                      </a:solidFill>
-                      <a:prstDash val="sysDot"/>
-                      <a:round/>
-                      <a:headEnd type="none" w="med" len="med"/>
-                      <a:tailEnd type="none" w="med" len="med"/>
-                    </a:lnB>
-                    <a:lnTlToBr w="12700" cmpd="sng">
-                      <a:noFill/>
-                      <a:prstDash val="solid"/>
-                    </a:lnTlToBr>
-                    <a:lnBlToTr w="12700" cmpd="sng">
-                      <a:noFill/>
-                      <a:prstDash val="solid"/>
-                    </a:lnBlToTr>
-                  </a:tcPr>
-                </a:tc>
-                <a:tc>
-                  <a:txBody>
-                    <a:bodyPr/>
-                    <a:lstStyle/>
-                    <a:p>
-                      <a:pPr algn="l"/>
-                      <a:r>
-                        <a:rPr lang="en-US" sz="1200" b="0" dirty="0">
-                          <a:solidFill>
-                            <a:schemeClr val="tx1"/>
-                          </a:solidFill>
-                          <a:latin typeface="+mn-lt"/>
-                          <a:cs typeface="Segoe"/>
-                        </a:rPr>
-                        <a:t>Body text</a:t>
-                      </a:r>
-                    </a:p>
-                  </a:txBody>
-                  <a:tcPr marT="34290" marB="34290" anchor="ctr">
-                    <a:lnL>
-                      <a:noFill/>
-                    </a:lnL>
-                    <a:lnR>
-                      <a:noFill/>
-                    </a:lnR>
-                    <a:lnT w="6350" cap="flat" cmpd="sng" algn="ctr">
-                      <a:solidFill>
-                        <a:prstClr val="white">
-                          <a:lumMod val="50000"/>
-                        </a:prstClr>
-                      </a:solidFill>
-                      <a:prstDash val="sysDot"/>
-                      <a:round/>
-                      <a:headEnd type="none" w="med" len="med"/>
-                      <a:tailEnd type="none" w="med" len="med"/>
-                    </a:lnT>
-                    <a:lnB w="6350" cap="flat" cmpd="sng" algn="ctr">
-                      <a:solidFill>
-                        <a:prstClr val="white">
-                          <a:lumMod val="50000"/>
-                        </a:prstClr>
-                      </a:solidFill>
-                      <a:prstDash val="sysDot"/>
-                      <a:round/>
-                      <a:headEnd type="none" w="med" len="med"/>
-                      <a:tailEnd type="none" w="med" len="med"/>
-                    </a:lnB>
-                    <a:lnTlToBr w="12700" cmpd="sng">
-                      <a:noFill/>
-                      <a:prstDash val="solid"/>
-                    </a:lnTlToBr>
-                    <a:lnBlToTr w="12700" cmpd="sng">
-                      <a:noFill/>
-                      <a:prstDash val="solid"/>
-                    </a:lnBlToTr>
-                  </a:tcPr>
-                </a:tc>
-                <a:extLst>
-                  <a:ext uri="{0D108BD9-81ED-4DB2-BD59-A6C34878D82A}">
-                    <a16:rowId xmlns:a16="http://schemas.microsoft.com/office/drawing/2014/main" val="10003"/>
-                  </a:ext>
-                </a:extLst>
-              </a:tr>
-              <a:tr h="371644">
-                <a:tc>
-                  <a:txBody>
-                    <a:bodyPr/>
-                    <a:lstStyle/>
-                    <a:p>
-                      <a:pPr algn="l"/>
-                      <a:r>
-                        <a:rPr lang="en-US" sz="1200" b="0" dirty="0">
-                          <a:solidFill>
-                            <a:schemeClr val="tx1"/>
-                          </a:solidFill>
-                          <a:latin typeface="+mn-lt"/>
-                          <a:cs typeface="Segoe"/>
-                        </a:rPr>
-                        <a:t>Body text</a:t>
-                      </a:r>
-                    </a:p>
-                  </a:txBody>
-                  <a:tcPr marT="34290" marB="34290" anchor="ctr">
-                    <a:lnL w="9525" cap="flat" cmpd="sng" algn="ctr">
-                      <a:noFill/>
-                      <a:prstDash val="solid"/>
-                    </a:lnL>
-                    <a:lnR>
-                      <a:noFill/>
-                    </a:lnR>
-                    <a:lnT w="6350" cap="flat" cmpd="sng" algn="ctr">
-                      <a:solidFill>
-                        <a:prstClr val="white">
-                          <a:lumMod val="50000"/>
-                        </a:prstClr>
-                      </a:solidFill>
-                      <a:prstDash val="sysDot"/>
-                      <a:round/>
-                      <a:headEnd type="none" w="med" len="med"/>
-                      <a:tailEnd type="none" w="med" len="med"/>
-                    </a:lnT>
-                    <a:lnB w="9525" cap="flat" cmpd="sng" algn="ctr">
-                      <a:noFill/>
-                      <a:prstDash val="solid"/>
-                    </a:lnB>
-                    <a:lnTlToBr w="12700" cmpd="sng">
-                      <a:noFill/>
-                      <a:prstDash val="solid"/>
-                    </a:lnTlToBr>
-                    <a:lnBlToTr w="12700" cmpd="sng">
-                      <a:noFill/>
-                      <a:prstDash val="solid"/>
-                    </a:lnBlToTr>
-                    <a:solidFill>
-                      <a:schemeClr val="bg2">
-                        <a:lumMod val="95000"/>
-                      </a:schemeClr>
-                    </a:solidFill>
-                  </a:tcPr>
-                </a:tc>
-                <a:tc>
-                  <a:txBody>
-                    <a:bodyPr/>
-                    <a:lstStyle/>
-                    <a:p>
-                      <a:pPr algn="l"/>
-                      <a:r>
-                        <a:rPr lang="en-US" sz="1200" b="0" dirty="0">
-                          <a:solidFill>
-                            <a:schemeClr val="tx1"/>
-                          </a:solidFill>
-                          <a:latin typeface="+mn-lt"/>
-                          <a:cs typeface="Segoe"/>
-                        </a:rPr>
-                        <a:t>Body text</a:t>
-                      </a:r>
-                    </a:p>
-                  </a:txBody>
-                  <a:tcPr marT="34290" marB="34290" anchor="ctr">
-                    <a:lnL>
-                      <a:noFill/>
-                    </a:lnL>
-                    <a:lnR>
-                      <a:noFill/>
-                    </a:lnR>
-                    <a:lnT w="6350" cap="flat" cmpd="sng" algn="ctr">
-                      <a:solidFill>
-                        <a:prstClr val="white">
-                          <a:lumMod val="50000"/>
-                        </a:prstClr>
-                      </a:solidFill>
-                      <a:prstDash val="sysDot"/>
-                      <a:round/>
-                      <a:headEnd type="none" w="med" len="med"/>
-                      <a:tailEnd type="none" w="med" len="med"/>
-                    </a:lnT>
-                    <a:lnB w="9525" cap="flat" cmpd="sng" algn="ctr">
-                      <a:noFill/>
-                      <a:prstDash val="solid"/>
-                    </a:lnB>
-                    <a:lnTlToBr w="12700" cmpd="sng">
-                      <a:noFill/>
-                      <a:prstDash val="solid"/>
-                    </a:lnTlToBr>
-                    <a:lnBlToTr w="12700" cmpd="sng">
-                      <a:noFill/>
-                      <a:prstDash val="solid"/>
-                    </a:lnBlToTr>
-                    <a:solidFill>
-                      <a:schemeClr val="bg2">
-                        <a:lumMod val="95000"/>
-                      </a:schemeClr>
-                    </a:solidFill>
-                  </a:tcPr>
-                </a:tc>
-                <a:tc>
-                  <a:txBody>
-                    <a:bodyPr/>
-                    <a:lstStyle/>
-                    <a:p>
-                      <a:pPr algn="l"/>
-                      <a:r>
-                        <a:rPr lang="en-US" sz="1200" b="0" dirty="0">
-                          <a:solidFill>
-                            <a:schemeClr val="tx1"/>
-                          </a:solidFill>
-                          <a:latin typeface="+mn-lt"/>
-                          <a:cs typeface="Segoe"/>
-                        </a:rPr>
-                        <a:t>Body text</a:t>
-                      </a:r>
-                    </a:p>
-                  </a:txBody>
-                  <a:tcPr marT="34290" marB="34290" anchor="ctr">
-                    <a:lnL>
-                      <a:noFill/>
-                    </a:lnL>
-                    <a:lnR>
-                      <a:noFill/>
-                    </a:lnR>
-                    <a:lnT w="6350" cap="flat" cmpd="sng" algn="ctr">
-                      <a:solidFill>
-                        <a:prstClr val="white">
-                          <a:lumMod val="50000"/>
-                        </a:prstClr>
-                      </a:solidFill>
-                      <a:prstDash val="sysDot"/>
-                      <a:round/>
-                      <a:headEnd type="none" w="med" len="med"/>
-                      <a:tailEnd type="none" w="med" len="med"/>
-                    </a:lnT>
-                    <a:lnB w="9525" cap="flat" cmpd="sng" algn="ctr">
-                      <a:noFill/>
-                      <a:prstDash val="solid"/>
-                    </a:lnB>
-                    <a:lnTlToBr w="12700" cmpd="sng">
-                      <a:noFill/>
-                      <a:prstDash val="solid"/>
-                    </a:lnTlToBr>
-                    <a:lnBlToTr w="12700" cmpd="sng">
-                      <a:noFill/>
-                      <a:prstDash val="solid"/>
-                    </a:lnBlToTr>
-                    <a:solidFill>
-                      <a:schemeClr val="bg2">
-                        <a:lumMod val="95000"/>
-                      </a:schemeClr>
-                    </a:solidFill>
-                  </a:tcPr>
-                </a:tc>
-                <a:tc>
-                  <a:txBody>
-                    <a:bodyPr/>
-                    <a:lstStyle/>
-                    <a:p>
-                      <a:pPr algn="l"/>
-                      <a:r>
-                        <a:rPr lang="en-US" sz="1200" b="0" dirty="0">
-                          <a:solidFill>
-                            <a:schemeClr val="tx1"/>
-                          </a:solidFill>
-                          <a:latin typeface="+mn-lt"/>
-                          <a:cs typeface="Segoe"/>
-                        </a:rPr>
-                        <a:t>Body text</a:t>
-                      </a:r>
-                    </a:p>
-                  </a:txBody>
-                  <a:tcPr marT="34290" marB="34290" anchor="ctr">
-                    <a:lnL>
-                      <a:noFill/>
-                    </a:lnL>
-                    <a:lnR>
-                      <a:noFill/>
-                    </a:lnR>
-                    <a:lnT w="6350" cap="flat" cmpd="sng" algn="ctr">
-                      <a:solidFill>
-                        <a:prstClr val="white">
-                          <a:lumMod val="50000"/>
-                        </a:prstClr>
-                      </a:solidFill>
-                      <a:prstDash val="sysDot"/>
-                      <a:round/>
-                      <a:headEnd type="none" w="med" len="med"/>
-                      <a:tailEnd type="none" w="med" len="med"/>
-                    </a:lnT>
-                    <a:lnB w="9525" cap="flat" cmpd="sng" algn="ctr">
-                      <a:noFill/>
-                      <a:prstDash val="solid"/>
-                    </a:lnB>
-                    <a:lnTlToBr w="12700" cmpd="sng">
-                      <a:noFill/>
-                      <a:prstDash val="solid"/>
-                    </a:lnTlToBr>
-                    <a:lnBlToTr w="12700" cmpd="sng">
-                      <a:noFill/>
-                      <a:prstDash val="solid"/>
-                    </a:lnBlToTr>
-                    <a:solidFill>
-                      <a:schemeClr val="bg2">
-                        <a:lumMod val="95000"/>
-                      </a:schemeClr>
-                    </a:solidFill>
-                  </a:tcPr>
-                </a:tc>
-                <a:tc>
-                  <a:txBody>
-                    <a:bodyPr/>
-                    <a:lstStyle/>
-                    <a:p>
-                      <a:pPr algn="l"/>
-                      <a:r>
-                        <a:rPr lang="en-US" sz="1200" b="0" dirty="0">
-                          <a:solidFill>
-                            <a:schemeClr val="tx1"/>
-                          </a:solidFill>
-                          <a:latin typeface="+mn-lt"/>
-                          <a:cs typeface="Segoe"/>
-                        </a:rPr>
-                        <a:t>Body text</a:t>
-                      </a:r>
-                    </a:p>
-                  </a:txBody>
-                  <a:tcPr marT="34290" marB="34290" anchor="ctr">
-                    <a:lnL>
-                      <a:noFill/>
-                    </a:lnL>
-                    <a:lnR>
-                      <a:noFill/>
-                    </a:lnR>
-                    <a:lnT w="6350" cap="flat" cmpd="sng" algn="ctr">
-                      <a:solidFill>
-                        <a:prstClr val="white">
-                          <a:lumMod val="50000"/>
-                        </a:prstClr>
-                      </a:solidFill>
-                      <a:prstDash val="sysDot"/>
-                      <a:round/>
-                      <a:headEnd type="none" w="med" len="med"/>
-                      <a:tailEnd type="none" w="med" len="med"/>
-                    </a:lnT>
-                    <a:lnB w="9525" cap="flat" cmpd="sng" algn="ctr">
-                      <a:noFill/>
-                      <a:prstDash val="solid"/>
-                    </a:lnB>
-                    <a:lnTlToBr w="12700" cmpd="sng">
-                      <a:noFill/>
-                      <a:prstDash val="solid"/>
-                    </a:lnTlToBr>
-                    <a:lnBlToTr w="12700" cmpd="sng">
-                      <a:noFill/>
-                      <a:prstDash val="solid"/>
-                    </a:lnBlToTr>
-                    <a:solidFill>
-                      <a:schemeClr val="bg2">
-                        <a:lumMod val="95000"/>
-                      </a:schemeClr>
-                    </a:solidFill>
-                  </a:tcPr>
-                </a:tc>
-                <a:extLst>
-                  <a:ext uri="{0D108BD9-81ED-4DB2-BD59-A6C34878D82A}">
-                    <a16:rowId xmlns:a16="http://schemas.microsoft.com/office/drawing/2014/main" val="10004"/>
-                  </a:ext>
-                </a:extLst>
-              </a:tr>
-            </a:tbl>
-          </a:graphicData>
-        </a:graphic>
-      </p:graphicFrame>
-    </p:spTree>
-    <p:extLst>
-      <p:ext uri="{BB962C8B-B14F-4D97-AF65-F5344CB8AC3E}">
-        <p14:creationId xmlns:p14="http://schemas.microsoft.com/office/powerpoint/2010/main" val="200595087"/>
-      </p:ext>
-    </p:extLst>
-  </p:cSld>
-  <p:clrMapOvr>
-    <a:masterClrMapping/>
-  </p:clrMapOvr>
-</p:sld>
-</file>
-
-<file path=ppt/slides/slide21.xml><?xml version="1.0" encoding="utf-8"?>
-<p:sld xmlns:a="http://schemas.openxmlformats.org/drawingml/2006/main" xmlns:r="http://schemas.openxmlformats.org/officeDocument/2006/relationships" xmlns:p="http://schemas.openxmlformats.org/presentationml/2006/main" showMasterSp="0" show="0">
-  <p:cSld>
-    <p:spTree>
-      <p:nvGrpSpPr>
-        <p:cNvPr id="1" name=""/>
-        <p:cNvGrpSpPr/>
-        <p:nvPr/>
-      </p:nvGrpSpPr>
-      <p:grpSpPr>
-        <a:xfrm>
-          <a:off x="0" y="0"/>
-          <a:ext cx="0" cy="0"/>
-          <a:chOff x="0" y="0"/>
-          <a:chExt cx="0" cy="0"/>
-        </a:xfrm>
-      </p:grpSpPr>
-      <p:sp>
-        <p:nvSpPr>
-          <p:cNvPr id="2" name="Content Placeholder 1">
-            <a:extLst>
-              <a:ext uri="{FF2B5EF4-FFF2-40B4-BE49-F238E27FC236}">
-                <a16:creationId xmlns:a16="http://schemas.microsoft.com/office/drawing/2014/main" id="{EF24CA04-327F-4A45-8923-92F6874B5AD6}"/>
-              </a:ext>
-            </a:extLst>
-          </p:cNvPr>
-          <p:cNvSpPr>
-            <a:spLocks noGrp="1"/>
-          </p:cNvSpPr>
-          <p:nvPr>
-            <p:ph sz="quarter" idx="10"/>
-          </p:nvPr>
-        </p:nvSpPr>
-        <p:spPr/>
-        <p:txBody>
-          <a:bodyPr/>
-          <a:lstStyle/>
-          <a:p>
-            <a:r>
-              <a:rPr lang="en-CA" dirty="0"/>
-              <a:t>Heading One</a:t>
-            </a:r>
-          </a:p>
-          <a:p>
-            <a:pPr lvl="1"/>
-            <a:r>
-              <a:rPr lang="en-CA" dirty="0"/>
-              <a:t>Heading Two</a:t>
-            </a:r>
-          </a:p>
-          <a:p>
-            <a:pPr lvl="2"/>
-            <a:r>
-              <a:rPr lang="en-CA" dirty="0"/>
-              <a:t>Heading Three</a:t>
-            </a:r>
-          </a:p>
-          <a:p>
-            <a:pPr lvl="2"/>
-            <a:endParaRPr lang="en-CA" dirty="0"/>
-          </a:p>
-        </p:txBody>
-      </p:sp>
-      <p:sp>
-        <p:nvSpPr>
-          <p:cNvPr id="3" name="Title 2">
-            <a:extLst>
-              <a:ext uri="{FF2B5EF4-FFF2-40B4-BE49-F238E27FC236}">
-                <a16:creationId xmlns:a16="http://schemas.microsoft.com/office/drawing/2014/main" id="{53E16ADB-5B3B-4086-A261-D6274ABB7FBA}"/>
-              </a:ext>
-            </a:extLst>
-          </p:cNvPr>
-          <p:cNvSpPr>
-            <a:spLocks noGrp="1"/>
-          </p:cNvSpPr>
-          <p:nvPr>
-            <p:ph type="title"/>
-          </p:nvPr>
-        </p:nvSpPr>
-        <p:spPr/>
-        <p:txBody>
-          <a:bodyPr/>
-          <a:lstStyle/>
-          <a:p>
-            <a:r>
-              <a:rPr lang="en-CA" dirty="0"/>
-              <a:t>Title here	</a:t>
-            </a:r>
-          </a:p>
-        </p:txBody>
-      </p:sp>
-    </p:spTree>
-    <p:extLst>
-      <p:ext uri="{BB962C8B-B14F-4D97-AF65-F5344CB8AC3E}">
-        <p14:creationId xmlns:p14="http://schemas.microsoft.com/office/powerpoint/2010/main" val="1842870381"/>
-      </p:ext>
-    </p:extLst>
-  </p:cSld>
-  <p:clrMapOvr>
-    <a:masterClrMapping/>
-  </p:clrMapOvr>
-</p:sld>
-</file>
-
-<file path=ppt/slides/slide22.xml><?xml version="1.0" encoding="utf-8"?>
-<p:sld xmlns:a="http://schemas.openxmlformats.org/drawingml/2006/main" xmlns:r="http://schemas.openxmlformats.org/officeDocument/2006/relationships" xmlns:p="http://schemas.openxmlformats.org/presentationml/2006/main" showMasterSp="0" show="0">
-  <p:cSld>
-    <p:spTree>
-      <p:nvGrpSpPr>
-        <p:cNvPr id="1" name=""/>
-        <p:cNvGrpSpPr/>
-        <p:nvPr/>
-      </p:nvGrpSpPr>
-      <p:grpSpPr>
-        <a:xfrm>
-          <a:off x="0" y="0"/>
-          <a:ext cx="0" cy="0"/>
-          <a:chOff x="0" y="0"/>
-          <a:chExt cx="0" cy="0"/>
-        </a:xfrm>
-      </p:grpSpPr>
-      <p:sp>
-        <p:nvSpPr>
-          <p:cNvPr id="2" name="Title 1">
-            <a:extLst>
-              <a:ext uri="{FF2B5EF4-FFF2-40B4-BE49-F238E27FC236}">
-                <a16:creationId xmlns:a16="http://schemas.microsoft.com/office/drawing/2014/main" id="{EC900C2F-E01F-47BA-9C2C-436BCDA6FB6D}"/>
-              </a:ext>
-            </a:extLst>
-          </p:cNvPr>
-          <p:cNvSpPr>
-            <a:spLocks noGrp="1"/>
-          </p:cNvSpPr>
-          <p:nvPr>
-            <p:ph type="ctrTitle"/>
-          </p:nvPr>
-        </p:nvSpPr>
-        <p:spPr/>
-        <p:txBody>
-          <a:bodyPr/>
-          <a:lstStyle/>
-          <a:p>
-            <a:r>
-              <a:rPr lang="en-CA" dirty="0"/>
-              <a:t>Section break</a:t>
-            </a:r>
-          </a:p>
-        </p:txBody>
-      </p:sp>
-    </p:spTree>
-    <p:extLst>
-      <p:ext uri="{BB962C8B-B14F-4D97-AF65-F5344CB8AC3E}">
-        <p14:creationId xmlns:p14="http://schemas.microsoft.com/office/powerpoint/2010/main" val="37594886"/>
-      </p:ext>
-    </p:extLst>
-  </p:cSld>
-  <p:clrMapOvr>
-    <a:masterClrMapping/>
-  </p:clrMapOvr>
-</p:sld>
-</file>
-
-<file path=ppt/slides/slide23.xml><?xml version="1.0" encoding="utf-8"?>
-<p:sld xmlns:a="http://schemas.openxmlformats.org/drawingml/2006/main" xmlns:r="http://schemas.openxmlformats.org/officeDocument/2006/relationships" xmlns:p="http://schemas.openxmlformats.org/presentationml/2006/main" showMasterSp="0" show="0">
-  <p:cSld>
-    <p:spTree>
-      <p:nvGrpSpPr>
-        <p:cNvPr id="1" name=""/>
-        <p:cNvGrpSpPr/>
-        <p:nvPr/>
-      </p:nvGrpSpPr>
-      <p:grpSpPr>
-        <a:xfrm>
-          <a:off x="0" y="0"/>
-          <a:ext cx="0" cy="0"/>
-          <a:chOff x="0" y="0"/>
-          <a:chExt cx="0" cy="0"/>
-        </a:xfrm>
-      </p:grpSpPr>
-      <p:sp>
-        <p:nvSpPr>
-          <p:cNvPr id="2" name="Title 1">
-            <a:extLst>
-              <a:ext uri="{FF2B5EF4-FFF2-40B4-BE49-F238E27FC236}">
-                <a16:creationId xmlns:a16="http://schemas.microsoft.com/office/drawing/2014/main" id="{830B3856-B1A1-4F35-87B8-CF9A17A74EF0}"/>
-              </a:ext>
-            </a:extLst>
-          </p:cNvPr>
-          <p:cNvSpPr>
-            <a:spLocks noGrp="1"/>
-          </p:cNvSpPr>
-          <p:nvPr>
-            <p:ph type="ctrTitle"/>
-          </p:nvPr>
-        </p:nvSpPr>
-        <p:spPr/>
-        <p:txBody>
-          <a:bodyPr/>
-          <a:lstStyle/>
-          <a:p>
-            <a:r>
-              <a:rPr lang="en-CA" dirty="0"/>
-              <a:t>Questions?</a:t>
-            </a:r>
-          </a:p>
-        </p:txBody>
-      </p:sp>
-    </p:spTree>
-    <p:extLst>
-      <p:ext uri="{BB962C8B-B14F-4D97-AF65-F5344CB8AC3E}">
-        <p14:creationId xmlns:p14="http://schemas.microsoft.com/office/powerpoint/2010/main" val="3319312414"/>
-      </p:ext>
-    </p:extLst>
-  </p:cSld>
-  <p:clrMapOvr>
-    <a:masterClrMapping/>
-  </p:clrMapOvr>
-  <p:transition spd="slow">
-    <p:push dir="u"/>
-  </p:transition>
-</p:sld>
-</file>
-
-<file path=ppt/slides/slide24.xml><?xml version="1.0" encoding="utf-8"?>
 <p:sld xmlns:a="http://schemas.openxmlformats.org/drawingml/2006/main" xmlns:r="http://schemas.openxmlformats.org/officeDocument/2006/relationships" xmlns:p="http://schemas.openxmlformats.org/presentationml/2006/main" showMasterSp="0" show="0">
   <p:cSld>
     <p:spTree>
@@ -29717,7 +22225,7 @@
 </p:sld>
 </file>
 
-<file path=ppt/slides/slide25.xml><?xml version="1.0" encoding="utf-8"?>
+<file path=ppt/slides/slide21.xml><?xml version="1.0" encoding="utf-8"?>
 <p:sld xmlns:a="http://schemas.openxmlformats.org/drawingml/2006/main" xmlns:r="http://schemas.openxmlformats.org/officeDocument/2006/relationships" xmlns:p="http://schemas.openxmlformats.org/presentationml/2006/main" showMasterSp="0" show="0">
   <p:cSld>
     <p:spTree>

--- a/SQLSat Baton Rouge BI 2020/Ethics in Modern Data.pptx
+++ b/SQLSat Baton Rouge BI 2020/Ethics in Modern Data.pptx
@@ -195,16 +195,32 @@
 </p:cmAuthorLst>
 </file>
 
-<file path=ppt/revisionInfo.xml><?xml version="1.0" encoding="utf-8"?>
-<p1510:revInfo xmlns:a="http://schemas.openxmlformats.org/drawingml/2006/main" xmlns:r="http://schemas.openxmlformats.org/officeDocument/2006/relationships" xmlns:p1510="http://schemas.microsoft.com/office/powerpoint/2015/10/main">
-  <p1510:revLst>
-    <p1510:client id="{3F651B5E-9455-4528-ACB5-78281FA73816}" v="16" dt="2019-10-18T01:17:35.374"/>
-  </p1510:revLst>
-</p1510:revInfo>
-</file>
-
 <file path=ppt/changesInfos/changesInfo1.xml><?xml version="1.0" encoding="utf-8"?>
 <pc:chgInfo xmlns:a="http://schemas.openxmlformats.org/drawingml/2006/main" xmlns:r="http://schemas.openxmlformats.org/officeDocument/2006/relationships" xmlns:ac="http://schemas.microsoft.com/office/drawing/2013/main/command" xmlns:pc="http://schemas.microsoft.com/office/powerpoint/2013/main/command">
+  <pc:docChgLst>
+    <pc:chgData name="william a" userId="c66c7249b60d4ab2" providerId="LiveId" clId="{066F1101-84BD-4F07-AB0D-8BECC44521E1}"/>
+    <pc:docChg chg="custSel modSld">
+      <pc:chgData name="william a" userId="c66c7249b60d4ab2" providerId="LiveId" clId="{066F1101-84BD-4F07-AB0D-8BECC44521E1}" dt="2019-12-19T15:27:23.138" v="14" actId="14100"/>
+      <pc:docMkLst>
+        <pc:docMk/>
+      </pc:docMkLst>
+      <pc:sldChg chg="modSp">
+        <pc:chgData name="william a" userId="c66c7249b60d4ab2" providerId="LiveId" clId="{066F1101-84BD-4F07-AB0D-8BECC44521E1}" dt="2019-12-19T15:27:23.138" v="14" actId="14100"/>
+        <pc:sldMkLst>
+          <pc:docMk/>
+          <pc:sldMk cId="2294722125" sldId="340"/>
+        </pc:sldMkLst>
+        <pc:spChg chg="mod">
+          <ac:chgData name="william a" userId="c66c7249b60d4ab2" providerId="LiveId" clId="{066F1101-84BD-4F07-AB0D-8BECC44521E1}" dt="2019-12-19T15:27:23.138" v="14" actId="14100"/>
+          <ac:spMkLst>
+            <pc:docMk/>
+            <pc:sldMk cId="2294722125" sldId="340"/>
+            <ac:spMk id="2" creationId="{EF24CA04-327F-4A45-8923-92F6874B5AD6}"/>
+          </ac:spMkLst>
+        </pc:spChg>
+      </pc:sldChg>
+    </pc:docChg>
+  </pc:docChgLst>
   <pc:docChgLst>
     <pc:chgData name="william a" userId="c66c7249b60d4ab2" providerId="LiveId" clId="{987DFEFB-91F3-4A2C-BC6D-A4C6CB8FF458}"/>
     <pc:docChg chg="undo custSel addSld delSld modSld sldOrd delMainMaster modMainMaster modSection">
@@ -2947,7 +2963,7 @@
           <a:p>
             <a:fld id="{2FDEA226-1950-9346-BBCC-45D214247BC3}" type="datetimeFigureOut">
               <a:rPr lang="en-US" smtClean="0"/>
-              <a:t>10/17/2019</a:t>
+              <a:t>12/19/2019</a:t>
             </a:fld>
             <a:endParaRPr lang="en-US"/>
           </a:p>
@@ -3047,7 +3063,7 @@
           <a:p>
             <a:fld id="{A76353FC-0869-45D3-95AF-CC29198471C2}" type="datetimeFigureOut">
               <a:rPr lang="en-US" smtClean="0"/>
-              <a:t>10/17/2019</a:t>
+              <a:t>12/19/2019</a:t>
             </a:fld>
             <a:endParaRPr lang="en-US"/>
           </a:p>
@@ -24711,8 +24727,8 @@
         </p:nvSpPr>
         <p:spPr>
           <a:xfrm>
-            <a:off x="322028" y="985737"/>
-            <a:ext cx="8480066" cy="2760946"/>
+            <a:off x="322027" y="985737"/>
+            <a:ext cx="8652923" cy="2760946"/>
           </a:xfrm>
         </p:spPr>
         <p:txBody>
@@ -24724,21 +24740,18 @@
                 <a:latin typeface="Roboto" panose="02000000000000000000" pitchFamily="2" charset="0"/>
                 <a:ea typeface="Roboto" panose="02000000000000000000" pitchFamily="2" charset="0"/>
               </a:rPr>
-              <a:t>Bias must be identified and </a:t>
-            </a:r>
-            <a:r>
-              <a:rPr lang="en-CA" sz="2800" dirty="0" err="1">
-                <a:latin typeface="Roboto" panose="02000000000000000000" pitchFamily="2" charset="0"/>
-                <a:ea typeface="Roboto" panose="02000000000000000000" pitchFamily="2" charset="0"/>
-              </a:rPr>
-              <a:t>acknolwedged</a:t>
+              <a:t>Bias exists. </a:t>
+            </a:r>
+            <a:r>
+              <a:rPr lang="en-CA" sz="2800" dirty="0"/>
+              <a:t>It </a:t>
             </a:r>
             <a:r>
               <a:rPr lang="en-CA" sz="2800" dirty="0">
                 <a:latin typeface="Roboto" panose="02000000000000000000" pitchFamily="2" charset="0"/>
                 <a:ea typeface="Roboto" panose="02000000000000000000" pitchFamily="2" charset="0"/>
               </a:rPr>
-              <a:t>.</a:t>
+              <a:t>must be identified and acknowledged.</a:t>
             </a:r>
           </a:p>
           <a:p>

--- a/SQLSat Baton Rouge BI 2020/Ethics in Modern Data.pptx
+++ b/SQLSat Baton Rouge BI 2020/Ethics in Modern Data.pptx
@@ -5,10 +5,10 @@
     <p:sldMasterId id="2147483694" r:id="rId1"/>
   </p:sldMasterIdLst>
   <p:notesMasterIdLst>
-    <p:notesMasterId r:id="rId36"/>
+    <p:notesMasterId r:id="rId37"/>
   </p:notesMasterIdLst>
   <p:handoutMasterIdLst>
-    <p:handoutMasterId r:id="rId37"/>
+    <p:handoutMasterId r:id="rId38"/>
   </p:handoutMasterIdLst>
   <p:sldIdLst>
     <p:sldId id="321" r:id="rId2"/>
@@ -26,25 +26,26 @@
     <p:sldId id="348" r:id="rId14"/>
     <p:sldId id="339" r:id="rId15"/>
     <p:sldId id="360" r:id="rId16"/>
-    <p:sldId id="347" r:id="rId17"/>
-    <p:sldId id="345" r:id="rId18"/>
-    <p:sldId id="362" r:id="rId19"/>
-    <p:sldId id="349" r:id="rId20"/>
-    <p:sldId id="350" r:id="rId21"/>
-    <p:sldId id="351" r:id="rId22"/>
-    <p:sldId id="363" r:id="rId23"/>
-    <p:sldId id="352" r:id="rId24"/>
-    <p:sldId id="355" r:id="rId25"/>
-    <p:sldId id="354" r:id="rId26"/>
-    <p:sldId id="356" r:id="rId27"/>
-    <p:sldId id="358" r:id="rId28"/>
-    <p:sldId id="361" r:id="rId29"/>
-    <p:sldId id="330" r:id="rId30"/>
-    <p:sldId id="357" r:id="rId31"/>
-    <p:sldId id="353" r:id="rId32"/>
-    <p:sldId id="331" r:id="rId33"/>
-    <p:sldId id="335" r:id="rId34"/>
-    <p:sldId id="334" r:id="rId35"/>
+    <p:sldId id="366" r:id="rId17"/>
+    <p:sldId id="347" r:id="rId18"/>
+    <p:sldId id="345" r:id="rId19"/>
+    <p:sldId id="362" r:id="rId20"/>
+    <p:sldId id="349" r:id="rId21"/>
+    <p:sldId id="350" r:id="rId22"/>
+    <p:sldId id="351" r:id="rId23"/>
+    <p:sldId id="363" r:id="rId24"/>
+    <p:sldId id="352" r:id="rId25"/>
+    <p:sldId id="355" r:id="rId26"/>
+    <p:sldId id="354" r:id="rId27"/>
+    <p:sldId id="356" r:id="rId28"/>
+    <p:sldId id="358" r:id="rId29"/>
+    <p:sldId id="361" r:id="rId30"/>
+    <p:sldId id="330" r:id="rId31"/>
+    <p:sldId id="357" r:id="rId32"/>
+    <p:sldId id="353" r:id="rId33"/>
+    <p:sldId id="331" r:id="rId34"/>
+    <p:sldId id="335" r:id="rId35"/>
+    <p:sldId id="334" r:id="rId36"/>
   </p:sldIdLst>
   <p:sldSz cx="9144000" cy="5143500" type="screen16x9"/>
   <p:notesSz cx="6858000" cy="9144000"/>
@@ -167,6 +168,7 @@
             <p14:sldId id="348"/>
             <p14:sldId id="339"/>
             <p14:sldId id="360"/>
+            <p14:sldId id="366"/>
             <p14:sldId id="347"/>
             <p14:sldId id="345"/>
             <p14:sldId id="362"/>
@@ -225,7 +227,7 @@
 <p1510:revInfo xmlns:a="http://schemas.openxmlformats.org/drawingml/2006/main" xmlns:r="http://schemas.openxmlformats.org/officeDocument/2006/relationships" xmlns:p1510="http://schemas.microsoft.com/office/powerpoint/2015/10/main">
   <p1510:revLst>
     <p1510:client id="{16FC4D1F-BA5D-4A65-AC65-68AD1A5F8FD8}" v="334" dt="2020-01-04T03:22:00.865"/>
-    <p1510:client id="{8ADFF6C9-2AF6-4F3D-88DD-78A269D2740E}" v="1463" dt="2020-01-04T06:42:47.175"/>
+    <p1510:client id="{8ADFF6C9-2AF6-4F3D-88DD-78A269D2740E}" v="1470" dt="2020-01-04T19:35:16.561"/>
   </p1510:revLst>
 </p1510:revInfo>
 </file>
@@ -457,6 +459,528 @@
           <ac:spMkLst>
             <pc:docMk/>
             <pc:sldMk cId="1944552648" sldId="352"/>
+            <ac:spMk id="2" creationId="{EF24CA04-327F-4A45-8923-92F6874B5AD6}"/>
+          </ac:spMkLst>
+        </pc:spChg>
+      </pc:sldChg>
+    </pc:docChg>
+  </pc:docChgLst>
+  <pc:docChgLst>
+    <pc:chgData name="william a" userId="c66c7249b60d4ab2" providerId="LiveId" clId="{8ADFF6C9-2AF6-4F3D-88DD-78A269D2740E}"/>
+    <pc:docChg chg="undo custSel addSld modSld sldOrd">
+      <pc:chgData name="william a" userId="c66c7249b60d4ab2" providerId="LiveId" clId="{8ADFF6C9-2AF6-4F3D-88DD-78A269D2740E}" dt="2020-01-04T19:43:53.976" v="3935" actId="20577"/>
+      <pc:docMkLst>
+        <pc:docMk/>
+      </pc:docMkLst>
+      <pc:sldChg chg="ord">
+        <pc:chgData name="william a" userId="c66c7249b60d4ab2" providerId="LiveId" clId="{8ADFF6C9-2AF6-4F3D-88DD-78A269D2740E}" dt="2020-01-04T02:25:55.036" v="1464"/>
+        <pc:sldMkLst>
+          <pc:docMk/>
+          <pc:sldMk cId="37594886" sldId="330"/>
+        </pc:sldMkLst>
+      </pc:sldChg>
+      <pc:sldChg chg="modSp">
+        <pc:chgData name="william a" userId="c66c7249b60d4ab2" providerId="LiveId" clId="{8ADFF6C9-2AF6-4F3D-88DD-78A269D2740E}" dt="2020-01-04T19:35:38.329" v="3651" actId="20577"/>
+        <pc:sldMkLst>
+          <pc:docMk/>
+          <pc:sldMk cId="609362847" sldId="339"/>
+        </pc:sldMkLst>
+        <pc:spChg chg="mod">
+          <ac:chgData name="william a" userId="c66c7249b60d4ab2" providerId="LiveId" clId="{8ADFF6C9-2AF6-4F3D-88DD-78A269D2740E}" dt="2020-01-04T19:35:38.329" v="3651" actId="20577"/>
+          <ac:spMkLst>
+            <pc:docMk/>
+            <pc:sldMk cId="609362847" sldId="339"/>
+            <ac:spMk id="2" creationId="{EF24CA04-327F-4A45-8923-92F6874B5AD6}"/>
+          </ac:spMkLst>
+        </pc:spChg>
+      </pc:sldChg>
+      <pc:sldChg chg="modSp">
+        <pc:chgData name="william a" userId="c66c7249b60d4ab2" providerId="LiveId" clId="{8ADFF6C9-2AF6-4F3D-88DD-78A269D2740E}" dt="2020-01-04T19:43:53.976" v="3935" actId="20577"/>
+        <pc:sldMkLst>
+          <pc:docMk/>
+          <pc:sldMk cId="3797718599" sldId="345"/>
+        </pc:sldMkLst>
+        <pc:spChg chg="mod">
+          <ac:chgData name="william a" userId="c66c7249b60d4ab2" providerId="LiveId" clId="{8ADFF6C9-2AF6-4F3D-88DD-78A269D2740E}" dt="2020-01-04T19:43:53.976" v="3935" actId="20577"/>
+          <ac:spMkLst>
+            <pc:docMk/>
+            <pc:sldMk cId="3797718599" sldId="345"/>
+            <ac:spMk id="2" creationId="{EF24CA04-327F-4A45-8923-92F6874B5AD6}"/>
+          </ac:spMkLst>
+        </pc:spChg>
+      </pc:sldChg>
+      <pc:sldChg chg="ord">
+        <pc:chgData name="william a" userId="c66c7249b60d4ab2" providerId="LiveId" clId="{8ADFF6C9-2AF6-4F3D-88DD-78A269D2740E}" dt="2020-01-04T02:26:50.465" v="1465"/>
+        <pc:sldMkLst>
+          <pc:docMk/>
+          <pc:sldMk cId="1033366313" sldId="347"/>
+        </pc:sldMkLst>
+      </pc:sldChg>
+      <pc:sldChg chg="modSp">
+        <pc:chgData name="william a" userId="c66c7249b60d4ab2" providerId="LiveId" clId="{8ADFF6C9-2AF6-4F3D-88DD-78A269D2740E}" dt="2020-01-04T19:32:11.603" v="3479" actId="20577"/>
+        <pc:sldMkLst>
+          <pc:docMk/>
+          <pc:sldMk cId="2363909983" sldId="348"/>
+        </pc:sldMkLst>
+        <pc:spChg chg="mod">
+          <ac:chgData name="william a" userId="c66c7249b60d4ab2" providerId="LiveId" clId="{8ADFF6C9-2AF6-4F3D-88DD-78A269D2740E}" dt="2020-01-04T19:32:11.603" v="3479" actId="20577"/>
+          <ac:spMkLst>
+            <pc:docMk/>
+            <pc:sldMk cId="2363909983" sldId="348"/>
+            <ac:spMk id="2" creationId="{B3ADF4C9-17E7-4A38-9C43-7F6F1B602B98}"/>
+          </ac:spMkLst>
+        </pc:spChg>
+      </pc:sldChg>
+      <pc:sldChg chg="modSp">
+        <pc:chgData name="william a" userId="c66c7249b60d4ab2" providerId="LiveId" clId="{8ADFF6C9-2AF6-4F3D-88DD-78A269D2740E}" dt="2020-01-04T01:00:51.064" v="475"/>
+        <pc:sldMkLst>
+          <pc:docMk/>
+          <pc:sldMk cId="2014374009" sldId="349"/>
+        </pc:sldMkLst>
+        <pc:spChg chg="mod">
+          <ac:chgData name="william a" userId="c66c7249b60d4ab2" providerId="LiveId" clId="{8ADFF6C9-2AF6-4F3D-88DD-78A269D2740E}" dt="2020-01-04T01:00:51.064" v="475"/>
+          <ac:spMkLst>
+            <pc:docMk/>
+            <pc:sldMk cId="2014374009" sldId="349"/>
+            <ac:spMk id="2" creationId="{EF24CA04-327F-4A45-8923-92F6874B5AD6}"/>
+          </ac:spMkLst>
+        </pc:spChg>
+      </pc:sldChg>
+      <pc:sldChg chg="modSp">
+        <pc:chgData name="william a" userId="c66c7249b60d4ab2" providerId="LiveId" clId="{8ADFF6C9-2AF6-4F3D-88DD-78A269D2740E}" dt="2020-01-04T01:54:15.873" v="655" actId="20577"/>
+        <pc:sldMkLst>
+          <pc:docMk/>
+          <pc:sldMk cId="2137236302" sldId="350"/>
+        </pc:sldMkLst>
+        <pc:spChg chg="mod">
+          <ac:chgData name="william a" userId="c66c7249b60d4ab2" providerId="LiveId" clId="{8ADFF6C9-2AF6-4F3D-88DD-78A269D2740E}" dt="2020-01-04T01:00:54.904" v="476"/>
+          <ac:spMkLst>
+            <pc:docMk/>
+            <pc:sldMk cId="2137236302" sldId="350"/>
+            <ac:spMk id="2" creationId="{EF24CA04-327F-4A45-8923-92F6874B5AD6}"/>
+          </ac:spMkLst>
+        </pc:spChg>
+        <pc:spChg chg="mod">
+          <ac:chgData name="william a" userId="c66c7249b60d4ab2" providerId="LiveId" clId="{8ADFF6C9-2AF6-4F3D-88DD-78A269D2740E}" dt="2020-01-04T01:54:15.873" v="655" actId="20577"/>
+          <ac:spMkLst>
+            <pc:docMk/>
+            <pc:sldMk cId="2137236302" sldId="350"/>
+            <ac:spMk id="3" creationId="{53E16ADB-5B3B-4086-A261-D6274ABB7FBA}"/>
+          </ac:spMkLst>
+        </pc:spChg>
+      </pc:sldChg>
+      <pc:sldChg chg="modSp">
+        <pc:chgData name="william a" userId="c66c7249b60d4ab2" providerId="LiveId" clId="{8ADFF6C9-2AF6-4F3D-88DD-78A269D2740E}" dt="2020-01-04T04:56:25.410" v="3099" actId="255"/>
+        <pc:sldMkLst>
+          <pc:docMk/>
+          <pc:sldMk cId="3720744517" sldId="351"/>
+        </pc:sldMkLst>
+        <pc:spChg chg="mod">
+          <ac:chgData name="william a" userId="c66c7249b60d4ab2" providerId="LiveId" clId="{8ADFF6C9-2AF6-4F3D-88DD-78A269D2740E}" dt="2020-01-04T04:56:25.410" v="3099" actId="255"/>
+          <ac:spMkLst>
+            <pc:docMk/>
+            <pc:sldMk cId="3720744517" sldId="351"/>
+            <ac:spMk id="2" creationId="{EF24CA04-327F-4A45-8923-92F6874B5AD6}"/>
+          </ac:spMkLst>
+        </pc:spChg>
+        <pc:spChg chg="mod">
+          <ac:chgData name="william a" userId="c66c7249b60d4ab2" providerId="LiveId" clId="{8ADFF6C9-2AF6-4F3D-88DD-78A269D2740E}" dt="2020-01-04T00:57:52.300" v="473" actId="20577"/>
+          <ac:spMkLst>
+            <pc:docMk/>
+            <pc:sldMk cId="3720744517" sldId="351"/>
+            <ac:spMk id="3" creationId="{53E16ADB-5B3B-4086-A261-D6274ABB7FBA}"/>
+          </ac:spMkLst>
+        </pc:spChg>
+      </pc:sldChg>
+      <pc:sldChg chg="modSp ord">
+        <pc:chgData name="william a" userId="c66c7249b60d4ab2" providerId="LiveId" clId="{8ADFF6C9-2AF6-4F3D-88DD-78A269D2740E}" dt="2020-01-04T04:14:21.650" v="2788"/>
+        <pc:sldMkLst>
+          <pc:docMk/>
+          <pc:sldMk cId="1944552648" sldId="352"/>
+        </pc:sldMkLst>
+        <pc:spChg chg="mod">
+          <ac:chgData name="william a" userId="c66c7249b60d4ab2" providerId="LiveId" clId="{8ADFF6C9-2AF6-4F3D-88DD-78A269D2740E}" dt="2020-01-04T00:35:57.422" v="13" actId="403"/>
+          <ac:spMkLst>
+            <pc:docMk/>
+            <pc:sldMk cId="1944552648" sldId="352"/>
+            <ac:spMk id="2" creationId="{EF24CA04-327F-4A45-8923-92F6874B5AD6}"/>
+          </ac:spMkLst>
+        </pc:spChg>
+        <pc:spChg chg="mod">
+          <ac:chgData name="william a" userId="c66c7249b60d4ab2" providerId="LiveId" clId="{8ADFF6C9-2AF6-4F3D-88DD-78A269D2740E}" dt="2020-01-04T00:35:50.566" v="8" actId="6549"/>
+          <ac:spMkLst>
+            <pc:docMk/>
+            <pc:sldMk cId="1944552648" sldId="352"/>
+            <ac:spMk id="3" creationId="{53E16ADB-5B3B-4086-A261-D6274ABB7FBA}"/>
+          </ac:spMkLst>
+        </pc:spChg>
+      </pc:sldChg>
+      <pc:sldChg chg="modSp add">
+        <pc:chgData name="william a" userId="c66c7249b60d4ab2" providerId="LiveId" clId="{8ADFF6C9-2AF6-4F3D-88DD-78A269D2740E}" dt="2020-01-04T02:25:50.966" v="1463" actId="20577"/>
+        <pc:sldMkLst>
+          <pc:docMk/>
+          <pc:sldMk cId="4173013666" sldId="353"/>
+        </pc:sldMkLst>
+        <pc:spChg chg="mod">
+          <ac:chgData name="william a" userId="c66c7249b60d4ab2" providerId="LiveId" clId="{8ADFF6C9-2AF6-4F3D-88DD-78A269D2740E}" dt="2020-01-04T02:25:50.966" v="1463" actId="20577"/>
+          <ac:spMkLst>
+            <pc:docMk/>
+            <pc:sldMk cId="4173013666" sldId="353"/>
+            <ac:spMk id="2" creationId="{EF24CA04-327F-4A45-8923-92F6874B5AD6}"/>
+          </ac:spMkLst>
+        </pc:spChg>
+        <pc:spChg chg="mod">
+          <ac:chgData name="william a" userId="c66c7249b60d4ab2" providerId="LiveId" clId="{8ADFF6C9-2AF6-4F3D-88DD-78A269D2740E}" dt="2020-01-04T00:41:49.058" v="226" actId="20577"/>
+          <ac:spMkLst>
+            <pc:docMk/>
+            <pc:sldMk cId="4173013666" sldId="353"/>
+            <ac:spMk id="3" creationId="{53E16ADB-5B3B-4086-A261-D6274ABB7FBA}"/>
+          </ac:spMkLst>
+        </pc:spChg>
+      </pc:sldChg>
+      <pc:sldChg chg="addSp delSp modSp add">
+        <pc:chgData name="william a" userId="c66c7249b60d4ab2" providerId="LiveId" clId="{8ADFF6C9-2AF6-4F3D-88DD-78A269D2740E}" dt="2020-01-04T01:01:36.171" v="492"/>
+        <pc:sldMkLst>
+          <pc:docMk/>
+          <pc:sldMk cId="3402900499" sldId="354"/>
+        </pc:sldMkLst>
+        <pc:spChg chg="del">
+          <ac:chgData name="william a" userId="c66c7249b60d4ab2" providerId="LiveId" clId="{8ADFF6C9-2AF6-4F3D-88DD-78A269D2740E}" dt="2020-01-04T00:47:49.390" v="265" actId="478"/>
+          <ac:spMkLst>
+            <pc:docMk/>
+            <pc:sldMk cId="3402900499" sldId="354"/>
+            <ac:spMk id="2" creationId="{EF24CA04-327F-4A45-8923-92F6874B5AD6}"/>
+          </ac:spMkLst>
+        </pc:spChg>
+        <pc:spChg chg="add del mod">
+          <ac:chgData name="william a" userId="c66c7249b60d4ab2" providerId="LiveId" clId="{8ADFF6C9-2AF6-4F3D-88DD-78A269D2740E}" dt="2020-01-04T00:47:59.956" v="267" actId="478"/>
+          <ac:spMkLst>
+            <pc:docMk/>
+            <pc:sldMk cId="3402900499" sldId="354"/>
+            <ac:spMk id="5" creationId="{BBE92A83-DF95-4146-A880-5A1A9214DCB7}"/>
+          </ac:spMkLst>
+        </pc:spChg>
+        <pc:spChg chg="add del mod">
+          <ac:chgData name="william a" userId="c66c7249b60d4ab2" providerId="LiveId" clId="{8ADFF6C9-2AF6-4F3D-88DD-78A269D2740E}" dt="2020-01-04T00:49:14.725" v="270" actId="931"/>
+          <ac:spMkLst>
+            <pc:docMk/>
+            <pc:sldMk cId="3402900499" sldId="354"/>
+            <ac:spMk id="7" creationId="{B8E55BD8-4457-44E2-806F-CE4432F6200F}"/>
+          </ac:spMkLst>
+        </pc:spChg>
+        <pc:spChg chg="add del">
+          <ac:chgData name="william a" userId="c66c7249b60d4ab2" providerId="LiveId" clId="{8ADFF6C9-2AF6-4F3D-88DD-78A269D2740E}" dt="2020-01-04T01:01:36.171" v="492"/>
+          <ac:spMkLst>
+            <pc:docMk/>
+            <pc:sldMk cId="3402900499" sldId="354"/>
+            <ac:spMk id="10" creationId="{669D471C-4001-447A-94D5-167D3ECEF99B}"/>
+          </ac:spMkLst>
+        </pc:spChg>
+        <pc:picChg chg="add del">
+          <ac:chgData name="william a" userId="c66c7249b60d4ab2" providerId="LiveId" clId="{8ADFF6C9-2AF6-4F3D-88DD-78A269D2740E}" dt="2020-01-04T00:48:02.452" v="268"/>
+          <ac:picMkLst>
+            <pc:docMk/>
+            <pc:sldMk cId="3402900499" sldId="354"/>
+            <ac:picMk id="6" creationId="{8BF75781-0CB5-412F-B1A0-74673D5D8517}"/>
+          </ac:picMkLst>
+        </pc:picChg>
+        <pc:picChg chg="add mod">
+          <ac:chgData name="william a" userId="c66c7249b60d4ab2" providerId="LiveId" clId="{8ADFF6C9-2AF6-4F3D-88DD-78A269D2740E}" dt="2020-01-04T00:49:35.347" v="277" actId="1076"/>
+          <ac:picMkLst>
+            <pc:docMk/>
+            <pc:sldMk cId="3402900499" sldId="354"/>
+            <ac:picMk id="9" creationId="{B903360F-1AB7-4CE9-B2F2-43CF55D0B446}"/>
+          </ac:picMkLst>
+        </pc:picChg>
+      </pc:sldChg>
+      <pc:sldChg chg="modSp add">
+        <pc:chgData name="william a" userId="c66c7249b60d4ab2" providerId="LiveId" clId="{8ADFF6C9-2AF6-4F3D-88DD-78A269D2740E}" dt="2020-01-04T04:25:44.147" v="3005" actId="6549"/>
+        <pc:sldMkLst>
+          <pc:docMk/>
+          <pc:sldMk cId="2575669963" sldId="355"/>
+        </pc:sldMkLst>
+        <pc:spChg chg="mod">
+          <ac:chgData name="william a" userId="c66c7249b60d4ab2" providerId="LiveId" clId="{8ADFF6C9-2AF6-4F3D-88DD-78A269D2740E}" dt="2020-01-04T04:25:44.147" v="3005" actId="6549"/>
+          <ac:spMkLst>
+            <pc:docMk/>
+            <pc:sldMk cId="2575669963" sldId="355"/>
+            <ac:spMk id="2" creationId="{EF24CA04-327F-4A45-8923-92F6874B5AD6}"/>
+          </ac:spMkLst>
+        </pc:spChg>
+        <pc:spChg chg="mod">
+          <ac:chgData name="william a" userId="c66c7249b60d4ab2" providerId="LiveId" clId="{8ADFF6C9-2AF6-4F3D-88DD-78A269D2740E}" dt="2020-01-04T01:01:32.767" v="490" actId="20577"/>
+          <ac:spMkLst>
+            <pc:docMk/>
+            <pc:sldMk cId="2575669963" sldId="355"/>
+            <ac:spMk id="3" creationId="{53E16ADB-5B3B-4086-A261-D6274ABB7FBA}"/>
+          </ac:spMkLst>
+        </pc:spChg>
+      </pc:sldChg>
+      <pc:sldChg chg="modSp add">
+        <pc:chgData name="william a" userId="c66c7249b60d4ab2" providerId="LiveId" clId="{8ADFF6C9-2AF6-4F3D-88DD-78A269D2740E}" dt="2020-01-04T01:04:33.884" v="638" actId="6549"/>
+        <pc:sldMkLst>
+          <pc:docMk/>
+          <pc:sldMk cId="2806422804" sldId="356"/>
+        </pc:sldMkLst>
+        <pc:spChg chg="mod">
+          <ac:chgData name="william a" userId="c66c7249b60d4ab2" providerId="LiveId" clId="{8ADFF6C9-2AF6-4F3D-88DD-78A269D2740E}" dt="2020-01-04T01:04:33.884" v="638" actId="6549"/>
+          <ac:spMkLst>
+            <pc:docMk/>
+            <pc:sldMk cId="2806422804" sldId="356"/>
+            <ac:spMk id="2" creationId="{EF24CA04-327F-4A45-8923-92F6874B5AD6}"/>
+          </ac:spMkLst>
+        </pc:spChg>
+        <pc:spChg chg="mod">
+          <ac:chgData name="william a" userId="c66c7249b60d4ab2" providerId="LiveId" clId="{8ADFF6C9-2AF6-4F3D-88DD-78A269D2740E}" dt="2020-01-04T01:01:40.822" v="494" actId="20577"/>
+          <ac:spMkLst>
+            <pc:docMk/>
+            <pc:sldMk cId="2806422804" sldId="356"/>
+            <ac:spMk id="3" creationId="{53E16ADB-5B3B-4086-A261-D6274ABB7FBA}"/>
+          </ac:spMkLst>
+        </pc:spChg>
+      </pc:sldChg>
+      <pc:sldChg chg="modSp add ord">
+        <pc:chgData name="william a" userId="c66c7249b60d4ab2" providerId="LiveId" clId="{8ADFF6C9-2AF6-4F3D-88DD-78A269D2740E}" dt="2020-01-04T02:25:35.901" v="1455" actId="20577"/>
+        <pc:sldMkLst>
+          <pc:docMk/>
+          <pc:sldMk cId="1530413237" sldId="357"/>
+        </pc:sldMkLst>
+        <pc:spChg chg="mod">
+          <ac:chgData name="william a" userId="c66c7249b60d4ab2" providerId="LiveId" clId="{8ADFF6C9-2AF6-4F3D-88DD-78A269D2740E}" dt="2020-01-04T02:25:24.713" v="1441" actId="404"/>
+          <ac:spMkLst>
+            <pc:docMk/>
+            <pc:sldMk cId="1530413237" sldId="357"/>
+            <ac:spMk id="2" creationId="{EF24CA04-327F-4A45-8923-92F6874B5AD6}"/>
+          </ac:spMkLst>
+        </pc:spChg>
+        <pc:spChg chg="mod">
+          <ac:chgData name="william a" userId="c66c7249b60d4ab2" providerId="LiveId" clId="{8ADFF6C9-2AF6-4F3D-88DD-78A269D2740E}" dt="2020-01-04T02:25:35.901" v="1455" actId="20577"/>
+          <ac:spMkLst>
+            <pc:docMk/>
+            <pc:sldMk cId="1530413237" sldId="357"/>
+            <ac:spMk id="3" creationId="{53E16ADB-5B3B-4086-A261-D6274ABB7FBA}"/>
+          </ac:spMkLst>
+        </pc:spChg>
+      </pc:sldChg>
+      <pc:sldChg chg="modSp add">
+        <pc:chgData name="william a" userId="c66c7249b60d4ab2" providerId="LiveId" clId="{8ADFF6C9-2AF6-4F3D-88DD-78A269D2740E}" dt="2020-01-04T02:28:50.804" v="1636" actId="20577"/>
+        <pc:sldMkLst>
+          <pc:docMk/>
+          <pc:sldMk cId="716362348" sldId="358"/>
+        </pc:sldMkLst>
+        <pc:spChg chg="mod">
+          <ac:chgData name="william a" userId="c66c7249b60d4ab2" providerId="LiveId" clId="{8ADFF6C9-2AF6-4F3D-88DD-78A269D2740E}" dt="2020-01-04T02:28:50.804" v="1636" actId="20577"/>
+          <ac:spMkLst>
+            <pc:docMk/>
+            <pc:sldMk cId="716362348" sldId="358"/>
+            <ac:spMk id="2" creationId="{EF24CA04-327F-4A45-8923-92F6874B5AD6}"/>
+          </ac:spMkLst>
+        </pc:spChg>
+        <pc:spChg chg="mod">
+          <ac:chgData name="william a" userId="c66c7249b60d4ab2" providerId="LiveId" clId="{8ADFF6C9-2AF6-4F3D-88DD-78A269D2740E}" dt="2020-01-04T02:28:23.304" v="1467" actId="20577"/>
+          <ac:spMkLst>
+            <pc:docMk/>
+            <pc:sldMk cId="716362348" sldId="358"/>
+            <ac:spMk id="3" creationId="{53E16ADB-5B3B-4086-A261-D6274ABB7FBA}"/>
+          </ac:spMkLst>
+        </pc:spChg>
+      </pc:sldChg>
+      <pc:sldChg chg="modSp add">
+        <pc:chgData name="william a" userId="c66c7249b60d4ab2" providerId="LiveId" clId="{8ADFF6C9-2AF6-4F3D-88DD-78A269D2740E}" dt="2020-01-04T02:30:51.646" v="1963" actId="5793"/>
+        <pc:sldMkLst>
+          <pc:docMk/>
+          <pc:sldMk cId="213717452" sldId="359"/>
+        </pc:sldMkLst>
+        <pc:spChg chg="mod">
+          <ac:chgData name="william a" userId="c66c7249b60d4ab2" providerId="LiveId" clId="{8ADFF6C9-2AF6-4F3D-88DD-78A269D2740E}" dt="2020-01-04T02:30:51.646" v="1963" actId="5793"/>
+          <ac:spMkLst>
+            <pc:docMk/>
+            <pc:sldMk cId="213717452" sldId="359"/>
+            <ac:spMk id="2" creationId="{EF24CA04-327F-4A45-8923-92F6874B5AD6}"/>
+          </ac:spMkLst>
+        </pc:spChg>
+      </pc:sldChg>
+      <pc:sldChg chg="modSp add">
+        <pc:chgData name="william a" userId="c66c7249b60d4ab2" providerId="LiveId" clId="{8ADFF6C9-2AF6-4F3D-88DD-78A269D2740E}" dt="2020-01-04T19:35:26.841" v="3648" actId="20577"/>
+        <pc:sldMkLst>
+          <pc:docMk/>
+          <pc:sldMk cId="513766956" sldId="360"/>
+        </pc:sldMkLst>
+        <pc:spChg chg="mod">
+          <ac:chgData name="william a" userId="c66c7249b60d4ab2" providerId="LiveId" clId="{8ADFF6C9-2AF6-4F3D-88DD-78A269D2740E}" dt="2020-01-04T19:35:26.841" v="3648" actId="20577"/>
+          <ac:spMkLst>
+            <pc:docMk/>
+            <pc:sldMk cId="513766956" sldId="360"/>
+            <ac:spMk id="2" creationId="{EF24CA04-327F-4A45-8923-92F6874B5AD6}"/>
+          </ac:spMkLst>
+        </pc:spChg>
+        <pc:spChg chg="mod">
+          <ac:chgData name="william a" userId="c66c7249b60d4ab2" providerId="LiveId" clId="{8ADFF6C9-2AF6-4F3D-88DD-78A269D2740E}" dt="2020-01-04T03:00:19.509" v="1986" actId="20577"/>
+          <ac:spMkLst>
+            <pc:docMk/>
+            <pc:sldMk cId="513766956" sldId="360"/>
+            <ac:spMk id="3" creationId="{53E16ADB-5B3B-4086-A261-D6274ABB7FBA}"/>
+          </ac:spMkLst>
+        </pc:spChg>
+      </pc:sldChg>
+      <pc:sldChg chg="modSp add">
+        <pc:chgData name="william a" userId="c66c7249b60d4ab2" providerId="LiveId" clId="{8ADFF6C9-2AF6-4F3D-88DD-78A269D2740E}" dt="2020-01-04T03:41:53.368" v="2627" actId="404"/>
+        <pc:sldMkLst>
+          <pc:docMk/>
+          <pc:sldMk cId="1226766330" sldId="361"/>
+        </pc:sldMkLst>
+        <pc:spChg chg="mod">
+          <ac:chgData name="william a" userId="c66c7249b60d4ab2" providerId="LiveId" clId="{8ADFF6C9-2AF6-4F3D-88DD-78A269D2740E}" dt="2020-01-04T03:41:53.368" v="2627" actId="404"/>
+          <ac:spMkLst>
+            <pc:docMk/>
+            <pc:sldMk cId="1226766330" sldId="361"/>
+            <ac:spMk id="2" creationId="{EF24CA04-327F-4A45-8923-92F6874B5AD6}"/>
+          </ac:spMkLst>
+        </pc:spChg>
+        <pc:spChg chg="mod">
+          <ac:chgData name="william a" userId="c66c7249b60d4ab2" providerId="LiveId" clId="{8ADFF6C9-2AF6-4F3D-88DD-78A269D2740E}" dt="2020-01-04T03:22:36.145" v="2494" actId="20577"/>
+          <ac:spMkLst>
+            <pc:docMk/>
+            <pc:sldMk cId="1226766330" sldId="361"/>
+            <ac:spMk id="3" creationId="{53E16ADB-5B3B-4086-A261-D6274ABB7FBA}"/>
+          </ac:spMkLst>
+        </pc:spChg>
+      </pc:sldChg>
+      <pc:sldChg chg="modSp add">
+        <pc:chgData name="william a" userId="c66c7249b60d4ab2" providerId="LiveId" clId="{8ADFF6C9-2AF6-4F3D-88DD-78A269D2740E}" dt="2020-01-04T03:55:09.633" v="2742"/>
+        <pc:sldMkLst>
+          <pc:docMk/>
+          <pc:sldMk cId="2440827224" sldId="362"/>
+        </pc:sldMkLst>
+        <pc:spChg chg="mod">
+          <ac:chgData name="william a" userId="c66c7249b60d4ab2" providerId="LiveId" clId="{8ADFF6C9-2AF6-4F3D-88DD-78A269D2740E}" dt="2020-01-04T03:55:09.633" v="2742"/>
+          <ac:spMkLst>
+            <pc:docMk/>
+            <pc:sldMk cId="2440827224" sldId="362"/>
+            <ac:spMk id="2" creationId="{EF24CA04-327F-4A45-8923-92F6874B5AD6}"/>
+          </ac:spMkLst>
+        </pc:spChg>
+        <pc:spChg chg="mod">
+          <ac:chgData name="william a" userId="c66c7249b60d4ab2" providerId="LiveId" clId="{8ADFF6C9-2AF6-4F3D-88DD-78A269D2740E}" dt="2020-01-04T03:55:02.902" v="2717" actId="20577"/>
+          <ac:spMkLst>
+            <pc:docMk/>
+            <pc:sldMk cId="2440827224" sldId="362"/>
+            <ac:spMk id="3" creationId="{53E16ADB-5B3B-4086-A261-D6274ABB7FBA}"/>
+          </ac:spMkLst>
+        </pc:spChg>
+      </pc:sldChg>
+      <pc:sldChg chg="modSp add">
+        <pc:chgData name="william a" userId="c66c7249b60d4ab2" providerId="LiveId" clId="{8ADFF6C9-2AF6-4F3D-88DD-78A269D2740E}" dt="2020-01-04T04:35:06.966" v="3007"/>
+        <pc:sldMkLst>
+          <pc:docMk/>
+          <pc:sldMk cId="2796713283" sldId="363"/>
+        </pc:sldMkLst>
+        <pc:spChg chg="mod">
+          <ac:chgData name="william a" userId="c66c7249b60d4ab2" providerId="LiveId" clId="{8ADFF6C9-2AF6-4F3D-88DD-78A269D2740E}" dt="2020-01-04T04:35:06.966" v="3007"/>
+          <ac:spMkLst>
+            <pc:docMk/>
+            <pc:sldMk cId="2796713283" sldId="363"/>
+            <ac:spMk id="2" creationId="{EF24CA04-327F-4A45-8923-92F6874B5AD6}"/>
+          </ac:spMkLst>
+        </pc:spChg>
+      </pc:sldChg>
+      <pc:sldChg chg="modSp add ord">
+        <pc:chgData name="william a" userId="c66c7249b60d4ab2" providerId="LiveId" clId="{8ADFF6C9-2AF6-4F3D-88DD-78A269D2740E}" dt="2020-01-04T06:00:44.230" v="3154"/>
+        <pc:sldMkLst>
+          <pc:docMk/>
+          <pc:sldMk cId="4225979257" sldId="364"/>
+        </pc:sldMkLst>
+        <pc:spChg chg="mod">
+          <ac:chgData name="william a" userId="c66c7249b60d4ab2" providerId="LiveId" clId="{8ADFF6C9-2AF6-4F3D-88DD-78A269D2740E}" dt="2020-01-04T05:32:34.049" v="3121" actId="6549"/>
+          <ac:spMkLst>
+            <pc:docMk/>
+            <pc:sldMk cId="4225979257" sldId="364"/>
+            <ac:spMk id="2" creationId="{B3ADF4C9-17E7-4A38-9C43-7F6F1B602B98}"/>
+          </ac:spMkLst>
+        </pc:spChg>
+        <pc:spChg chg="mod">
+          <ac:chgData name="william a" userId="c66c7249b60d4ab2" providerId="LiveId" clId="{8ADFF6C9-2AF6-4F3D-88DD-78A269D2740E}" dt="2020-01-04T04:58:57.826" v="3101" actId="6549"/>
+          <ac:spMkLst>
+            <pc:docMk/>
+            <pc:sldMk cId="4225979257" sldId="364"/>
+            <ac:spMk id="3" creationId="{26FBC2D6-8663-46AB-B95D-12060B43CE5C}"/>
+          </ac:spMkLst>
+        </pc:spChg>
+      </pc:sldChg>
+      <pc:sldChg chg="addSp delSp modSp add ord">
+        <pc:chgData name="william a" userId="c66c7249b60d4ab2" providerId="LiveId" clId="{8ADFF6C9-2AF6-4F3D-88DD-78A269D2740E}" dt="2020-01-04T06:00:44.230" v="3154"/>
+        <pc:sldMkLst>
+          <pc:docMk/>
+          <pc:sldMk cId="1792179568" sldId="365"/>
+        </pc:sldMkLst>
+        <pc:spChg chg="del mod">
+          <ac:chgData name="william a" userId="c66c7249b60d4ab2" providerId="LiveId" clId="{8ADFF6C9-2AF6-4F3D-88DD-78A269D2740E}" dt="2020-01-04T05:36:15.220" v="3124"/>
+          <ac:spMkLst>
+            <pc:docMk/>
+            <pc:sldMk cId="1792179568" sldId="365"/>
+            <ac:spMk id="2" creationId="{B3ADF4C9-17E7-4A38-9C43-7F6F1B602B98}"/>
+          </ac:spMkLst>
+        </pc:spChg>
+        <pc:spChg chg="add mod">
+          <ac:chgData name="william a" userId="c66c7249b60d4ab2" providerId="LiveId" clId="{8ADFF6C9-2AF6-4F3D-88DD-78A269D2740E}" dt="2020-01-04T05:36:39.543" v="3138" actId="1076"/>
+          <ac:spMkLst>
+            <pc:docMk/>
+            <pc:sldMk cId="1792179568" sldId="365"/>
+            <ac:spMk id="5" creationId="{738A890D-3C3A-49E4-A2ED-D1D35160000E}"/>
+          </ac:spMkLst>
+        </pc:spChg>
+        <pc:spChg chg="add mod">
+          <ac:chgData name="william a" userId="c66c7249b60d4ab2" providerId="LiveId" clId="{8ADFF6C9-2AF6-4F3D-88DD-78A269D2740E}" dt="2020-01-04T05:38:47.839" v="3142" actId="14100"/>
+          <ac:spMkLst>
+            <pc:docMk/>
+            <pc:sldMk cId="1792179568" sldId="365"/>
+            <ac:spMk id="6" creationId="{CFD43681-41D2-42FF-9B53-08BF14FE5618}"/>
+          </ac:spMkLst>
+        </pc:spChg>
+        <pc:spChg chg="add mod">
+          <ac:chgData name="william a" userId="c66c7249b60d4ab2" providerId="LiveId" clId="{8ADFF6C9-2AF6-4F3D-88DD-78A269D2740E}" dt="2020-01-04T05:38:59.318" v="3146" actId="1076"/>
+          <ac:spMkLst>
+            <pc:docMk/>
+            <pc:sldMk cId="1792179568" sldId="365"/>
+            <ac:spMk id="7" creationId="{919A4D36-2172-4AC4-8719-4DD5FF5624E3}"/>
+          </ac:spMkLst>
+        </pc:spChg>
+        <pc:spChg chg="add mod">
+          <ac:chgData name="william a" userId="c66c7249b60d4ab2" providerId="LiveId" clId="{8ADFF6C9-2AF6-4F3D-88DD-78A269D2740E}" dt="2020-01-04T05:39:23.211" v="3150" actId="14100"/>
+          <ac:spMkLst>
+            <pc:docMk/>
+            <pc:sldMk cId="1792179568" sldId="365"/>
+            <ac:spMk id="8" creationId="{1D270D39-CEF1-4FC6-9A68-C4572CB2ED19}"/>
+          </ac:spMkLst>
+        </pc:spChg>
+        <pc:spChg chg="add mod">
+          <ac:chgData name="william a" userId="c66c7249b60d4ab2" providerId="LiveId" clId="{8ADFF6C9-2AF6-4F3D-88DD-78A269D2740E}" dt="2020-01-04T05:39:30.411" v="3153" actId="14100"/>
+          <ac:spMkLst>
+            <pc:docMk/>
+            <pc:sldMk cId="1792179568" sldId="365"/>
+            <ac:spMk id="9" creationId="{64235192-62EA-47E8-8B1B-9A65D4BE3B31}"/>
+          </ac:spMkLst>
+        </pc:spChg>
+        <pc:picChg chg="add mod">
+          <ac:chgData name="william a" userId="c66c7249b60d4ab2" providerId="LiveId" clId="{8ADFF6C9-2AF6-4F3D-88DD-78A269D2740E}" dt="2020-01-04T05:36:48.431" v="3139" actId="1076"/>
+          <ac:picMkLst>
+            <pc:docMk/>
+            <pc:sldMk cId="1792179568" sldId="365"/>
+            <ac:picMk id="4" creationId="{F80FE12A-E4B2-471C-8D79-5162259E4C7B}"/>
+          </ac:picMkLst>
+        </pc:picChg>
+      </pc:sldChg>
+      <pc:sldChg chg="modSp add">
+        <pc:chgData name="william a" userId="c66c7249b60d4ab2" providerId="LiveId" clId="{8ADFF6C9-2AF6-4F3D-88DD-78A269D2740E}" dt="2020-01-04T19:42:59.494" v="3799" actId="20577"/>
+        <pc:sldMkLst>
+          <pc:docMk/>
+          <pc:sldMk cId="1556353385" sldId="366"/>
+        </pc:sldMkLst>
+        <pc:spChg chg="mod">
+          <ac:chgData name="william a" userId="c66c7249b60d4ab2" providerId="LiveId" clId="{8ADFF6C9-2AF6-4F3D-88DD-78A269D2740E}" dt="2020-01-04T19:42:59.494" v="3799" actId="20577"/>
+          <ac:spMkLst>
+            <pc:docMk/>
+            <pc:sldMk cId="1556353385" sldId="366"/>
             <ac:spMk id="2" creationId="{EF24CA04-327F-4A45-8923-92F6874B5AD6}"/>
           </ac:spMkLst>
         </pc:spChg>
@@ -2824,6 +3348,30 @@
     </pc:docChg>
   </pc:docChgLst>
   <pc:docChgLst>
+    <pc:chgData name="william a" userId="c66c7249b60d4ab2" providerId="LiveId" clId="{066F1101-84BD-4F07-AB0D-8BECC44521E1}"/>
+    <pc:docChg chg="custSel modSld">
+      <pc:chgData name="william a" userId="c66c7249b60d4ab2" providerId="LiveId" clId="{066F1101-84BD-4F07-AB0D-8BECC44521E1}" dt="2019-12-19T15:27:23.138" v="14" actId="14100"/>
+      <pc:docMkLst>
+        <pc:docMk/>
+      </pc:docMkLst>
+      <pc:sldChg chg="modSp">
+        <pc:chgData name="william a" userId="c66c7249b60d4ab2" providerId="LiveId" clId="{066F1101-84BD-4F07-AB0D-8BECC44521E1}" dt="2019-12-19T15:27:23.138" v="14" actId="14100"/>
+        <pc:sldMkLst>
+          <pc:docMk/>
+          <pc:sldMk cId="2294722125" sldId="340"/>
+        </pc:sldMkLst>
+        <pc:spChg chg="mod">
+          <ac:chgData name="william a" userId="c66c7249b60d4ab2" providerId="LiveId" clId="{066F1101-84BD-4F07-AB0D-8BECC44521E1}" dt="2019-12-19T15:27:23.138" v="14" actId="14100"/>
+          <ac:spMkLst>
+            <pc:docMk/>
+            <pc:sldMk cId="2294722125" sldId="340"/>
+            <ac:spMk id="2" creationId="{EF24CA04-327F-4A45-8923-92F6874B5AD6}"/>
+          </ac:spMkLst>
+        </pc:spChg>
+      </pc:sldChg>
+    </pc:docChg>
+  </pc:docChgLst>
+  <pc:docChgLst>
     <pc:chgData name="Christine Assaf" userId="84e7e474a38a39c3" providerId="LiveId" clId="{16FC4D1F-BA5D-4A65-AC65-68AD1A5F8FD8}"/>
     <pc:docChg chg="custSel modSld">
       <pc:chgData name="Christine Assaf" userId="84e7e474a38a39c3" providerId="LiveId" clId="{16FC4D1F-BA5D-4A65-AC65-68AD1A5F8FD8}" dt="2020-01-04T03:22:00.865" v="333" actId="20577"/>
@@ -2841,522 +3389,6 @@
           <ac:spMkLst>
             <pc:docMk/>
             <pc:sldMk cId="609362847" sldId="339"/>
-            <ac:spMk id="2" creationId="{EF24CA04-327F-4A45-8923-92F6874B5AD6}"/>
-          </ac:spMkLst>
-        </pc:spChg>
-      </pc:sldChg>
-    </pc:docChg>
-  </pc:docChgLst>
-  <pc:docChgLst>
-    <pc:chgData name="william a" userId="c66c7249b60d4ab2" providerId="LiveId" clId="{8ADFF6C9-2AF6-4F3D-88DD-78A269D2740E}"/>
-    <pc:docChg chg="undo custSel addSld modSld sldOrd">
-      <pc:chgData name="william a" userId="c66c7249b60d4ab2" providerId="LiveId" clId="{8ADFF6C9-2AF6-4F3D-88DD-78A269D2740E}" dt="2020-01-04T06:42:47.175" v="3385" actId="20577"/>
-      <pc:docMkLst>
-        <pc:docMk/>
-      </pc:docMkLst>
-      <pc:sldChg chg="ord">
-        <pc:chgData name="william a" userId="c66c7249b60d4ab2" providerId="LiveId" clId="{8ADFF6C9-2AF6-4F3D-88DD-78A269D2740E}" dt="2020-01-04T02:25:55.036" v="1464"/>
-        <pc:sldMkLst>
-          <pc:docMk/>
-          <pc:sldMk cId="37594886" sldId="330"/>
-        </pc:sldMkLst>
-      </pc:sldChg>
-      <pc:sldChg chg="modSp">
-        <pc:chgData name="william a" userId="c66c7249b60d4ab2" providerId="LiveId" clId="{8ADFF6C9-2AF6-4F3D-88DD-78A269D2740E}" dt="2020-01-04T03:55:29.319" v="2787"/>
-        <pc:sldMkLst>
-          <pc:docMk/>
-          <pc:sldMk cId="3797718599" sldId="345"/>
-        </pc:sldMkLst>
-        <pc:spChg chg="mod">
-          <ac:chgData name="william a" userId="c66c7249b60d4ab2" providerId="LiveId" clId="{8ADFF6C9-2AF6-4F3D-88DD-78A269D2740E}" dt="2020-01-04T03:55:29.319" v="2787"/>
-          <ac:spMkLst>
-            <pc:docMk/>
-            <pc:sldMk cId="3797718599" sldId="345"/>
-            <ac:spMk id="2" creationId="{EF24CA04-327F-4A45-8923-92F6874B5AD6}"/>
-          </ac:spMkLst>
-        </pc:spChg>
-      </pc:sldChg>
-      <pc:sldChg chg="ord">
-        <pc:chgData name="william a" userId="c66c7249b60d4ab2" providerId="LiveId" clId="{8ADFF6C9-2AF6-4F3D-88DD-78A269D2740E}" dt="2020-01-04T02:26:50.465" v="1465"/>
-        <pc:sldMkLst>
-          <pc:docMk/>
-          <pc:sldMk cId="1033366313" sldId="347"/>
-        </pc:sldMkLst>
-      </pc:sldChg>
-      <pc:sldChg chg="modSp">
-        <pc:chgData name="william a" userId="c66c7249b60d4ab2" providerId="LiveId" clId="{8ADFF6C9-2AF6-4F3D-88DD-78A269D2740E}" dt="2020-01-04T06:42:47.175" v="3385" actId="20577"/>
-        <pc:sldMkLst>
-          <pc:docMk/>
-          <pc:sldMk cId="2363909983" sldId="348"/>
-        </pc:sldMkLst>
-        <pc:spChg chg="mod">
-          <ac:chgData name="william a" userId="c66c7249b60d4ab2" providerId="LiveId" clId="{8ADFF6C9-2AF6-4F3D-88DD-78A269D2740E}" dt="2020-01-04T06:42:47.175" v="3385" actId="20577"/>
-          <ac:spMkLst>
-            <pc:docMk/>
-            <pc:sldMk cId="2363909983" sldId="348"/>
-            <ac:spMk id="2" creationId="{B3ADF4C9-17E7-4A38-9C43-7F6F1B602B98}"/>
-          </ac:spMkLst>
-        </pc:spChg>
-      </pc:sldChg>
-      <pc:sldChg chg="modSp">
-        <pc:chgData name="william a" userId="c66c7249b60d4ab2" providerId="LiveId" clId="{8ADFF6C9-2AF6-4F3D-88DD-78A269D2740E}" dt="2020-01-04T01:00:51.064" v="475"/>
-        <pc:sldMkLst>
-          <pc:docMk/>
-          <pc:sldMk cId="2014374009" sldId="349"/>
-        </pc:sldMkLst>
-        <pc:spChg chg="mod">
-          <ac:chgData name="william a" userId="c66c7249b60d4ab2" providerId="LiveId" clId="{8ADFF6C9-2AF6-4F3D-88DD-78A269D2740E}" dt="2020-01-04T01:00:51.064" v="475"/>
-          <ac:spMkLst>
-            <pc:docMk/>
-            <pc:sldMk cId="2014374009" sldId="349"/>
-            <ac:spMk id="2" creationId="{EF24CA04-327F-4A45-8923-92F6874B5AD6}"/>
-          </ac:spMkLst>
-        </pc:spChg>
-      </pc:sldChg>
-      <pc:sldChg chg="modSp">
-        <pc:chgData name="william a" userId="c66c7249b60d4ab2" providerId="LiveId" clId="{8ADFF6C9-2AF6-4F3D-88DD-78A269D2740E}" dt="2020-01-04T01:54:15.873" v="655" actId="20577"/>
-        <pc:sldMkLst>
-          <pc:docMk/>
-          <pc:sldMk cId="2137236302" sldId="350"/>
-        </pc:sldMkLst>
-        <pc:spChg chg="mod">
-          <ac:chgData name="william a" userId="c66c7249b60d4ab2" providerId="LiveId" clId="{8ADFF6C9-2AF6-4F3D-88DD-78A269D2740E}" dt="2020-01-04T01:00:54.904" v="476"/>
-          <ac:spMkLst>
-            <pc:docMk/>
-            <pc:sldMk cId="2137236302" sldId="350"/>
-            <ac:spMk id="2" creationId="{EF24CA04-327F-4A45-8923-92F6874B5AD6}"/>
-          </ac:spMkLst>
-        </pc:spChg>
-        <pc:spChg chg="mod">
-          <ac:chgData name="william a" userId="c66c7249b60d4ab2" providerId="LiveId" clId="{8ADFF6C9-2AF6-4F3D-88DD-78A269D2740E}" dt="2020-01-04T01:54:15.873" v="655" actId="20577"/>
-          <ac:spMkLst>
-            <pc:docMk/>
-            <pc:sldMk cId="2137236302" sldId="350"/>
-            <ac:spMk id="3" creationId="{53E16ADB-5B3B-4086-A261-D6274ABB7FBA}"/>
-          </ac:spMkLst>
-        </pc:spChg>
-      </pc:sldChg>
-      <pc:sldChg chg="modSp">
-        <pc:chgData name="william a" userId="c66c7249b60d4ab2" providerId="LiveId" clId="{8ADFF6C9-2AF6-4F3D-88DD-78A269D2740E}" dt="2020-01-04T04:56:25.410" v="3099" actId="255"/>
-        <pc:sldMkLst>
-          <pc:docMk/>
-          <pc:sldMk cId="3720744517" sldId="351"/>
-        </pc:sldMkLst>
-        <pc:spChg chg="mod">
-          <ac:chgData name="william a" userId="c66c7249b60d4ab2" providerId="LiveId" clId="{8ADFF6C9-2AF6-4F3D-88DD-78A269D2740E}" dt="2020-01-04T04:56:25.410" v="3099" actId="255"/>
-          <ac:spMkLst>
-            <pc:docMk/>
-            <pc:sldMk cId="3720744517" sldId="351"/>
-            <ac:spMk id="2" creationId="{EF24CA04-327F-4A45-8923-92F6874B5AD6}"/>
-          </ac:spMkLst>
-        </pc:spChg>
-        <pc:spChg chg="mod">
-          <ac:chgData name="william a" userId="c66c7249b60d4ab2" providerId="LiveId" clId="{8ADFF6C9-2AF6-4F3D-88DD-78A269D2740E}" dt="2020-01-04T00:57:52.300" v="473" actId="20577"/>
-          <ac:spMkLst>
-            <pc:docMk/>
-            <pc:sldMk cId="3720744517" sldId="351"/>
-            <ac:spMk id="3" creationId="{53E16ADB-5B3B-4086-A261-D6274ABB7FBA}"/>
-          </ac:spMkLst>
-        </pc:spChg>
-      </pc:sldChg>
-      <pc:sldChg chg="modSp ord">
-        <pc:chgData name="william a" userId="c66c7249b60d4ab2" providerId="LiveId" clId="{8ADFF6C9-2AF6-4F3D-88DD-78A269D2740E}" dt="2020-01-04T04:14:21.650" v="2788"/>
-        <pc:sldMkLst>
-          <pc:docMk/>
-          <pc:sldMk cId="1944552648" sldId="352"/>
-        </pc:sldMkLst>
-        <pc:spChg chg="mod">
-          <ac:chgData name="william a" userId="c66c7249b60d4ab2" providerId="LiveId" clId="{8ADFF6C9-2AF6-4F3D-88DD-78A269D2740E}" dt="2020-01-04T00:35:57.422" v="13" actId="403"/>
-          <ac:spMkLst>
-            <pc:docMk/>
-            <pc:sldMk cId="1944552648" sldId="352"/>
-            <ac:spMk id="2" creationId="{EF24CA04-327F-4A45-8923-92F6874B5AD6}"/>
-          </ac:spMkLst>
-        </pc:spChg>
-        <pc:spChg chg="mod">
-          <ac:chgData name="william a" userId="c66c7249b60d4ab2" providerId="LiveId" clId="{8ADFF6C9-2AF6-4F3D-88DD-78A269D2740E}" dt="2020-01-04T00:35:50.566" v="8" actId="6549"/>
-          <ac:spMkLst>
-            <pc:docMk/>
-            <pc:sldMk cId="1944552648" sldId="352"/>
-            <ac:spMk id="3" creationId="{53E16ADB-5B3B-4086-A261-D6274ABB7FBA}"/>
-          </ac:spMkLst>
-        </pc:spChg>
-      </pc:sldChg>
-      <pc:sldChg chg="modSp add">
-        <pc:chgData name="william a" userId="c66c7249b60d4ab2" providerId="LiveId" clId="{8ADFF6C9-2AF6-4F3D-88DD-78A269D2740E}" dt="2020-01-04T02:25:50.966" v="1463" actId="20577"/>
-        <pc:sldMkLst>
-          <pc:docMk/>
-          <pc:sldMk cId="4173013666" sldId="353"/>
-        </pc:sldMkLst>
-        <pc:spChg chg="mod">
-          <ac:chgData name="william a" userId="c66c7249b60d4ab2" providerId="LiveId" clId="{8ADFF6C9-2AF6-4F3D-88DD-78A269D2740E}" dt="2020-01-04T02:25:50.966" v="1463" actId="20577"/>
-          <ac:spMkLst>
-            <pc:docMk/>
-            <pc:sldMk cId="4173013666" sldId="353"/>
-            <ac:spMk id="2" creationId="{EF24CA04-327F-4A45-8923-92F6874B5AD6}"/>
-          </ac:spMkLst>
-        </pc:spChg>
-        <pc:spChg chg="mod">
-          <ac:chgData name="william a" userId="c66c7249b60d4ab2" providerId="LiveId" clId="{8ADFF6C9-2AF6-4F3D-88DD-78A269D2740E}" dt="2020-01-04T00:41:49.058" v="226" actId="20577"/>
-          <ac:spMkLst>
-            <pc:docMk/>
-            <pc:sldMk cId="4173013666" sldId="353"/>
-            <ac:spMk id="3" creationId="{53E16ADB-5B3B-4086-A261-D6274ABB7FBA}"/>
-          </ac:spMkLst>
-        </pc:spChg>
-      </pc:sldChg>
-      <pc:sldChg chg="addSp delSp modSp add">
-        <pc:chgData name="william a" userId="c66c7249b60d4ab2" providerId="LiveId" clId="{8ADFF6C9-2AF6-4F3D-88DD-78A269D2740E}" dt="2020-01-04T01:01:36.171" v="492"/>
-        <pc:sldMkLst>
-          <pc:docMk/>
-          <pc:sldMk cId="3402900499" sldId="354"/>
-        </pc:sldMkLst>
-        <pc:spChg chg="del">
-          <ac:chgData name="william a" userId="c66c7249b60d4ab2" providerId="LiveId" clId="{8ADFF6C9-2AF6-4F3D-88DD-78A269D2740E}" dt="2020-01-04T00:47:49.390" v="265" actId="478"/>
-          <ac:spMkLst>
-            <pc:docMk/>
-            <pc:sldMk cId="3402900499" sldId="354"/>
-            <ac:spMk id="2" creationId="{EF24CA04-327F-4A45-8923-92F6874B5AD6}"/>
-          </ac:spMkLst>
-        </pc:spChg>
-        <pc:spChg chg="add del mod">
-          <ac:chgData name="william a" userId="c66c7249b60d4ab2" providerId="LiveId" clId="{8ADFF6C9-2AF6-4F3D-88DD-78A269D2740E}" dt="2020-01-04T00:47:59.956" v="267" actId="478"/>
-          <ac:spMkLst>
-            <pc:docMk/>
-            <pc:sldMk cId="3402900499" sldId="354"/>
-            <ac:spMk id="5" creationId="{BBE92A83-DF95-4146-A880-5A1A9214DCB7}"/>
-          </ac:spMkLst>
-        </pc:spChg>
-        <pc:spChg chg="add del mod">
-          <ac:chgData name="william a" userId="c66c7249b60d4ab2" providerId="LiveId" clId="{8ADFF6C9-2AF6-4F3D-88DD-78A269D2740E}" dt="2020-01-04T00:49:14.725" v="270" actId="931"/>
-          <ac:spMkLst>
-            <pc:docMk/>
-            <pc:sldMk cId="3402900499" sldId="354"/>
-            <ac:spMk id="7" creationId="{B8E55BD8-4457-44E2-806F-CE4432F6200F}"/>
-          </ac:spMkLst>
-        </pc:spChg>
-        <pc:spChg chg="add del">
-          <ac:chgData name="william a" userId="c66c7249b60d4ab2" providerId="LiveId" clId="{8ADFF6C9-2AF6-4F3D-88DD-78A269D2740E}" dt="2020-01-04T01:01:36.171" v="492"/>
-          <ac:spMkLst>
-            <pc:docMk/>
-            <pc:sldMk cId="3402900499" sldId="354"/>
-            <ac:spMk id="10" creationId="{669D471C-4001-447A-94D5-167D3ECEF99B}"/>
-          </ac:spMkLst>
-        </pc:spChg>
-        <pc:picChg chg="add del">
-          <ac:chgData name="william a" userId="c66c7249b60d4ab2" providerId="LiveId" clId="{8ADFF6C9-2AF6-4F3D-88DD-78A269D2740E}" dt="2020-01-04T00:48:02.452" v="268"/>
-          <ac:picMkLst>
-            <pc:docMk/>
-            <pc:sldMk cId="3402900499" sldId="354"/>
-            <ac:picMk id="6" creationId="{8BF75781-0CB5-412F-B1A0-74673D5D8517}"/>
-          </ac:picMkLst>
-        </pc:picChg>
-        <pc:picChg chg="add mod">
-          <ac:chgData name="william a" userId="c66c7249b60d4ab2" providerId="LiveId" clId="{8ADFF6C9-2AF6-4F3D-88DD-78A269D2740E}" dt="2020-01-04T00:49:35.347" v="277" actId="1076"/>
-          <ac:picMkLst>
-            <pc:docMk/>
-            <pc:sldMk cId="3402900499" sldId="354"/>
-            <ac:picMk id="9" creationId="{B903360F-1AB7-4CE9-B2F2-43CF55D0B446}"/>
-          </ac:picMkLst>
-        </pc:picChg>
-      </pc:sldChg>
-      <pc:sldChg chg="modSp add">
-        <pc:chgData name="william a" userId="c66c7249b60d4ab2" providerId="LiveId" clId="{8ADFF6C9-2AF6-4F3D-88DD-78A269D2740E}" dt="2020-01-04T04:25:44.147" v="3005" actId="6549"/>
-        <pc:sldMkLst>
-          <pc:docMk/>
-          <pc:sldMk cId="2575669963" sldId="355"/>
-        </pc:sldMkLst>
-        <pc:spChg chg="mod">
-          <ac:chgData name="william a" userId="c66c7249b60d4ab2" providerId="LiveId" clId="{8ADFF6C9-2AF6-4F3D-88DD-78A269D2740E}" dt="2020-01-04T04:25:44.147" v="3005" actId="6549"/>
-          <ac:spMkLst>
-            <pc:docMk/>
-            <pc:sldMk cId="2575669963" sldId="355"/>
-            <ac:spMk id="2" creationId="{EF24CA04-327F-4A45-8923-92F6874B5AD6}"/>
-          </ac:spMkLst>
-        </pc:spChg>
-        <pc:spChg chg="mod">
-          <ac:chgData name="william a" userId="c66c7249b60d4ab2" providerId="LiveId" clId="{8ADFF6C9-2AF6-4F3D-88DD-78A269D2740E}" dt="2020-01-04T01:01:32.767" v="490" actId="20577"/>
-          <ac:spMkLst>
-            <pc:docMk/>
-            <pc:sldMk cId="2575669963" sldId="355"/>
-            <ac:spMk id="3" creationId="{53E16ADB-5B3B-4086-A261-D6274ABB7FBA}"/>
-          </ac:spMkLst>
-        </pc:spChg>
-      </pc:sldChg>
-      <pc:sldChg chg="modSp add">
-        <pc:chgData name="william a" userId="c66c7249b60d4ab2" providerId="LiveId" clId="{8ADFF6C9-2AF6-4F3D-88DD-78A269D2740E}" dt="2020-01-04T01:04:33.884" v="638" actId="6549"/>
-        <pc:sldMkLst>
-          <pc:docMk/>
-          <pc:sldMk cId="2806422804" sldId="356"/>
-        </pc:sldMkLst>
-        <pc:spChg chg="mod">
-          <ac:chgData name="william a" userId="c66c7249b60d4ab2" providerId="LiveId" clId="{8ADFF6C9-2AF6-4F3D-88DD-78A269D2740E}" dt="2020-01-04T01:04:33.884" v="638" actId="6549"/>
-          <ac:spMkLst>
-            <pc:docMk/>
-            <pc:sldMk cId="2806422804" sldId="356"/>
-            <ac:spMk id="2" creationId="{EF24CA04-327F-4A45-8923-92F6874B5AD6}"/>
-          </ac:spMkLst>
-        </pc:spChg>
-        <pc:spChg chg="mod">
-          <ac:chgData name="william a" userId="c66c7249b60d4ab2" providerId="LiveId" clId="{8ADFF6C9-2AF6-4F3D-88DD-78A269D2740E}" dt="2020-01-04T01:01:40.822" v="494" actId="20577"/>
-          <ac:spMkLst>
-            <pc:docMk/>
-            <pc:sldMk cId="2806422804" sldId="356"/>
-            <ac:spMk id="3" creationId="{53E16ADB-5B3B-4086-A261-D6274ABB7FBA}"/>
-          </ac:spMkLst>
-        </pc:spChg>
-      </pc:sldChg>
-      <pc:sldChg chg="modSp add ord">
-        <pc:chgData name="william a" userId="c66c7249b60d4ab2" providerId="LiveId" clId="{8ADFF6C9-2AF6-4F3D-88DD-78A269D2740E}" dt="2020-01-04T02:25:35.901" v="1455" actId="20577"/>
-        <pc:sldMkLst>
-          <pc:docMk/>
-          <pc:sldMk cId="1530413237" sldId="357"/>
-        </pc:sldMkLst>
-        <pc:spChg chg="mod">
-          <ac:chgData name="william a" userId="c66c7249b60d4ab2" providerId="LiveId" clId="{8ADFF6C9-2AF6-4F3D-88DD-78A269D2740E}" dt="2020-01-04T02:25:24.713" v="1441" actId="404"/>
-          <ac:spMkLst>
-            <pc:docMk/>
-            <pc:sldMk cId="1530413237" sldId="357"/>
-            <ac:spMk id="2" creationId="{EF24CA04-327F-4A45-8923-92F6874B5AD6}"/>
-          </ac:spMkLst>
-        </pc:spChg>
-        <pc:spChg chg="mod">
-          <ac:chgData name="william a" userId="c66c7249b60d4ab2" providerId="LiveId" clId="{8ADFF6C9-2AF6-4F3D-88DD-78A269D2740E}" dt="2020-01-04T02:25:35.901" v="1455" actId="20577"/>
-          <ac:spMkLst>
-            <pc:docMk/>
-            <pc:sldMk cId="1530413237" sldId="357"/>
-            <ac:spMk id="3" creationId="{53E16ADB-5B3B-4086-A261-D6274ABB7FBA}"/>
-          </ac:spMkLst>
-        </pc:spChg>
-      </pc:sldChg>
-      <pc:sldChg chg="modSp add">
-        <pc:chgData name="william a" userId="c66c7249b60d4ab2" providerId="LiveId" clId="{8ADFF6C9-2AF6-4F3D-88DD-78A269D2740E}" dt="2020-01-04T02:28:50.804" v="1636" actId="20577"/>
-        <pc:sldMkLst>
-          <pc:docMk/>
-          <pc:sldMk cId="716362348" sldId="358"/>
-        </pc:sldMkLst>
-        <pc:spChg chg="mod">
-          <ac:chgData name="william a" userId="c66c7249b60d4ab2" providerId="LiveId" clId="{8ADFF6C9-2AF6-4F3D-88DD-78A269D2740E}" dt="2020-01-04T02:28:50.804" v="1636" actId="20577"/>
-          <ac:spMkLst>
-            <pc:docMk/>
-            <pc:sldMk cId="716362348" sldId="358"/>
-            <ac:spMk id="2" creationId="{EF24CA04-327F-4A45-8923-92F6874B5AD6}"/>
-          </ac:spMkLst>
-        </pc:spChg>
-        <pc:spChg chg="mod">
-          <ac:chgData name="william a" userId="c66c7249b60d4ab2" providerId="LiveId" clId="{8ADFF6C9-2AF6-4F3D-88DD-78A269D2740E}" dt="2020-01-04T02:28:23.304" v="1467" actId="20577"/>
-          <ac:spMkLst>
-            <pc:docMk/>
-            <pc:sldMk cId="716362348" sldId="358"/>
-            <ac:spMk id="3" creationId="{53E16ADB-5B3B-4086-A261-D6274ABB7FBA}"/>
-          </ac:spMkLst>
-        </pc:spChg>
-      </pc:sldChg>
-      <pc:sldChg chg="modSp add">
-        <pc:chgData name="william a" userId="c66c7249b60d4ab2" providerId="LiveId" clId="{8ADFF6C9-2AF6-4F3D-88DD-78A269D2740E}" dt="2020-01-04T02:30:51.646" v="1963" actId="5793"/>
-        <pc:sldMkLst>
-          <pc:docMk/>
-          <pc:sldMk cId="213717452" sldId="359"/>
-        </pc:sldMkLst>
-        <pc:spChg chg="mod">
-          <ac:chgData name="william a" userId="c66c7249b60d4ab2" providerId="LiveId" clId="{8ADFF6C9-2AF6-4F3D-88DD-78A269D2740E}" dt="2020-01-04T02:30:51.646" v="1963" actId="5793"/>
-          <ac:spMkLst>
-            <pc:docMk/>
-            <pc:sldMk cId="213717452" sldId="359"/>
-            <ac:spMk id="2" creationId="{EF24CA04-327F-4A45-8923-92F6874B5AD6}"/>
-          </ac:spMkLst>
-        </pc:spChg>
-      </pc:sldChg>
-      <pc:sldChg chg="modSp add">
-        <pc:chgData name="william a" userId="c66c7249b60d4ab2" providerId="LiveId" clId="{8ADFF6C9-2AF6-4F3D-88DD-78A269D2740E}" dt="2020-01-04T03:12:19.387" v="2492"/>
-        <pc:sldMkLst>
-          <pc:docMk/>
-          <pc:sldMk cId="513766956" sldId="360"/>
-        </pc:sldMkLst>
-        <pc:spChg chg="mod">
-          <ac:chgData name="william a" userId="c66c7249b60d4ab2" providerId="LiveId" clId="{8ADFF6C9-2AF6-4F3D-88DD-78A269D2740E}" dt="2020-01-04T03:12:19.387" v="2492"/>
-          <ac:spMkLst>
-            <pc:docMk/>
-            <pc:sldMk cId="513766956" sldId="360"/>
-            <ac:spMk id="2" creationId="{EF24CA04-327F-4A45-8923-92F6874B5AD6}"/>
-          </ac:spMkLst>
-        </pc:spChg>
-        <pc:spChg chg="mod">
-          <ac:chgData name="william a" userId="c66c7249b60d4ab2" providerId="LiveId" clId="{8ADFF6C9-2AF6-4F3D-88DD-78A269D2740E}" dt="2020-01-04T03:00:19.509" v="1986" actId="20577"/>
-          <ac:spMkLst>
-            <pc:docMk/>
-            <pc:sldMk cId="513766956" sldId="360"/>
-            <ac:spMk id="3" creationId="{53E16ADB-5B3B-4086-A261-D6274ABB7FBA}"/>
-          </ac:spMkLst>
-        </pc:spChg>
-      </pc:sldChg>
-      <pc:sldChg chg="modSp add">
-        <pc:chgData name="william a" userId="c66c7249b60d4ab2" providerId="LiveId" clId="{8ADFF6C9-2AF6-4F3D-88DD-78A269D2740E}" dt="2020-01-04T03:41:53.368" v="2627" actId="404"/>
-        <pc:sldMkLst>
-          <pc:docMk/>
-          <pc:sldMk cId="1226766330" sldId="361"/>
-        </pc:sldMkLst>
-        <pc:spChg chg="mod">
-          <ac:chgData name="william a" userId="c66c7249b60d4ab2" providerId="LiveId" clId="{8ADFF6C9-2AF6-4F3D-88DD-78A269D2740E}" dt="2020-01-04T03:41:53.368" v="2627" actId="404"/>
-          <ac:spMkLst>
-            <pc:docMk/>
-            <pc:sldMk cId="1226766330" sldId="361"/>
-            <ac:spMk id="2" creationId="{EF24CA04-327F-4A45-8923-92F6874B5AD6}"/>
-          </ac:spMkLst>
-        </pc:spChg>
-        <pc:spChg chg="mod">
-          <ac:chgData name="william a" userId="c66c7249b60d4ab2" providerId="LiveId" clId="{8ADFF6C9-2AF6-4F3D-88DD-78A269D2740E}" dt="2020-01-04T03:22:36.145" v="2494" actId="20577"/>
-          <ac:spMkLst>
-            <pc:docMk/>
-            <pc:sldMk cId="1226766330" sldId="361"/>
-            <ac:spMk id="3" creationId="{53E16ADB-5B3B-4086-A261-D6274ABB7FBA}"/>
-          </ac:spMkLst>
-        </pc:spChg>
-      </pc:sldChg>
-      <pc:sldChg chg="modSp add">
-        <pc:chgData name="william a" userId="c66c7249b60d4ab2" providerId="LiveId" clId="{8ADFF6C9-2AF6-4F3D-88DD-78A269D2740E}" dt="2020-01-04T03:55:09.633" v="2742"/>
-        <pc:sldMkLst>
-          <pc:docMk/>
-          <pc:sldMk cId="2440827224" sldId="362"/>
-        </pc:sldMkLst>
-        <pc:spChg chg="mod">
-          <ac:chgData name="william a" userId="c66c7249b60d4ab2" providerId="LiveId" clId="{8ADFF6C9-2AF6-4F3D-88DD-78A269D2740E}" dt="2020-01-04T03:55:09.633" v="2742"/>
-          <ac:spMkLst>
-            <pc:docMk/>
-            <pc:sldMk cId="2440827224" sldId="362"/>
-            <ac:spMk id="2" creationId="{EF24CA04-327F-4A45-8923-92F6874B5AD6}"/>
-          </ac:spMkLst>
-        </pc:spChg>
-        <pc:spChg chg="mod">
-          <ac:chgData name="william a" userId="c66c7249b60d4ab2" providerId="LiveId" clId="{8ADFF6C9-2AF6-4F3D-88DD-78A269D2740E}" dt="2020-01-04T03:55:02.902" v="2717" actId="20577"/>
-          <ac:spMkLst>
-            <pc:docMk/>
-            <pc:sldMk cId="2440827224" sldId="362"/>
-            <ac:spMk id="3" creationId="{53E16ADB-5B3B-4086-A261-D6274ABB7FBA}"/>
-          </ac:spMkLst>
-        </pc:spChg>
-      </pc:sldChg>
-      <pc:sldChg chg="modSp add">
-        <pc:chgData name="william a" userId="c66c7249b60d4ab2" providerId="LiveId" clId="{8ADFF6C9-2AF6-4F3D-88DD-78A269D2740E}" dt="2020-01-04T04:35:06.966" v="3007"/>
-        <pc:sldMkLst>
-          <pc:docMk/>
-          <pc:sldMk cId="2796713283" sldId="363"/>
-        </pc:sldMkLst>
-        <pc:spChg chg="mod">
-          <ac:chgData name="william a" userId="c66c7249b60d4ab2" providerId="LiveId" clId="{8ADFF6C9-2AF6-4F3D-88DD-78A269D2740E}" dt="2020-01-04T04:35:06.966" v="3007"/>
-          <ac:spMkLst>
-            <pc:docMk/>
-            <pc:sldMk cId="2796713283" sldId="363"/>
-            <ac:spMk id="2" creationId="{EF24CA04-327F-4A45-8923-92F6874B5AD6}"/>
-          </ac:spMkLst>
-        </pc:spChg>
-      </pc:sldChg>
-      <pc:sldChg chg="modSp add ord">
-        <pc:chgData name="william a" userId="c66c7249b60d4ab2" providerId="LiveId" clId="{8ADFF6C9-2AF6-4F3D-88DD-78A269D2740E}" dt="2020-01-04T06:00:44.230" v="3154"/>
-        <pc:sldMkLst>
-          <pc:docMk/>
-          <pc:sldMk cId="4225979257" sldId="364"/>
-        </pc:sldMkLst>
-        <pc:spChg chg="mod">
-          <ac:chgData name="william a" userId="c66c7249b60d4ab2" providerId="LiveId" clId="{8ADFF6C9-2AF6-4F3D-88DD-78A269D2740E}" dt="2020-01-04T05:32:34.049" v="3121" actId="6549"/>
-          <ac:spMkLst>
-            <pc:docMk/>
-            <pc:sldMk cId="4225979257" sldId="364"/>
-            <ac:spMk id="2" creationId="{B3ADF4C9-17E7-4A38-9C43-7F6F1B602B98}"/>
-          </ac:spMkLst>
-        </pc:spChg>
-        <pc:spChg chg="mod">
-          <ac:chgData name="william a" userId="c66c7249b60d4ab2" providerId="LiveId" clId="{8ADFF6C9-2AF6-4F3D-88DD-78A269D2740E}" dt="2020-01-04T04:58:57.826" v="3101" actId="6549"/>
-          <ac:spMkLst>
-            <pc:docMk/>
-            <pc:sldMk cId="4225979257" sldId="364"/>
-            <ac:spMk id="3" creationId="{26FBC2D6-8663-46AB-B95D-12060B43CE5C}"/>
-          </ac:spMkLst>
-        </pc:spChg>
-      </pc:sldChg>
-      <pc:sldChg chg="addSp delSp modSp add ord">
-        <pc:chgData name="william a" userId="c66c7249b60d4ab2" providerId="LiveId" clId="{8ADFF6C9-2AF6-4F3D-88DD-78A269D2740E}" dt="2020-01-04T06:00:44.230" v="3154"/>
-        <pc:sldMkLst>
-          <pc:docMk/>
-          <pc:sldMk cId="1792179568" sldId="365"/>
-        </pc:sldMkLst>
-        <pc:spChg chg="del mod">
-          <ac:chgData name="william a" userId="c66c7249b60d4ab2" providerId="LiveId" clId="{8ADFF6C9-2AF6-4F3D-88DD-78A269D2740E}" dt="2020-01-04T05:36:15.220" v="3124"/>
-          <ac:spMkLst>
-            <pc:docMk/>
-            <pc:sldMk cId="1792179568" sldId="365"/>
-            <ac:spMk id="2" creationId="{B3ADF4C9-17E7-4A38-9C43-7F6F1B602B98}"/>
-          </ac:spMkLst>
-        </pc:spChg>
-        <pc:spChg chg="add mod">
-          <ac:chgData name="william a" userId="c66c7249b60d4ab2" providerId="LiveId" clId="{8ADFF6C9-2AF6-4F3D-88DD-78A269D2740E}" dt="2020-01-04T05:36:39.543" v="3138" actId="1076"/>
-          <ac:spMkLst>
-            <pc:docMk/>
-            <pc:sldMk cId="1792179568" sldId="365"/>
-            <ac:spMk id="5" creationId="{738A890D-3C3A-49E4-A2ED-D1D35160000E}"/>
-          </ac:spMkLst>
-        </pc:spChg>
-        <pc:spChg chg="add mod">
-          <ac:chgData name="william a" userId="c66c7249b60d4ab2" providerId="LiveId" clId="{8ADFF6C9-2AF6-4F3D-88DD-78A269D2740E}" dt="2020-01-04T05:38:47.839" v="3142" actId="14100"/>
-          <ac:spMkLst>
-            <pc:docMk/>
-            <pc:sldMk cId="1792179568" sldId="365"/>
-            <ac:spMk id="6" creationId="{CFD43681-41D2-42FF-9B53-08BF14FE5618}"/>
-          </ac:spMkLst>
-        </pc:spChg>
-        <pc:spChg chg="add mod">
-          <ac:chgData name="william a" userId="c66c7249b60d4ab2" providerId="LiveId" clId="{8ADFF6C9-2AF6-4F3D-88DD-78A269D2740E}" dt="2020-01-04T05:38:59.318" v="3146" actId="1076"/>
-          <ac:spMkLst>
-            <pc:docMk/>
-            <pc:sldMk cId="1792179568" sldId="365"/>
-            <ac:spMk id="7" creationId="{919A4D36-2172-4AC4-8719-4DD5FF5624E3}"/>
-          </ac:spMkLst>
-        </pc:spChg>
-        <pc:spChg chg="add mod">
-          <ac:chgData name="william a" userId="c66c7249b60d4ab2" providerId="LiveId" clId="{8ADFF6C9-2AF6-4F3D-88DD-78A269D2740E}" dt="2020-01-04T05:39:23.211" v="3150" actId="14100"/>
-          <ac:spMkLst>
-            <pc:docMk/>
-            <pc:sldMk cId="1792179568" sldId="365"/>
-            <ac:spMk id="8" creationId="{1D270D39-CEF1-4FC6-9A68-C4572CB2ED19}"/>
-          </ac:spMkLst>
-        </pc:spChg>
-        <pc:spChg chg="add mod">
-          <ac:chgData name="william a" userId="c66c7249b60d4ab2" providerId="LiveId" clId="{8ADFF6C9-2AF6-4F3D-88DD-78A269D2740E}" dt="2020-01-04T05:39:30.411" v="3153" actId="14100"/>
-          <ac:spMkLst>
-            <pc:docMk/>
-            <pc:sldMk cId="1792179568" sldId="365"/>
-            <ac:spMk id="9" creationId="{64235192-62EA-47E8-8B1B-9A65D4BE3B31}"/>
-          </ac:spMkLst>
-        </pc:spChg>
-        <pc:picChg chg="add mod">
-          <ac:chgData name="william a" userId="c66c7249b60d4ab2" providerId="LiveId" clId="{8ADFF6C9-2AF6-4F3D-88DD-78A269D2740E}" dt="2020-01-04T05:36:48.431" v="3139" actId="1076"/>
-          <ac:picMkLst>
-            <pc:docMk/>
-            <pc:sldMk cId="1792179568" sldId="365"/>
-            <ac:picMk id="4" creationId="{F80FE12A-E4B2-471C-8D79-5162259E4C7B}"/>
-          </ac:picMkLst>
-        </pc:picChg>
-      </pc:sldChg>
-    </pc:docChg>
-  </pc:docChgLst>
-  <pc:docChgLst>
-    <pc:chgData name="william a" userId="c66c7249b60d4ab2" providerId="LiveId" clId="{066F1101-84BD-4F07-AB0D-8BECC44521E1}"/>
-    <pc:docChg chg="custSel modSld">
-      <pc:chgData name="william a" userId="c66c7249b60d4ab2" providerId="LiveId" clId="{066F1101-84BD-4F07-AB0D-8BECC44521E1}" dt="2019-12-19T15:27:23.138" v="14" actId="14100"/>
-      <pc:docMkLst>
-        <pc:docMk/>
-      </pc:docMkLst>
-      <pc:sldChg chg="modSp">
-        <pc:chgData name="william a" userId="c66c7249b60d4ab2" providerId="LiveId" clId="{066F1101-84BD-4F07-AB0D-8BECC44521E1}" dt="2019-12-19T15:27:23.138" v="14" actId="14100"/>
-        <pc:sldMkLst>
-          <pc:docMk/>
-          <pc:sldMk cId="2294722125" sldId="340"/>
-        </pc:sldMkLst>
-        <pc:spChg chg="mod">
-          <ac:chgData name="william a" userId="c66c7249b60d4ab2" providerId="LiveId" clId="{066F1101-84BD-4F07-AB0D-8BECC44521E1}" dt="2019-12-19T15:27:23.138" v="14" actId="14100"/>
-          <ac:spMkLst>
-            <pc:docMk/>
-            <pc:sldMk cId="2294722125" sldId="340"/>
             <ac:spMk id="2" creationId="{EF24CA04-327F-4A45-8923-92F6874B5AD6}"/>
           </ac:spMkLst>
         </pc:spChg>
@@ -3927,12 +3959,12 @@
           <a:lstStyle/>
           <a:p>
             <a:r>
-              <a:rPr lang="en-US" i="1"/>
+              <a:rPr lang="en-US" i="1" dirty="0"/>
               <a:t>[Moderator Part]</a:t>
             </a:r>
           </a:p>
           <a:p>
-            <a:endParaRPr lang="en-US" i="1"/>
+            <a:endParaRPr lang="en-US" i="1" dirty="0"/>
           </a:p>
           <a:p>
             <a:pPr marL="0" marR="0" lvl="0" indent="0" algn="l" defTabSz="914400" rtl="0" eaLnBrk="1" fontAlgn="auto" latinLnBrk="0" hangingPunct="1">
@@ -3953,7 +3985,7 @@
               <a:defRPr/>
             </a:pPr>
             <a:r>
-              <a:rPr lang="en-US" sz="1200" i="1" kern="1200">
+              <a:rPr lang="en-US" sz="1200" i="1" kern="1200" dirty="0">
                 <a:solidFill>
                   <a:schemeClr val="tx1"/>
                 </a:solidFill>
@@ -3964,10 +3996,10 @@
               </a:rPr>
               <a:t>The moderator’s script will be added in this section after deck submission.</a:t>
             </a:r>
-            <a:endParaRPr lang="en-CA" b="1" i="1" baseline="0"/>
-          </a:p>
-          <a:p>
-            <a:endParaRPr lang="en-CA" sz="1200" kern="1200">
+            <a:endParaRPr lang="en-CA" b="1" i="1" baseline="0" dirty="0"/>
+          </a:p>
+          <a:p>
+            <a:endParaRPr lang="en-CA" sz="1200" kern="1200" dirty="0">
               <a:solidFill>
                 <a:srgbClr val="FFFF00"/>
               </a:solidFill>
@@ -4341,7 +4373,7 @@
     </p:spTree>
     <p:extLst>
       <p:ext uri="{BB962C8B-B14F-4D97-AF65-F5344CB8AC3E}">
-        <p14:creationId xmlns:p14="http://schemas.microsoft.com/office/powerpoint/2010/main" val="1861916887"/>
+        <p14:creationId xmlns:p14="http://schemas.microsoft.com/office/powerpoint/2010/main" val="1114856232"/>
       </p:ext>
     </p:extLst>
   </p:cSld>
@@ -4425,7 +4457,7 @@
     </p:spTree>
     <p:extLst>
       <p:ext uri="{BB962C8B-B14F-4D97-AF65-F5344CB8AC3E}">
-        <p14:creationId xmlns:p14="http://schemas.microsoft.com/office/powerpoint/2010/main" val="2436583702"/>
+        <p14:creationId xmlns:p14="http://schemas.microsoft.com/office/powerpoint/2010/main" val="1861916887"/>
       </p:ext>
     </p:extLst>
   </p:cSld>
@@ -4509,7 +4541,7 @@
     </p:spTree>
     <p:extLst>
       <p:ext uri="{BB962C8B-B14F-4D97-AF65-F5344CB8AC3E}">
-        <p14:creationId xmlns:p14="http://schemas.microsoft.com/office/powerpoint/2010/main" val="3904541459"/>
+        <p14:creationId xmlns:p14="http://schemas.microsoft.com/office/powerpoint/2010/main" val="2436583702"/>
       </p:ext>
     </p:extLst>
   </p:cSld>
@@ -4593,7 +4625,7 @@
     </p:spTree>
     <p:extLst>
       <p:ext uri="{BB962C8B-B14F-4D97-AF65-F5344CB8AC3E}">
-        <p14:creationId xmlns:p14="http://schemas.microsoft.com/office/powerpoint/2010/main" val="3021706624"/>
+        <p14:creationId xmlns:p14="http://schemas.microsoft.com/office/powerpoint/2010/main" val="3904541459"/>
       </p:ext>
     </p:extLst>
   </p:cSld>
@@ -4677,7 +4709,7 @@
     </p:spTree>
     <p:extLst>
       <p:ext uri="{BB962C8B-B14F-4D97-AF65-F5344CB8AC3E}">
-        <p14:creationId xmlns:p14="http://schemas.microsoft.com/office/powerpoint/2010/main" val="1971921015"/>
+        <p14:creationId xmlns:p14="http://schemas.microsoft.com/office/powerpoint/2010/main" val="3021706624"/>
       </p:ext>
     </p:extLst>
   </p:cSld>
@@ -4761,7 +4793,7 @@
     </p:spTree>
     <p:extLst>
       <p:ext uri="{BB962C8B-B14F-4D97-AF65-F5344CB8AC3E}">
-        <p14:creationId xmlns:p14="http://schemas.microsoft.com/office/powerpoint/2010/main" val="2158867222"/>
+        <p14:creationId xmlns:p14="http://schemas.microsoft.com/office/powerpoint/2010/main" val="1971921015"/>
       </p:ext>
     </p:extLst>
   </p:cSld>
@@ -4845,7 +4877,7 @@
     </p:spTree>
     <p:extLst>
       <p:ext uri="{BB962C8B-B14F-4D97-AF65-F5344CB8AC3E}">
-        <p14:creationId xmlns:p14="http://schemas.microsoft.com/office/powerpoint/2010/main" val="3649725107"/>
+        <p14:creationId xmlns:p14="http://schemas.microsoft.com/office/powerpoint/2010/main" val="2158867222"/>
       </p:ext>
     </p:extLst>
   </p:cSld>
@@ -4900,12 +4932,12 @@
           <a:lstStyle/>
           <a:p>
             <a:r>
-              <a:rPr lang="en-US" i="1"/>
+              <a:rPr lang="en-US" i="1" dirty="0"/>
               <a:t>[Moderator Part]</a:t>
             </a:r>
           </a:p>
           <a:p>
-            <a:endParaRPr lang="en-US" i="1"/>
+            <a:endParaRPr lang="en-US" i="1" dirty="0"/>
           </a:p>
           <a:p>
             <a:pPr marL="0" marR="0" lvl="0" indent="0" algn="l" defTabSz="914400" rtl="0" eaLnBrk="1" fontAlgn="auto" latinLnBrk="0" hangingPunct="1">
@@ -4926,7 +4958,7 @@
               <a:defRPr/>
             </a:pPr>
             <a:r>
-              <a:rPr lang="en-US" sz="1200" i="1" kern="1200">
+              <a:rPr lang="en-US" sz="1200" i="1" kern="1200" dirty="0">
                 <a:solidFill>
                   <a:schemeClr val="tx1"/>
                 </a:solidFill>
@@ -4937,10 +4969,10 @@
               </a:rPr>
               <a:t>The moderator’s script will be added in this section after deck submission.</a:t>
             </a:r>
-            <a:endParaRPr lang="en-CA" b="1" i="1" baseline="0"/>
-          </a:p>
-          <a:p>
-            <a:endParaRPr lang="en-CA" sz="1200" kern="1200">
+            <a:endParaRPr lang="en-CA" b="1" i="1" baseline="0" dirty="0"/>
+          </a:p>
+          <a:p>
+            <a:endParaRPr lang="en-CA" sz="1200" kern="1200" dirty="0">
               <a:solidFill>
                 <a:srgbClr val="FFFF00"/>
               </a:solidFill>
@@ -4952,18 +4984,26 @@
           </a:p>
           <a:p>
             <a:r>
+              <a:rPr lang="en-CA" dirty="0"/>
+              <a:t>Don’t miss the largest technical conference for data professionals that leverage the Microsoft </a:t>
+            </a:r>
+            <a:r>
               <a:rPr lang="en-CA"/>
-              <a:t>Don’t miss the largest technical conference for data professionals that leverage the Microsoft Data Platform. PASS Summit 2019 will be happening on November 5</a:t>
-            </a:r>
-            <a:r>
-              <a:rPr lang="en-CA" baseline="30000"/>
+              <a:t>Data Platform. </a:t>
+            </a:r>
+            <a:r>
+              <a:rPr lang="en-CA" dirty="0"/>
+              <a:t>PASS Summit 2019 will be happening on November 5</a:t>
+            </a:r>
+            <a:r>
+              <a:rPr lang="en-CA" baseline="30000" dirty="0"/>
               <a:t>th</a:t>
             </a:r>
             <a:r>
-              <a:rPr lang="en-CA"/>
+              <a:rPr lang="en-CA" dirty="0"/>
               <a:t> in Seattle Washington. Head over to PASSsummit.com and register today!</a:t>
             </a:r>
-            <a:endParaRPr lang="en-US" sz="1200" kern="1200">
+            <a:endParaRPr lang="en-US" sz="1200" kern="1200" dirty="0">
               <a:solidFill>
                 <a:schemeClr val="tx1"/>
               </a:solidFill>
@@ -4975,7 +5015,7 @@
           </a:p>
           <a:p>
             <a:r>
-              <a:rPr lang="en-CA" sz="1200" kern="1200">
+              <a:rPr lang="en-CA" sz="1200" kern="1200" dirty="0">
                 <a:solidFill>
                   <a:schemeClr val="tx1"/>
                 </a:solidFill>
@@ -4986,7 +5026,7 @@
               </a:rPr>
               <a:t> </a:t>
             </a:r>
-            <a:endParaRPr lang="en-US" sz="1200" kern="1200">
+            <a:endParaRPr lang="en-US" sz="1200" kern="1200" dirty="0">
               <a:solidFill>
                 <a:schemeClr val="tx1"/>
               </a:solidFill>
@@ -4997,7 +5037,7 @@
             </a:endParaRPr>
           </a:p>
           <a:p>
-            <a:endParaRPr lang="en-CA"/>
+            <a:endParaRPr lang="en-CA" dirty="0"/>
           </a:p>
         </p:txBody>
       </p:sp>
@@ -5171,7 +5211,7 @@
     </p:spTree>
     <p:extLst>
       <p:ext uri="{BB962C8B-B14F-4D97-AF65-F5344CB8AC3E}">
-        <p14:creationId xmlns:p14="http://schemas.microsoft.com/office/powerpoint/2010/main" val="2104492990"/>
+        <p14:creationId xmlns:p14="http://schemas.microsoft.com/office/powerpoint/2010/main" val="3649725107"/>
       </p:ext>
     </p:extLst>
   </p:cSld>
@@ -5255,7 +5295,7 @@
     </p:spTree>
     <p:extLst>
       <p:ext uri="{BB962C8B-B14F-4D97-AF65-F5344CB8AC3E}">
-        <p14:creationId xmlns:p14="http://schemas.microsoft.com/office/powerpoint/2010/main" val="1152788137"/>
+        <p14:creationId xmlns:p14="http://schemas.microsoft.com/office/powerpoint/2010/main" val="2104492990"/>
       </p:ext>
     </p:extLst>
   </p:cSld>
@@ -5339,7 +5379,7 @@
     </p:spTree>
     <p:extLst>
       <p:ext uri="{BB962C8B-B14F-4D97-AF65-F5344CB8AC3E}">
-        <p14:creationId xmlns:p14="http://schemas.microsoft.com/office/powerpoint/2010/main" val="2145999959"/>
+        <p14:creationId xmlns:p14="http://schemas.microsoft.com/office/powerpoint/2010/main" val="1152788137"/>
       </p:ext>
     </p:extLst>
   </p:cSld>
@@ -5423,7 +5463,7 @@
     </p:spTree>
     <p:extLst>
       <p:ext uri="{BB962C8B-B14F-4D97-AF65-F5344CB8AC3E}">
-        <p14:creationId xmlns:p14="http://schemas.microsoft.com/office/powerpoint/2010/main" val="3779149998"/>
+        <p14:creationId xmlns:p14="http://schemas.microsoft.com/office/powerpoint/2010/main" val="2145999959"/>
       </p:ext>
     </p:extLst>
   </p:cSld>
@@ -5507,7 +5547,7 @@
     </p:spTree>
     <p:extLst>
       <p:ext uri="{BB962C8B-B14F-4D97-AF65-F5344CB8AC3E}">
-        <p14:creationId xmlns:p14="http://schemas.microsoft.com/office/powerpoint/2010/main" val="99602890"/>
+        <p14:creationId xmlns:p14="http://schemas.microsoft.com/office/powerpoint/2010/main" val="3779149998"/>
       </p:ext>
     </p:extLst>
   </p:cSld>
@@ -5591,7 +5631,7 @@
     </p:spTree>
     <p:extLst>
       <p:ext uri="{BB962C8B-B14F-4D97-AF65-F5344CB8AC3E}">
-        <p14:creationId xmlns:p14="http://schemas.microsoft.com/office/powerpoint/2010/main" val="3227118783"/>
+        <p14:creationId xmlns:p14="http://schemas.microsoft.com/office/powerpoint/2010/main" val="99602890"/>
       </p:ext>
     </p:extLst>
   </p:cSld>
@@ -5675,7 +5715,7 @@
     </p:spTree>
     <p:extLst>
       <p:ext uri="{BB962C8B-B14F-4D97-AF65-F5344CB8AC3E}">
-        <p14:creationId xmlns:p14="http://schemas.microsoft.com/office/powerpoint/2010/main" val="1320978233"/>
+        <p14:creationId xmlns:p14="http://schemas.microsoft.com/office/powerpoint/2010/main" val="3227118783"/>
       </p:ext>
     </p:extLst>
   </p:cSld>
@@ -5759,7 +5799,7 @@
     </p:spTree>
     <p:extLst>
       <p:ext uri="{BB962C8B-B14F-4D97-AF65-F5344CB8AC3E}">
-        <p14:creationId xmlns:p14="http://schemas.microsoft.com/office/powerpoint/2010/main" val="3277468824"/>
+        <p14:creationId xmlns:p14="http://schemas.microsoft.com/office/powerpoint/2010/main" val="1320978233"/>
       </p:ext>
     </p:extLst>
   </p:cSld>
@@ -5843,7 +5883,7 @@
     </p:spTree>
     <p:extLst>
       <p:ext uri="{BB962C8B-B14F-4D97-AF65-F5344CB8AC3E}">
-        <p14:creationId xmlns:p14="http://schemas.microsoft.com/office/powerpoint/2010/main" val="1216886376"/>
+        <p14:creationId xmlns:p14="http://schemas.microsoft.com/office/powerpoint/2010/main" val="3277468824"/>
       </p:ext>
     </p:extLst>
   </p:cSld>
@@ -5897,47 +5937,6 @@
           <a:bodyPr/>
           <a:lstStyle/>
           <a:p>
-            <a:r>
-              <a:rPr lang="en-US" i="1"/>
-              <a:t>[Moderator Part]</a:t>
-            </a:r>
-          </a:p>
-          <a:p>
-            <a:endParaRPr lang="en-US" i="1"/>
-          </a:p>
-          <a:p>
-            <a:pPr marL="0" marR="0" lvl="0" indent="0" algn="l" defTabSz="914400" rtl="0" eaLnBrk="1" fontAlgn="auto" latinLnBrk="0" hangingPunct="1">
-              <a:lnSpc>
-                <a:spcPct val="100000"/>
-              </a:lnSpc>
-              <a:spcBef>
-                <a:spcPts val="0"/>
-              </a:spcBef>
-              <a:spcAft>
-                <a:spcPts val="0"/>
-              </a:spcAft>
-              <a:buClrTx/>
-              <a:buSzTx/>
-              <a:buFontTx/>
-              <a:buNone/>
-              <a:tabLst/>
-              <a:defRPr/>
-            </a:pPr>
-            <a:r>
-              <a:rPr lang="en-US" sz="1200" i="1" kern="1200">
-                <a:solidFill>
-                  <a:schemeClr val="tx1"/>
-                </a:solidFill>
-                <a:effectLst/>
-                <a:latin typeface="+mn-lt"/>
-                <a:ea typeface="+mn-ea"/>
-                <a:cs typeface="+mn-cs"/>
-              </a:rPr>
-              <a:t>The moderator’s script will be added in this section after deck submission.</a:t>
-            </a:r>
-            <a:endParaRPr lang="en-CA" b="1" i="1" baseline="0"/>
-          </a:p>
-          <a:p>
             <a:endParaRPr lang="en-CA"/>
           </a:p>
         </p:txBody>
@@ -5968,7 +5967,7 @@
     </p:spTree>
     <p:extLst>
       <p:ext uri="{BB962C8B-B14F-4D97-AF65-F5344CB8AC3E}">
-        <p14:creationId xmlns:p14="http://schemas.microsoft.com/office/powerpoint/2010/main" val="4081027143"/>
+        <p14:creationId xmlns:p14="http://schemas.microsoft.com/office/powerpoint/2010/main" val="1216886376"/>
       </p:ext>
     </p:extLst>
   </p:cSld>
@@ -6023,22 +6022,22 @@
           <a:lstStyle/>
           <a:p>
             <a:r>
-              <a:rPr lang="en-US" i="1"/>
+              <a:rPr lang="en-US" i="1" dirty="0"/>
               <a:t>[Moderator Part]</a:t>
             </a:r>
           </a:p>
           <a:p>
-            <a:endParaRPr lang="en-US" i="1"/>
-          </a:p>
-          <a:p>
-            <a:r>
-              <a:rPr lang="en-US" b="1" i="1"/>
+            <a:endParaRPr lang="en-US" i="1" dirty="0"/>
+          </a:p>
+          <a:p>
+            <a:r>
+              <a:rPr lang="en-US" b="1" i="1" dirty="0"/>
               <a:t>Feel free to add your preferred Bio for the Moderator to read out loud, otherwise we will take an abstract of your Speaker Profile.</a:t>
             </a:r>
             <a:br>
-              <a:rPr lang="en-US" i="1"/>
+              <a:rPr lang="en-US" i="1" dirty="0"/>
             </a:br>
-            <a:endParaRPr lang="en-US" i="1"/>
+            <a:endParaRPr lang="en-US" i="1" dirty="0"/>
           </a:p>
           <a:p>
             <a:pPr marL="0" marR="0" lvl="0" indent="0" algn="l" defTabSz="914400" rtl="0" eaLnBrk="1" fontAlgn="auto" latinLnBrk="0" hangingPunct="1">
@@ -6059,7 +6058,7 @@
               <a:defRPr/>
             </a:pPr>
             <a:r>
-              <a:rPr lang="en-US" sz="1200" i="1" kern="1200">
+              <a:rPr lang="en-US" sz="1200" i="1" kern="1200" dirty="0">
                 <a:solidFill>
                   <a:schemeClr val="tx1"/>
                 </a:solidFill>
@@ -6070,10 +6069,10 @@
               </a:rPr>
               <a:t>The moderator’s script will be added in this section after deck submission.</a:t>
             </a:r>
-            <a:endParaRPr lang="en-CA" b="1" i="1" baseline="0"/>
-          </a:p>
-          <a:p>
-            <a:endParaRPr lang="en-CA"/>
+            <a:endParaRPr lang="en-CA" b="1" i="1" baseline="0" dirty="0"/>
+          </a:p>
+          <a:p>
+            <a:endParaRPr lang="en-CA" dirty="0"/>
           </a:p>
         </p:txBody>
       </p:sp>
@@ -6158,12 +6157,12 @@
           <a:lstStyle/>
           <a:p>
             <a:r>
-              <a:rPr lang="en-US" i="1"/>
+              <a:rPr lang="en-US" i="1" dirty="0"/>
               <a:t>[Moderator Part]</a:t>
             </a:r>
           </a:p>
           <a:p>
-            <a:endParaRPr lang="en-US" i="1"/>
+            <a:endParaRPr lang="en-US" i="1" dirty="0"/>
           </a:p>
           <a:p>
             <a:pPr marL="0" marR="0" lvl="0" indent="0" algn="l" defTabSz="914400" rtl="0" eaLnBrk="1" fontAlgn="auto" latinLnBrk="0" hangingPunct="1">
@@ -6184,7 +6183,7 @@
               <a:defRPr/>
             </a:pPr>
             <a:r>
-              <a:rPr lang="en-US" sz="1200" i="1" kern="1200">
+              <a:rPr lang="en-US" sz="1200" i="1" kern="1200" dirty="0">
                 <a:solidFill>
                   <a:schemeClr val="tx1"/>
                 </a:solidFill>
@@ -6195,10 +6194,135 @@
               </a:rPr>
               <a:t>The moderator’s script will be added in this section after deck submission.</a:t>
             </a:r>
-            <a:endParaRPr lang="en-CA" b="1" i="1" baseline="0"/>
-          </a:p>
-          <a:p>
+            <a:endParaRPr lang="en-CA" b="1" i="1" baseline="0" dirty="0"/>
+          </a:p>
+          <a:p>
+            <a:endParaRPr lang="en-CA" dirty="0"/>
+          </a:p>
+        </p:txBody>
+      </p:sp>
+      <p:sp>
+        <p:nvSpPr>
+          <p:cNvPr id="4" name="Slide Number Placeholder 3"/>
+          <p:cNvSpPr>
+            <a:spLocks noGrp="1"/>
+          </p:cNvSpPr>
+          <p:nvPr>
+            <p:ph type="sldNum" sz="quarter" idx="10"/>
+          </p:nvPr>
+        </p:nvSpPr>
+        <p:spPr/>
+        <p:txBody>
+          <a:bodyPr/>
+          <a:lstStyle/>
+          <a:p>
+            <a:fld id="{DDD65AC4-17B0-4E19-8496-B264E70A18D3}" type="slidenum">
+              <a:rPr lang="en-US" smtClean="0"/>
+              <a:t>33</a:t>
+            </a:fld>
             <a:endParaRPr lang="en-US"/>
+          </a:p>
+        </p:txBody>
+      </p:sp>
+    </p:spTree>
+    <p:extLst>
+      <p:ext uri="{BB962C8B-B14F-4D97-AF65-F5344CB8AC3E}">
+        <p14:creationId xmlns:p14="http://schemas.microsoft.com/office/powerpoint/2010/main" val="4081027143"/>
+      </p:ext>
+    </p:extLst>
+  </p:cSld>
+  <p:clrMapOvr>
+    <a:masterClrMapping/>
+  </p:clrMapOvr>
+</p:notes>
+</file>
+
+<file path=ppt/notesSlides/notesSlide31.xml><?xml version="1.0" encoding="utf-8"?>
+<p:notes xmlns:a="http://schemas.openxmlformats.org/drawingml/2006/main" xmlns:r="http://schemas.openxmlformats.org/officeDocument/2006/relationships" xmlns:p="http://schemas.openxmlformats.org/presentationml/2006/main">
+  <p:cSld>
+    <p:spTree>
+      <p:nvGrpSpPr>
+        <p:cNvPr id="1" name=""/>
+        <p:cNvGrpSpPr/>
+        <p:nvPr/>
+      </p:nvGrpSpPr>
+      <p:grpSpPr>
+        <a:xfrm>
+          <a:off x="0" y="0"/>
+          <a:ext cx="0" cy="0"/>
+          <a:chOff x="0" y="0"/>
+          <a:chExt cx="0" cy="0"/>
+        </a:xfrm>
+      </p:grpSpPr>
+      <p:sp>
+        <p:nvSpPr>
+          <p:cNvPr id="2" name="Slide Image Placeholder 1"/>
+          <p:cNvSpPr>
+            <a:spLocks noGrp="1" noRot="1" noChangeAspect="1"/>
+          </p:cNvSpPr>
+          <p:nvPr>
+            <p:ph type="sldImg"/>
+          </p:nvPr>
+        </p:nvSpPr>
+        <p:spPr/>
+      </p:sp>
+      <p:sp>
+        <p:nvSpPr>
+          <p:cNvPr id="3" name="Notes Placeholder 2"/>
+          <p:cNvSpPr>
+            <a:spLocks noGrp="1"/>
+          </p:cNvSpPr>
+          <p:nvPr>
+            <p:ph type="body" idx="1"/>
+          </p:nvPr>
+        </p:nvSpPr>
+        <p:spPr/>
+        <p:txBody>
+          <a:bodyPr/>
+          <a:lstStyle/>
+          <a:p>
+            <a:r>
+              <a:rPr lang="en-US" i="1" dirty="0"/>
+              <a:t>[Moderator Part]</a:t>
+            </a:r>
+          </a:p>
+          <a:p>
+            <a:endParaRPr lang="en-US" i="1" dirty="0"/>
+          </a:p>
+          <a:p>
+            <a:pPr marL="0" marR="0" lvl="0" indent="0" algn="l" defTabSz="914400" rtl="0" eaLnBrk="1" fontAlgn="auto" latinLnBrk="0" hangingPunct="1">
+              <a:lnSpc>
+                <a:spcPct val="100000"/>
+              </a:lnSpc>
+              <a:spcBef>
+                <a:spcPts val="0"/>
+              </a:spcBef>
+              <a:spcAft>
+                <a:spcPts val="0"/>
+              </a:spcAft>
+              <a:buClrTx/>
+              <a:buSzTx/>
+              <a:buFontTx/>
+              <a:buNone/>
+              <a:tabLst/>
+              <a:defRPr/>
+            </a:pPr>
+            <a:r>
+              <a:rPr lang="en-US" sz="1200" i="1" kern="1200" dirty="0">
+                <a:solidFill>
+                  <a:schemeClr val="tx1"/>
+                </a:solidFill>
+                <a:effectLst/>
+                <a:latin typeface="+mn-lt"/>
+                <a:ea typeface="+mn-ea"/>
+                <a:cs typeface="+mn-cs"/>
+              </a:rPr>
+              <a:t>The moderator’s script will be added in this section after deck submission.</a:t>
+            </a:r>
+            <a:endParaRPr lang="en-CA" b="1" i="1" baseline="0" dirty="0"/>
+          </a:p>
+          <a:p>
+            <a:endParaRPr lang="en-US" dirty="0"/>
           </a:p>
         </p:txBody>
       </p:sp>
@@ -6266,7 +6390,7 @@
                 <a:tabLst/>
                 <a:defRPr/>
               </a:pPr>
-              <a:t>33</a:t>
+              <a:t>34</a:t>
             </a:fld>
             <a:endParaRPr kumimoji="0" lang="en-US" sz="1200" b="0" i="0" u="none" strike="noStrike" kern="1200" cap="none" spc="0" normalizeH="0" baseline="0" noProof="0">
               <a:ln>
@@ -6298,7 +6422,7 @@
 </p:notes>
 </file>
 
-<file path=ppt/notesSlides/notesSlide31.xml><?xml version="1.0" encoding="utf-8"?>
+<file path=ppt/notesSlides/notesSlide32.xml><?xml version="1.0" encoding="utf-8"?>
 <p:notes xmlns:a="http://schemas.openxmlformats.org/drawingml/2006/main" xmlns:r="http://schemas.openxmlformats.org/officeDocument/2006/relationships" xmlns:p="http://schemas.openxmlformats.org/presentationml/2006/main">
   <p:cSld>
     <p:spTree>
@@ -6363,7 +6487,7 @@
           <a:p>
             <a:fld id="{DDD65AC4-17B0-4E19-8496-B264E70A18D3}" type="slidenum">
               <a:rPr lang="en-US" smtClean="0"/>
-              <a:t>34</a:t>
+              <a:t>35</a:t>
             </a:fld>
             <a:endParaRPr lang="en-US"/>
           </a:p>
@@ -6940,10 +7064,10 @@
           <a:p>
             <a:pPr lvl="0"/>
             <a:r>
-              <a:rPr lang="en-CA"/>
+              <a:rPr lang="en-CA" dirty="0"/>
               <a:t>Subtitle</a:t>
             </a:r>
-            <a:endParaRPr lang="en-US"/>
+            <a:endParaRPr lang="en-US" dirty="0"/>
           </a:p>
         </p:txBody>
       </p:sp>
@@ -6993,14 +7117,14 @@
           <a:p>
             <a:pPr lvl="0"/>
             <a:r>
-              <a:rPr lang="en-US"/>
+              <a:rPr lang="en-US" dirty="0"/>
               <a:t>[SPEAKER FIRST, SPEAKER LAST], Title, Company</a:t>
             </a:r>
           </a:p>
           <a:p>
             <a:pPr lvl="0"/>
             <a:r>
-              <a:rPr lang="en-US"/>
+              <a:rPr lang="en-US" dirty="0"/>
               <a:t>Moderated By: [MODERATOR]</a:t>
             </a:r>
           </a:p>
@@ -7059,14 +7183,14 @@
           <a:p>
             <a:pPr lvl="0"/>
             <a:r>
-              <a:rPr lang="en-US"/>
+              <a:rPr lang="en-US" dirty="0"/>
               <a:t>Title here: No </a:t>
             </a:r>
           </a:p>
           <a:p>
             <a:pPr lvl="0"/>
             <a:r>
-              <a:rPr lang="en-US"/>
+              <a:rPr lang="en-US" dirty="0"/>
               <a:t>more than 2 lines</a:t>
             </a:r>
           </a:p>
@@ -7321,10 +7445,10 @@
           <a:p>
             <a:pPr marL="0" lvl="0"/>
             <a:r>
-              <a:rPr lang="en-CA"/>
+              <a:rPr lang="en-CA" dirty="0"/>
               <a:t>Questions?</a:t>
             </a:r>
-            <a:endParaRPr lang="en-US"/>
+            <a:endParaRPr lang="en-US" dirty="0"/>
           </a:p>
         </p:txBody>
       </p:sp>
@@ -7761,7 +7885,7 @@
           </a:lstStyle>
           <a:p>
             <a:r>
-              <a:rPr lang="en-CA">
+              <a:rPr lang="en-CA" dirty="0">
                 <a:solidFill>
                   <a:schemeClr val="tx1"/>
                 </a:solidFill>
@@ -7820,7 +7944,7 @@
           <a:p>
             <a:pPr lvl="0"/>
             <a:r>
-              <a:rPr lang="en-US"/>
+              <a:rPr lang="en-US" dirty="0"/>
               <a:t>Edit Master text styles</a:t>
             </a:r>
           </a:p>
@@ -7873,14 +7997,14 @@
           <a:p>
             <a:pPr lvl="0"/>
             <a:r>
-              <a:rPr lang="en-US"/>
+              <a:rPr lang="en-US" dirty="0"/>
               <a:t>@</a:t>
             </a:r>
             <a:r>
-              <a:rPr lang="en-US" err="1"/>
+              <a:rPr lang="en-US" dirty="0" err="1"/>
               <a:t>yourhandle</a:t>
             </a:r>
-            <a:endParaRPr lang="en-US"/>
+            <a:endParaRPr lang="en-US" dirty="0"/>
           </a:p>
         </p:txBody>
       </p:sp>
@@ -7931,10 +8055,10 @@
           <a:p>
             <a:pPr lvl="0"/>
             <a:r>
-              <a:rPr lang="en-US" err="1"/>
+              <a:rPr lang="en-US" dirty="0" err="1"/>
               <a:t>email@company.com</a:t>
             </a:r>
-            <a:endParaRPr lang="en-US"/>
+            <a:endParaRPr lang="en-US" dirty="0"/>
           </a:p>
         </p:txBody>
       </p:sp>
@@ -8175,7 +8299,7 @@
           </a:lstStyle>
           <a:p>
             <a:r>
-              <a:rPr lang="en-CA">
+              <a:rPr lang="en-CA" dirty="0">
                 <a:solidFill>
                   <a:schemeClr val="tx1"/>
                 </a:solidFill>
@@ -8234,7 +8358,7 @@
           <a:p>
             <a:pPr lvl="0"/>
             <a:r>
-              <a:rPr lang="en-US"/>
+              <a:rPr lang="en-US" dirty="0"/>
               <a:t>[Next Session Title]</a:t>
             </a:r>
           </a:p>
@@ -8287,7 +8411,7 @@
           <a:p>
             <a:pPr lvl="0"/>
             <a:r>
-              <a:rPr lang="en-US"/>
+              <a:rPr lang="en-US" dirty="0"/>
               <a:t>[Speaker Name]</a:t>
             </a:r>
           </a:p>
@@ -8660,7 +8784,7 @@
           <a:p>
             <a:pPr lvl="0"/>
             <a:r>
-              <a:rPr lang="en-US"/>
+              <a:rPr lang="en-US" dirty="0"/>
               <a:t>Sponsor Description Here</a:t>
             </a:r>
           </a:p>
@@ -8717,7 +8841,7 @@
               <a:defRPr/>
             </a:pPr>
             <a:r>
-              <a:rPr lang="en-US"/>
+              <a:rPr lang="en-US" dirty="0"/>
               <a:t>Insert Logo Here</a:t>
             </a:r>
           </a:p>
@@ -8781,7 +8905,7 @@
                 <a:buNone/>
               </a:pPr>
               <a:r>
-                <a:rPr lang="en-US" sz="900" b="0" i="1" kern="1200" baseline="0">
+                <a:rPr lang="en-US" sz="900" b="0" i="1" kern="1200" baseline="0" dirty="0">
                   <a:solidFill>
                     <a:schemeClr val="tx1"/>
                   </a:solidFill>
@@ -9013,7 +9137,7 @@
           <a:p>
             <a:pPr algn="ctr"/>
             <a:r>
-              <a:rPr lang="en-CA" sz="3000"/>
+              <a:rPr lang="en-CA" sz="3000" dirty="0"/>
               <a:t>Thank you to our Presenting Sponsors</a:t>
             </a:r>
           </a:p>
@@ -9064,7 +9188,7 @@
           <a:p>
             <a:pPr lvl="0"/>
             <a:r>
-              <a:rPr lang="en-US"/>
+              <a:rPr lang="en-US" dirty="0"/>
               <a:t>Sponsor Description Here</a:t>
             </a:r>
           </a:p>
@@ -9127,7 +9251,7 @@
               <a:defRPr/>
             </a:pPr>
             <a:r>
-              <a:rPr lang="en-US"/>
+              <a:rPr lang="en-US" dirty="0"/>
               <a:t>Insert Logo Here</a:t>
             </a:r>
           </a:p>
@@ -9178,7 +9302,7 @@
           <a:p>
             <a:pPr lvl="0"/>
             <a:r>
-              <a:rPr lang="en-US"/>
+              <a:rPr lang="en-US" dirty="0"/>
               <a:t>Sponsor Description Here</a:t>
             </a:r>
           </a:p>
@@ -9241,7 +9365,7 @@
               <a:defRPr/>
             </a:pPr>
             <a:r>
-              <a:rPr lang="en-US"/>
+              <a:rPr lang="en-US" dirty="0"/>
               <a:t>Insert Logo Here</a:t>
             </a:r>
           </a:p>
@@ -9292,7 +9416,7 @@
           <a:p>
             <a:pPr lvl="0"/>
             <a:r>
-              <a:rPr lang="en-US"/>
+              <a:rPr lang="en-US" dirty="0"/>
               <a:t>Sponsor Description Here</a:t>
             </a:r>
           </a:p>
@@ -9355,7 +9479,7 @@
               <a:defRPr/>
             </a:pPr>
             <a:r>
-              <a:rPr lang="en-US"/>
+              <a:rPr lang="en-US" dirty="0"/>
               <a:t>Insert Logo Here</a:t>
             </a:r>
           </a:p>
@@ -9494,35 +9618,35 @@
           <a:p>
             <a:pPr lvl="0"/>
             <a:r>
-              <a:rPr lang="en-US"/>
+              <a:rPr lang="en-US" dirty="0"/>
               <a:t>Click to edit Master text styles</a:t>
             </a:r>
           </a:p>
           <a:p>
             <a:pPr lvl="1"/>
             <a:r>
-              <a:rPr lang="en-US"/>
+              <a:rPr lang="en-US" dirty="0"/>
               <a:t>Second level</a:t>
             </a:r>
           </a:p>
           <a:p>
             <a:pPr lvl="2"/>
             <a:r>
-              <a:rPr lang="en-US"/>
+              <a:rPr lang="en-US" dirty="0"/>
               <a:t>Third level</a:t>
             </a:r>
           </a:p>
           <a:p>
             <a:pPr lvl="3"/>
             <a:r>
-              <a:rPr lang="en-US"/>
+              <a:rPr lang="en-US" dirty="0"/>
               <a:t>Fourth level</a:t>
             </a:r>
           </a:p>
           <a:p>
             <a:pPr lvl="4"/>
             <a:r>
-              <a:rPr lang="en-US"/>
+              <a:rPr lang="en-US" dirty="0"/>
               <a:t>Fifth level</a:t>
             </a:r>
           </a:p>
@@ -9610,7 +9734,7 @@
           </a:lstStyle>
           <a:p>
             <a:r>
-              <a:rPr lang="en-US"/>
+              <a:rPr lang="en-US" dirty="0"/>
               <a:t>Click to edit Master title style</a:t>
             </a:r>
           </a:p>
@@ -9887,28 +10011,28 @@
           <a:p>
             <a:pPr lvl="0"/>
             <a:r>
-              <a:rPr lang="en-US"/>
+              <a:rPr lang="en-US" dirty="0"/>
               <a:t>Click to edit Master text styles</a:t>
             </a:r>
           </a:p>
           <a:p>
             <a:pPr lvl="0"/>
             <a:r>
-              <a:rPr lang="en-US"/>
+              <a:rPr lang="en-US" dirty="0"/>
               <a:t>Click to edit Master text styles</a:t>
             </a:r>
           </a:p>
           <a:p>
             <a:pPr lvl="0"/>
             <a:r>
-              <a:rPr lang="en-US"/>
+              <a:rPr lang="en-US" dirty="0"/>
               <a:t>Click to edit Master text styles</a:t>
             </a:r>
           </a:p>
           <a:p>
             <a:pPr lvl="0"/>
             <a:r>
-              <a:rPr lang="en-US"/>
+              <a:rPr lang="en-US" dirty="0"/>
               <a:t>Click to edit Master text styles</a:t>
             </a:r>
           </a:p>
@@ -9940,7 +10064,7 @@
           </a:lstStyle>
           <a:p>
             <a:r>
-              <a:rPr lang="en-US"/>
+              <a:rPr lang="en-US" dirty="0"/>
               <a:t>Agenda</a:t>
             </a:r>
           </a:p>
@@ -10040,7 +10164,7 @@
           <a:p>
             <a:pPr lvl="0"/>
             <a:r>
-              <a:rPr lang="en-US"/>
+              <a:rPr lang="en-US" dirty="0"/>
               <a:t>Click to edit Master text</a:t>
             </a:r>
           </a:p>
@@ -10261,10 +10385,10 @@
           <a:p>
             <a:pPr lvl="0"/>
             <a:r>
-              <a:rPr lang="en-CA"/>
+              <a:rPr lang="en-CA" dirty="0"/>
               <a:t>Subtitle</a:t>
             </a:r>
-            <a:endParaRPr lang="en-US"/>
+            <a:endParaRPr lang="en-US" dirty="0"/>
           </a:p>
         </p:txBody>
       </p:sp>
@@ -10314,7 +10438,7 @@
           <a:p>
             <a:pPr lvl="0"/>
             <a:r>
-              <a:rPr lang="en-US"/>
+              <a:rPr lang="en-US" dirty="0"/>
               <a:t>Speaker Name, Title, Company</a:t>
             </a:r>
           </a:p>
@@ -10373,14 +10497,14 @@
           <a:p>
             <a:pPr lvl="0"/>
             <a:r>
-              <a:rPr lang="en-US"/>
+              <a:rPr lang="en-US" dirty="0"/>
               <a:t>Title here: No </a:t>
             </a:r>
           </a:p>
           <a:p>
             <a:pPr lvl="0"/>
             <a:r>
-              <a:rPr lang="en-US"/>
+              <a:rPr lang="en-US" dirty="0"/>
               <a:t>more than 2 lines</a:t>
             </a:r>
           </a:p>
@@ -11000,7 +11124,7 @@
           <a:lstStyle/>
           <a:p>
             <a:r>
-              <a:rPr lang="en-CA" i="1">
+              <a:rPr lang="en-CA" i="1" dirty="0">
                 <a:solidFill>
                   <a:schemeClr val="tx1">
                     <a:lumMod val="50000"/>
@@ -11340,7 +11464,7 @@
           </a:lstStyle>
           <a:p>
             <a:r>
-              <a:rPr lang="en-US"/>
+              <a:rPr lang="en-US" dirty="0"/>
               <a:t>Speaker Name</a:t>
             </a:r>
           </a:p>
@@ -11399,7 +11523,7 @@
           <a:p>
             <a:pPr lvl="0"/>
             <a:r>
-              <a:rPr lang="en-US"/>
+              <a:rPr lang="en-US" dirty="0"/>
               <a:t>Title, Company</a:t>
             </a:r>
           </a:p>
@@ -11467,7 +11591,7 @@
               <a:buNone/>
             </a:pPr>
             <a:r>
-              <a:rPr lang="en-US"/>
+              <a:rPr lang="en-US" dirty="0"/>
               <a:t>Biography Point One</a:t>
             </a:r>
           </a:p>
@@ -11506,7 +11630,7 @@
           </a:lstStyle>
           <a:p>
             <a:r>
-              <a:rPr lang="en-US"/>
+              <a:rPr lang="en-US" dirty="0"/>
               <a:t>PLACE YOUR PHOTO HERE</a:t>
             </a:r>
           </a:p>
@@ -11574,111 +11698,111 @@
               <a:buNone/>
             </a:pPr>
             <a:r>
-              <a:rPr lang="en-US"/>
+              <a:rPr lang="en-US" dirty="0"/>
               <a:t>Lorem ipsum dolor sit </a:t>
             </a:r>
             <a:r>
-              <a:rPr lang="en-US" err="1"/>
+              <a:rPr lang="en-US" dirty="0" err="1"/>
               <a:t>amet</a:t>
             </a:r>
             <a:r>
-              <a:rPr lang="en-US"/>
+              <a:rPr lang="en-US" dirty="0"/>
               <a:t>, </a:t>
             </a:r>
             <a:r>
-              <a:rPr lang="en-US" err="1"/>
+              <a:rPr lang="en-US" dirty="0" err="1"/>
               <a:t>consectetur</a:t>
             </a:r>
             <a:r>
-              <a:rPr lang="en-US"/>
+              <a:rPr lang="en-US" dirty="0"/>
               <a:t> </a:t>
             </a:r>
             <a:r>
-              <a:rPr lang="en-US" err="1"/>
+              <a:rPr lang="en-US" dirty="0" err="1"/>
               <a:t>adipiscing</a:t>
             </a:r>
             <a:r>
-              <a:rPr lang="en-US"/>
+              <a:rPr lang="en-US" dirty="0"/>
               <a:t> </a:t>
             </a:r>
             <a:r>
-              <a:rPr lang="en-US" err="1"/>
+              <a:rPr lang="en-US" dirty="0" err="1"/>
               <a:t>elit</a:t>
             </a:r>
             <a:r>
-              <a:rPr lang="en-US"/>
+              <a:rPr lang="en-US" dirty="0"/>
               <a:t>. </a:t>
             </a:r>
             <a:r>
-              <a:rPr lang="en-US" err="1"/>
+              <a:rPr lang="en-US" dirty="0" err="1"/>
               <a:t>Fusce</a:t>
             </a:r>
             <a:r>
-              <a:rPr lang="en-US"/>
+              <a:rPr lang="en-US" dirty="0"/>
               <a:t> </a:t>
             </a:r>
             <a:r>
-              <a:rPr lang="en-US" err="1"/>
+              <a:rPr lang="en-US" dirty="0" err="1"/>
               <a:t>pulvinar</a:t>
             </a:r>
             <a:r>
-              <a:rPr lang="en-US"/>
+              <a:rPr lang="en-US" dirty="0"/>
               <a:t> </a:t>
             </a:r>
             <a:r>
-              <a:rPr lang="en-US" err="1"/>
+              <a:rPr lang="en-US" dirty="0" err="1"/>
               <a:t>nunc</a:t>
             </a:r>
             <a:r>
-              <a:rPr lang="en-US"/>
+              <a:rPr lang="en-US" dirty="0"/>
               <a:t> </a:t>
             </a:r>
             <a:r>
-              <a:rPr lang="en-US" err="1"/>
+              <a:rPr lang="en-US" dirty="0" err="1"/>
               <a:t>est</a:t>
             </a:r>
             <a:r>
-              <a:rPr lang="en-US"/>
+              <a:rPr lang="en-US" dirty="0"/>
               <a:t>, </a:t>
             </a:r>
             <a:r>
-              <a:rPr lang="en-US" err="1"/>
+              <a:rPr lang="en-US" dirty="0" err="1"/>
               <a:t>quis</a:t>
             </a:r>
             <a:r>
-              <a:rPr lang="en-US"/>
+              <a:rPr lang="en-US" dirty="0"/>
               <a:t> </a:t>
             </a:r>
             <a:r>
-              <a:rPr lang="en-US" err="1"/>
+              <a:rPr lang="en-US" dirty="0" err="1"/>
               <a:t>congue</a:t>
             </a:r>
             <a:r>
-              <a:rPr lang="en-US"/>
+              <a:rPr lang="en-US" dirty="0"/>
               <a:t> </a:t>
             </a:r>
             <a:r>
-              <a:rPr lang="en-US" err="1"/>
+              <a:rPr lang="en-US" dirty="0" err="1"/>
               <a:t>massa</a:t>
             </a:r>
             <a:r>
-              <a:rPr lang="en-US"/>
+              <a:rPr lang="en-US" dirty="0"/>
               <a:t> </a:t>
             </a:r>
             <a:r>
-              <a:rPr lang="en-US" err="1"/>
+              <a:rPr lang="en-US" dirty="0" err="1"/>
               <a:t>lobortis</a:t>
             </a:r>
             <a:r>
-              <a:rPr lang="en-US"/>
+              <a:rPr lang="en-US" dirty="0"/>
               <a:t> </a:t>
             </a:r>
             <a:r>
-              <a:rPr lang="en-US" err="1"/>
+              <a:rPr lang="en-US" dirty="0" err="1"/>
               <a:t>eget</a:t>
             </a:r>
             <a:r>
-              <a:rPr lang="en-US"/>
+              <a:rPr lang="en-US" dirty="0"/>
               <a:t>.</a:t>
             </a:r>
           </a:p>
@@ -11746,7 +11870,7 @@
               <a:buNone/>
             </a:pPr>
             <a:r>
-              <a:rPr lang="en-US"/>
+              <a:rPr lang="en-US" dirty="0"/>
               <a:t>Biography Point Two</a:t>
             </a:r>
           </a:p>
@@ -11814,111 +11938,111 @@
               <a:buNone/>
             </a:pPr>
             <a:r>
-              <a:rPr lang="en-US"/>
+              <a:rPr lang="en-US" dirty="0"/>
               <a:t>Lorem ipsum dolor sit </a:t>
             </a:r>
             <a:r>
-              <a:rPr lang="en-US" err="1"/>
+              <a:rPr lang="en-US" dirty="0" err="1"/>
               <a:t>amet</a:t>
             </a:r>
             <a:r>
-              <a:rPr lang="en-US"/>
+              <a:rPr lang="en-US" dirty="0"/>
               <a:t>, </a:t>
             </a:r>
             <a:r>
-              <a:rPr lang="en-US" err="1"/>
+              <a:rPr lang="en-US" dirty="0" err="1"/>
               <a:t>consectetur</a:t>
             </a:r>
             <a:r>
-              <a:rPr lang="en-US"/>
+              <a:rPr lang="en-US" dirty="0"/>
               <a:t> </a:t>
             </a:r>
             <a:r>
-              <a:rPr lang="en-US" err="1"/>
+              <a:rPr lang="en-US" dirty="0" err="1"/>
               <a:t>adipiscing</a:t>
             </a:r>
             <a:r>
-              <a:rPr lang="en-US"/>
+              <a:rPr lang="en-US" dirty="0"/>
               <a:t> </a:t>
             </a:r>
             <a:r>
-              <a:rPr lang="en-US" err="1"/>
+              <a:rPr lang="en-US" dirty="0" err="1"/>
               <a:t>elit</a:t>
             </a:r>
             <a:r>
-              <a:rPr lang="en-US"/>
+              <a:rPr lang="en-US" dirty="0"/>
               <a:t>. </a:t>
             </a:r>
             <a:r>
-              <a:rPr lang="en-US" err="1"/>
+              <a:rPr lang="en-US" dirty="0" err="1"/>
               <a:t>Fusce</a:t>
             </a:r>
             <a:r>
-              <a:rPr lang="en-US"/>
+              <a:rPr lang="en-US" dirty="0"/>
               <a:t> </a:t>
             </a:r>
             <a:r>
-              <a:rPr lang="en-US" err="1"/>
+              <a:rPr lang="en-US" dirty="0" err="1"/>
               <a:t>pulvinar</a:t>
             </a:r>
             <a:r>
-              <a:rPr lang="en-US"/>
+              <a:rPr lang="en-US" dirty="0"/>
               <a:t> </a:t>
             </a:r>
             <a:r>
-              <a:rPr lang="en-US" err="1"/>
+              <a:rPr lang="en-US" dirty="0" err="1"/>
               <a:t>nunc</a:t>
             </a:r>
             <a:r>
-              <a:rPr lang="en-US"/>
+              <a:rPr lang="en-US" dirty="0"/>
               <a:t> </a:t>
             </a:r>
             <a:r>
-              <a:rPr lang="en-US" err="1"/>
+              <a:rPr lang="en-US" dirty="0" err="1"/>
               <a:t>est</a:t>
             </a:r>
             <a:r>
-              <a:rPr lang="en-US"/>
+              <a:rPr lang="en-US" dirty="0"/>
               <a:t>, </a:t>
             </a:r>
             <a:r>
-              <a:rPr lang="en-US" err="1"/>
+              <a:rPr lang="en-US" dirty="0" err="1"/>
               <a:t>quis</a:t>
             </a:r>
             <a:r>
-              <a:rPr lang="en-US"/>
+              <a:rPr lang="en-US" dirty="0"/>
               <a:t> </a:t>
             </a:r>
             <a:r>
-              <a:rPr lang="en-US" err="1"/>
+              <a:rPr lang="en-US" dirty="0" err="1"/>
               <a:t>congue</a:t>
             </a:r>
             <a:r>
-              <a:rPr lang="en-US"/>
+              <a:rPr lang="en-US" dirty="0"/>
               <a:t> </a:t>
             </a:r>
             <a:r>
-              <a:rPr lang="en-US" err="1"/>
+              <a:rPr lang="en-US" dirty="0" err="1"/>
               <a:t>massa</a:t>
             </a:r>
             <a:r>
-              <a:rPr lang="en-US"/>
+              <a:rPr lang="en-US" dirty="0"/>
               <a:t> </a:t>
             </a:r>
             <a:r>
-              <a:rPr lang="en-US" err="1"/>
+              <a:rPr lang="en-US" dirty="0" err="1"/>
               <a:t>lobortis</a:t>
             </a:r>
             <a:r>
-              <a:rPr lang="en-US"/>
+              <a:rPr lang="en-US" dirty="0"/>
               <a:t> </a:t>
             </a:r>
             <a:r>
-              <a:rPr lang="en-US" err="1"/>
+              <a:rPr lang="en-US" dirty="0" err="1"/>
               <a:t>eget</a:t>
             </a:r>
             <a:r>
-              <a:rPr lang="en-US"/>
+              <a:rPr lang="en-US" dirty="0"/>
               <a:t>.</a:t>
             </a:r>
           </a:p>
@@ -11986,7 +12110,7 @@
               <a:buNone/>
             </a:pPr>
             <a:r>
-              <a:rPr lang="en-US"/>
+              <a:rPr lang="en-US" dirty="0"/>
               <a:t>Biography Point Three</a:t>
             </a:r>
           </a:p>
@@ -12054,111 +12178,111 @@
               <a:buNone/>
             </a:pPr>
             <a:r>
-              <a:rPr lang="en-US"/>
+              <a:rPr lang="en-US" dirty="0"/>
               <a:t>Lorem ipsum dolor sit </a:t>
             </a:r>
             <a:r>
-              <a:rPr lang="en-US" err="1"/>
+              <a:rPr lang="en-US" dirty="0" err="1"/>
               <a:t>amet</a:t>
             </a:r>
             <a:r>
-              <a:rPr lang="en-US"/>
+              <a:rPr lang="en-US" dirty="0"/>
               <a:t>, </a:t>
             </a:r>
             <a:r>
-              <a:rPr lang="en-US" err="1"/>
+              <a:rPr lang="en-US" dirty="0" err="1"/>
               <a:t>consectetur</a:t>
             </a:r>
             <a:r>
-              <a:rPr lang="en-US"/>
+              <a:rPr lang="en-US" dirty="0"/>
               <a:t> </a:t>
             </a:r>
             <a:r>
-              <a:rPr lang="en-US" err="1"/>
+              <a:rPr lang="en-US" dirty="0" err="1"/>
               <a:t>adipiscing</a:t>
             </a:r>
             <a:r>
-              <a:rPr lang="en-US"/>
+              <a:rPr lang="en-US" dirty="0"/>
               <a:t> </a:t>
             </a:r>
             <a:r>
-              <a:rPr lang="en-US" err="1"/>
+              <a:rPr lang="en-US" dirty="0" err="1"/>
               <a:t>elit</a:t>
             </a:r>
             <a:r>
-              <a:rPr lang="en-US"/>
+              <a:rPr lang="en-US" dirty="0"/>
               <a:t>. </a:t>
             </a:r>
             <a:r>
-              <a:rPr lang="en-US" err="1"/>
+              <a:rPr lang="en-US" dirty="0" err="1"/>
               <a:t>Fusce</a:t>
             </a:r>
             <a:r>
-              <a:rPr lang="en-US"/>
+              <a:rPr lang="en-US" dirty="0"/>
               <a:t> </a:t>
             </a:r>
             <a:r>
-              <a:rPr lang="en-US" err="1"/>
+              <a:rPr lang="en-US" dirty="0" err="1"/>
               <a:t>pulvinar</a:t>
             </a:r>
             <a:r>
-              <a:rPr lang="en-US"/>
+              <a:rPr lang="en-US" dirty="0"/>
               <a:t> </a:t>
             </a:r>
             <a:r>
-              <a:rPr lang="en-US" err="1"/>
+              <a:rPr lang="en-US" dirty="0" err="1"/>
               <a:t>nunc</a:t>
             </a:r>
             <a:r>
-              <a:rPr lang="en-US"/>
+              <a:rPr lang="en-US" dirty="0"/>
               <a:t> </a:t>
             </a:r>
             <a:r>
-              <a:rPr lang="en-US" err="1"/>
+              <a:rPr lang="en-US" dirty="0" err="1"/>
               <a:t>est</a:t>
             </a:r>
             <a:r>
-              <a:rPr lang="en-US"/>
+              <a:rPr lang="en-US" dirty="0"/>
               <a:t>, </a:t>
             </a:r>
             <a:r>
-              <a:rPr lang="en-US" err="1"/>
+              <a:rPr lang="en-US" dirty="0" err="1"/>
               <a:t>quis</a:t>
             </a:r>
             <a:r>
-              <a:rPr lang="en-US"/>
+              <a:rPr lang="en-US" dirty="0"/>
               <a:t> </a:t>
             </a:r>
             <a:r>
-              <a:rPr lang="en-US" err="1"/>
+              <a:rPr lang="en-US" dirty="0" err="1"/>
               <a:t>congue</a:t>
             </a:r>
             <a:r>
-              <a:rPr lang="en-US"/>
+              <a:rPr lang="en-US" dirty="0"/>
               <a:t> </a:t>
             </a:r>
             <a:r>
-              <a:rPr lang="en-US" err="1"/>
+              <a:rPr lang="en-US" dirty="0" err="1"/>
               <a:t>massa</a:t>
             </a:r>
             <a:r>
-              <a:rPr lang="en-US"/>
+              <a:rPr lang="en-US" dirty="0"/>
               <a:t> </a:t>
             </a:r>
             <a:r>
-              <a:rPr lang="en-US" err="1"/>
+              <a:rPr lang="en-US" dirty="0" err="1"/>
               <a:t>lobortis</a:t>
             </a:r>
             <a:r>
-              <a:rPr lang="en-US"/>
+              <a:rPr lang="en-US" dirty="0"/>
               <a:t> </a:t>
             </a:r>
             <a:r>
-              <a:rPr lang="en-US" err="1"/>
+              <a:rPr lang="en-US" dirty="0" err="1"/>
               <a:t>eget</a:t>
             </a:r>
             <a:r>
-              <a:rPr lang="en-US"/>
+              <a:rPr lang="en-US" dirty="0"/>
               <a:t>.</a:t>
             </a:r>
           </a:p>
@@ -12196,7 +12320,7 @@
           </a:lstStyle>
           <a:p>
             <a:r>
-              <a:rPr lang="en-US" sz="1100">
+              <a:rPr lang="en-US" sz="1100" dirty="0">
                 <a:solidFill>
                   <a:schemeClr val="accent1"/>
                 </a:solidFill>
@@ -12204,14 +12328,14 @@
               <a:t>/</a:t>
             </a:r>
             <a:r>
-              <a:rPr lang="en-US" sz="1100" err="1">
+              <a:rPr lang="en-US" sz="1100" dirty="0" err="1">
                 <a:solidFill>
                   <a:schemeClr val="accent1"/>
                 </a:solidFill>
               </a:rPr>
               <a:t>yourname</a:t>
             </a:r>
-            <a:endParaRPr lang="en-US" sz="1100">
+            <a:endParaRPr lang="en-US" sz="1100" dirty="0">
               <a:solidFill>
                 <a:schemeClr val="accent1"/>
               </a:solidFill>
@@ -12259,14 +12383,14 @@
               <a:t>@</a:t>
             </a:r>
             <a:r>
-              <a:rPr lang="en-US" sz="1100" err="1">
+              <a:rPr lang="en-US" sz="1100" dirty="0" err="1">
                 <a:solidFill>
                   <a:schemeClr val="accent1"/>
                 </a:solidFill>
               </a:rPr>
               <a:t>yourhandle</a:t>
             </a:r>
-            <a:endParaRPr lang="en-US" sz="1100">
+            <a:endParaRPr lang="en-US" sz="1100" dirty="0">
               <a:solidFill>
                 <a:schemeClr val="accent1"/>
               </a:solidFill>
@@ -12306,14 +12430,14 @@
           </a:lstStyle>
           <a:p>
             <a:r>
-              <a:rPr lang="en-US" sz="1100" err="1">
+              <a:rPr lang="en-US" sz="1100" dirty="0" err="1">
                 <a:solidFill>
                   <a:schemeClr val="accent1"/>
                 </a:solidFill>
               </a:rPr>
               <a:t>yourname</a:t>
             </a:r>
-            <a:endParaRPr lang="en-US" sz="1100">
+            <a:endParaRPr lang="en-US" sz="1100" dirty="0">
               <a:solidFill>
                 <a:schemeClr val="accent1"/>
               </a:solidFill>
@@ -12359,14 +12483,14 @@
           </a:lstStyle>
           <a:p>
             <a:r>
-              <a:rPr lang="en-US" sz="1100" err="1">
+              <a:rPr lang="en-US" sz="1100" dirty="0" err="1">
                 <a:solidFill>
                   <a:schemeClr val="accent1"/>
                 </a:solidFill>
               </a:rPr>
               <a:t>youremail</a:t>
             </a:r>
-            <a:endParaRPr lang="en-US" sz="1100">
+            <a:endParaRPr lang="en-US" sz="1100" dirty="0">
               <a:solidFill>
                 <a:schemeClr val="accent1"/>
               </a:solidFill>
@@ -12710,7 +12834,7 @@
           </a:lstStyle>
           <a:p>
             <a:r>
-              <a:rPr lang="en-US"/>
+              <a:rPr lang="en-US" dirty="0"/>
               <a:t>Speaker Name</a:t>
             </a:r>
           </a:p>
@@ -12769,7 +12893,7 @@
           <a:p>
             <a:pPr lvl="0"/>
             <a:r>
-              <a:rPr lang="en-US"/>
+              <a:rPr lang="en-US" dirty="0"/>
               <a:t>Title, Company</a:t>
             </a:r>
           </a:p>
@@ -12837,7 +12961,7 @@
               <a:buNone/>
             </a:pPr>
             <a:r>
-              <a:rPr lang="en-US"/>
+              <a:rPr lang="en-US" dirty="0"/>
               <a:t>Biography Point One</a:t>
             </a:r>
           </a:p>
@@ -12879,7 +13003,7 @@
           </a:lstStyle>
           <a:p>
             <a:r>
-              <a:rPr lang="en-US"/>
+              <a:rPr lang="en-US" dirty="0"/>
               <a:t>PLACE YOUR PHOTO HERE</a:t>
             </a:r>
           </a:p>
@@ -12947,111 +13071,111 @@
               <a:buNone/>
             </a:pPr>
             <a:r>
-              <a:rPr lang="en-US"/>
+              <a:rPr lang="en-US" dirty="0"/>
               <a:t>Lorem ipsum dolor sit </a:t>
             </a:r>
             <a:r>
-              <a:rPr lang="en-US" err="1"/>
+              <a:rPr lang="en-US" dirty="0" err="1"/>
               <a:t>amet</a:t>
             </a:r>
             <a:r>
-              <a:rPr lang="en-US"/>
+              <a:rPr lang="en-US" dirty="0"/>
               <a:t>, </a:t>
             </a:r>
             <a:r>
-              <a:rPr lang="en-US" err="1"/>
+              <a:rPr lang="en-US" dirty="0" err="1"/>
               <a:t>consectetur</a:t>
             </a:r>
             <a:r>
-              <a:rPr lang="en-US"/>
+              <a:rPr lang="en-US" dirty="0"/>
               <a:t> </a:t>
             </a:r>
             <a:r>
-              <a:rPr lang="en-US" err="1"/>
+              <a:rPr lang="en-US" dirty="0" err="1"/>
               <a:t>adipiscing</a:t>
             </a:r>
             <a:r>
-              <a:rPr lang="en-US"/>
+              <a:rPr lang="en-US" dirty="0"/>
               <a:t> </a:t>
             </a:r>
             <a:r>
-              <a:rPr lang="en-US" err="1"/>
+              <a:rPr lang="en-US" dirty="0" err="1"/>
               <a:t>elit</a:t>
             </a:r>
             <a:r>
-              <a:rPr lang="en-US"/>
+              <a:rPr lang="en-US" dirty="0"/>
               <a:t>. </a:t>
             </a:r>
             <a:r>
-              <a:rPr lang="en-US" err="1"/>
+              <a:rPr lang="en-US" dirty="0" err="1"/>
               <a:t>Fusce</a:t>
             </a:r>
             <a:r>
-              <a:rPr lang="en-US"/>
+              <a:rPr lang="en-US" dirty="0"/>
               <a:t> </a:t>
             </a:r>
             <a:r>
-              <a:rPr lang="en-US" err="1"/>
+              <a:rPr lang="en-US" dirty="0" err="1"/>
               <a:t>pulvinar</a:t>
             </a:r>
             <a:r>
-              <a:rPr lang="en-US"/>
+              <a:rPr lang="en-US" dirty="0"/>
               <a:t> </a:t>
             </a:r>
             <a:r>
-              <a:rPr lang="en-US" err="1"/>
+              <a:rPr lang="en-US" dirty="0" err="1"/>
               <a:t>nunc</a:t>
             </a:r>
             <a:r>
-              <a:rPr lang="en-US"/>
+              <a:rPr lang="en-US" dirty="0"/>
               <a:t> </a:t>
             </a:r>
             <a:r>
-              <a:rPr lang="en-US" err="1"/>
+              <a:rPr lang="en-US" dirty="0" err="1"/>
               <a:t>est</a:t>
             </a:r>
             <a:r>
-              <a:rPr lang="en-US"/>
+              <a:rPr lang="en-US" dirty="0"/>
               <a:t>, </a:t>
             </a:r>
             <a:r>
-              <a:rPr lang="en-US" err="1"/>
+              <a:rPr lang="en-US" dirty="0" err="1"/>
               <a:t>quis</a:t>
             </a:r>
             <a:r>
-              <a:rPr lang="en-US"/>
+              <a:rPr lang="en-US" dirty="0"/>
               <a:t> </a:t>
             </a:r>
             <a:r>
-              <a:rPr lang="en-US" err="1"/>
+              <a:rPr lang="en-US" dirty="0" err="1"/>
               <a:t>congue</a:t>
             </a:r>
             <a:r>
-              <a:rPr lang="en-US"/>
+              <a:rPr lang="en-US" dirty="0"/>
               <a:t> </a:t>
             </a:r>
             <a:r>
-              <a:rPr lang="en-US" err="1"/>
+              <a:rPr lang="en-US" dirty="0" err="1"/>
               <a:t>massa</a:t>
             </a:r>
             <a:r>
-              <a:rPr lang="en-US"/>
+              <a:rPr lang="en-US" dirty="0"/>
               <a:t> </a:t>
             </a:r>
             <a:r>
-              <a:rPr lang="en-US" err="1"/>
+              <a:rPr lang="en-US" dirty="0" err="1"/>
               <a:t>lobortis</a:t>
             </a:r>
             <a:r>
-              <a:rPr lang="en-US"/>
+              <a:rPr lang="en-US" dirty="0"/>
               <a:t> </a:t>
             </a:r>
             <a:r>
-              <a:rPr lang="en-US" err="1"/>
+              <a:rPr lang="en-US" dirty="0" err="1"/>
               <a:t>eget</a:t>
             </a:r>
             <a:r>
-              <a:rPr lang="en-US"/>
+              <a:rPr lang="en-US" dirty="0"/>
               <a:t>.</a:t>
             </a:r>
           </a:p>
@@ -13119,7 +13243,7 @@
               <a:buNone/>
             </a:pPr>
             <a:r>
-              <a:rPr lang="en-US"/>
+              <a:rPr lang="en-US" dirty="0"/>
               <a:t>Biography Point Two</a:t>
             </a:r>
           </a:p>
@@ -13187,111 +13311,111 @@
               <a:buNone/>
             </a:pPr>
             <a:r>
-              <a:rPr lang="en-US"/>
+              <a:rPr lang="en-US" dirty="0"/>
               <a:t>Lorem ipsum dolor sit </a:t>
             </a:r>
             <a:r>
-              <a:rPr lang="en-US" err="1"/>
+              <a:rPr lang="en-US" dirty="0" err="1"/>
               <a:t>amet</a:t>
             </a:r>
             <a:r>
-              <a:rPr lang="en-US"/>
+              <a:rPr lang="en-US" dirty="0"/>
               <a:t>, </a:t>
             </a:r>
             <a:r>
-              <a:rPr lang="en-US" err="1"/>
+              <a:rPr lang="en-US" dirty="0" err="1"/>
               <a:t>consectetur</a:t>
             </a:r>
             <a:r>
-              <a:rPr lang="en-US"/>
+              <a:rPr lang="en-US" dirty="0"/>
               <a:t> </a:t>
             </a:r>
             <a:r>
-              <a:rPr lang="en-US" err="1"/>
+              <a:rPr lang="en-US" dirty="0" err="1"/>
               <a:t>adipiscing</a:t>
             </a:r>
             <a:r>
-              <a:rPr lang="en-US"/>
+              <a:rPr lang="en-US" dirty="0"/>
               <a:t> </a:t>
             </a:r>
             <a:r>
-              <a:rPr lang="en-US" err="1"/>
+              <a:rPr lang="en-US" dirty="0" err="1"/>
               <a:t>elit</a:t>
             </a:r>
             <a:r>
-              <a:rPr lang="en-US"/>
+              <a:rPr lang="en-US" dirty="0"/>
               <a:t>. </a:t>
             </a:r>
             <a:r>
-              <a:rPr lang="en-US" err="1"/>
+              <a:rPr lang="en-US" dirty="0" err="1"/>
               <a:t>Fusce</a:t>
             </a:r>
             <a:r>
-              <a:rPr lang="en-US"/>
+              <a:rPr lang="en-US" dirty="0"/>
               <a:t> </a:t>
             </a:r>
             <a:r>
-              <a:rPr lang="en-US" err="1"/>
+              <a:rPr lang="en-US" dirty="0" err="1"/>
               <a:t>pulvinar</a:t>
             </a:r>
             <a:r>
-              <a:rPr lang="en-US"/>
+              <a:rPr lang="en-US" dirty="0"/>
               <a:t> </a:t>
             </a:r>
             <a:r>
-              <a:rPr lang="en-US" err="1"/>
+              <a:rPr lang="en-US" dirty="0" err="1"/>
               <a:t>nunc</a:t>
             </a:r>
             <a:r>
-              <a:rPr lang="en-US"/>
+              <a:rPr lang="en-US" dirty="0"/>
               <a:t> </a:t>
             </a:r>
             <a:r>
-              <a:rPr lang="en-US" err="1"/>
+              <a:rPr lang="en-US" dirty="0" err="1"/>
               <a:t>est</a:t>
             </a:r>
             <a:r>
-              <a:rPr lang="en-US"/>
+              <a:rPr lang="en-US" dirty="0"/>
               <a:t>, </a:t>
             </a:r>
             <a:r>
-              <a:rPr lang="en-US" err="1"/>
+              <a:rPr lang="en-US" dirty="0" err="1"/>
               <a:t>quis</a:t>
             </a:r>
             <a:r>
-              <a:rPr lang="en-US"/>
+              <a:rPr lang="en-US" dirty="0"/>
               <a:t> </a:t>
             </a:r>
             <a:r>
-              <a:rPr lang="en-US" err="1"/>
+              <a:rPr lang="en-US" dirty="0" err="1"/>
               <a:t>congue</a:t>
             </a:r>
             <a:r>
-              <a:rPr lang="en-US"/>
+              <a:rPr lang="en-US" dirty="0"/>
               <a:t> </a:t>
             </a:r>
             <a:r>
-              <a:rPr lang="en-US" err="1"/>
+              <a:rPr lang="en-US" dirty="0" err="1"/>
               <a:t>massa</a:t>
             </a:r>
             <a:r>
-              <a:rPr lang="en-US"/>
+              <a:rPr lang="en-US" dirty="0"/>
               <a:t> </a:t>
             </a:r>
             <a:r>
-              <a:rPr lang="en-US" err="1"/>
+              <a:rPr lang="en-US" dirty="0" err="1"/>
               <a:t>lobortis</a:t>
             </a:r>
             <a:r>
-              <a:rPr lang="en-US"/>
+              <a:rPr lang="en-US" dirty="0"/>
               <a:t> </a:t>
             </a:r>
             <a:r>
-              <a:rPr lang="en-US" err="1"/>
+              <a:rPr lang="en-US" dirty="0" err="1"/>
               <a:t>eget</a:t>
             </a:r>
             <a:r>
-              <a:rPr lang="en-US"/>
+              <a:rPr lang="en-US" dirty="0"/>
               <a:t>.</a:t>
             </a:r>
           </a:p>
@@ -13359,7 +13483,7 @@
               <a:buNone/>
             </a:pPr>
             <a:r>
-              <a:rPr lang="en-US"/>
+              <a:rPr lang="en-US" dirty="0"/>
               <a:t>Biography Point Three</a:t>
             </a:r>
           </a:p>
@@ -13427,111 +13551,111 @@
               <a:buNone/>
             </a:pPr>
             <a:r>
-              <a:rPr lang="en-US"/>
+              <a:rPr lang="en-US" dirty="0"/>
               <a:t>Lorem ipsum dolor sit </a:t>
             </a:r>
             <a:r>
-              <a:rPr lang="en-US" err="1"/>
+              <a:rPr lang="en-US" dirty="0" err="1"/>
               <a:t>amet</a:t>
             </a:r>
             <a:r>
-              <a:rPr lang="en-US"/>
+              <a:rPr lang="en-US" dirty="0"/>
               <a:t>, </a:t>
             </a:r>
             <a:r>
-              <a:rPr lang="en-US" err="1"/>
+              <a:rPr lang="en-US" dirty="0" err="1"/>
               <a:t>consectetur</a:t>
             </a:r>
             <a:r>
-              <a:rPr lang="en-US"/>
+              <a:rPr lang="en-US" dirty="0"/>
               <a:t> </a:t>
             </a:r>
             <a:r>
-              <a:rPr lang="en-US" err="1"/>
+              <a:rPr lang="en-US" dirty="0" err="1"/>
               <a:t>adipiscing</a:t>
             </a:r>
             <a:r>
-              <a:rPr lang="en-US"/>
+              <a:rPr lang="en-US" dirty="0"/>
               <a:t> </a:t>
             </a:r>
             <a:r>
-              <a:rPr lang="en-US" err="1"/>
+              <a:rPr lang="en-US" dirty="0" err="1"/>
               <a:t>elit</a:t>
             </a:r>
             <a:r>
-              <a:rPr lang="en-US"/>
+              <a:rPr lang="en-US" dirty="0"/>
               <a:t>. </a:t>
             </a:r>
             <a:r>
-              <a:rPr lang="en-US" err="1"/>
+              <a:rPr lang="en-US" dirty="0" err="1"/>
               <a:t>Fusce</a:t>
             </a:r>
             <a:r>
-              <a:rPr lang="en-US"/>
+              <a:rPr lang="en-US" dirty="0"/>
               <a:t> </a:t>
             </a:r>
             <a:r>
-              <a:rPr lang="en-US" err="1"/>
+              <a:rPr lang="en-US" dirty="0" err="1"/>
               <a:t>pulvinar</a:t>
             </a:r>
             <a:r>
-              <a:rPr lang="en-US"/>
+              <a:rPr lang="en-US" dirty="0"/>
               <a:t> </a:t>
             </a:r>
             <a:r>
-              <a:rPr lang="en-US" err="1"/>
+              <a:rPr lang="en-US" dirty="0" err="1"/>
               <a:t>nunc</a:t>
             </a:r>
             <a:r>
-              <a:rPr lang="en-US"/>
+              <a:rPr lang="en-US" dirty="0"/>
               <a:t> </a:t>
             </a:r>
             <a:r>
-              <a:rPr lang="en-US" err="1"/>
+              <a:rPr lang="en-US" dirty="0" err="1"/>
               <a:t>est</a:t>
             </a:r>
             <a:r>
-              <a:rPr lang="en-US"/>
+              <a:rPr lang="en-US" dirty="0"/>
               <a:t>, </a:t>
             </a:r>
             <a:r>
-              <a:rPr lang="en-US" err="1"/>
+              <a:rPr lang="en-US" dirty="0" err="1"/>
               <a:t>quis</a:t>
             </a:r>
             <a:r>
-              <a:rPr lang="en-US"/>
+              <a:rPr lang="en-US" dirty="0"/>
               <a:t> </a:t>
             </a:r>
             <a:r>
-              <a:rPr lang="en-US" err="1"/>
+              <a:rPr lang="en-US" dirty="0" err="1"/>
               <a:t>congue</a:t>
             </a:r>
             <a:r>
-              <a:rPr lang="en-US"/>
+              <a:rPr lang="en-US" dirty="0"/>
               <a:t> </a:t>
             </a:r>
             <a:r>
-              <a:rPr lang="en-US" err="1"/>
+              <a:rPr lang="en-US" dirty="0" err="1"/>
               <a:t>massa</a:t>
             </a:r>
             <a:r>
-              <a:rPr lang="en-US"/>
+              <a:rPr lang="en-US" dirty="0"/>
               <a:t> </a:t>
             </a:r>
             <a:r>
-              <a:rPr lang="en-US" err="1"/>
+              <a:rPr lang="en-US" dirty="0" err="1"/>
               <a:t>lobortis</a:t>
             </a:r>
             <a:r>
-              <a:rPr lang="en-US"/>
+              <a:rPr lang="en-US" dirty="0"/>
               <a:t> </a:t>
             </a:r>
             <a:r>
-              <a:rPr lang="en-US" err="1"/>
+              <a:rPr lang="en-US" dirty="0" err="1"/>
               <a:t>eget</a:t>
             </a:r>
             <a:r>
-              <a:rPr lang="en-US"/>
+              <a:rPr lang="en-US" dirty="0"/>
               <a:t>.</a:t>
             </a:r>
           </a:p>
@@ -13570,7 +13694,7 @@
           </a:lstStyle>
           <a:p>
             <a:r>
-              <a:rPr lang="en-US" sz="1100">
+              <a:rPr lang="en-US" sz="1100" dirty="0">
                 <a:solidFill>
                   <a:schemeClr val="accent1"/>
                 </a:solidFill>
@@ -13578,14 +13702,14 @@
               <a:t>/</a:t>
             </a:r>
             <a:r>
-              <a:rPr lang="en-US" sz="1100" err="1">
+              <a:rPr lang="en-US" sz="1100" dirty="0" err="1">
                 <a:solidFill>
                   <a:schemeClr val="accent1"/>
                 </a:solidFill>
               </a:rPr>
               <a:t>yourname</a:t>
             </a:r>
-            <a:endParaRPr lang="en-US" sz="1100">
+            <a:endParaRPr lang="en-US" sz="1100" dirty="0">
               <a:solidFill>
                 <a:schemeClr val="accent1"/>
               </a:solidFill>
@@ -13634,14 +13758,14 @@
               <a:t>@</a:t>
             </a:r>
             <a:r>
-              <a:rPr lang="en-US" sz="1100" err="1">
+              <a:rPr lang="en-US" sz="1100" dirty="0" err="1">
                 <a:solidFill>
                   <a:schemeClr val="accent1"/>
                 </a:solidFill>
               </a:rPr>
               <a:t>yourhandle</a:t>
             </a:r>
-            <a:endParaRPr lang="en-US" sz="1100">
+            <a:endParaRPr lang="en-US" sz="1100" dirty="0">
               <a:solidFill>
                 <a:schemeClr val="accent1"/>
               </a:solidFill>
@@ -13682,14 +13806,14 @@
           </a:lstStyle>
           <a:p>
             <a:r>
-              <a:rPr lang="en-US" sz="1100" err="1">
+              <a:rPr lang="en-US" sz="1100" dirty="0" err="1">
                 <a:solidFill>
                   <a:schemeClr val="accent1"/>
                 </a:solidFill>
               </a:rPr>
               <a:t>yourname</a:t>
             </a:r>
-            <a:endParaRPr lang="en-US" sz="1100">
+            <a:endParaRPr lang="en-US" sz="1100" dirty="0">
               <a:solidFill>
                 <a:schemeClr val="accent1"/>
               </a:solidFill>
@@ -13736,14 +13860,14 @@
           </a:lstStyle>
           <a:p>
             <a:r>
-              <a:rPr lang="en-US" sz="1100" err="1">
+              <a:rPr lang="en-US" sz="1100" dirty="0" err="1">
                 <a:solidFill>
                   <a:schemeClr val="accent1"/>
                 </a:solidFill>
               </a:rPr>
               <a:t>youremail</a:t>
             </a:r>
-            <a:endParaRPr lang="en-US" sz="1100">
+            <a:endParaRPr lang="en-US" sz="1100" dirty="0">
               <a:solidFill>
                 <a:schemeClr val="accent1"/>
               </a:solidFill>
@@ -13876,28 +14000,28 @@
           <a:p>
             <a:pPr lvl="0"/>
             <a:r>
-              <a:rPr lang="en-US"/>
+              <a:rPr lang="en-US" dirty="0"/>
               <a:t>Click to edit Master text styles</a:t>
             </a:r>
           </a:p>
           <a:p>
             <a:pPr lvl="0"/>
             <a:r>
-              <a:rPr lang="en-US"/>
+              <a:rPr lang="en-US" dirty="0"/>
               <a:t>Click to edit Master text styles</a:t>
             </a:r>
           </a:p>
           <a:p>
             <a:pPr lvl="0"/>
             <a:r>
-              <a:rPr lang="en-US"/>
+              <a:rPr lang="en-US" dirty="0"/>
               <a:t>Click to edit Master text styles</a:t>
             </a:r>
           </a:p>
           <a:p>
             <a:pPr lvl="0"/>
             <a:r>
-              <a:rPr lang="en-US"/>
+              <a:rPr lang="en-US" dirty="0"/>
               <a:t>Click to edit Master text styles</a:t>
             </a:r>
           </a:p>
@@ -13934,7 +14058,7 @@
           </a:lstStyle>
           <a:p>
             <a:r>
-              <a:rPr lang="en-US"/>
+              <a:rPr lang="en-US" dirty="0"/>
               <a:t>Agenda</a:t>
             </a:r>
           </a:p>
@@ -14034,7 +14158,7 @@
           <a:p>
             <a:pPr lvl="0"/>
             <a:r>
-              <a:rPr lang="en-US"/>
+              <a:rPr lang="en-US" dirty="0"/>
               <a:t>Click to edit Master text</a:t>
             </a:r>
           </a:p>
@@ -14314,28 +14438,28 @@
           <a:p>
             <a:pPr lvl="0"/>
             <a:r>
-              <a:rPr lang="en-US"/>
+              <a:rPr lang="en-US" dirty="0"/>
               <a:t>Click to edit Master text styles</a:t>
             </a:r>
           </a:p>
           <a:p>
             <a:pPr lvl="1"/>
             <a:r>
-              <a:rPr lang="en-US"/>
+              <a:rPr lang="en-US" dirty="0"/>
               <a:t>Click to edit Master text styles</a:t>
             </a:r>
           </a:p>
           <a:p>
             <a:pPr lvl="2"/>
             <a:r>
-              <a:rPr lang="en-US"/>
+              <a:rPr lang="en-US" dirty="0"/>
               <a:t>Click to edit Master text styles</a:t>
             </a:r>
           </a:p>
           <a:p>
             <a:pPr lvl="3"/>
             <a:r>
-              <a:rPr lang="en-US"/>
+              <a:rPr lang="en-US" dirty="0"/>
               <a:t>Click to edit Master text styles</a:t>
             </a:r>
           </a:p>
@@ -14366,7 +14490,7 @@
             </a:lvl1pPr>
           </a:lstStyle>
           <a:p>
-            <a:endParaRPr lang="en-US"/>
+            <a:endParaRPr lang="en-US" dirty="0"/>
           </a:p>
         </p:txBody>
       </p:sp>
@@ -14572,7 +14696,7 @@
           </a:lstStyle>
           <a:p>
             <a:r>
-              <a:rPr lang="en-US"/>
+              <a:rPr lang="en-US" dirty="0"/>
               <a:t>Titles are set 36pt Segoe UI</a:t>
             </a:r>
           </a:p>
@@ -14631,7 +14755,7 @@
           <a:p>
             <a:pPr lvl="0"/>
             <a:r>
-              <a:rPr lang="en-US"/>
+              <a:rPr lang="en-US" dirty="0"/>
               <a:t>Heading One Style</a:t>
             </a:r>
           </a:p>
@@ -14689,7 +14813,7 @@
           <a:p>
             <a:pPr lvl="0"/>
             <a:r>
-              <a:rPr lang="en-US"/>
+              <a:rPr lang="en-US" dirty="0"/>
               <a:t>Body content, 16pt Segoe UI (gray)</a:t>
             </a:r>
           </a:p>
@@ -14748,7 +14872,7 @@
           <a:p>
             <a:pPr lvl="0"/>
             <a:r>
-              <a:rPr lang="en-US"/>
+              <a:rPr lang="en-US" dirty="0"/>
               <a:t>Heading Two Style</a:t>
             </a:r>
           </a:p>
@@ -14806,7 +14930,7 @@
           <a:p>
             <a:pPr lvl="0"/>
             <a:r>
-              <a:rPr lang="en-US"/>
+              <a:rPr lang="en-US" dirty="0"/>
               <a:t>Body content, 16pt Segoe UI (gray)</a:t>
             </a:r>
           </a:p>
@@ -14867,7 +14991,7 @@
           <a:p>
             <a:pPr lvl="0"/>
             <a:r>
-              <a:rPr lang="en-US"/>
+              <a:rPr lang="en-US" dirty="0"/>
               <a:t>HEADING THREE STYLE</a:t>
             </a:r>
           </a:p>
@@ -14925,7 +15049,7 @@
           <a:p>
             <a:pPr lvl="0"/>
             <a:r>
-              <a:rPr lang="en-US"/>
+              <a:rPr lang="en-US" dirty="0"/>
               <a:t>Body content, 16pt Segoe UI (gray)</a:t>
             </a:r>
           </a:p>
@@ -15035,7 +15159,7 @@
               <a:buNone/>
             </a:pPr>
             <a:r>
-              <a:rPr lang="en-US"/>
+              <a:rPr lang="en-US" dirty="0"/>
               <a:t>Title Here</a:t>
             </a:r>
           </a:p>
@@ -15086,7 +15210,7 @@
               <a:buNone/>
             </a:pPr>
             <a:r>
-              <a:rPr lang="en-US"/>
+              <a:rPr lang="en-US" dirty="0"/>
               <a:t>Title Here</a:t>
             </a:r>
           </a:p>
@@ -15140,7 +15264,7 @@
               <a:buNone/>
             </a:pPr>
             <a:r>
-              <a:rPr lang="en-US"/>
+              <a:rPr lang="en-US" dirty="0"/>
               <a:t>Click to edit Master text styles</a:t>
             </a:r>
           </a:p>
@@ -15194,7 +15318,7 @@
               <a:buNone/>
             </a:pPr>
             <a:r>
-              <a:rPr lang="en-US"/>
+              <a:rPr lang="en-US" dirty="0"/>
               <a:t>Click to edit Master text styles</a:t>
             </a:r>
           </a:p>
@@ -15310,7 +15434,7 @@
               <a:buNone/>
             </a:pPr>
             <a:r>
-              <a:rPr lang="en-US"/>
+              <a:rPr lang="en-US" dirty="0"/>
               <a:t>Title Here</a:t>
             </a:r>
           </a:p>
@@ -15370,7 +15494,7 @@
               <a:buNone/>
             </a:pPr>
             <a:r>
-              <a:rPr lang="en-US"/>
+              <a:rPr lang="en-US" dirty="0"/>
               <a:t>Click to edit Master text styles</a:t>
             </a:r>
           </a:p>
@@ -15427,7 +15551,7 @@
               <a:buNone/>
             </a:pPr>
             <a:r>
-              <a:rPr lang="en-US"/>
+              <a:rPr lang="en-US" dirty="0"/>
               <a:t>Title Here</a:t>
             </a:r>
           </a:p>
@@ -15487,7 +15611,7 @@
               <a:buNone/>
             </a:pPr>
             <a:r>
-              <a:rPr lang="en-US"/>
+              <a:rPr lang="en-US" dirty="0"/>
               <a:t>Click to edit Master text styles</a:t>
             </a:r>
           </a:p>
@@ -15544,7 +15668,7 @@
               <a:buNone/>
             </a:pPr>
             <a:r>
-              <a:rPr lang="en-US"/>
+              <a:rPr lang="en-US" dirty="0"/>
               <a:t>Title Here</a:t>
             </a:r>
           </a:p>
@@ -15604,7 +15728,7 @@
               <a:buNone/>
             </a:pPr>
             <a:r>
-              <a:rPr lang="en-US"/>
+              <a:rPr lang="en-US" dirty="0"/>
               <a:t>Click to edit Master text styles</a:t>
             </a:r>
           </a:p>
@@ -15663,7 +15787,7 @@
           </a:lstStyle>
           <a:p>
             <a:r>
-              <a:rPr lang="en-US"/>
+              <a:rPr lang="en-US" dirty="0"/>
               <a:t>Click to edit Master title style</a:t>
             </a:r>
           </a:p>
@@ -16100,7 +16224,7 @@
           </a:lstStyle>
           <a:p>
             <a:r>
-              <a:rPr lang="en-US"/>
+              <a:rPr lang="en-US" dirty="0"/>
               <a:t>Click to edit Master title style</a:t>
             </a:r>
           </a:p>
@@ -16382,35 +16506,35 @@
           <a:p>
             <a:pPr lvl="0"/>
             <a:r>
-              <a:rPr lang="en-US"/>
+              <a:rPr lang="en-US" dirty="0"/>
               <a:t>Click to edit Master text styles</a:t>
             </a:r>
           </a:p>
           <a:p>
             <a:pPr lvl="1"/>
             <a:r>
-              <a:rPr lang="en-US"/>
+              <a:rPr lang="en-US" dirty="0"/>
               <a:t>Second level</a:t>
             </a:r>
           </a:p>
           <a:p>
             <a:pPr lvl="2"/>
             <a:r>
-              <a:rPr lang="en-US"/>
+              <a:rPr lang="en-US" dirty="0"/>
               <a:t>Third level</a:t>
             </a:r>
           </a:p>
           <a:p>
             <a:pPr lvl="3"/>
             <a:r>
-              <a:rPr lang="en-US"/>
+              <a:rPr lang="en-US" dirty="0"/>
               <a:t>Fourth level</a:t>
             </a:r>
           </a:p>
           <a:p>
             <a:pPr lvl="4"/>
             <a:r>
-              <a:rPr lang="en-US"/>
+              <a:rPr lang="en-US" dirty="0"/>
               <a:t>Fifth level</a:t>
             </a:r>
           </a:p>
@@ -16672,7 +16796,7 @@
           </a:lstStyle>
           <a:p>
             <a:r>
-              <a:rPr lang="en-US"/>
+              <a:rPr lang="en-US" dirty="0"/>
               <a:t>Titles are set 36pt Segoe UI</a:t>
             </a:r>
           </a:p>
@@ -16731,7 +16855,7 @@
           <a:p>
             <a:pPr lvl="0"/>
             <a:r>
-              <a:rPr lang="en-US"/>
+              <a:rPr lang="en-US" dirty="0"/>
               <a:t>Heading One Style</a:t>
             </a:r>
           </a:p>
@@ -16787,7 +16911,7 @@
           <a:p>
             <a:pPr lvl="0"/>
             <a:r>
-              <a:rPr lang="en-US"/>
+              <a:rPr lang="en-US" dirty="0"/>
               <a:t>Body content, 16pt Segoe UI (gray)</a:t>
             </a:r>
           </a:p>
@@ -16846,7 +16970,7 @@
           <a:p>
             <a:pPr lvl="0"/>
             <a:r>
-              <a:rPr lang="en-US"/>
+              <a:rPr lang="en-US" dirty="0"/>
               <a:t>Heading Two Style</a:t>
             </a:r>
           </a:p>
@@ -16902,7 +17026,7 @@
           <a:p>
             <a:pPr lvl="0"/>
             <a:r>
-              <a:rPr lang="en-US"/>
+              <a:rPr lang="en-US" dirty="0"/>
               <a:t>Body content, 16pt Segoe UI (gray)</a:t>
             </a:r>
           </a:p>
@@ -16963,7 +17087,7 @@
           <a:p>
             <a:pPr lvl="0"/>
             <a:r>
-              <a:rPr lang="en-US"/>
+              <a:rPr lang="en-US" dirty="0"/>
               <a:t>HEADING THREE STYLE</a:t>
             </a:r>
           </a:p>
@@ -17019,7 +17143,7 @@
           <a:p>
             <a:pPr lvl="0"/>
             <a:r>
-              <a:rPr lang="en-US"/>
+              <a:rPr lang="en-US" dirty="0"/>
               <a:t>Body content, 16pt Segoe UI (gray)</a:t>
             </a:r>
           </a:p>
@@ -17229,7 +17353,7 @@
           </a:lstStyle>
           <a:p>
             <a:r>
-              <a:rPr lang="en-US"/>
+              <a:rPr lang="en-US" dirty="0"/>
               <a:t>Title here</a:t>
             </a:r>
           </a:p>
@@ -17311,10 +17435,10 @@
           <a:p>
             <a:pPr marL="0" lvl="0"/>
             <a:r>
-              <a:rPr lang="en-CA"/>
+              <a:rPr lang="en-CA" dirty="0"/>
               <a:t>Section Break</a:t>
             </a:r>
-            <a:endParaRPr lang="en-US"/>
+            <a:endParaRPr lang="en-US" dirty="0"/>
           </a:p>
         </p:txBody>
       </p:sp>
@@ -17587,10 +17711,10 @@
           <a:p>
             <a:pPr marL="0" lvl="0"/>
             <a:r>
-              <a:rPr lang="en-CA"/>
+              <a:rPr lang="en-CA" dirty="0"/>
               <a:t>Questions?</a:t>
             </a:r>
-            <a:endParaRPr lang="en-US"/>
+            <a:endParaRPr lang="en-US" dirty="0"/>
           </a:p>
         </p:txBody>
       </p:sp>
@@ -18021,7 +18145,7 @@
           </a:lstStyle>
           <a:p>
             <a:r>
-              <a:rPr lang="en-CA">
+              <a:rPr lang="en-CA" dirty="0">
                 <a:solidFill>
                   <a:schemeClr val="tx1"/>
                 </a:solidFill>
@@ -18078,7 +18202,7 @@
           <a:p>
             <a:pPr lvl="0"/>
             <a:r>
-              <a:rPr lang="en-US"/>
+              <a:rPr lang="en-US" dirty="0"/>
               <a:t>Edit Master text styles</a:t>
             </a:r>
           </a:p>
@@ -18131,14 +18255,14 @@
           <a:p>
             <a:pPr lvl="0"/>
             <a:r>
-              <a:rPr lang="en-US"/>
+              <a:rPr lang="en-US" dirty="0"/>
               <a:t>@</a:t>
             </a:r>
             <a:r>
-              <a:rPr lang="en-US" err="1"/>
+              <a:rPr lang="en-US" dirty="0" err="1"/>
               <a:t>yourhandle</a:t>
             </a:r>
-            <a:endParaRPr lang="en-US"/>
+            <a:endParaRPr lang="en-US" dirty="0"/>
           </a:p>
         </p:txBody>
       </p:sp>
@@ -18189,10 +18313,10 @@
           <a:p>
             <a:pPr lvl="0"/>
             <a:r>
-              <a:rPr lang="en-US" err="1"/>
+              <a:rPr lang="en-US" dirty="0" err="1"/>
               <a:t>email@company.com</a:t>
             </a:r>
-            <a:endParaRPr lang="en-US"/>
+            <a:endParaRPr lang="en-US" dirty="0"/>
           </a:p>
         </p:txBody>
       </p:sp>
@@ -18656,7 +18780,7 @@
           <a:p>
             <a:pPr algn="l"/>
             <a:r>
-              <a:rPr lang="en-US" sz="1400">
+              <a:rPr lang="en-US" sz="1400" dirty="0">
                 <a:solidFill>
                   <a:schemeClr val="bg2">
                     <a:lumMod val="50000"/>
@@ -18669,7 +18793,7 @@
           <a:p>
             <a:pPr algn="l"/>
             <a:r>
-              <a:rPr lang="en-US" sz="1400">
+              <a:rPr lang="en-US" sz="1400" dirty="0">
                 <a:solidFill>
                   <a:schemeClr val="bg2">
                     <a:lumMod val="50000"/>
@@ -18682,7 +18806,7 @@
           <a:p>
             <a:pPr algn="l"/>
             <a:r>
-              <a:rPr lang="en-US" sz="1400" b="1">
+              <a:rPr lang="en-US" sz="1400" b="1" dirty="0">
                 <a:solidFill>
                   <a:schemeClr val="bg2">
                     <a:lumMod val="50000"/>
@@ -18757,7 +18881,7 @@
               </a:tabLst>
             </a:pPr>
             <a:r>
-              <a:rPr lang="en-US" sz="4000">
+              <a:rPr lang="en-US" sz="4000" dirty="0">
                 <a:solidFill>
                   <a:schemeClr val="bg2"/>
                 </a:solidFill>
@@ -18775,7 +18899,7 @@
               </a:tabLst>
             </a:pPr>
             <a:r>
-              <a:rPr lang="en-US" sz="4000">
+              <a:rPr lang="en-US" sz="4000" dirty="0">
                 <a:solidFill>
                   <a:schemeClr val="bg2"/>
                 </a:solidFill>
@@ -18923,7 +19047,7 @@
               <a:buNone/>
             </a:pPr>
             <a:r>
-              <a:rPr lang="en-US"/>
+              <a:rPr lang="en-US" dirty="0"/>
               <a:t>Title Here</a:t>
             </a:r>
           </a:p>
@@ -18980,7 +19104,7 @@
               <a:buNone/>
             </a:pPr>
             <a:r>
-              <a:rPr lang="en-US"/>
+              <a:rPr lang="en-US" dirty="0"/>
               <a:t>Title Here</a:t>
             </a:r>
           </a:p>
@@ -19040,7 +19164,7 @@
               <a:buNone/>
             </a:pPr>
             <a:r>
-              <a:rPr lang="en-US"/>
+              <a:rPr lang="en-US" dirty="0"/>
               <a:t>Click to edit Master text styles</a:t>
             </a:r>
           </a:p>
@@ -19100,7 +19224,7 @@
               <a:buNone/>
             </a:pPr>
             <a:r>
-              <a:rPr lang="en-US"/>
+              <a:rPr lang="en-US" dirty="0"/>
               <a:t>Click to edit Master text styles</a:t>
             </a:r>
           </a:p>
@@ -19216,7 +19340,7 @@
               <a:buNone/>
             </a:pPr>
             <a:r>
-              <a:rPr lang="en-US"/>
+              <a:rPr lang="en-US" dirty="0"/>
               <a:t>Title Here</a:t>
             </a:r>
           </a:p>
@@ -19276,7 +19400,7 @@
               <a:buNone/>
             </a:pPr>
             <a:r>
-              <a:rPr lang="en-US"/>
+              <a:rPr lang="en-US" dirty="0"/>
               <a:t>Click to edit Master text styles</a:t>
             </a:r>
           </a:p>
@@ -19333,7 +19457,7 @@
               <a:buNone/>
             </a:pPr>
             <a:r>
-              <a:rPr lang="en-US"/>
+              <a:rPr lang="en-US" dirty="0"/>
               <a:t>Title Here</a:t>
             </a:r>
           </a:p>
@@ -19393,7 +19517,7 @@
               <a:buNone/>
             </a:pPr>
             <a:r>
-              <a:rPr lang="en-US"/>
+              <a:rPr lang="en-US" dirty="0"/>
               <a:t>Click to edit Master text styles</a:t>
             </a:r>
           </a:p>
@@ -19450,7 +19574,7 @@
               <a:buNone/>
             </a:pPr>
             <a:r>
-              <a:rPr lang="en-US"/>
+              <a:rPr lang="en-US" dirty="0"/>
               <a:t>Title Here</a:t>
             </a:r>
           </a:p>
@@ -19510,7 +19634,7 @@
               <a:buNone/>
             </a:pPr>
             <a:r>
-              <a:rPr lang="en-US"/>
+              <a:rPr lang="en-US" dirty="0"/>
               <a:t>Click to edit Master text styles</a:t>
             </a:r>
           </a:p>
@@ -19572,6 +19696,7 @@
               <a:rPr lang="en-US"/>
               <a:t>Click to edit Master title style</a:t>
             </a:r>
+            <a:endParaRPr lang="en-US" dirty="0"/>
           </a:p>
         </p:txBody>
       </p:sp>
@@ -20029,10 +20154,10 @@
           <a:p>
             <a:pPr marL="0" lvl="0"/>
             <a:r>
-              <a:rPr lang="en-CA"/>
+              <a:rPr lang="en-CA" dirty="0"/>
               <a:t>Section Break</a:t>
             </a:r>
-            <a:endParaRPr lang="en-US"/>
+            <a:endParaRPr lang="en-US" dirty="0"/>
           </a:p>
         </p:txBody>
       </p:sp>
@@ -20442,7 +20567,7 @@
           </a:lstStyle>
           <a:p>
             <a:r>
-              <a:rPr lang="en-US"/>
+              <a:rPr lang="en-US" dirty="0"/>
               <a:t>Title here</a:t>
             </a:r>
           </a:p>
@@ -20576,28 +20701,28 @@
           <a:p>
             <a:pPr lvl="0"/>
             <a:r>
-              <a:rPr lang="en-US"/>
+              <a:rPr lang="en-US" dirty="0"/>
               <a:t>Click to edit Master text styles</a:t>
             </a:r>
           </a:p>
           <a:p>
             <a:pPr lvl="1"/>
             <a:r>
-              <a:rPr lang="en-US"/>
+              <a:rPr lang="en-US" dirty="0"/>
               <a:t>Click to edit Master text styles</a:t>
             </a:r>
           </a:p>
           <a:p>
             <a:pPr lvl="2"/>
             <a:r>
-              <a:rPr lang="en-US"/>
+              <a:rPr lang="en-US" dirty="0"/>
               <a:t>Click to edit Master text styles</a:t>
             </a:r>
           </a:p>
           <a:p>
             <a:pPr lvl="3"/>
             <a:r>
-              <a:rPr lang="en-US"/>
+              <a:rPr lang="en-US" dirty="0"/>
               <a:t>Click to edit Master text styles</a:t>
             </a:r>
           </a:p>
@@ -20628,7 +20753,7 @@
             </a:lvl1pPr>
           </a:lstStyle>
           <a:p>
-            <a:endParaRPr lang="en-US"/>
+            <a:endParaRPr lang="en-US" dirty="0"/>
           </a:p>
         </p:txBody>
       </p:sp>
@@ -20839,7 +20964,7 @@
           <a:lstStyle/>
           <a:p>
             <a:r>
-              <a:rPr lang="en-US"/>
+              <a:rPr lang="en-US" dirty="0"/>
               <a:t>Title Styling</a:t>
             </a:r>
           </a:p>
@@ -20888,7 +21013,7 @@
               <a:defRPr/>
             </a:pPr>
             <a:r>
-              <a:rPr kumimoji="0" lang="en-US" sz="2400" b="0" i="0" u="none" strike="noStrike" kern="1200" cap="none" spc="0" normalizeH="0" baseline="0" noProof="0">
+              <a:rPr kumimoji="0" lang="en-US" sz="2400" b="0" i="0" u="none" strike="noStrike" kern="1200" cap="none" spc="0" normalizeH="0" baseline="0" noProof="0" dirty="0">
                 <a:ln>
                   <a:noFill/>
                 </a:ln>
@@ -20922,7 +21047,7 @@
               <a:defRPr/>
             </a:pPr>
             <a:r>
-              <a:rPr kumimoji="0" lang="en-US" sz="2000" b="0" i="0" u="none" strike="noStrike" kern="1200" cap="none" spc="0" normalizeH="0" baseline="0" noProof="0">
+              <a:rPr kumimoji="0" lang="en-US" sz="2000" b="0" i="0" u="none" strike="noStrike" kern="1200" cap="none" spc="0" normalizeH="0" baseline="0" noProof="0" dirty="0">
                 <a:ln>
                   <a:noFill/>
                 </a:ln>
@@ -20956,7 +21081,7 @@
               <a:defRPr/>
             </a:pPr>
             <a:r>
-              <a:rPr kumimoji="0" lang="en-US" sz="1800" b="0" i="0" u="none" strike="noStrike" kern="1200" cap="none" spc="0" normalizeH="0" baseline="0" noProof="0">
+              <a:rPr kumimoji="0" lang="en-US" sz="1800" b="0" i="0" u="none" strike="noStrike" kern="1200" cap="none" spc="0" normalizeH="0" baseline="0" noProof="0" dirty="0">
                 <a:ln>
                   <a:noFill/>
                 </a:ln>
@@ -20990,7 +21115,7 @@
               <a:defRPr/>
             </a:pPr>
             <a:r>
-              <a:rPr kumimoji="0" lang="en-US" sz="1600" b="0" i="0" u="none" strike="noStrike" kern="1200" cap="none" spc="0" normalizeH="0" baseline="0" noProof="0">
+              <a:rPr kumimoji="0" lang="en-US" sz="1600" b="0" i="0" u="none" strike="noStrike" kern="1200" cap="none" spc="0" normalizeH="0" baseline="0" noProof="0" dirty="0">
                 <a:ln>
                   <a:noFill/>
                 </a:ln>
@@ -21024,7 +21149,7 @@
               <a:defRPr/>
             </a:pPr>
             <a:r>
-              <a:rPr kumimoji="0" lang="en-US" sz="1600" b="0" i="0" u="none" strike="noStrike" kern="1200" cap="none" spc="0" normalizeH="0" baseline="0" noProof="0">
+              <a:rPr kumimoji="0" lang="en-US" sz="1600" b="0" i="0" u="none" strike="noStrike" kern="1200" cap="none" spc="0" normalizeH="0" baseline="0" noProof="0" dirty="0">
                 <a:ln>
                   <a:noFill/>
                 </a:ln>
@@ -21038,7 +21163,7 @@
               </a:rPr>
               <a:t>Fifth level</a:t>
             </a:r>
-            <a:endParaRPr kumimoji="0" lang="en-CA" sz="1600" b="0" i="0" u="none" strike="noStrike" kern="1200" cap="none" spc="0" normalizeH="0" baseline="0" noProof="0">
+            <a:endParaRPr kumimoji="0" lang="en-CA" sz="1600" b="0" i="0" u="none" strike="noStrike" kern="1200" cap="none" spc="0" normalizeH="0" baseline="0" noProof="0" dirty="0">
               <a:ln>
                 <a:noFill/>
               </a:ln>
@@ -21448,7 +21573,7 @@
               <a:buNone/>
             </a:pPr>
             <a:r>
-              <a:rPr lang="en-US"/>
+              <a:rPr lang="en-US" dirty="0"/>
               <a:t>Sub heading</a:t>
             </a:r>
           </a:p>
@@ -21471,14 +21596,14 @@
           <a:p>
             <a:pPr lvl="0"/>
             <a:r>
-              <a:rPr lang="en-US"/>
+              <a:rPr lang="en-US" dirty="0"/>
               <a:t>[SPEAKER FIRST] [SPEAKER LAST], [Title, Company]</a:t>
             </a:r>
             <a:br>
-              <a:rPr lang="en-US"/>
+              <a:rPr lang="en-US" dirty="0"/>
             </a:br>
             <a:r>
-              <a:rPr lang="en-US"/>
+              <a:rPr lang="en-US" dirty="0"/>
               <a:t>Moderated By: [MODERATOR]</a:t>
             </a:r>
           </a:p>
@@ -21505,7 +21630,7 @@
           <a:lstStyle/>
           <a:p>
             <a:r>
-              <a:rPr lang="en-US"/>
+              <a:rPr lang="en-US" dirty="0"/>
               <a:t>[SESSION TITLE]</a:t>
             </a:r>
           </a:p>
@@ -21521,13 +21646,13 @@
   <p:clrMapOvr>
     <a:masterClrMapping/>
   </p:clrMapOvr>
-  <mc:AlternateContent xmlns:mc="http://schemas.openxmlformats.org/markup-compatibility/2006">
-    <mc:Choice xmlns:p14="http://schemas.microsoft.com/office/powerpoint/2010/main" Requires="p14">
+  <mc:AlternateContent xmlns:mc="http://schemas.openxmlformats.org/markup-compatibility/2006" xmlns:p14="http://schemas.microsoft.com/office/powerpoint/2010/main">
+    <mc:Choice Requires="p14">
       <p:transition spd="med" p14:dur="700">
         <p:fade/>
       </p:transition>
     </mc:Choice>
-    <mc:Fallback>
+    <mc:Fallback xmlns="">
       <p:transition spd="med">
         <p:fade/>
       </p:transition>
@@ -21575,68 +21700,68 @@
           <a:lstStyle/>
           <a:p>
             <a:r>
-              <a:rPr lang="en-US" sz="2400"/>
+              <a:rPr lang="en-US" sz="2400" dirty="0"/>
               <a:t>A 1992 review of sentencing “data reveal both ethnic and gender biases in sentencing where judges have discretion, but no biases where discretion is limited.”</a:t>
             </a:r>
             <a:r>
-              <a:rPr lang="en-US" sz="2400" baseline="30000"/>
+              <a:rPr lang="en-US" sz="2400" baseline="30000" dirty="0"/>
               <a:t>1</a:t>
             </a:r>
           </a:p>
           <a:p>
             <a:pPr algn="just"/>
             <a:r>
-              <a:rPr lang="en-US" sz="2400"/>
+              <a:rPr lang="en-US" sz="2400" dirty="0"/>
               <a:t>“Black/white sentencing disparities have been </a:t>
             </a:r>
             <a:r>
-              <a:rPr lang="en-US" sz="2400" i="1"/>
+              <a:rPr lang="en-US" sz="2400" i="1" dirty="0"/>
               <a:t>increasing</a:t>
             </a:r>
             <a:r>
-              <a:rPr lang="en-US" sz="2400"/>
+              <a:rPr lang="en-US" sz="2400" dirty="0"/>
               <a:t> in recent years, particularly following </a:t>
             </a:r>
             <a:r>
-              <a:rPr lang="en-US" sz="2400" i="1">
+              <a:rPr lang="en-US" sz="2400" i="1" dirty="0">
                 <a:hlinkClick r:id="rId3"/>
               </a:rPr>
               <a:t>United States v. Booker</a:t>
             </a:r>
             <a:r>
-              <a:rPr lang="en-US" sz="2400"/>
+              <a:rPr lang="en-US" sz="2400" dirty="0"/>
               <a:t> in 2005. Booker gave federal judges significantly more discretion on sentencing.”</a:t>
             </a:r>
             <a:r>
-              <a:rPr lang="en-US" sz="2400" baseline="30000"/>
+              <a:rPr lang="en-US" sz="2400" baseline="30000" dirty="0"/>
               <a:t>2 </a:t>
             </a:r>
           </a:p>
           <a:p>
             <a:r>
-              <a:rPr lang="en-CA" sz="800" baseline="30000"/>
+              <a:rPr lang="en-CA" sz="800" baseline="30000" dirty="0"/>
               <a:t>1 </a:t>
             </a:r>
             <a:r>
-              <a:rPr lang="en-US" sz="800">
+              <a:rPr lang="en-US" sz="800" dirty="0">
                 <a:hlinkClick r:id="rId4"/>
               </a:rPr>
               <a:t>https://onlinelibrary.wiley.com/doi/pdf/10.1002/bsl.2370100205</a:t>
             </a:r>
-            <a:endParaRPr lang="en-CA" sz="800"/>
-          </a:p>
-          <a:p>
-            <a:r>
-              <a:rPr lang="en-US" sz="800" baseline="30000"/>
+            <a:endParaRPr lang="en-CA" sz="800" dirty="0"/>
+          </a:p>
+          <a:p>
+            <a:r>
+              <a:rPr lang="en-US" sz="800" baseline="30000" dirty="0"/>
               <a:t>2 </a:t>
             </a:r>
             <a:r>
-              <a:rPr lang="en-US" sz="800">
+              <a:rPr lang="en-US" sz="800" dirty="0">
                 <a:hlinkClick r:id="rId5"/>
               </a:rPr>
               <a:t>https://www.ussc.gov/sites/default/files/pdf/research-and-publications/research-publications/2017/20171114_Demographics.pdf</a:t>
             </a:r>
-            <a:endParaRPr lang="en-US" sz="800"/>
+            <a:endParaRPr lang="en-US" sz="800" dirty="0"/>
           </a:p>
         </p:txBody>
       </p:sp>
@@ -21662,10 +21787,10 @@
           <a:lstStyle/>
           <a:p>
             <a:r>
-              <a:rPr lang="en-US"/>
+              <a:rPr lang="en-US" dirty="0"/>
               <a:t>Bias in Judicial Sentencing </a:t>
             </a:r>
-            <a:endParaRPr lang="en-CA"/>
+            <a:endParaRPr lang="en-CA" dirty="0"/>
           </a:p>
         </p:txBody>
       </p:sp>
@@ -21721,21 +21846,21 @@
           <a:lstStyle/>
           <a:p>
             <a:r>
-              <a:rPr lang="en-US" sz="2400"/>
+              <a:rPr lang="en-US" sz="2400" dirty="0"/>
               <a:t>Sentences imposed on Black males in the federal system are nearly 20 percent longer than those imposed on white males convicted of similar crimes.</a:t>
             </a:r>
             <a:r>
-              <a:rPr lang="en-US" sz="2400" baseline="30000"/>
+              <a:rPr lang="en-US" sz="2400" baseline="30000" dirty="0"/>
               <a:t>3</a:t>
             </a:r>
           </a:p>
           <a:p>
             <a:r>
-              <a:rPr lang="en-CA" sz="2400"/>
+              <a:rPr lang="en-CA" sz="2400" dirty="0"/>
               <a:t>Analysis of severity and length of sentencing, acquittals, prosecutorial effectiveness, evidence collection, interrogation techniques, </a:t>
             </a:r>
             <a:r>
-              <a:rPr lang="en-CA" sz="2400" b="1"/>
+              <a:rPr lang="en-CA" sz="2400" b="1" dirty="0"/>
               <a:t>must take into account biases against of African-Americans, including biases historically codified in law.</a:t>
             </a:r>
           </a:p>
@@ -21746,7 +21871,7 @@
               </a:buClr>
             </a:pPr>
             <a:r>
-              <a:rPr lang="en-US" sz="800" baseline="30000">
+              <a:rPr lang="en-US" sz="800" baseline="30000" dirty="0">
                 <a:solidFill>
                   <a:srgbClr val="000000"/>
                 </a:solidFill>
@@ -21754,7 +21879,7 @@
               <a:t>3</a:t>
             </a:r>
             <a:r>
-              <a:rPr lang="en-CA" sz="800" baseline="30000">
+              <a:rPr lang="en-CA" sz="800" baseline="30000" dirty="0">
                 <a:solidFill>
                   <a:srgbClr val="000000"/>
                 </a:solidFill>
@@ -21762,7 +21887,7 @@
               <a:t> </a:t>
             </a:r>
             <a:r>
-              <a:rPr lang="en-CA" sz="800">
+              <a:rPr lang="en-CA" sz="800" dirty="0">
                 <a:solidFill>
                   <a:srgbClr val="000000"/>
                 </a:solidFill>
@@ -21776,7 +21901,7 @@
               </a:rPr>
               <a:t>https://www.aclu.org/sites/default/files/assets/141027_iachr_racial_disparities_aclu_submission_0.pdf</a:t>
             </a:r>
-            <a:endParaRPr lang="en-CA" sz="800">
+            <a:endParaRPr lang="en-CA" sz="800" dirty="0">
               <a:solidFill>
                 <a:srgbClr val="000000"/>
               </a:solidFill>
@@ -21786,7 +21911,7 @@
             <a:pPr marL="0" indent="0">
               <a:buNone/>
             </a:pPr>
-            <a:endParaRPr lang="en-CA" sz="2400"/>
+            <a:endParaRPr lang="en-CA" sz="2400" dirty="0"/>
           </a:p>
         </p:txBody>
       </p:sp>
@@ -21812,10 +21937,10 @@
           <a:lstStyle/>
           <a:p>
             <a:r>
-              <a:rPr lang="en-US"/>
+              <a:rPr lang="en-US" dirty="0"/>
               <a:t>Bias in Judicial Sentencing </a:t>
             </a:r>
-            <a:endParaRPr lang="en-CA"/>
+            <a:endParaRPr lang="en-CA" dirty="0"/>
           </a:p>
         </p:txBody>
       </p:sp>
@@ -21871,13 +21996,13 @@
           <a:lstStyle/>
           <a:p>
             <a:r>
-              <a:rPr lang="en-US" sz="2400"/>
+              <a:rPr lang="en-US" sz="2400" dirty="0"/>
               <a:t>This further bleeds into the “checkbox” conversation in hiring. If employers are asking “Have you been convicted of a felony?” and we know that African Americans are convicted and more severely prosecuted…</a:t>
             </a:r>
           </a:p>
           <a:p>
             <a:r>
-              <a:rPr lang="en-US" sz="2400"/>
+              <a:rPr lang="en-US" sz="2400" dirty="0"/>
               <a:t>The EEOC’s guidance on background checks is based on studied disparate impact. </a:t>
             </a:r>
           </a:p>
@@ -21885,7 +22010,7 @@
             <a:pPr marL="0" indent="0">
               <a:buNone/>
             </a:pPr>
-            <a:endParaRPr lang="en-CA" sz="2400"/>
+            <a:endParaRPr lang="en-CA" sz="2400" dirty="0"/>
           </a:p>
         </p:txBody>
       </p:sp>
@@ -21911,10 +22036,10 @@
           <a:lstStyle/>
           <a:p>
             <a:r>
-              <a:rPr lang="en-US"/>
+              <a:rPr lang="en-US" dirty="0"/>
               <a:t>Bias in Judicial Sentencing </a:t>
             </a:r>
-            <a:endParaRPr lang="en-CA"/>
+            <a:endParaRPr lang="en-CA" dirty="0"/>
           </a:p>
         </p:txBody>
       </p:sp>
@@ -21970,44 +22095,28 @@
           <a:lstStyle/>
           <a:p>
             <a:r>
-              <a:rPr lang="en-US"/>
-              <a:t>In our personal lives, this takes introspection, focus</a:t>
-            </a:r>
-          </a:p>
-          <a:p>
-            <a:r>
-              <a:rPr lang="en-US"/>
-              <a:t>Test yourself on your internal biases </a:t>
-            </a:r>
-            <a:r>
-              <a:rPr lang="en-US">
-                <a:hlinkClick r:id="rId2"/>
-              </a:rPr>
-              <a:t>https://implicit.harvard.edu/implicit/</a:t>
-            </a:r>
-            <a:endParaRPr lang="en-US"/>
-          </a:p>
-          <a:p>
-            <a:endParaRPr lang="en-US"/>
-          </a:p>
-          <a:p>
-            <a:r>
-              <a:rPr lang="en-US"/>
+              <a:rPr lang="en-US" dirty="0"/>
               <a:t>Understand that bias in data collection and analysis may be inevitable, but is not acceptable. </a:t>
             </a:r>
           </a:p>
           <a:p>
-            <a:endParaRPr lang="en-US"/>
-          </a:p>
-          <a:p>
-            <a:r>
-              <a:rPr lang="en-US"/>
+            <a:r>
+              <a:rPr lang="en-US" dirty="0"/>
+              <a:t>You have an ethical responsibility to acknowledge, control for, and not further bias.</a:t>
+            </a:r>
+          </a:p>
+          <a:p>
+            <a:endParaRPr lang="en-US" dirty="0"/>
+          </a:p>
+          <a:p>
+            <a:r>
+              <a:rPr lang="en-US" dirty="0"/>
               <a:t>Look at bias outcomes, not in intents or origins. Outcomes are how bias is measured.</a:t>
             </a:r>
-            <a:endParaRPr lang="en-CA"/>
-          </a:p>
-          <a:p>
-            <a:endParaRPr lang="en-US"/>
+            <a:endParaRPr lang="en-CA" dirty="0"/>
+          </a:p>
+          <a:p>
+            <a:endParaRPr lang="en-US" dirty="0"/>
           </a:p>
         </p:txBody>
       </p:sp>
@@ -22033,7 +22142,7 @@
           <a:lstStyle/>
           <a:p>
             <a:r>
-              <a:rPr lang="en-US"/>
+              <a:rPr lang="en-US" dirty="0"/>
               <a:t>Overcoming Bias</a:t>
             </a:r>
           </a:p>
@@ -22091,59 +22200,40 @@
           <a:lstStyle/>
           <a:p>
             <a:r>
-              <a:rPr lang="en-CA"/>
+              <a:rPr lang="en-CA" dirty="0"/>
               <a:t>Statistics 101 – What is validity?</a:t>
             </a:r>
           </a:p>
           <a:p>
             <a:r>
-              <a:rPr lang="en-CA"/>
+              <a:rPr lang="en-CA" dirty="0"/>
               <a:t>How do we prove something we’ve gathered is valid? (Hypothesis testing)</a:t>
             </a:r>
           </a:p>
           <a:p>
-            <a:r>
-              <a:rPr lang="en-CA"/>
-              <a:t>Are there any outside variables that affect the data? (confounding variables)</a:t>
-            </a:r>
-          </a:p>
-          <a:p>
             <a:pPr lvl="1"/>
-            <a:r>
-              <a:rPr lang="en-US">
-                <a:hlinkClick r:id="rId3"/>
-              </a:rPr>
-              <a:t>https://www.theverge.com/2019/11/11/20958953/apple-credit-card-gender-discrimination-algorithms-black-box-investigation</a:t>
-            </a:r>
-            <a:br>
-              <a:rPr lang="en-US"/>
-            </a:br>
-            <a:r>
-              <a:rPr lang="en-US"/>
-              <a:t>why understanding covariance between predictive variables is so important. (My guess about what happened here is that high income earners in the US are disproportionately male). </a:t>
-            </a:r>
-            <a:endParaRPr lang="en-CA"/>
-          </a:p>
-          <a:p>
-            <a:r>
-              <a:rPr lang="en-CA"/>
+            <a:endParaRPr lang="en-US" dirty="0"/>
+          </a:p>
+          <a:p>
+            <a:r>
+              <a:rPr lang="en-CA" dirty="0"/>
               <a:t>Talent Acquisition programs, challenged by EEOC</a:t>
             </a:r>
           </a:p>
           <a:p>
             <a:r>
-              <a:rPr lang="en-CA"/>
-              <a:t>“independent verification” – SMEs, outside perspectives, </a:t>
-            </a:r>
-          </a:p>
-          <a:p>
-            <a:endParaRPr lang="en-CA"/>
-          </a:p>
-          <a:p>
-            <a:endParaRPr lang="en-CA"/>
-          </a:p>
-          <a:p>
-            <a:endParaRPr lang="en-CA"/>
+              <a:rPr lang="en-CA" dirty="0"/>
+              <a:t>“independent verification” – SMEs, outside perspectives</a:t>
+            </a:r>
+          </a:p>
+          <a:p>
+            <a:endParaRPr lang="en-CA" dirty="0"/>
+          </a:p>
+          <a:p>
+            <a:endParaRPr lang="en-CA" dirty="0"/>
+          </a:p>
+          <a:p>
+            <a:endParaRPr lang="en-CA" dirty="0"/>
           </a:p>
         </p:txBody>
       </p:sp>
@@ -22169,7 +22259,7 @@
           <a:lstStyle/>
           <a:p>
             <a:r>
-              <a:rPr lang="en-CA"/>
+              <a:rPr lang="en-CA" dirty="0"/>
               <a:t>Construct Analysis</a:t>
             </a:r>
           </a:p>
@@ -22227,59 +22317,68 @@
           <a:lstStyle/>
           <a:p>
             <a:r>
-              <a:rPr lang="en-US"/>
+              <a:rPr lang="en-US" dirty="0"/>
               <a:t>You will never find covariant variables unless you’re looking for them. </a:t>
             </a:r>
-          </a:p>
-          <a:p>
-            <a:r>
-              <a:rPr lang="en-US"/>
+            <a:r>
+              <a:rPr lang="en-CA" dirty="0"/>
+              <a:t>Are there any other variables that affect the data? </a:t>
+            </a:r>
+          </a:p>
+          <a:p>
+            <a:r>
+              <a:rPr lang="en-US" dirty="0"/>
               <a:t>There will always be other variables made apparent when you dig.</a:t>
             </a:r>
           </a:p>
           <a:p>
             <a:r>
-              <a:rPr lang="en-US"/>
-              <a:t>Apple Credit Card</a:t>
+              <a:rPr lang="en-US" dirty="0"/>
+              <a:t>Apple Credit Card is a good recent example.</a:t>
             </a:r>
           </a:p>
           <a:p>
             <a:pPr lvl="1"/>
             <a:r>
-              <a:rPr lang="en-US"/>
+              <a:rPr lang="en-US" dirty="0"/>
               <a:t>Men were given dramatically higher credit limits</a:t>
             </a:r>
           </a:p>
           <a:p>
             <a:pPr lvl="1"/>
             <a:r>
-              <a:rPr lang="en-US"/>
-              <a:t>Covariant variable – women’s income inequality</a:t>
-            </a:r>
-          </a:p>
-          <a:p>
-            <a:r>
-              <a:rPr lang="en-US"/>
-              <a:t>Explain it in statistical terms</a:t>
-            </a:r>
-          </a:p>
-          <a:p>
-            <a:r>
-              <a:rPr lang="en-US"/>
-              <a:t>That’s why we’re talking about steroids in home run data, censorship in book sales data, and racism in sentencing data.</a:t>
-            </a:r>
-          </a:p>
-          <a:p>
-            <a:endParaRPr lang="en-US"/>
-          </a:p>
-          <a:p>
-            <a:endParaRPr lang="en-US"/>
-          </a:p>
-          <a:p>
-            <a:endParaRPr lang="en-US"/>
-          </a:p>
-          <a:p>
-            <a:endParaRPr lang="en-CA"/>
+              <a:rPr lang="en-US" dirty="0"/>
+              <a:t>Covariant variable – women’s income inequality provided a historically biased look at gender. </a:t>
+            </a:r>
+          </a:p>
+          <a:p>
+            <a:pPr lvl="1"/>
+            <a:r>
+              <a:rPr lang="en-US" dirty="0"/>
+              <a:t>“The response from Apple just added confusion and suspicion. No one from the company seemed able to describe how the algorithm even worked, let alone justify its output. While Goldman Sachs, the issuing bank for the Apple Card, insisted right away that there isn't any gender bias in the algorithm, it failed to offer any proof.”</a:t>
+            </a:r>
+          </a:p>
+          <a:p>
+            <a:pPr lvl="1"/>
+            <a:r>
+              <a:rPr lang="en-US" sz="1050" dirty="0">
+                <a:hlinkClick r:id="rId3"/>
+              </a:rPr>
+              <a:t>https://www.wired.com/story/the-apple-card-didnt-see-genderand-thats-the-problem/</a:t>
+            </a:r>
+            <a:endParaRPr lang="en-US" sz="1050" dirty="0"/>
+          </a:p>
+          <a:p>
+            <a:endParaRPr lang="en-US" dirty="0"/>
+          </a:p>
+          <a:p>
+            <a:endParaRPr lang="en-US" dirty="0"/>
+          </a:p>
+          <a:p>
+            <a:endParaRPr lang="en-US" dirty="0"/>
+          </a:p>
+          <a:p>
+            <a:endParaRPr lang="en-CA" dirty="0"/>
           </a:p>
         </p:txBody>
       </p:sp>
@@ -22305,7 +22404,7 @@
           <a:lstStyle/>
           <a:p>
             <a:r>
-              <a:rPr lang="en-CA"/>
+              <a:rPr lang="en-CA" dirty="0"/>
               <a:t>Covariance</a:t>
             </a:r>
           </a:p>
@@ -22363,20 +22462,23 @@
           <a:lstStyle/>
           <a:p>
             <a:r>
-              <a:rPr lang="en-US"/>
-              <a:t>Polling data should always provide the crosstabs</a:t>
-            </a:r>
-          </a:p>
-          <a:p>
-            <a:r>
-              <a:rPr lang="en-US"/>
-              <a:t>Failure to provide that transparency begs the accusation of biased interpretation</a:t>
-            </a:r>
-          </a:p>
-          <a:p>
-            <a:r>
-              <a:rPr lang="en-US"/>
-              <a:t>How can you “show the crosstabs” in your work?</a:t>
+              <a:rPr lang="en-US" dirty="0"/>
+              <a:t>**Explain covariance** it in statistical terms, graph?</a:t>
+            </a:r>
+          </a:p>
+          <a:p>
+            <a:endParaRPr lang="en-US" dirty="0"/>
+          </a:p>
+          <a:p>
+            <a:r>
+              <a:rPr lang="en-US" dirty="0"/>
+              <a:t>That’s why we’re talking about steroids in home run data, censorship in book sales data, and racism in sentencing data.</a:t>
+            </a:r>
+          </a:p>
+          <a:p>
+            <a:r>
+              <a:rPr lang="en-US" dirty="0"/>
+              <a:t>Transparency to how the algorithm works, at least internally in case of competitive IPO, is key to acknowledging bias.</a:t>
             </a:r>
           </a:p>
         </p:txBody>
@@ -22403,8 +22505,8 @@
           <a:lstStyle/>
           <a:p>
             <a:r>
-              <a:rPr lang="en-CA"/>
-              <a:t>Fight bias by showing the crosstabs</a:t>
+              <a:rPr lang="en-CA" dirty="0"/>
+              <a:t>Covariance</a:t>
             </a:r>
           </a:p>
         </p:txBody>
@@ -22412,7 +22514,7 @@
     </p:spTree>
     <p:extLst>
       <p:ext uri="{BB962C8B-B14F-4D97-AF65-F5344CB8AC3E}">
-        <p14:creationId xmlns:p14="http://schemas.microsoft.com/office/powerpoint/2010/main" val="1033366313"/>
+        <p14:creationId xmlns:p14="http://schemas.microsoft.com/office/powerpoint/2010/main" val="1556353385"/>
       </p:ext>
     </p:extLst>
   </p:cSld>
@@ -22461,41 +22563,21 @@
           <a:lstStyle/>
           <a:p>
             <a:r>
-              <a:rPr lang="en-CA"/>
-              <a:t>There is an urge to mold data to fit others’ findings, even our competitors</a:t>
-            </a:r>
-          </a:p>
-          <a:p>
-            <a:r>
-              <a:rPr lang="en-CA"/>
-              <a:t>Political polling: </a:t>
-            </a:r>
-          </a:p>
-          <a:p>
-            <a:pPr lvl="1"/>
-            <a:r>
-              <a:rPr lang="en-US">
-                <a:hlinkClick r:id="rId3"/>
-              </a:rPr>
-              <a:t>https://fivethirtyeight.com/features/pollsters-say-they-follow-ethical-standards-but-they-arent-so-sure-about-their-peers/</a:t>
-            </a:r>
-            <a:endParaRPr lang="en-US"/>
-          </a:p>
-          <a:p>
-            <a:r>
-              <a:rPr lang="en-US"/>
-              <a:t>Fake polling discovered by students:</a:t>
-            </a:r>
-          </a:p>
-          <a:p>
-            <a:pPr lvl="1"/>
-            <a:r>
-              <a:rPr lang="en-US">
-                <a:hlinkClick r:id="rId4"/>
-              </a:rPr>
-              <a:t>https://fivethirtyeight.com/tag/strategic-vision/</a:t>
-            </a:r>
-            <a:endParaRPr lang="en-US"/>
+              <a:rPr lang="en-US" dirty="0"/>
+              <a:t>Polling data should always provide the crosstabs</a:t>
+            </a:r>
+          </a:p>
+          <a:p>
+            <a:r>
+              <a:rPr lang="en-US" dirty="0"/>
+              <a:t>Failure to provide that transparency begs the accusation of biased interpretation</a:t>
+            </a:r>
+          </a:p>
+          <a:p>
+            <a:r>
+              <a:rPr lang="en-US" dirty="0"/>
+              <a:t>How can you “show the crosstabs” in your work?</a:t>
+            </a:r>
           </a:p>
         </p:txBody>
       </p:sp>
@@ -22521,8 +22603,8 @@
           <a:lstStyle/>
           <a:p>
             <a:r>
-              <a:rPr lang="en-CA"/>
-              <a:t>Fitting the competition</a:t>
+              <a:rPr lang="en-CA" dirty="0"/>
+              <a:t>Fight bias by showing the crosstabs</a:t>
             </a:r>
           </a:p>
         </p:txBody>
@@ -22530,7 +22612,7 @@
     </p:spTree>
     <p:extLst>
       <p:ext uri="{BB962C8B-B14F-4D97-AF65-F5344CB8AC3E}">
-        <p14:creationId xmlns:p14="http://schemas.microsoft.com/office/powerpoint/2010/main" val="3797718599"/>
+        <p14:creationId xmlns:p14="http://schemas.microsoft.com/office/powerpoint/2010/main" val="1033366313"/>
       </p:ext>
     </p:extLst>
   </p:cSld>
@@ -22579,19 +22661,41 @@
           <a:lstStyle/>
           <a:p>
             <a:r>
-              <a:rPr lang="en-US"/>
-              <a:t>“Show the crosstabs”</a:t>
+              <a:rPr lang="en-CA" dirty="0"/>
+              <a:t>There is an urge to mold data to fit others’ findings, even our competitors, so that we don’t appear to be an untrustworthy or fringe source.</a:t>
+            </a:r>
+          </a:p>
+          <a:p>
+            <a:r>
+              <a:rPr lang="en-CA" dirty="0"/>
+              <a:t>Political polling: </a:t>
             </a:r>
           </a:p>
           <a:p>
             <a:pPr lvl="1"/>
             <a:r>
-              <a:rPr lang="en-US">
+              <a:rPr lang="en-US" dirty="0">
                 <a:hlinkClick r:id="rId3"/>
               </a:rPr>
-              <a:t>https://fivethirtyeight.com/features/13-tips-for-reading-general-election-polls-like-a-pro/</a:t>
-            </a:r>
-            <a:endParaRPr lang="en-US"/>
+              <a:t>https://fivethirtyeight.com/features/pollsters-say-they-follow-ethical-standards-but-they-arent-so-sure-about-their-peers/</a:t>
+            </a:r>
+            <a:endParaRPr lang="en-US" dirty="0"/>
+          </a:p>
+          <a:p>
+            <a:r>
+              <a:rPr lang="en-US" dirty="0"/>
+              <a:t>Fake polling discovered:</a:t>
+            </a:r>
+          </a:p>
+          <a:p>
+            <a:pPr lvl="1"/>
+            <a:r>
+              <a:rPr lang="en-US" dirty="0">
+                <a:hlinkClick r:id="rId4"/>
+              </a:rPr>
+              <a:t>https://fivethirtyeight.com/tag/strategic-vision/</a:t>
+            </a:r>
+            <a:endParaRPr lang="en-US" dirty="0"/>
           </a:p>
         </p:txBody>
       </p:sp>
@@ -22617,8 +22721,8 @@
           <a:lstStyle/>
           <a:p>
             <a:r>
-              <a:rPr lang="en-CA"/>
-              <a:t>Transparency</a:t>
+              <a:rPr lang="en-CA" dirty="0"/>
+              <a:t>Fitting the competition</a:t>
             </a:r>
           </a:p>
         </p:txBody>
@@ -22626,7 +22730,7 @@
     </p:spTree>
     <p:extLst>
       <p:ext uri="{BB962C8B-B14F-4D97-AF65-F5344CB8AC3E}">
-        <p14:creationId xmlns:p14="http://schemas.microsoft.com/office/powerpoint/2010/main" val="2440827224"/>
+        <p14:creationId xmlns:p14="http://schemas.microsoft.com/office/powerpoint/2010/main" val="3797718599"/>
       </p:ext>
     </p:extLst>
   </p:cSld>
@@ -22637,7 +22741,7 @@
 </file>
 
 <file path=ppt/slides/slide19.xml><?xml version="1.0" encoding="utf-8"?>
-<p:sld xmlns:a="http://schemas.openxmlformats.org/drawingml/2006/main" xmlns:r="http://schemas.openxmlformats.org/officeDocument/2006/relationships" xmlns:p="http://schemas.openxmlformats.org/presentationml/2006/main">
+<p:sld xmlns:a="http://schemas.openxmlformats.org/drawingml/2006/main" xmlns:r="http://schemas.openxmlformats.org/officeDocument/2006/relationships" xmlns:p="http://schemas.openxmlformats.org/presentationml/2006/main" showMasterSp="0">
   <p:cSld>
     <p:spTree>
       <p:nvGrpSpPr>
@@ -22675,47 +22779,19 @@
           <a:lstStyle/>
           <a:p>
             <a:r>
-              <a:rPr lang="en-US"/>
-              <a:t>Cambridge Analytica</a:t>
-            </a:r>
-          </a:p>
-          <a:p>
-            <a:r>
-              <a:rPr lang="en-US"/>
-              <a:t>Target knew Daughter was pregnant before family did</a:t>
-            </a:r>
-          </a:p>
-          <a:p>
-            <a:r>
-              <a:rPr lang="en-US"/>
-              <a:t>scientific progress through data can be achieved in a manner consistent with privacy values </a:t>
-            </a:r>
-            <a:r>
-              <a:rPr lang="en-US">
+              <a:rPr lang="en-US" dirty="0"/>
+              <a:t>“Show the crosstabs”</a:t>
+            </a:r>
+          </a:p>
+          <a:p>
+            <a:pPr lvl="1"/>
+            <a:r>
+              <a:rPr lang="en-US" dirty="0">
                 <a:hlinkClick r:id="rId3"/>
               </a:rPr>
-              <a:t>https://en.wikipedia.org/wiki/Big_data_ethics</a:t>
-            </a:r>
-            <a:endParaRPr lang="en-US"/>
-          </a:p>
-          <a:p>
-            <a:r>
-              <a:rPr lang="en-US" i="1"/>
-              <a:t>“No one shall be subjected to arbitrary interference with his privacy, family, home or correspondence, nor to attacks upon his </a:t>
-            </a:r>
-            <a:r>
-              <a:rPr lang="en-US" i="1" err="1"/>
-              <a:t>honour</a:t>
-            </a:r>
-            <a:r>
-              <a:rPr lang="en-US" i="1"/>
-              <a:t> and reputation. Everyone has the right to the protection of the law against such interference or attacks.”</a:t>
-            </a:r>
-            <a:r>
-              <a:rPr lang="en-US"/>
-              <a:t> - United Nations Declaration of Human Rights Article 12.</a:t>
-            </a:r>
-            <a:endParaRPr lang="en-CA"/>
+              <a:t>https://fivethirtyeight.com/features/13-tips-for-reading-general-election-polls-like-a-pro/</a:t>
+            </a:r>
+            <a:endParaRPr lang="en-US" dirty="0"/>
           </a:p>
         </p:txBody>
       </p:sp>
@@ -22741,8 +22817,8 @@
           <a:lstStyle/>
           <a:p>
             <a:r>
-              <a:rPr lang="en-CA"/>
-              <a:t>Ethics in Big Data Collection</a:t>
+              <a:rPr lang="en-CA" dirty="0"/>
+              <a:t>Transparency</a:t>
             </a:r>
           </a:p>
         </p:txBody>
@@ -22750,7 +22826,7 @@
     </p:spTree>
     <p:extLst>
       <p:ext uri="{BB962C8B-B14F-4D97-AF65-F5344CB8AC3E}">
-        <p14:creationId xmlns:p14="http://schemas.microsoft.com/office/powerpoint/2010/main" val="2014374009"/>
+        <p14:creationId xmlns:p14="http://schemas.microsoft.com/office/powerpoint/2010/main" val="2440827224"/>
       </p:ext>
     </p:extLst>
   </p:cSld>
@@ -22787,13 +22863,13 @@
   <p:clrMapOvr>
     <a:masterClrMapping/>
   </p:clrMapOvr>
-  <mc:AlternateContent xmlns:mc="http://schemas.openxmlformats.org/markup-compatibility/2006">
-    <mc:Choice xmlns:p14="http://schemas.microsoft.com/office/powerpoint/2010/main" Requires="p14">
+  <mc:AlternateContent xmlns:mc="http://schemas.openxmlformats.org/markup-compatibility/2006" xmlns:p14="http://schemas.microsoft.com/office/powerpoint/2010/main">
+    <mc:Choice Requires="p14">
       <p:transition spd="slow" p14:dur="1750">
         <p14:reveal/>
       </p:transition>
     </mc:Choice>
-    <mc:Fallback>
+    <mc:Fallback xmlns="">
       <p:transition spd="slow">
         <p:fade/>
       </p:transition>
@@ -22841,50 +22917,47 @@
           <a:lstStyle/>
           <a:p>
             <a:r>
-              <a:rPr lang="en-US"/>
-              <a:t>"control creep" refers to data that has been generated with a particular purpose in mind but which is repurposed </a:t>
-            </a:r>
-            <a:r>
-              <a:rPr lang="en-US">
+              <a:rPr lang="en-US" dirty="0"/>
+              <a:t>Cambridge Analytica</a:t>
+            </a:r>
+          </a:p>
+          <a:p>
+            <a:r>
+              <a:rPr lang="en-US" dirty="0"/>
+              <a:t>Target knew Daughter was pregnant before family did</a:t>
+            </a:r>
+          </a:p>
+          <a:p>
+            <a:r>
+              <a:rPr lang="en-US" dirty="0"/>
+              <a:t>scientific progress through data can be achieved in a manner consistent with privacy values </a:t>
+            </a:r>
+            <a:r>
+              <a:rPr lang="en-US" dirty="0">
                 <a:hlinkClick r:id="rId3"/>
               </a:rPr>
               <a:t>https://en.wikipedia.org/wiki/Big_data_ethics</a:t>
             </a:r>
-            <a:endParaRPr lang="en-US"/>
-          </a:p>
-          <a:p>
-            <a:r>
-              <a:rPr lang="en-US"/>
-              <a:t>Harvesting consumer activity data for research purposes maybe</a:t>
-            </a:r>
-          </a:p>
-          <a:p>
-            <a:pPr lvl="1"/>
-            <a:r>
-              <a:rPr lang="en-US"/>
-              <a:t>Unethical because of re-purposing of financial data</a:t>
-            </a:r>
-          </a:p>
-          <a:p>
-            <a:pPr lvl="2"/>
-            <a:r>
-              <a:rPr lang="en-US"/>
-              <a:t>Using financial data for health care research is potentially predatory</a:t>
-            </a:r>
-          </a:p>
-          <a:p>
-            <a:pPr lvl="1"/>
-            <a:r>
-              <a:rPr lang="en-US"/>
-              <a:t>Biased because of socioeconomic trends </a:t>
-            </a:r>
-          </a:p>
-          <a:p>
-            <a:pPr lvl="2"/>
-            <a:r>
-              <a:rPr lang="en-CA"/>
-              <a:t>Using financial data could exclude participants outside of that vendor customer based, or outside of the financial system altogether</a:t>
-            </a:r>
+            <a:endParaRPr lang="en-US" dirty="0"/>
+          </a:p>
+          <a:p>
+            <a:r>
+              <a:rPr lang="en-US" i="1" dirty="0"/>
+              <a:t>“No one shall be subjected to arbitrary interference with his privacy, family, home or correspondence, nor to attacks upon his </a:t>
+            </a:r>
+            <a:r>
+              <a:rPr lang="en-US" i="1" dirty="0" err="1"/>
+              <a:t>honour</a:t>
+            </a:r>
+            <a:r>
+              <a:rPr lang="en-US" i="1" dirty="0"/>
+              <a:t> and reputation. Everyone has the right to the protection of the law against such interference or attacks.”</a:t>
+            </a:r>
+            <a:r>
+              <a:rPr lang="en-US" dirty="0"/>
+              <a:t> - United Nations Declaration of Human Rights Article 12.</a:t>
+            </a:r>
+            <a:endParaRPr lang="en-CA" dirty="0"/>
           </a:p>
         </p:txBody>
       </p:sp>
@@ -22910,8 +22983,8 @@
           <a:lstStyle/>
           <a:p>
             <a:r>
-              <a:rPr lang="en-CA"/>
-              <a:t>Control Creep</a:t>
+              <a:rPr lang="en-CA" dirty="0"/>
+              <a:t>Ethics in Big Data Collection</a:t>
             </a:r>
           </a:p>
         </p:txBody>
@@ -22919,7 +22992,7 @@
     </p:spTree>
     <p:extLst>
       <p:ext uri="{BB962C8B-B14F-4D97-AF65-F5344CB8AC3E}">
-        <p14:creationId xmlns:p14="http://schemas.microsoft.com/office/powerpoint/2010/main" val="2137236302"/>
+        <p14:creationId xmlns:p14="http://schemas.microsoft.com/office/powerpoint/2010/main" val="2014374009"/>
       </p:ext>
     </p:extLst>
   </p:cSld>
@@ -22968,58 +23041,50 @@
           <a:lstStyle/>
           <a:p>
             <a:r>
-              <a:rPr lang="en-US" sz="2000"/>
-              <a:t>Analytical models or predictive models must either </a:t>
-            </a:r>
-            <a:r>
-              <a:rPr lang="en-US" sz="2000" b="1"/>
-              <a:t>account for and be aware of past trends or become guilty of continuing and institutionalizing past trends</a:t>
-            </a:r>
-            <a:r>
-              <a:rPr lang="en-US" sz="2000"/>
-              <a:t>. </a:t>
-            </a:r>
-          </a:p>
-          <a:p>
-            <a:r>
-              <a:rPr lang="en-US" sz="2000"/>
-              <a:t>Your data analysis must either expose and control for disparate impact, or contribute to it.</a:t>
-            </a:r>
-          </a:p>
-          <a:p>
-            <a:r>
-              <a:rPr lang="en-US" sz="2000"/>
-              <a:t>In the case of housing discrimination, the doctrine of “disparate impact recognizes that implicit biases can produce discriminatory results even without intent, and allows for such results to be remedied. ”</a:t>
-            </a:r>
-          </a:p>
-          <a:p>
-            <a:r>
-              <a:rPr lang="en-US" sz="800">
+              <a:rPr lang="en-US" dirty="0"/>
+              <a:t>"control creep" refers to data that has been generated with a particular purpose in mind but which is repurposed </a:t>
+            </a:r>
+            <a:r>
+              <a:rPr lang="en-US" dirty="0">
                 <a:hlinkClick r:id="rId3"/>
               </a:rPr>
-              <a:t>https://www.nytimes.com/roomfordebate/2015/04/27/can-discrimination-exist-without-clear-intent/unintentional-discrimination-is-as-harmful-as-real-bias</a:t>
-            </a:r>
-            <a:endParaRPr lang="en-US" sz="800"/>
+              <a:t>https://en.wikipedia.org/wiki/Big_data_ethics</a:t>
+            </a:r>
+            <a:endParaRPr lang="en-US" dirty="0"/>
+          </a:p>
+          <a:p>
+            <a:r>
+              <a:rPr lang="en-US" dirty="0"/>
+              <a:t>Harvesting consumer activity data for research purposes maybe</a:t>
+            </a:r>
           </a:p>
           <a:p>
             <a:pPr lvl="1"/>
-            <a:endParaRPr lang="en-US"/>
+            <a:r>
+              <a:rPr lang="en-US" dirty="0"/>
+              <a:t>Unethical because of re-purposing of financial data</a:t>
+            </a:r>
+          </a:p>
+          <a:p>
+            <a:pPr lvl="2"/>
+            <a:r>
+              <a:rPr lang="en-US" dirty="0"/>
+              <a:t>Using financial data for health care research is potentially predatory</a:t>
+            </a:r>
           </a:p>
           <a:p>
             <a:pPr lvl="1"/>
-            <a:endParaRPr lang="en-US"/>
-          </a:p>
-          <a:p>
-            <a:pPr lvl="1"/>
-            <a:endParaRPr lang="en-US"/>
-          </a:p>
-          <a:p>
-            <a:pPr lvl="1"/>
-            <a:endParaRPr lang="en-US"/>
-          </a:p>
-          <a:p>
-            <a:pPr lvl="1"/>
-            <a:endParaRPr lang="en-CA"/>
+            <a:r>
+              <a:rPr lang="en-US" dirty="0"/>
+              <a:t>Biased because of socioeconomic trends </a:t>
+            </a:r>
+          </a:p>
+          <a:p>
+            <a:pPr lvl="2"/>
+            <a:r>
+              <a:rPr lang="en-CA" dirty="0"/>
+              <a:t>Using financial data could exclude participants outside of that vendor customer based, or outside of the financial system altogether</a:t>
+            </a:r>
           </a:p>
         </p:txBody>
       </p:sp>
@@ -23045,8 +23110,8 @@
           <a:lstStyle/>
           <a:p>
             <a:r>
-              <a:rPr lang="en-CA"/>
-              <a:t>Disparate Impact</a:t>
+              <a:rPr lang="en-CA" dirty="0"/>
+              <a:t>Control Creep</a:t>
             </a:r>
           </a:p>
         </p:txBody>
@@ -23054,7 +23119,7 @@
     </p:spTree>
     <p:extLst>
       <p:ext uri="{BB962C8B-B14F-4D97-AF65-F5344CB8AC3E}">
-        <p14:creationId xmlns:p14="http://schemas.microsoft.com/office/powerpoint/2010/main" val="3720744517"/>
+        <p14:creationId xmlns:p14="http://schemas.microsoft.com/office/powerpoint/2010/main" val="2137236302"/>
       </p:ext>
     </p:extLst>
   </p:cSld>
@@ -23103,64 +23168,58 @@
           <a:lstStyle/>
           <a:p>
             <a:r>
-              <a:rPr lang="en-US" sz="2000"/>
-              <a:t>You cannot claim “no disparate impact” based on intentions only.</a:t>
-            </a:r>
-          </a:p>
-          <a:p>
-            <a:r>
-              <a:rPr lang="en-US" sz="1100">
+              <a:rPr lang="en-US" sz="2000" dirty="0"/>
+              <a:t>Analytical models or predictive models must either </a:t>
+            </a:r>
+            <a:r>
+              <a:rPr lang="en-US" sz="2000" b="1" dirty="0"/>
+              <a:t>account for and be aware of past trends or become guilty of continuing and institutionalizing past trends</a:t>
+            </a:r>
+            <a:r>
+              <a:rPr lang="en-US" sz="2000" dirty="0"/>
+              <a:t>. </a:t>
+            </a:r>
+          </a:p>
+          <a:p>
+            <a:r>
+              <a:rPr lang="en-US" sz="2000" dirty="0"/>
+              <a:t>Your data analysis must either expose and control for disparate impact, or contribute to it.</a:t>
+            </a:r>
+          </a:p>
+          <a:p>
+            <a:r>
+              <a:rPr lang="en-US" sz="2000" dirty="0"/>
+              <a:t>In the case of housing discrimination, the doctrine of “disparate impact recognizes that implicit biases can produce discriminatory results even without intent, and allows for such results to be remedied. ”</a:t>
+            </a:r>
+          </a:p>
+          <a:p>
+            <a:r>
+              <a:rPr lang="en-US" sz="800" dirty="0">
                 <a:hlinkClick r:id="rId3"/>
               </a:rPr>
-              <a:t>https://www.revealnews.org/article/can-algorithms-be-racist-trumps-housing-department-says-no/</a:t>
-            </a:r>
-            <a:endParaRPr lang="en-US" sz="1100"/>
-          </a:p>
-          <a:p>
-            <a:r>
-              <a:rPr lang="en-US" sz="1100">
-                <a:hlinkClick r:id="rId4"/>
-              </a:rPr>
-              <a:t>https://www.cbpp.org/research/housing/trump-administrations-proposed-rule-would-perpetuate-racist-and-discriminatory</a:t>
-            </a:r>
-            <a:endParaRPr lang="en-US" sz="1100"/>
-          </a:p>
-          <a:p>
-            <a:r>
-              <a:rPr lang="en-US"/>
-              <a:t>2019: “The U.S. Department of Housing and Urban Development is circulating new rules that would make it nearly impossible for banks – or landlords or homeowners insurance companies – to be sued</a:t>
-            </a:r>
-            <a:r>
-              <a:rPr lang="en-US" b="1"/>
-              <a:t> </a:t>
-            </a:r>
-            <a:r>
-              <a:rPr lang="en-US"/>
-              <a:t>when their algorithms result in people of color being disproportionately denied housing. The rule would overturn 50 years of precedent, </a:t>
-            </a:r>
-            <a:r>
-              <a:rPr lang="en-US">
-                <a:hlinkClick r:id="rId5"/>
-              </a:rPr>
-              <a:t>upheld</a:t>
-            </a:r>
-            <a:r>
-              <a:rPr lang="en-US"/>
-              <a:t> by the Supreme Court in 2015, that permit the use of statistical analysis to identify patterns of discrimination.”</a:t>
-            </a:r>
-          </a:p>
-          <a:p>
-            <a:r>
-              <a:rPr lang="en-US"/>
-              <a:t>Outcomes are all that can measure disparate impact. </a:t>
-            </a:r>
-          </a:p>
-          <a:p>
-            <a:r>
-              <a:rPr lang="en-US"/>
-              <a:t>“For decades, government lawyers and civil rights groups have been able to hold businesses accountable for treating people equally, whatever their intent. This is called the disparate impact standard. Under this standard, discrimination doesn’t have to be overt. If a business has a pattern of denying services to people of color while providing those same services to socioeconomically similar white customers, it can be held accountable under the Fair Housing Act of 1968.”</a:t>
-            </a:r>
-            <a:endParaRPr lang="en-CA"/>
+              <a:t>https://www.nytimes.com/roomfordebate/2015/04/27/can-discrimination-exist-without-clear-intent/unintentional-discrimination-is-as-harmful-as-real-bias</a:t>
+            </a:r>
+            <a:endParaRPr lang="en-US" sz="800" dirty="0"/>
+          </a:p>
+          <a:p>
+            <a:pPr lvl="1"/>
+            <a:endParaRPr lang="en-US" dirty="0"/>
+          </a:p>
+          <a:p>
+            <a:pPr lvl="1"/>
+            <a:endParaRPr lang="en-US" dirty="0"/>
+          </a:p>
+          <a:p>
+            <a:pPr lvl="1"/>
+            <a:endParaRPr lang="en-US" dirty="0"/>
+          </a:p>
+          <a:p>
+            <a:pPr lvl="1"/>
+            <a:endParaRPr lang="en-US" dirty="0"/>
+          </a:p>
+          <a:p>
+            <a:pPr lvl="1"/>
+            <a:endParaRPr lang="en-CA" dirty="0"/>
           </a:p>
         </p:txBody>
       </p:sp>
@@ -23186,7 +23245,7 @@
           <a:lstStyle/>
           <a:p>
             <a:r>
-              <a:rPr lang="en-CA"/>
+              <a:rPr lang="en-CA" dirty="0"/>
               <a:t>Disparate Impact</a:t>
             </a:r>
           </a:p>
@@ -23195,7 +23254,7 @@
     </p:spTree>
     <p:extLst>
       <p:ext uri="{BB962C8B-B14F-4D97-AF65-F5344CB8AC3E}">
-        <p14:creationId xmlns:p14="http://schemas.microsoft.com/office/powerpoint/2010/main" val="2796713283"/>
+        <p14:creationId xmlns:p14="http://schemas.microsoft.com/office/powerpoint/2010/main" val="3720744517"/>
       </p:ext>
     </p:extLst>
   </p:cSld>
@@ -23244,31 +23303,64 @@
           <a:lstStyle/>
           <a:p>
             <a:r>
-              <a:rPr lang="en-US" sz="2000"/>
-              <a:t>Analysts must be aware of consent mechanisms, both how they were collected, and more logistically, how this data can be incorporated into analysis.</a:t>
-            </a:r>
-          </a:p>
-          <a:p>
-            <a:pPr lvl="1"/>
-            <a:r>
-              <a:rPr lang="en-US" sz="2400"/>
-              <a:t>Where is it recorded that patients signed off on the privacy policy?</a:t>
-            </a:r>
-          </a:p>
-          <a:p>
-            <a:pPr lvl="1"/>
-            <a:r>
-              <a:rPr lang="en-US" sz="2400"/>
-              <a:t>Where is it recorded that customers asked to be contacted?</a:t>
-            </a:r>
-          </a:p>
-          <a:p>
-            <a:pPr lvl="1"/>
-            <a:r>
-              <a:rPr lang="en-US" sz="2400"/>
-              <a:t>Where is it recorded which contacts are on a “do not call” list?</a:t>
-            </a:r>
-            <a:endParaRPr lang="en-CA" sz="2400"/>
+              <a:rPr lang="en-US" sz="2000" dirty="0"/>
+              <a:t>You cannot claim “no disparate impact” based on intentions only.</a:t>
+            </a:r>
+          </a:p>
+          <a:p>
+            <a:r>
+              <a:rPr lang="en-US" sz="1100" dirty="0">
+                <a:hlinkClick r:id="rId3"/>
+              </a:rPr>
+              <a:t>https://www.revealnews.org/article/can-algorithms-be-racist-trumps-housing-department-says-no/</a:t>
+            </a:r>
+            <a:endParaRPr lang="en-US" sz="1100" dirty="0"/>
+          </a:p>
+          <a:p>
+            <a:r>
+              <a:rPr lang="en-US" sz="1100" dirty="0">
+                <a:hlinkClick r:id="rId4"/>
+              </a:rPr>
+              <a:t>https://www.cbpp.org/research/housing/trump-administrations-proposed-rule-would-perpetuate-racist-and-discriminatory</a:t>
+            </a:r>
+            <a:endParaRPr lang="en-US" sz="1100" dirty="0"/>
+          </a:p>
+          <a:p>
+            <a:r>
+              <a:rPr lang="en-US" dirty="0"/>
+              <a:t>2019: “The U.S. Department of Housing and Urban Development is circulating new rules that would make it nearly impossible for banks – or landlords or homeowners insurance companies – to be sued</a:t>
+            </a:r>
+            <a:r>
+              <a:rPr lang="en-US" b="1" dirty="0"/>
+              <a:t> </a:t>
+            </a:r>
+            <a:r>
+              <a:rPr lang="en-US" dirty="0"/>
+              <a:t>when their algorithms result in people of color being disproportionately denied housing. The rule would overturn 50 years of precedent, </a:t>
+            </a:r>
+            <a:r>
+              <a:rPr lang="en-US" dirty="0">
+                <a:hlinkClick r:id="rId5"/>
+              </a:rPr>
+              <a:t>upheld</a:t>
+            </a:r>
+            <a:r>
+              <a:rPr lang="en-US" dirty="0"/>
+              <a:t> by the Supreme Court in 2015, that permit the use of statistical analysis to identify patterns of discrimination.”</a:t>
+            </a:r>
+          </a:p>
+          <a:p>
+            <a:r>
+              <a:rPr lang="en-US" dirty="0"/>
+              <a:t>Outcomes are all that can measure disparate impact. </a:t>
+            </a:r>
+          </a:p>
+          <a:p>
+            <a:r>
+              <a:rPr lang="en-US" dirty="0"/>
+              <a:t>“For decades, government lawyers and civil rights groups have been able to hold businesses accountable for treating people equally, whatever their intent. This is called the disparate impact standard. Under this standard, discrimination doesn’t have to be overt. If a business has a pattern of denying services to people of color while providing those same services to socioeconomically similar white customers, it can be held accountable under the Fair Housing Act of 1968.”</a:t>
+            </a:r>
+            <a:endParaRPr lang="en-CA" dirty="0"/>
           </a:p>
         </p:txBody>
       </p:sp>
@@ -23294,8 +23386,8 @@
           <a:lstStyle/>
           <a:p>
             <a:r>
-              <a:rPr lang="en-CA"/>
-              <a:t>Consent</a:t>
+              <a:rPr lang="en-CA" dirty="0"/>
+              <a:t>Disparate Impact</a:t>
             </a:r>
           </a:p>
         </p:txBody>
@@ -23303,7 +23395,7 @@
     </p:spTree>
     <p:extLst>
       <p:ext uri="{BB962C8B-B14F-4D97-AF65-F5344CB8AC3E}">
-        <p14:creationId xmlns:p14="http://schemas.microsoft.com/office/powerpoint/2010/main" val="1944552648"/>
+        <p14:creationId xmlns:p14="http://schemas.microsoft.com/office/powerpoint/2010/main" val="2796713283"/>
       </p:ext>
     </p:extLst>
   </p:cSld>
@@ -23351,69 +23443,32 @@
           <a:bodyPr/>
           <a:lstStyle/>
           <a:p>
+            <a:r>
+              <a:rPr lang="en-US" sz="2000" dirty="0"/>
+              <a:t>Analysts must be aware of consent mechanisms, both how they were collected, and more logistically, how this data can be incorporated into analysis.</a:t>
+            </a:r>
+          </a:p>
+          <a:p>
             <a:pPr lvl="1"/>
             <a:r>
-              <a:rPr lang="en-US"/>
-              <a:t>Housing remains divided on racial and socioeconomic lines, especially in the Deep South, but nationally, thanks to decades of FHA Redlining from 1934-1968.  </a:t>
+              <a:rPr lang="en-US" sz="2400" dirty="0"/>
+              <a:t>Where is it recorded that patients signed off on the privacy policy?</a:t>
             </a:r>
           </a:p>
           <a:p>
             <a:pPr lvl="1"/>
             <a:r>
-              <a:rPr lang="en-US"/>
-              <a:t>“Fifty years after the federal Fair Housing Act banned racial discrimination in lending, African Americans and Latinos continue to be routinely denied conventional mortgage loans at rates far higher than their white counterparts.”</a:t>
+              <a:rPr lang="en-US" sz="2400" dirty="0"/>
+              <a:t>Where is it recorded that customers asked to be contacted?</a:t>
             </a:r>
           </a:p>
           <a:p>
             <a:pPr lvl="1"/>
             <a:r>
-              <a:rPr lang="en-US" sz="1100">
-                <a:hlinkClick r:id="rId3"/>
-              </a:rPr>
-              <a:t>https://www.revealnews.org/article/for-people-of-color-banks-are-shutting-the-door-to-homeownership/</a:t>
-            </a:r>
-            <a:endParaRPr lang="en-US" sz="1100"/>
-          </a:p>
-          <a:p>
-            <a:pPr lvl="1"/>
-            <a:r>
-              <a:rPr lang="en-US"/>
-              <a:t>Baton Rouge Racial Dot Map: </a:t>
-            </a:r>
-            <a:r>
-              <a:rPr lang="en-US">
-                <a:hlinkClick r:id="rId4"/>
-              </a:rPr>
-              <a:t>https://demographics.coopercenter.org/racial-dot-map</a:t>
-            </a:r>
-            <a:endParaRPr lang="en-US"/>
-          </a:p>
-          <a:p>
-            <a:pPr lvl="1"/>
-            <a:r>
-              <a:rPr lang="en-US"/>
-              <a:t>If you’re a bank, consider market segmentation for special rate loan offers, ATM locations, service locations. Only further existing socioeconomic divides.</a:t>
-            </a:r>
-          </a:p>
-          <a:p>
-            <a:pPr lvl="1"/>
-            <a:endParaRPr lang="en-US"/>
-          </a:p>
-          <a:p>
-            <a:pPr lvl="1"/>
-            <a:endParaRPr lang="en-US"/>
-          </a:p>
-          <a:p>
-            <a:pPr lvl="1"/>
-            <a:endParaRPr lang="en-US"/>
-          </a:p>
-          <a:p>
-            <a:pPr lvl="1"/>
-            <a:endParaRPr lang="en-US"/>
-          </a:p>
-          <a:p>
-            <a:pPr lvl="1"/>
-            <a:endParaRPr lang="en-CA"/>
+              <a:rPr lang="en-US" sz="2400" dirty="0"/>
+              <a:t>Where is it recorded which contacts are on a “do not call” list?</a:t>
+            </a:r>
+            <a:endParaRPr lang="en-CA" sz="2400" dirty="0"/>
           </a:p>
         </p:txBody>
       </p:sp>
@@ -23439,7 +23494,152 @@
           <a:lstStyle/>
           <a:p>
             <a:r>
-              <a:rPr lang="en-CA"/>
+              <a:rPr lang="en-CA" dirty="0"/>
+              <a:t>Consent</a:t>
+            </a:r>
+          </a:p>
+        </p:txBody>
+      </p:sp>
+    </p:spTree>
+    <p:extLst>
+      <p:ext uri="{BB962C8B-B14F-4D97-AF65-F5344CB8AC3E}">
+        <p14:creationId xmlns:p14="http://schemas.microsoft.com/office/powerpoint/2010/main" val="1944552648"/>
+      </p:ext>
+    </p:extLst>
+  </p:cSld>
+  <p:clrMapOvr>
+    <a:masterClrMapping/>
+  </p:clrMapOvr>
+</p:sld>
+</file>
+
+<file path=ppt/slides/slide25.xml><?xml version="1.0" encoding="utf-8"?>
+<p:sld xmlns:a="http://schemas.openxmlformats.org/drawingml/2006/main" xmlns:r="http://schemas.openxmlformats.org/officeDocument/2006/relationships" xmlns:p="http://schemas.openxmlformats.org/presentationml/2006/main">
+  <p:cSld>
+    <p:spTree>
+      <p:nvGrpSpPr>
+        <p:cNvPr id="1" name=""/>
+        <p:cNvGrpSpPr/>
+        <p:nvPr/>
+      </p:nvGrpSpPr>
+      <p:grpSpPr>
+        <a:xfrm>
+          <a:off x="0" y="0"/>
+          <a:ext cx="0" cy="0"/>
+          <a:chOff x="0" y="0"/>
+          <a:chExt cx="0" cy="0"/>
+        </a:xfrm>
+      </p:grpSpPr>
+      <p:sp>
+        <p:nvSpPr>
+          <p:cNvPr id="2" name="Content Placeholder 1">
+            <a:extLst>
+              <a:ext uri="{FF2B5EF4-FFF2-40B4-BE49-F238E27FC236}">
+                <a16:creationId xmlns:a16="http://schemas.microsoft.com/office/drawing/2014/main" id="{EF24CA04-327F-4A45-8923-92F6874B5AD6}"/>
+              </a:ext>
+            </a:extLst>
+          </p:cNvPr>
+          <p:cNvSpPr>
+            <a:spLocks noGrp="1"/>
+          </p:cNvSpPr>
+          <p:nvPr>
+            <p:ph sz="quarter" idx="10"/>
+          </p:nvPr>
+        </p:nvSpPr>
+        <p:spPr/>
+        <p:txBody>
+          <a:bodyPr/>
+          <a:lstStyle/>
+          <a:p>
+            <a:pPr lvl="1"/>
+            <a:r>
+              <a:rPr lang="en-US" dirty="0"/>
+              <a:t>Housing remains divided on racial and socioeconomic lines, especially in the Deep South, but nationally, thanks to decades of FHA Redlining from 1934-1968.  </a:t>
+            </a:r>
+          </a:p>
+          <a:p>
+            <a:pPr lvl="1"/>
+            <a:r>
+              <a:rPr lang="en-US" dirty="0"/>
+              <a:t>“Fifty years after the federal Fair Housing Act banned racial discrimination in lending, African Americans and Latinos continue to be routinely denied conventional mortgage loans at rates far higher than their white counterparts.”</a:t>
+            </a:r>
+          </a:p>
+          <a:p>
+            <a:pPr lvl="1"/>
+            <a:r>
+              <a:rPr lang="en-US" sz="1100" dirty="0">
+                <a:hlinkClick r:id="rId3"/>
+              </a:rPr>
+              <a:t>https://www.revealnews.org/article/for-people-of-color-banks-are-shutting-the-door-to-homeownership/</a:t>
+            </a:r>
+            <a:endParaRPr lang="en-US" sz="1100" dirty="0"/>
+          </a:p>
+          <a:p>
+            <a:pPr lvl="1"/>
+            <a:r>
+              <a:rPr lang="en-US" dirty="0"/>
+              <a:t>Baton Rouge Racial Dot Map: </a:t>
+            </a:r>
+            <a:r>
+              <a:rPr lang="en-US" dirty="0">
+                <a:hlinkClick r:id="rId4"/>
+              </a:rPr>
+              <a:t>https://demographics.coopercenter.org/racial-dot-map</a:t>
+            </a:r>
+            <a:endParaRPr lang="en-US" dirty="0"/>
+          </a:p>
+          <a:p>
+            <a:pPr lvl="1"/>
+            <a:r>
+              <a:rPr lang="en-US" dirty="0"/>
+              <a:t>If you’re a bank, consider market segmentation for special rate loan offers, ATM locations, service locations. Only further existing socioeconomic divides.</a:t>
+            </a:r>
+          </a:p>
+          <a:p>
+            <a:pPr lvl="1"/>
+            <a:endParaRPr lang="en-US" dirty="0"/>
+          </a:p>
+          <a:p>
+            <a:pPr lvl="1"/>
+            <a:endParaRPr lang="en-US" dirty="0"/>
+          </a:p>
+          <a:p>
+            <a:pPr lvl="1"/>
+            <a:endParaRPr lang="en-US" dirty="0"/>
+          </a:p>
+          <a:p>
+            <a:pPr lvl="1"/>
+            <a:endParaRPr lang="en-US" dirty="0"/>
+          </a:p>
+          <a:p>
+            <a:pPr lvl="1"/>
+            <a:endParaRPr lang="en-CA" dirty="0"/>
+          </a:p>
+        </p:txBody>
+      </p:sp>
+      <p:sp>
+        <p:nvSpPr>
+          <p:cNvPr id="3" name="Title 2">
+            <a:extLst>
+              <a:ext uri="{FF2B5EF4-FFF2-40B4-BE49-F238E27FC236}">
+                <a16:creationId xmlns:a16="http://schemas.microsoft.com/office/drawing/2014/main" id="{53E16ADB-5B3B-4086-A261-D6274ABB7FBA}"/>
+              </a:ext>
+            </a:extLst>
+          </p:cNvPr>
+          <p:cNvSpPr>
+            <a:spLocks noGrp="1"/>
+          </p:cNvSpPr>
+          <p:nvPr>
+            <p:ph type="title"/>
+          </p:nvPr>
+        </p:nvSpPr>
+        <p:spPr/>
+        <p:txBody>
+          <a:bodyPr/>
+          <a:lstStyle/>
+          <a:p>
+            <a:r>
+              <a:rPr lang="en-CA" dirty="0"/>
               <a:t>Disparate Impact Example 1</a:t>
             </a:r>
           </a:p>
@@ -23458,7 +23658,7 @@
 </p:sld>
 </file>
 
-<file path=ppt/slides/slide25.xml><?xml version="1.0" encoding="utf-8"?>
+<file path=ppt/slides/slide26.xml><?xml version="1.0" encoding="utf-8"?>
 <p:sld xmlns:a="http://schemas.openxmlformats.org/drawingml/2006/main" xmlns:r="http://schemas.openxmlformats.org/officeDocument/2006/relationships" xmlns:p="http://schemas.openxmlformats.org/presentationml/2006/main">
   <p:cSld>
     <p:spTree>
@@ -23532,7 +23732,7 @@
           <a:lstStyle/>
           <a:p>
             <a:r>
-              <a:rPr lang="en-CA"/>
+              <a:rPr lang="en-CA" dirty="0"/>
               <a:t>Ethics in Big Data Analysis</a:t>
             </a:r>
           </a:p>
@@ -23542,139 +23742,6 @@
     <p:extLst>
       <p:ext uri="{BB962C8B-B14F-4D97-AF65-F5344CB8AC3E}">
         <p14:creationId xmlns:p14="http://schemas.microsoft.com/office/powerpoint/2010/main" val="3402900499"/>
-      </p:ext>
-    </p:extLst>
-  </p:cSld>
-  <p:clrMapOvr>
-    <a:masterClrMapping/>
-  </p:clrMapOvr>
-</p:sld>
-</file>
-
-<file path=ppt/slides/slide26.xml><?xml version="1.0" encoding="utf-8"?>
-<p:sld xmlns:a="http://schemas.openxmlformats.org/drawingml/2006/main" xmlns:r="http://schemas.openxmlformats.org/officeDocument/2006/relationships" xmlns:p="http://schemas.openxmlformats.org/presentationml/2006/main">
-  <p:cSld>
-    <p:spTree>
-      <p:nvGrpSpPr>
-        <p:cNvPr id="1" name=""/>
-        <p:cNvGrpSpPr/>
-        <p:nvPr/>
-      </p:nvGrpSpPr>
-      <p:grpSpPr>
-        <a:xfrm>
-          <a:off x="0" y="0"/>
-          <a:ext cx="0" cy="0"/>
-          <a:chOff x="0" y="0"/>
-          <a:chExt cx="0" cy="0"/>
-        </a:xfrm>
-      </p:grpSpPr>
-      <p:sp>
-        <p:nvSpPr>
-          <p:cNvPr id="2" name="Content Placeholder 1">
-            <a:extLst>
-              <a:ext uri="{FF2B5EF4-FFF2-40B4-BE49-F238E27FC236}">
-                <a16:creationId xmlns:a16="http://schemas.microsoft.com/office/drawing/2014/main" id="{EF24CA04-327F-4A45-8923-92F6874B5AD6}"/>
-              </a:ext>
-            </a:extLst>
-          </p:cNvPr>
-          <p:cNvSpPr>
-            <a:spLocks noGrp="1"/>
-          </p:cNvSpPr>
-          <p:nvPr>
-            <p:ph sz="quarter" idx="10"/>
-          </p:nvPr>
-        </p:nvSpPr>
-        <p:spPr/>
-        <p:txBody>
-          <a:bodyPr/>
-          <a:lstStyle/>
-          <a:p>
-            <a:pPr lvl="1"/>
-            <a:r>
-              <a:rPr lang="en-US"/>
-              <a:t>Disparate impacts in health care outcomes. From the NIH:</a:t>
-            </a:r>
-          </a:p>
-          <a:p>
-            <a:pPr lvl="2"/>
-            <a:r>
-              <a:rPr lang="en-US"/>
-              <a:t>“Disparities in communications regarding health promotion and disease prevention behavior and services may account for an additional portion of documented health disparities…”</a:t>
-            </a:r>
-          </a:p>
-          <a:p>
-            <a:pPr lvl="2"/>
-            <a:r>
-              <a:rPr lang="en-US"/>
-              <a:t>“Providers are powerful gatekeepers and may influence health disparities via such mechanisms as differential access to treatments or services and loss of benefits and rights.”</a:t>
-            </a:r>
-          </a:p>
-          <a:p>
-            <a:pPr lvl="2"/>
-            <a:r>
-              <a:rPr lang="en-US"/>
-              <a:t>“For example, one study showed that Black dialysis patients were less likely than their clinically similar White counterparts to be told about transplantation, obtain all of the medical information they desire, discuss with a physician the possibility of receiving a kidney from a family member, and report that a physician had recommended a transplant. Among patients who were certain they wanted a transplant, Blacks were less likely than Whites to be referred for evaluation and to be placed on a waiting list.”</a:t>
-            </a:r>
-          </a:p>
-          <a:p>
-            <a:pPr lvl="2"/>
-            <a:r>
-              <a:rPr lang="en-US"/>
-              <a:t>“It has been shown that, independent of clinical factors, both US and UK psychiatrists are more likely to prescribe antipsychotic medications to non-Whites than to their White counterparts; also, these individuals are more likely to be involuntarily hospitalized and to be placed in seclusion once hospitalized.”</a:t>
-            </a:r>
-          </a:p>
-          <a:p>
-            <a:pPr lvl="1"/>
-            <a:r>
-              <a:rPr lang="en-US">
-                <a:hlinkClick r:id="rId3"/>
-              </a:rPr>
-              <a:t>https://www.ncbi.nlm.nih.gov/pmc/articles/PMC1447725/#__sec1title</a:t>
-            </a:r>
-            <a:endParaRPr lang="en-US"/>
-          </a:p>
-          <a:p>
-            <a:pPr lvl="1"/>
-            <a:endParaRPr lang="en-US"/>
-          </a:p>
-          <a:p>
-            <a:pPr lvl="1"/>
-            <a:endParaRPr lang="en-CA"/>
-          </a:p>
-        </p:txBody>
-      </p:sp>
-      <p:sp>
-        <p:nvSpPr>
-          <p:cNvPr id="3" name="Title 2">
-            <a:extLst>
-              <a:ext uri="{FF2B5EF4-FFF2-40B4-BE49-F238E27FC236}">
-                <a16:creationId xmlns:a16="http://schemas.microsoft.com/office/drawing/2014/main" id="{53E16ADB-5B3B-4086-A261-D6274ABB7FBA}"/>
-              </a:ext>
-            </a:extLst>
-          </p:cNvPr>
-          <p:cNvSpPr>
-            <a:spLocks noGrp="1"/>
-          </p:cNvSpPr>
-          <p:nvPr>
-            <p:ph type="title"/>
-          </p:nvPr>
-        </p:nvSpPr>
-        <p:spPr/>
-        <p:txBody>
-          <a:bodyPr/>
-          <a:lstStyle/>
-          <a:p>
-            <a:r>
-              <a:rPr lang="en-CA"/>
-              <a:t>Disparate Impact Example 2</a:t>
-            </a:r>
-          </a:p>
-        </p:txBody>
-      </p:sp>
-    </p:spTree>
-    <p:extLst>
-      <p:ext uri="{BB962C8B-B14F-4D97-AF65-F5344CB8AC3E}">
-        <p14:creationId xmlns:p14="http://schemas.microsoft.com/office/powerpoint/2010/main" val="2806422804"/>
       </p:ext>
     </p:extLst>
   </p:cSld>
@@ -23724,20 +23791,55 @@
           <a:p>
             <a:pPr lvl="1"/>
             <a:r>
-              <a:rPr lang="en-US"/>
-              <a:t>Gender wage gaps</a:t>
+              <a:rPr lang="en-US" dirty="0"/>
+              <a:t>Disparate impacts in health care outcomes. From the NIH:</a:t>
+            </a:r>
+          </a:p>
+          <a:p>
+            <a:pPr lvl="2"/>
+            <a:r>
+              <a:rPr lang="en-US" dirty="0"/>
+              <a:t>“Disparities in communications regarding health promotion and disease prevention behavior and services may account for an additional portion of documented health disparities…”</a:t>
+            </a:r>
+          </a:p>
+          <a:p>
+            <a:pPr lvl="2"/>
+            <a:r>
+              <a:rPr lang="en-US" dirty="0"/>
+              <a:t>“Providers are powerful gatekeepers and may influence health disparities via such mechanisms as differential access to treatments or services and loss of benefits and rights.”</a:t>
+            </a:r>
+          </a:p>
+          <a:p>
+            <a:pPr lvl="2"/>
+            <a:r>
+              <a:rPr lang="en-US" dirty="0"/>
+              <a:t>“For example, one study showed that Black dialysis patients were less likely than their clinically similar White counterparts to be told about transplantation, obtain all of the medical information they desire, discuss with a physician the possibility of receiving a kidney from a family member, and report that a physician had recommended a transplant. Among patients who were certain they wanted a transplant, Blacks were less likely than Whites to be referred for evaluation and to be placed on a waiting list.”</a:t>
+            </a:r>
+          </a:p>
+          <a:p>
+            <a:pPr lvl="2"/>
+            <a:r>
+              <a:rPr lang="en-US" dirty="0"/>
+              <a:t>“It has been shown that, independent of clinical factors, both US and UK psychiatrists are more likely to prescribe antipsychotic medications to non-Whites than to their White counterparts; also, these individuals are more likely to be involuntarily hospitalized and to be placed in seclusion once hospitalized.”</a:t>
             </a:r>
           </a:p>
           <a:p>
             <a:pPr lvl="1"/>
             <a:r>
-              <a:rPr lang="en-US"/>
-              <a:t>Must be careful not to use the historical evidence of a wage gap to reinforce a wage gap</a:t>
-            </a:r>
+              <a:rPr lang="en-US" dirty="0">
+                <a:hlinkClick r:id="rId3"/>
+              </a:rPr>
+              <a:t>https://www.ncbi.nlm.nih.gov/pmc/articles/PMC1447725/#__sec1title</a:t>
+            </a:r>
+            <a:endParaRPr lang="en-US" dirty="0"/>
           </a:p>
           <a:p>
             <a:pPr lvl="1"/>
-            <a:endParaRPr lang="en-CA"/>
+            <a:endParaRPr lang="en-US" dirty="0"/>
+          </a:p>
+          <a:p>
+            <a:pPr lvl="1"/>
+            <a:endParaRPr lang="en-CA" dirty="0"/>
           </a:p>
         </p:txBody>
       </p:sp>
@@ -23763,8 +23865,8 @@
           <a:lstStyle/>
           <a:p>
             <a:r>
-              <a:rPr lang="en-CA"/>
-              <a:t>Disparate Impact Example 3</a:t>
+              <a:rPr lang="en-CA" dirty="0"/>
+              <a:t>Disparate Impact Example 2</a:t>
             </a:r>
           </a:p>
         </p:txBody>
@@ -23772,7 +23874,7 @@
     </p:spTree>
     <p:extLst>
       <p:ext uri="{BB962C8B-B14F-4D97-AF65-F5344CB8AC3E}">
-        <p14:creationId xmlns:p14="http://schemas.microsoft.com/office/powerpoint/2010/main" val="716362348"/>
+        <p14:creationId xmlns:p14="http://schemas.microsoft.com/office/powerpoint/2010/main" val="2806422804"/>
       </p:ext>
     </p:extLst>
   </p:cSld>
@@ -23820,60 +23922,22 @@
           <a:bodyPr/>
           <a:lstStyle/>
           <a:p>
-            <a:r>
-              <a:rPr lang="en-US"/>
-              <a:t>Health care coverage algorithms for benefit decisioning:</a:t>
-            </a:r>
-          </a:p>
-          <a:p>
             <a:pPr lvl="1"/>
             <a:r>
-              <a:rPr lang="en-US"/>
-              <a:t>“Some 4,000 disabled and elderly Arkansans who rely on a Medicaid waiver program to receive in-home services have seen their benefits cut by the state Department of Human Services due to an unannounced rule change.”</a:t>
+              <a:rPr lang="en-US" dirty="0"/>
+              <a:t>Gender wage gaps</a:t>
             </a:r>
           </a:p>
           <a:p>
             <a:pPr lvl="1"/>
             <a:r>
-              <a:rPr lang="en-US" sz="1000">
-                <a:hlinkClick r:id="rId3"/>
-              </a:rPr>
-              <a:t>https://arktimes.com/news/arkansas-reporter/2017/10/12/dhs-rule-change-threatens-disabled-care?oid=10388695</a:t>
-            </a:r>
-            <a:endParaRPr lang="en-US" sz="1000"/>
+              <a:rPr lang="en-US" dirty="0"/>
+              <a:t>Must be careful not to use the historical evidence of a wage gap to reinforce a wage gap</a:t>
+            </a:r>
           </a:p>
           <a:p>
             <a:pPr lvl="1"/>
-            <a:r>
-              <a:rPr lang="en-US"/>
-              <a:t>“This century's automated decision-making systems collapse individual </a:t>
-            </a:r>
-            <a:r>
-              <a:rPr lang="en-US" b="1"/>
-              <a:t>adjudications</a:t>
-            </a:r>
-            <a:r>
-              <a:rPr lang="en-US"/>
-              <a:t> into </a:t>
-            </a:r>
-            <a:r>
-              <a:rPr lang="en-US" b="1"/>
-              <a:t>rulemaking</a:t>
-            </a:r>
-            <a:r>
-              <a:rPr lang="en-US"/>
-              <a:t> while adhering to the procedural safeguards of neither.”</a:t>
-            </a:r>
-          </a:p>
-          <a:p>
-            <a:pPr lvl="1"/>
-            <a:r>
-              <a:rPr lang="en-US" sz="1050">
-                <a:hlinkClick r:id="rId4"/>
-              </a:rPr>
-              <a:t>https://papers.ssrn.com/sol3/papers.cfm?abstract_id=1012360</a:t>
-            </a:r>
-            <a:endParaRPr lang="en-CA" sz="1050"/>
+            <a:endParaRPr lang="en-CA" dirty="0"/>
           </a:p>
         </p:txBody>
       </p:sp>
@@ -23899,8 +23963,8 @@
           <a:lstStyle/>
           <a:p>
             <a:r>
-              <a:rPr lang="en-CA"/>
-              <a:t>Disparate Impact Example 4</a:t>
+              <a:rPr lang="en-CA" dirty="0"/>
+              <a:t>Disparate Impact Example 3</a:t>
             </a:r>
           </a:p>
         </p:txBody>
@@ -23908,7 +23972,7 @@
     </p:spTree>
     <p:extLst>
       <p:ext uri="{BB962C8B-B14F-4D97-AF65-F5344CB8AC3E}">
-        <p14:creationId xmlns:p14="http://schemas.microsoft.com/office/powerpoint/2010/main" val="1226766330"/>
+        <p14:creationId xmlns:p14="http://schemas.microsoft.com/office/powerpoint/2010/main" val="716362348"/>
       </p:ext>
     </p:extLst>
   </p:cSld>
@@ -23919,7 +23983,7 @@
 </file>
 
 <file path=ppt/slides/slide29.xml><?xml version="1.0" encoding="utf-8"?>
-<p:sld xmlns:a="http://schemas.openxmlformats.org/drawingml/2006/main" xmlns:r="http://schemas.openxmlformats.org/officeDocument/2006/relationships" xmlns:p="http://schemas.openxmlformats.org/presentationml/2006/main" showMasterSp="0" show="0">
+<p:sld xmlns:a="http://schemas.openxmlformats.org/drawingml/2006/main" xmlns:r="http://schemas.openxmlformats.org/officeDocument/2006/relationships" xmlns:p="http://schemas.openxmlformats.org/presentationml/2006/main">
   <p:cSld>
     <p:spTree>
       <p:nvGrpSpPr>
@@ -23937,10 +24001,10 @@
       </p:grpSpPr>
       <p:sp>
         <p:nvSpPr>
-          <p:cNvPr id="2" name="Title 1">
+          <p:cNvPr id="2" name="Content Placeholder 1">
             <a:extLst>
               <a:ext uri="{FF2B5EF4-FFF2-40B4-BE49-F238E27FC236}">
-                <a16:creationId xmlns:a16="http://schemas.microsoft.com/office/drawing/2014/main" id="{EC900C2F-E01F-47BA-9C2C-436BCDA6FB6D}"/>
+                <a16:creationId xmlns:a16="http://schemas.microsoft.com/office/drawing/2014/main" id="{EF24CA04-327F-4A45-8923-92F6874B5AD6}"/>
               </a:ext>
             </a:extLst>
           </p:cNvPr>
@@ -23948,7 +24012,7 @@
             <a:spLocks noGrp="1"/>
           </p:cNvSpPr>
           <p:nvPr>
-            <p:ph type="ctrTitle"/>
+            <p:ph sz="quarter" idx="10"/>
           </p:nvPr>
         </p:nvSpPr>
         <p:spPr/>
@@ -23957,8 +24021,86 @@
           <a:lstStyle/>
           <a:p>
             <a:r>
-              <a:rPr lang="en-CA"/>
-              <a:t>Section break</a:t>
+              <a:rPr lang="en-US" dirty="0"/>
+              <a:t>Health care coverage algorithms for benefit decisioning:</a:t>
+            </a:r>
+          </a:p>
+          <a:p>
+            <a:pPr lvl="1"/>
+            <a:r>
+              <a:rPr lang="en-US" dirty="0"/>
+              <a:t>“Some 4,000 disabled and elderly Arkansans who rely on a Medicaid waiver program to receive in-home services have seen their benefits cut by the state Department of Human Services due to an unannounced rule change.”</a:t>
+            </a:r>
+          </a:p>
+          <a:p>
+            <a:pPr lvl="1"/>
+            <a:r>
+              <a:rPr lang="en-US" sz="1000" dirty="0">
+                <a:hlinkClick r:id="rId3"/>
+              </a:rPr>
+              <a:t>https://arktimes.com/news/arkansas-reporter/2017/10/12/dhs-rule-change-threatens-disabled-care?oid=10388695</a:t>
+            </a:r>
+            <a:endParaRPr lang="en-US" sz="1000" dirty="0"/>
+          </a:p>
+          <a:p>
+            <a:pPr lvl="1"/>
+            <a:r>
+              <a:rPr lang="en-US" dirty="0"/>
+              <a:t>“This century's automated decision-making systems collapse individual </a:t>
+            </a:r>
+            <a:r>
+              <a:rPr lang="en-US" b="1" dirty="0"/>
+              <a:t>adjudications</a:t>
+            </a:r>
+            <a:r>
+              <a:rPr lang="en-US" dirty="0"/>
+              <a:t> into </a:t>
+            </a:r>
+            <a:r>
+              <a:rPr lang="en-US" b="1" dirty="0"/>
+              <a:t>rulemaking</a:t>
+            </a:r>
+            <a:r>
+              <a:rPr lang="en-US" dirty="0"/>
+              <a:t> while adhering to the procedural safeguards of neither.”</a:t>
+            </a:r>
+          </a:p>
+          <a:p>
+            <a:pPr lvl="1"/>
+            <a:r>
+              <a:rPr lang="en-US" sz="1050" dirty="0">
+                <a:hlinkClick r:id="rId4"/>
+              </a:rPr>
+              <a:t>https://papers.ssrn.com/sol3/papers.cfm?abstract_id=1012360</a:t>
+            </a:r>
+            <a:endParaRPr lang="en-CA" sz="1050" dirty="0"/>
+          </a:p>
+        </p:txBody>
+      </p:sp>
+      <p:sp>
+        <p:nvSpPr>
+          <p:cNvPr id="3" name="Title 2">
+            <a:extLst>
+              <a:ext uri="{FF2B5EF4-FFF2-40B4-BE49-F238E27FC236}">
+                <a16:creationId xmlns:a16="http://schemas.microsoft.com/office/drawing/2014/main" id="{53E16ADB-5B3B-4086-A261-D6274ABB7FBA}"/>
+              </a:ext>
+            </a:extLst>
+          </p:cNvPr>
+          <p:cNvSpPr>
+            <a:spLocks noGrp="1"/>
+          </p:cNvSpPr>
+          <p:nvPr>
+            <p:ph type="title"/>
+          </p:nvPr>
+        </p:nvSpPr>
+        <p:spPr/>
+        <p:txBody>
+          <a:bodyPr/>
+          <a:lstStyle/>
+          <a:p>
+            <a:r>
+              <a:rPr lang="en-CA" dirty="0"/>
+              <a:t>Disparate Impact Example 4</a:t>
             </a:r>
           </a:p>
         </p:txBody>
@@ -23966,7 +24108,7 @@
     </p:spTree>
     <p:extLst>
       <p:ext uri="{BB962C8B-B14F-4D97-AF65-F5344CB8AC3E}">
-        <p14:creationId xmlns:p14="http://schemas.microsoft.com/office/powerpoint/2010/main" val="37594886"/>
+        <p14:creationId xmlns:p14="http://schemas.microsoft.com/office/powerpoint/2010/main" val="1226766330"/>
       </p:ext>
     </p:extLst>
   </p:cSld>
@@ -24014,7 +24156,7 @@
           <a:lstStyle/>
           <a:p>
             <a:r>
-              <a:rPr lang="en-US"/>
+              <a:rPr lang="en-US" dirty="0"/>
               <a:t>Speaker Name</a:t>
             </a:r>
           </a:p>
@@ -24041,7 +24183,7 @@
           <a:lstStyle/>
           <a:p>
             <a:r>
-              <a:rPr lang="en-US"/>
+              <a:rPr lang="en-US" dirty="0"/>
               <a:t>Title, Company</a:t>
             </a:r>
           </a:p>
@@ -24066,6 +24208,7 @@
               <a:rPr lang="en-US"/>
               <a:t>Biography Point One</a:t>
             </a:r>
+            <a:endParaRPr lang="en-US" dirty="0"/>
           </a:p>
         </p:txBody>
       </p:sp>
@@ -24106,6 +24249,7 @@
               <a:rPr lang="en-US"/>
               <a:t>Lorem ipsum dolor sit amet, consectetur adipiscing elit. Fusce pulvinar nunc est, quis congue massa lobortis eget.</a:t>
             </a:r>
+            <a:endParaRPr lang="en-US" dirty="0"/>
           </a:p>
         </p:txBody>
       </p:sp>
@@ -24128,6 +24272,7 @@
               <a:rPr lang="en-US"/>
               <a:t>Biography Point Two</a:t>
             </a:r>
+            <a:endParaRPr lang="en-US" dirty="0"/>
           </a:p>
         </p:txBody>
       </p:sp>
@@ -24150,6 +24295,7 @@
               <a:rPr lang="en-US"/>
               <a:t>Lorem ipsum dolor sit amet, consectetur adipiscing elit. Fusce pulvinar nunc est, quis congue massa lobortis eget.</a:t>
             </a:r>
+            <a:endParaRPr lang="en-US" dirty="0"/>
           </a:p>
         </p:txBody>
       </p:sp>
@@ -24172,6 +24318,7 @@
               <a:rPr lang="en-US"/>
               <a:t>Biography Point Three</a:t>
             </a:r>
+            <a:endParaRPr lang="en-US" dirty="0"/>
           </a:p>
         </p:txBody>
       </p:sp>
@@ -24194,6 +24341,7 @@
               <a:rPr lang="en-US"/>
               <a:t>Lorem ipsum dolor sit amet, consectetur adipiscing elit. Fusce pulvinar nunc est, quis congue massa lobortis eget.</a:t>
             </a:r>
+            <a:endParaRPr lang="en-US" dirty="0"/>
           </a:p>
         </p:txBody>
       </p:sp>
@@ -24218,22 +24366,22 @@
           <a:lstStyle/>
           <a:p>
             <a:r>
-              <a:rPr lang="en-US"/>
+              <a:rPr lang="en-US" dirty="0"/>
               <a:t>/</a:t>
             </a:r>
             <a:r>
-              <a:rPr lang="en-US" err="1"/>
+              <a:rPr lang="en-US" dirty="0" err="1"/>
               <a:t>yourname</a:t>
             </a:r>
             <a:r>
-              <a:rPr lang="en-US"/>
+              <a:rPr lang="en-US" dirty="0"/>
               <a:t> </a:t>
             </a:r>
             <a:r>
-              <a:rPr lang="en-US" b="1" i="1"/>
+              <a:rPr lang="en-US" b="1" i="1" dirty="0"/>
               <a:t>– Optional</a:t>
             </a:r>
-            <a:endParaRPr lang="en-US"/>
+            <a:endParaRPr lang="en-US" dirty="0"/>
           </a:p>
         </p:txBody>
       </p:sp>
@@ -24258,22 +24406,22 @@
           <a:lstStyle/>
           <a:p>
             <a:r>
-              <a:rPr lang="en-US"/>
+              <a:rPr lang="en-US" dirty="0"/>
               <a:t>@</a:t>
             </a:r>
             <a:r>
-              <a:rPr lang="en-US" err="1"/>
+              <a:rPr lang="en-US" dirty="0" err="1"/>
               <a:t>yourhandle</a:t>
             </a:r>
             <a:r>
-              <a:rPr lang="en-US"/>
+              <a:rPr lang="en-US" dirty="0"/>
               <a:t> </a:t>
             </a:r>
             <a:r>
-              <a:rPr lang="en-US" b="1" i="1"/>
+              <a:rPr lang="en-US" b="1" i="1" dirty="0"/>
               <a:t>– Optional</a:t>
             </a:r>
-            <a:endParaRPr lang="en-US"/>
+            <a:endParaRPr lang="en-US" dirty="0"/>
           </a:p>
         </p:txBody>
       </p:sp>
@@ -24298,14 +24446,14 @@
           <a:lstStyle/>
           <a:p>
             <a:r>
-              <a:rPr lang="en-US"/>
+              <a:rPr lang="en-US" dirty="0"/>
               <a:t>Your name </a:t>
             </a:r>
             <a:r>
-              <a:rPr lang="en-US" b="1" i="1"/>
+              <a:rPr lang="en-US" b="1" i="1" dirty="0"/>
               <a:t>– Optional</a:t>
             </a:r>
-            <a:endParaRPr lang="en-US"/>
+            <a:endParaRPr lang="en-US" dirty="0"/>
           </a:p>
         </p:txBody>
       </p:sp>
@@ -25567,7 +25715,7 @@
           <a:lstStyle/>
           <a:p>
             <a:pPr algn="ctr"/>
-            <a:endParaRPr lang="en-US"/>
+            <a:endParaRPr lang="en-US" dirty="0"/>
           </a:p>
         </p:txBody>
       </p:sp>
@@ -25783,14 +25931,14 @@
           <a:p>
             <a:pPr marL="171450" indent="-171450"/>
             <a:r>
-              <a:rPr lang="en-CA"/>
+              <a:rPr lang="en-CA" dirty="0"/>
               <a:t>Your email </a:t>
             </a:r>
             <a:r>
-              <a:rPr lang="en-US" b="1" i="1"/>
+              <a:rPr lang="en-US" b="1" i="1" dirty="0"/>
               <a:t>– Optional</a:t>
             </a:r>
-            <a:endParaRPr lang="en-CA"/>
+            <a:endParaRPr lang="en-CA" dirty="0"/>
           </a:p>
         </p:txBody>
       </p:sp>
@@ -26045,11 +26193,11 @@
               <a:buChar char="•"/>
             </a:pPr>
             <a:r>
-              <a:rPr lang="en-US"/>
+              <a:rPr lang="en-US" dirty="0"/>
               <a:t>Your URL </a:t>
             </a:r>
             <a:r>
-              <a:rPr lang="en-US" b="1" i="1"/>
+              <a:rPr lang="en-US" b="1" i="1" dirty="0"/>
               <a:t>– Optional</a:t>
             </a:r>
           </a:p>
@@ -26105,7 +26253,7 @@
           <a:lstStyle/>
           <a:p>
             <a:pPr algn="ctr"/>
-            <a:endParaRPr lang="en-US"/>
+            <a:endParaRPr lang="en-US" dirty="0"/>
           </a:p>
         </p:txBody>
       </p:sp>
@@ -26168,13 +26316,13 @@
   <p:clrMapOvr>
     <a:masterClrMapping/>
   </p:clrMapOvr>
-  <mc:AlternateContent xmlns:mc="http://schemas.openxmlformats.org/markup-compatibility/2006">
-    <mc:Choice xmlns:p15="http://schemas.microsoft.com/office/powerpoint/2012/main" Requires="p15">
+  <mc:AlternateContent xmlns:mc="http://schemas.openxmlformats.org/markup-compatibility/2006" xmlns:p15="http://schemas.microsoft.com/office/powerpoint/2012/main">
+    <mc:Choice Requires="p15">
       <p:transition xmlns:p14="http://schemas.microsoft.com/office/powerpoint/2010/main" spd="slow" p14:dur="2000">
         <p15:prstTrans prst="drape"/>
       </p:transition>
     </mc:Choice>
-    <mc:Fallback>
+    <mc:Fallback xmlns="">
       <p:transition spd="slow">
         <p:fade/>
       </p:transition>
@@ -26184,7 +26332,7 @@
 </file>
 
 <file path=ppt/slides/slide30.xml><?xml version="1.0" encoding="utf-8"?>
-<p:sld xmlns:a="http://schemas.openxmlformats.org/drawingml/2006/main" xmlns:r="http://schemas.openxmlformats.org/officeDocument/2006/relationships" xmlns:p="http://schemas.openxmlformats.org/presentationml/2006/main">
+<p:sld xmlns:a="http://schemas.openxmlformats.org/drawingml/2006/main" xmlns:r="http://schemas.openxmlformats.org/officeDocument/2006/relationships" xmlns:p="http://schemas.openxmlformats.org/presentationml/2006/main" showMasterSp="0" show="0">
   <p:cSld>
     <p:spTree>
       <p:nvGrpSpPr>
@@ -26202,10 +26350,10 @@
       </p:grpSpPr>
       <p:sp>
         <p:nvSpPr>
-          <p:cNvPr id="2" name="Content Placeholder 1">
+          <p:cNvPr id="2" name="Title 1">
             <a:extLst>
               <a:ext uri="{FF2B5EF4-FFF2-40B4-BE49-F238E27FC236}">
-                <a16:creationId xmlns:a16="http://schemas.microsoft.com/office/drawing/2014/main" id="{EF24CA04-327F-4A45-8923-92F6874B5AD6}"/>
+                <a16:creationId xmlns:a16="http://schemas.microsoft.com/office/drawing/2014/main" id="{EC900C2F-E01F-47BA-9C2C-436BCDA6FB6D}"/>
               </a:ext>
             </a:extLst>
           </p:cNvPr>
@@ -26213,7 +26361,7 @@
             <a:spLocks noGrp="1"/>
           </p:cNvSpPr>
           <p:nvPr>
-            <p:ph sz="quarter" idx="10"/>
+            <p:ph type="ctrTitle"/>
           </p:nvPr>
         </p:nvSpPr>
         <p:spPr/>
@@ -26222,79 +26370,8 @@
           <a:lstStyle/>
           <a:p>
             <a:r>
-              <a:rPr lang="en-US"/>
-              <a:t>Governance Questions for Review:</a:t>
-            </a:r>
-          </a:p>
-          <a:p>
-            <a:pPr lvl="1"/>
-            <a:r>
-              <a:rPr lang="en-US"/>
-              <a:t>How anonymous is our data? Do we have the citizens’ consent, implicitly and/or explicitly, for the level of anonymity we have collected?</a:t>
-            </a:r>
-          </a:p>
-          <a:p>
-            <a:pPr lvl="1"/>
-            <a:r>
-              <a:rPr lang="en-US"/>
-              <a:t>Who has access to the data internally? Who has access externally? Does the citizen have access? Is the access revocable?</a:t>
-            </a:r>
-          </a:p>
-          <a:p>
-            <a:pPr lvl="1"/>
-            <a:r>
-              <a:rPr lang="en-US"/>
-              <a:t>Legally, what regulatory environment do the citizens exist in? What are our responsibilities and potential liabilities? </a:t>
-            </a:r>
-          </a:p>
-          <a:p>
-            <a:pPr lvl="2"/>
-            <a:r>
-              <a:rPr lang="en-US"/>
-              <a:t>GDPR, CCPA: California Consumer Privacy Act</a:t>
-            </a:r>
-          </a:p>
-          <a:p>
-            <a:pPr lvl="1"/>
-            <a:r>
-              <a:rPr lang="en-US"/>
-              <a:t>Is the data trustworthy, and are its biases understood? Do we have enough context to understand its outcomes?</a:t>
-            </a:r>
-          </a:p>
-          <a:p>
-            <a:pPr lvl="1"/>
-            <a:endParaRPr lang="en-US"/>
-          </a:p>
-          <a:p>
-            <a:pPr lvl="2"/>
-            <a:endParaRPr lang="en-CA"/>
-          </a:p>
-        </p:txBody>
-      </p:sp>
-      <p:sp>
-        <p:nvSpPr>
-          <p:cNvPr id="3" name="Title 2">
-            <a:extLst>
-              <a:ext uri="{FF2B5EF4-FFF2-40B4-BE49-F238E27FC236}">
-                <a16:creationId xmlns:a16="http://schemas.microsoft.com/office/drawing/2014/main" id="{53E16ADB-5B3B-4086-A261-D6274ABB7FBA}"/>
-              </a:ext>
-            </a:extLst>
-          </p:cNvPr>
-          <p:cNvSpPr>
-            <a:spLocks noGrp="1"/>
-          </p:cNvSpPr>
-          <p:nvPr>
-            <p:ph type="title"/>
-          </p:nvPr>
-        </p:nvSpPr>
-        <p:spPr/>
-        <p:txBody>
-          <a:bodyPr/>
-          <a:lstStyle/>
-          <a:p>
-            <a:r>
-              <a:rPr lang="en-CA"/>
-              <a:t>Ethics in Modern Data</a:t>
+              <a:rPr lang="en-CA" dirty="0"/>
+              <a:t>Section break</a:t>
             </a:r>
           </a:p>
         </p:txBody>
@@ -26302,7 +26379,7 @@
     </p:spTree>
     <p:extLst>
       <p:ext uri="{BB962C8B-B14F-4D97-AF65-F5344CB8AC3E}">
-        <p14:creationId xmlns:p14="http://schemas.microsoft.com/office/powerpoint/2010/main" val="1530413237"/>
+        <p14:creationId xmlns:p14="http://schemas.microsoft.com/office/powerpoint/2010/main" val="37594886"/>
       </p:ext>
     </p:extLst>
   </p:cSld>
@@ -26351,56 +26428,52 @@
           <a:lstStyle/>
           <a:p>
             <a:r>
-              <a:rPr lang="en-US" sz="4400"/>
-              <a:t>“</a:t>
-            </a:r>
-            <a:r>
-              <a:rPr lang="en-US" sz="4400" b="1"/>
-              <a:t>Do</a:t>
-            </a:r>
-            <a:r>
-              <a:rPr lang="en-US" sz="4400"/>
-              <a:t> the </a:t>
-            </a:r>
-            <a:r>
-              <a:rPr lang="en-US" sz="4400" b="1"/>
-              <a:t>best you</a:t>
-            </a:r>
-            <a:r>
-              <a:rPr lang="en-US" sz="4400"/>
-              <a:t> can </a:t>
-            </a:r>
-            <a:r>
-              <a:rPr lang="en-US" sz="4400" b="1"/>
-              <a:t>until you know better</a:t>
-            </a:r>
-            <a:r>
-              <a:rPr lang="en-US" sz="4400"/>
-              <a:t>. Then when </a:t>
-            </a:r>
-            <a:r>
-              <a:rPr lang="en-US" sz="4400" b="1"/>
-              <a:t>you know better</a:t>
-            </a:r>
-            <a:r>
-              <a:rPr lang="en-US" sz="4400"/>
-              <a:t>, </a:t>
-            </a:r>
-            <a:r>
-              <a:rPr lang="en-US" sz="4400" b="1"/>
-              <a:t>do better</a:t>
-            </a:r>
-            <a:r>
-              <a:rPr lang="en-US" sz="4400"/>
-              <a:t>.” </a:t>
-            </a:r>
-          </a:p>
-          <a:p>
-            <a:r>
-              <a:rPr lang="en-US" sz="4400"/>
-              <a:t>—Maya Angelou</a:t>
-            </a:r>
-            <a:endParaRPr lang="en-CA" sz="5400"/>
+              <a:rPr lang="en-US" dirty="0"/>
+              <a:t>Governance Questions for Review:</a:t>
+            </a:r>
+          </a:p>
+          <a:p>
+            <a:pPr lvl="1"/>
+            <a:r>
+              <a:rPr lang="en-US" dirty="0"/>
+              <a:t>How anonymous is our data? Do we have the citizens’ consent, implicitly and/or explicitly, for the level of anonymity we have collected?</a:t>
+            </a:r>
+          </a:p>
+          <a:p>
+            <a:pPr lvl="1"/>
+            <a:r>
+              <a:rPr lang="en-US" dirty="0"/>
+              <a:t>Who has access to the data internally? Who has access externally? Does the citizen have access? Is the access revocable?</a:t>
+            </a:r>
+          </a:p>
+          <a:p>
+            <a:pPr lvl="1"/>
+            <a:r>
+              <a:rPr lang="en-US" dirty="0"/>
+              <a:t>Legally, what regulatory environment do the citizens exist in? What are our responsibilities and potential liabilities? </a:t>
+            </a:r>
+          </a:p>
+          <a:p>
+            <a:pPr lvl="2"/>
+            <a:r>
+              <a:rPr lang="en-US" dirty="0"/>
+              <a:t>GDPR, CCPA: California Consumer Privacy Act</a:t>
+            </a:r>
+          </a:p>
+          <a:p>
+            <a:pPr lvl="1"/>
+            <a:r>
+              <a:rPr lang="en-US" dirty="0"/>
+              <a:t>Is the data trustworthy, and are its biases understood? Do we have enough context to understand its outcomes?</a:t>
+            </a:r>
+          </a:p>
+          <a:p>
+            <a:pPr lvl="1"/>
+            <a:endParaRPr lang="en-US" dirty="0"/>
+          </a:p>
+          <a:p>
+            <a:pPr lvl="2"/>
+            <a:endParaRPr lang="en-CA" dirty="0"/>
           </a:p>
         </p:txBody>
       </p:sp>
@@ -26426,17 +26499,16 @@
           <a:lstStyle/>
           <a:p>
             <a:r>
-              <a:rPr lang="en-CA" err="1"/>
-              <a:t>Wrapup</a:t>
-            </a:r>
-            <a:endParaRPr lang="en-CA"/>
+              <a:rPr lang="en-CA" dirty="0"/>
+              <a:t>Ethics in Modern Data</a:t>
+            </a:r>
           </a:p>
         </p:txBody>
       </p:sp>
     </p:spTree>
     <p:extLst>
       <p:ext uri="{BB962C8B-B14F-4D97-AF65-F5344CB8AC3E}">
-        <p14:creationId xmlns:p14="http://schemas.microsoft.com/office/powerpoint/2010/main" val="4173013666"/>
+        <p14:creationId xmlns:p14="http://schemas.microsoft.com/office/powerpoint/2010/main" val="1530413237"/>
       </p:ext>
     </p:extLst>
   </p:cSld>
@@ -26447,7 +26519,7 @@
 </file>
 
 <file path=ppt/slides/slide32.xml><?xml version="1.0" encoding="utf-8"?>
-<p:sld xmlns:a="http://schemas.openxmlformats.org/drawingml/2006/main" xmlns:r="http://schemas.openxmlformats.org/officeDocument/2006/relationships" xmlns:p="http://schemas.openxmlformats.org/presentationml/2006/main" showMasterSp="0" show="0">
+<p:sld xmlns:a="http://schemas.openxmlformats.org/drawingml/2006/main" xmlns:r="http://schemas.openxmlformats.org/officeDocument/2006/relationships" xmlns:p="http://schemas.openxmlformats.org/presentationml/2006/main">
   <p:cSld>
     <p:spTree>
       <p:nvGrpSpPr>
@@ -26465,10 +26537,10 @@
       </p:grpSpPr>
       <p:sp>
         <p:nvSpPr>
-          <p:cNvPr id="2" name="Title 1">
+          <p:cNvPr id="2" name="Content Placeholder 1">
             <a:extLst>
               <a:ext uri="{FF2B5EF4-FFF2-40B4-BE49-F238E27FC236}">
-                <a16:creationId xmlns:a16="http://schemas.microsoft.com/office/drawing/2014/main" id="{830B3856-B1A1-4F35-87B8-CF9A17A74EF0}"/>
+                <a16:creationId xmlns:a16="http://schemas.microsoft.com/office/drawing/2014/main" id="{EF24CA04-327F-4A45-8923-92F6874B5AD6}"/>
               </a:ext>
             </a:extLst>
           </p:cNvPr>
@@ -26476,7 +26548,7 @@
             <a:spLocks noGrp="1"/>
           </p:cNvSpPr>
           <p:nvPr>
-            <p:ph type="ctrTitle"/>
+            <p:ph sz="quarter" idx="10"/>
           </p:nvPr>
         </p:nvSpPr>
         <p:spPr/>
@@ -26485,25 +26557,98 @@
           <a:lstStyle/>
           <a:p>
             <a:r>
-              <a:rPr lang="en-CA"/>
-              <a:t>Questions?</a:t>
-            </a:r>
+              <a:rPr lang="en-US" sz="4400" dirty="0"/>
+              <a:t>“</a:t>
+            </a:r>
+            <a:r>
+              <a:rPr lang="en-US" sz="4400" b="1" dirty="0"/>
+              <a:t>Do</a:t>
+            </a:r>
+            <a:r>
+              <a:rPr lang="en-US" sz="4400" dirty="0"/>
+              <a:t> the </a:t>
+            </a:r>
+            <a:r>
+              <a:rPr lang="en-US" sz="4400" b="1" dirty="0"/>
+              <a:t>best you</a:t>
+            </a:r>
+            <a:r>
+              <a:rPr lang="en-US" sz="4400" dirty="0"/>
+              <a:t> can </a:t>
+            </a:r>
+            <a:r>
+              <a:rPr lang="en-US" sz="4400" b="1" dirty="0"/>
+              <a:t>until you know better</a:t>
+            </a:r>
+            <a:r>
+              <a:rPr lang="en-US" sz="4400" dirty="0"/>
+              <a:t>. Then when </a:t>
+            </a:r>
+            <a:r>
+              <a:rPr lang="en-US" sz="4400" b="1" dirty="0"/>
+              <a:t>you know better</a:t>
+            </a:r>
+            <a:r>
+              <a:rPr lang="en-US" sz="4400" dirty="0"/>
+              <a:t>, </a:t>
+            </a:r>
+            <a:r>
+              <a:rPr lang="en-US" sz="4400" b="1" dirty="0"/>
+              <a:t>do better</a:t>
+            </a:r>
+            <a:r>
+              <a:rPr lang="en-US" sz="4400" dirty="0"/>
+              <a:t>.” </a:t>
+            </a:r>
+          </a:p>
+          <a:p>
+            <a:r>
+              <a:rPr lang="en-US" sz="4400" dirty="0"/>
+              <a:t>—Maya Angelou</a:t>
+            </a:r>
+            <a:endParaRPr lang="en-CA" sz="5400" dirty="0"/>
+          </a:p>
+        </p:txBody>
+      </p:sp>
+      <p:sp>
+        <p:nvSpPr>
+          <p:cNvPr id="3" name="Title 2">
+            <a:extLst>
+              <a:ext uri="{FF2B5EF4-FFF2-40B4-BE49-F238E27FC236}">
+                <a16:creationId xmlns:a16="http://schemas.microsoft.com/office/drawing/2014/main" id="{53E16ADB-5B3B-4086-A261-D6274ABB7FBA}"/>
+              </a:ext>
+            </a:extLst>
+          </p:cNvPr>
+          <p:cNvSpPr>
+            <a:spLocks noGrp="1"/>
+          </p:cNvSpPr>
+          <p:nvPr>
+            <p:ph type="title"/>
+          </p:nvPr>
+        </p:nvSpPr>
+        <p:spPr/>
+        <p:txBody>
+          <a:bodyPr/>
+          <a:lstStyle/>
+          <a:p>
+            <a:r>
+              <a:rPr lang="en-CA" dirty="0" err="1"/>
+              <a:t>Wrapup</a:t>
+            </a:r>
+            <a:endParaRPr lang="en-CA" dirty="0"/>
           </a:p>
         </p:txBody>
       </p:sp>
     </p:spTree>
     <p:extLst>
       <p:ext uri="{BB962C8B-B14F-4D97-AF65-F5344CB8AC3E}">
-        <p14:creationId xmlns:p14="http://schemas.microsoft.com/office/powerpoint/2010/main" val="3319312414"/>
+        <p14:creationId xmlns:p14="http://schemas.microsoft.com/office/powerpoint/2010/main" val="4173013666"/>
       </p:ext>
     </p:extLst>
   </p:cSld>
   <p:clrMapOvr>
     <a:masterClrMapping/>
   </p:clrMapOvr>
-  <p:transition spd="slow">
-    <p:push dir="u"/>
-  </p:transition>
 </p:sld>
 </file>
 
@@ -26526,6 +26671,67 @@
       </p:grpSpPr>
       <p:sp>
         <p:nvSpPr>
+          <p:cNvPr id="2" name="Title 1">
+            <a:extLst>
+              <a:ext uri="{FF2B5EF4-FFF2-40B4-BE49-F238E27FC236}">
+                <a16:creationId xmlns:a16="http://schemas.microsoft.com/office/drawing/2014/main" id="{830B3856-B1A1-4F35-87B8-CF9A17A74EF0}"/>
+              </a:ext>
+            </a:extLst>
+          </p:cNvPr>
+          <p:cNvSpPr>
+            <a:spLocks noGrp="1"/>
+          </p:cNvSpPr>
+          <p:nvPr>
+            <p:ph type="ctrTitle"/>
+          </p:nvPr>
+        </p:nvSpPr>
+        <p:spPr/>
+        <p:txBody>
+          <a:bodyPr/>
+          <a:lstStyle/>
+          <a:p>
+            <a:r>
+              <a:rPr lang="en-CA" dirty="0"/>
+              <a:t>Questions?</a:t>
+            </a:r>
+          </a:p>
+        </p:txBody>
+      </p:sp>
+    </p:spTree>
+    <p:extLst>
+      <p:ext uri="{BB962C8B-B14F-4D97-AF65-F5344CB8AC3E}">
+        <p14:creationId xmlns:p14="http://schemas.microsoft.com/office/powerpoint/2010/main" val="3319312414"/>
+      </p:ext>
+    </p:extLst>
+  </p:cSld>
+  <p:clrMapOvr>
+    <a:masterClrMapping/>
+  </p:clrMapOvr>
+  <p:transition spd="slow">
+    <p:push dir="u"/>
+  </p:transition>
+</p:sld>
+</file>
+
+<file path=ppt/slides/slide34.xml><?xml version="1.0" encoding="utf-8"?>
+<p:sld xmlns:a="http://schemas.openxmlformats.org/drawingml/2006/main" xmlns:r="http://schemas.openxmlformats.org/officeDocument/2006/relationships" xmlns:p="http://schemas.openxmlformats.org/presentationml/2006/main" showMasterSp="0" show="0">
+  <p:cSld>
+    <p:spTree>
+      <p:nvGrpSpPr>
+        <p:cNvPr id="1" name=""/>
+        <p:cNvGrpSpPr/>
+        <p:nvPr/>
+      </p:nvGrpSpPr>
+      <p:grpSpPr>
+        <a:xfrm>
+          <a:off x="0" y="0"/>
+          <a:ext cx="0" cy="0"/>
+          <a:chOff x="0" y="0"/>
+          <a:chExt cx="0" cy="0"/>
+        </a:xfrm>
+      </p:grpSpPr>
+      <p:sp>
+        <p:nvSpPr>
           <p:cNvPr id="8" name="Subtitle 12">
             <a:extLst>
               <a:ext uri="{FF2B5EF4-FFF2-40B4-BE49-F238E27FC236}">
@@ -26551,7 +26757,7 @@
           <a:lstStyle/>
           <a:p>
             <a:r>
-              <a:rPr lang="en-US"/>
+              <a:rPr lang="en-US" dirty="0"/>
               <a:t>Learn more from [Speaker Name]</a:t>
             </a:r>
           </a:p>
@@ -26584,14 +26790,14 @@
           <a:lstStyle/>
           <a:p>
             <a:r>
-              <a:rPr lang="en-US"/>
+              <a:rPr lang="en-US" dirty="0"/>
               <a:t>@</a:t>
             </a:r>
             <a:r>
-              <a:rPr lang="en-US" err="1"/>
+              <a:rPr lang="en-US" dirty="0" err="1"/>
               <a:t>yourhandle</a:t>
             </a:r>
-            <a:endParaRPr lang="en-US"/>
+            <a:endParaRPr lang="en-US" dirty="0"/>
           </a:p>
         </p:txBody>
       </p:sp>
@@ -26622,7 +26828,7 @@
           <a:lstStyle/>
           <a:p>
             <a:r>
-              <a:rPr lang="en-US"/>
+              <a:rPr lang="en-US" dirty="0"/>
               <a:t>email@company.com </a:t>
             </a:r>
           </a:p>
@@ -27667,7 +27873,7 @@
 </p:sld>
 </file>
 
-<file path=ppt/slides/slide34.xml><?xml version="1.0" encoding="utf-8"?>
+<file path=ppt/slides/slide35.xml><?xml version="1.0" encoding="utf-8"?>
 <p:sld xmlns:a="http://schemas.openxmlformats.org/drawingml/2006/main" xmlns:r="http://schemas.openxmlformats.org/officeDocument/2006/relationships" xmlns:p="http://schemas.openxmlformats.org/presentationml/2006/main" showMasterSp="0" show="0">
   <p:cSld>
     <p:spTree>
@@ -27746,13 +27952,13 @@
   <p:clrMapOvr>
     <a:masterClrMapping/>
   </p:clrMapOvr>
-  <mc:AlternateContent xmlns:mc="http://schemas.openxmlformats.org/markup-compatibility/2006">
-    <mc:Choice xmlns:p14="http://schemas.microsoft.com/office/powerpoint/2010/main" Requires="p14">
+  <mc:AlternateContent xmlns:mc="http://schemas.openxmlformats.org/markup-compatibility/2006" xmlns:p14="http://schemas.microsoft.com/office/powerpoint/2010/main">
+    <mc:Choice Requires="p14">
       <p:transition spd="slow" p14:dur="3400">
         <p14:reveal/>
       </p:transition>
     </mc:Choice>
-    <mc:Fallback>
+    <mc:Fallback xmlns="">
       <p:transition spd="slow">
         <p:fade/>
       </p:transition>
@@ -27800,7 +28006,7 @@
           <a:lstStyle/>
           <a:p>
             <a:r>
-              <a:rPr lang="en-CA"/>
+              <a:rPr lang="en-CA" dirty="0"/>
               <a:t>Historical Bias </a:t>
             </a:r>
           </a:p>
@@ -27883,12 +28089,12 @@
           <a:lstStyle/>
           <a:p>
             <a:r>
-              <a:rPr lang="en-US" sz="1100">
+              <a:rPr lang="en-US" sz="1100" dirty="0">
                 <a:hlinkClick r:id="rId4"/>
               </a:rPr>
               <a:t>https://www.smbc-comics.com/comic/rise-of-the-machines</a:t>
             </a:r>
-            <a:endParaRPr lang="en-US" sz="1100"/>
+            <a:endParaRPr lang="en-US" sz="1100" dirty="0"/>
           </a:p>
         </p:txBody>
       </p:sp>
@@ -27944,42 +28150,42 @@
           <a:lstStyle/>
           <a:p>
             <a:r>
-              <a:rPr lang="en-US" sz="2000"/>
+              <a:rPr lang="en-US" sz="2000" dirty="0"/>
               <a:t>“Many </a:t>
             </a:r>
             <a:r>
-              <a:rPr lang="en-US" sz="2000" b="1"/>
+              <a:rPr lang="en-US" sz="2000" b="1" dirty="0"/>
               <a:t>algorithms</a:t>
             </a:r>
             <a:r>
-              <a:rPr lang="en-US" sz="2000"/>
+              <a:rPr lang="en-US" sz="2000" dirty="0"/>
               <a:t> which are trained to do a human job, such as recruitment, credit scoring, assigning a prison sentence or diagnosing a patient, </a:t>
             </a:r>
             <a:r>
-              <a:rPr lang="en-US" sz="2000" b="1"/>
+              <a:rPr lang="en-US" sz="2000" b="1" dirty="0"/>
               <a:t>will have been trained on human generated data</a:t>
             </a:r>
             <a:r>
-              <a:rPr lang="en-US" sz="2000"/>
+              <a:rPr lang="en-US" sz="2000" dirty="0"/>
               <a:t>, from past occurrences of a person doing the job. If they are trained on data which contains human bias then of course the algorithms will learn it, but furthermore they are likely to amplify it. </a:t>
             </a:r>
             <a:r>
-              <a:rPr lang="en-US" sz="2000" b="1"/>
+              <a:rPr lang="en-US" sz="2000" b="1" dirty="0"/>
               <a:t>This is a huge problem, especially if people assume that algorithms are impartial</a:t>
             </a:r>
             <a:r>
-              <a:rPr lang="en-US" sz="2000"/>
+              <a:rPr lang="en-US" sz="2000" dirty="0"/>
               <a:t> and can’t hold the same biases as people do.”</a:t>
             </a:r>
           </a:p>
           <a:p>
             <a:r>
-              <a:rPr lang="en-US" sz="1000">
+              <a:rPr lang="en-US" sz="1000" dirty="0">
                 <a:hlinkClick r:id="rId2"/>
               </a:rPr>
               <a:t>https://medium.com/@laurahelendouglas/ai-is-not-just-learning-our-biases-it-is-amplifying-them-4d0dee75931d</a:t>
             </a:r>
-            <a:endParaRPr lang="en-US" sz="1000"/>
+            <a:endParaRPr lang="en-US" sz="1000" dirty="0"/>
           </a:p>
         </p:txBody>
       </p:sp>
@@ -28005,7 +28211,7 @@
           <a:lstStyle/>
           <a:p>
             <a:r>
-              <a:rPr lang="en-US"/>
+              <a:rPr lang="en-US" dirty="0"/>
               <a:t>Bias</a:t>
             </a:r>
           </a:p>
@@ -28095,7 +28301,7 @@
           <a:lstStyle/>
           <a:p>
             <a:r>
-              <a:rPr lang="en-US"/>
+              <a:rPr lang="en-US" dirty="0"/>
               <a:t>Bias</a:t>
             </a:r>
           </a:p>
@@ -28129,12 +28335,12 @@
           <a:lstStyle/>
           <a:p>
             <a:r>
-              <a:rPr lang="en-US" sz="600">
+              <a:rPr lang="en-US" sz="600" dirty="0">
                 <a:hlinkClick r:id="rId3"/>
               </a:rPr>
               <a:t>https://medium.com/@laurahelendouglas/ai-is-not-just-learning-our-biases-it-is-amplifying-them-4d0dee75931d</a:t>
             </a:r>
-            <a:endParaRPr lang="en-US" sz="600"/>
+            <a:endParaRPr lang="en-US" sz="600" dirty="0"/>
           </a:p>
         </p:txBody>
       </p:sp>
@@ -28411,18 +28617,18 @@
           <a:lstStyle/>
           <a:p>
             <a:r>
-              <a:rPr lang="en-CA" sz="2800">
+              <a:rPr lang="en-CA" sz="2800" dirty="0">
                 <a:latin typeface="Roboto" panose="02000000000000000000" pitchFamily="2" charset="0"/>
                 <a:ea typeface="Roboto" panose="02000000000000000000" pitchFamily="2" charset="0"/>
               </a:rPr>
               <a:t>Bias exists. </a:t>
             </a:r>
             <a:r>
-              <a:rPr lang="en-CA" sz="2800"/>
+              <a:rPr lang="en-CA" sz="2800" dirty="0"/>
               <a:t>It </a:t>
             </a:r>
             <a:r>
-              <a:rPr lang="en-CA" sz="2800">
+              <a:rPr lang="en-CA" sz="2800" dirty="0">
                 <a:latin typeface="Roboto" panose="02000000000000000000" pitchFamily="2" charset="0"/>
                 <a:ea typeface="Roboto" panose="02000000000000000000" pitchFamily="2" charset="0"/>
               </a:rPr>
@@ -28431,7 +28637,7 @@
           </a:p>
           <a:p>
             <a:r>
-              <a:rPr lang="en-CA" sz="2800">
+              <a:rPr lang="en-CA" sz="2800" dirty="0">
                 <a:latin typeface="Roboto" panose="02000000000000000000" pitchFamily="2" charset="0"/>
                 <a:ea typeface="Roboto" panose="02000000000000000000" pitchFamily="2" charset="0"/>
               </a:rPr>
@@ -28441,7 +28647,7 @@
           <a:p>
             <a:pPr lvl="1"/>
             <a:r>
-              <a:rPr lang="en-CA" sz="2800">
+              <a:rPr lang="en-CA" sz="2800" dirty="0">
                 <a:latin typeface="Roboto" panose="02000000000000000000" pitchFamily="2" charset="0"/>
                 <a:ea typeface="Roboto" panose="02000000000000000000" pitchFamily="2" charset="0"/>
               </a:rPr>
@@ -28451,7 +28657,7 @@
           <a:p>
             <a:pPr lvl="1"/>
             <a:r>
-              <a:rPr lang="en-CA" sz="2800">
+              <a:rPr lang="en-CA" sz="2800" dirty="0">
                 <a:latin typeface="Roboto" panose="02000000000000000000" pitchFamily="2" charset="0"/>
                 <a:ea typeface="Roboto" panose="02000000000000000000" pitchFamily="2" charset="0"/>
               </a:rPr>
@@ -28461,13 +28667,13 @@
           <a:p>
             <a:pPr lvl="1"/>
             <a:r>
-              <a:rPr lang="en-US" sz="2800"/>
+              <a:rPr lang="en-US" sz="2800" dirty="0"/>
               <a:t>Bias in Judicial Sentencing </a:t>
             </a:r>
           </a:p>
           <a:p>
             <a:r>
-              <a:rPr lang="en-CA" sz="2800">
+              <a:rPr lang="en-CA" sz="2800" dirty="0">
                 <a:latin typeface="Roboto" panose="02000000000000000000" pitchFamily="2" charset="0"/>
                 <a:ea typeface="Roboto" panose="02000000000000000000" pitchFamily="2" charset="0"/>
               </a:rPr>
@@ -28476,7 +28682,7 @@
           </a:p>
           <a:p>
             <a:pPr lvl="1"/>
-            <a:endParaRPr lang="en-CA" sz="2800">
+            <a:endParaRPr lang="en-CA" sz="2800" dirty="0">
               <a:latin typeface="Roboto" panose="02000000000000000000" pitchFamily="2" charset="0"/>
               <a:ea typeface="Roboto" panose="02000000000000000000" pitchFamily="2" charset="0"/>
             </a:endParaRPr>
@@ -28505,7 +28711,7 @@
           <a:lstStyle/>
           <a:p>
             <a:r>
-              <a:rPr lang="en-CA"/>
+              <a:rPr lang="en-CA" dirty="0"/>
               <a:t>Bias in Data</a:t>
             </a:r>
           </a:p>
@@ -28563,91 +28769,91 @@
           <a:lstStyle/>
           <a:p>
             <a:r>
-              <a:rPr lang="en-US"/>
+              <a:rPr lang="en-US" dirty="0"/>
               <a:t>Top 6 HR seasons are all within 1998-2001, all by Bonds, McGwire, and Sosa.</a:t>
             </a:r>
           </a:p>
           <a:p>
             <a:pPr fontAlgn="base"/>
             <a:r>
-              <a:rPr lang="en-US"/>
+              <a:rPr lang="en-US" dirty="0"/>
               <a:t>“There was a significant increase in players who hit more than 40 HR in a single season during the steroid era compared to before and after this time period.”</a:t>
             </a:r>
             <a:r>
-              <a:rPr lang="en-US" baseline="30000"/>
+              <a:rPr lang="en-US" baseline="30000" dirty="0"/>
               <a:t>1</a:t>
             </a:r>
-            <a:endParaRPr lang="en-US"/>
+            <a:endParaRPr lang="en-US" dirty="0"/>
           </a:p>
           <a:p>
             <a:pPr fontAlgn="base"/>
             <a:r>
-              <a:rPr lang="en-US"/>
+              <a:rPr lang="en-US" dirty="0"/>
               <a:t>“Though steroids have been banned in MLB since 1991, the league did not implement leaguewide PED testing until 2003.”</a:t>
             </a:r>
             <a:r>
-              <a:rPr lang="en-US" baseline="30000"/>
+              <a:rPr lang="en-US" baseline="30000" dirty="0"/>
               <a:t>2 </a:t>
             </a:r>
-            <a:endParaRPr lang="en-US"/>
-          </a:p>
-          <a:p>
-            <a:r>
-              <a:rPr lang="en-US"/>
+            <a:endParaRPr lang="en-US" dirty="0"/>
+          </a:p>
+          <a:p>
+            <a:r>
+              <a:rPr lang="en-US" dirty="0"/>
               <a:t>Widespread “use of anabolic steroids in the late 1990’s and early 2000’s” set new home run records. “The offensive spike at the end of the 20th century created a great deal of fans. The backlash in the 21st century lost 2x as many.”</a:t>
             </a:r>
             <a:r>
-              <a:rPr lang="en-US" baseline="30000"/>
+              <a:rPr lang="en-US" baseline="30000" dirty="0"/>
               <a:t>3</a:t>
             </a:r>
           </a:p>
           <a:p>
             <a:r>
-              <a:rPr lang="en-US"/>
+              <a:rPr lang="en-US" dirty="0"/>
               <a:t>Analysis of training techniques, scouting, coaching, Hall of Fame eligibility, long-term player health, or stadium batting statistics must ethically consider the illegal player behavior.</a:t>
             </a:r>
           </a:p>
           <a:p>
-            <a:endParaRPr lang="en-US" sz="1100" baseline="30000"/>
-          </a:p>
-          <a:p>
-            <a:r>
-              <a:rPr lang="en-US" sz="700" baseline="30000"/>
+            <a:endParaRPr lang="en-US" sz="1100" baseline="30000" dirty="0"/>
+          </a:p>
+          <a:p>
+            <a:r>
+              <a:rPr lang="en-US" sz="700" baseline="30000" dirty="0"/>
               <a:t>1 </a:t>
             </a:r>
             <a:r>
-              <a:rPr lang="en-US" sz="700">
+              <a:rPr lang="en-US" sz="700" dirty="0">
                 <a:hlinkClick r:id="rId3"/>
               </a:rPr>
               <a:t>https://www.omicsonline.org/open-access/the-effect-of-the-steroid-era-on-major-league-baseball-hitters-did-it-enhance-hitting-2161-0673-1000161.php?aid=53354</a:t>
             </a:r>
-            <a:endParaRPr lang="en-US" sz="700" baseline="30000"/>
-          </a:p>
-          <a:p>
-            <a:r>
-              <a:rPr lang="en-US" sz="700" baseline="30000"/>
+            <a:endParaRPr lang="en-US" sz="700" baseline="30000" dirty="0"/>
+          </a:p>
+          <a:p>
+            <a:r>
+              <a:rPr lang="en-US" sz="700" baseline="30000" dirty="0"/>
               <a:t>2 </a:t>
             </a:r>
             <a:r>
-              <a:rPr lang="en-US" sz="700">
+              <a:rPr lang="en-US" sz="700" dirty="0">
                 <a:hlinkClick r:id="rId4"/>
               </a:rPr>
               <a:t>http://www.espn.com/mlb/topics/_/page/the-steroids-era</a:t>
             </a:r>
-            <a:endParaRPr lang="en-CA" sz="700"/>
-          </a:p>
-          <a:p>
-            <a:r>
-              <a:rPr lang="en-US" sz="700" baseline="30000"/>
+            <a:endParaRPr lang="en-CA" sz="700" dirty="0"/>
+          </a:p>
+          <a:p>
+            <a:r>
+              <a:rPr lang="en-US" sz="700" baseline="30000" dirty="0"/>
               <a:t>3 </a:t>
             </a:r>
             <a:r>
-              <a:rPr lang="en-US" sz="700">
+              <a:rPr lang="en-US" sz="700" dirty="0">
                 <a:hlinkClick r:id="rId5"/>
               </a:rPr>
               <a:t>https://bleacherreport.com/articles/480826-the-steroid-eras-destruction-of-major-league-baseball</a:t>
             </a:r>
-            <a:endParaRPr lang="en-US" sz="700"/>
+            <a:endParaRPr lang="en-US" sz="700" dirty="0"/>
           </a:p>
         </p:txBody>
       </p:sp>
@@ -28673,7 +28879,7 @@
           <a:lstStyle/>
           <a:p>
             <a:r>
-              <a:rPr lang="en-US"/>
+              <a:rPr lang="en-US" dirty="0"/>
               <a:t>Statistics during MLB’s steroid era</a:t>
             </a:r>
           </a:p>
@@ -28731,7 +28937,7 @@
           <a:lstStyle/>
           <a:p>
             <a:r>
-              <a:rPr lang="en-CA" sz="2200">
+              <a:rPr lang="en-CA" sz="2200" dirty="0">
                 <a:solidFill>
                   <a:schemeClr val="tx1"/>
                 </a:solidFill>
@@ -28739,11 +28945,11 @@
               <a:t>U.S. Comstock Law enforced from 1873-1957, banning </a:t>
             </a:r>
             <a:r>
-              <a:rPr lang="en-US" sz="2200"/>
+              <a:rPr lang="en-US" sz="2200" dirty="0"/>
               <a:t>“</a:t>
             </a:r>
             <a:r>
-              <a:rPr lang="en-US" sz="2200">
+              <a:rPr lang="en-US" sz="2200" dirty="0">
                 <a:solidFill>
                   <a:schemeClr val="tx1"/>
                 </a:solidFill>
@@ -28751,7 +28957,7 @@
               <a:t>obscene, lewd, or lascivious”</a:t>
             </a:r>
             <a:r>
-              <a:rPr lang="en-CA" sz="2200">
+              <a:rPr lang="en-CA" sz="2200" dirty="0">
                 <a:solidFill>
                   <a:schemeClr val="tx1"/>
                 </a:solidFill>
@@ -28761,7 +28967,7 @@
           </a:p>
           <a:p>
             <a:r>
-              <a:rPr lang="en-US" sz="2200">
+              <a:rPr lang="en-US" sz="2200" dirty="0">
                 <a:solidFill>
                   <a:schemeClr val="tx1"/>
                 </a:solidFill>
@@ -28769,7 +28975,7 @@
               <a:t>“Media almost invariably yield to pressure… and establish some sort of code of self-regulation.”</a:t>
             </a:r>
             <a:r>
-              <a:rPr lang="en-US" sz="2200" baseline="30000">
+              <a:rPr lang="en-US" sz="2200" baseline="30000" dirty="0">
                 <a:solidFill>
                   <a:schemeClr val="tx1"/>
                 </a:solidFill>
@@ -28779,7 +28985,7 @@
           </a:p>
           <a:p>
             <a:r>
-              <a:rPr lang="en-US" sz="2200">
+              <a:rPr lang="en-US" sz="2200" dirty="0">
                 <a:solidFill>
                   <a:schemeClr val="tx1"/>
                 </a:solidFill>
@@ -28787,14 +28993,14 @@
               <a:t>The Reagan Era ushered in a new wave of challenges to libraries and school boards to censor books.</a:t>
             </a:r>
             <a:r>
-              <a:rPr lang="en-US" sz="2200" baseline="30000">
+              <a:rPr lang="en-US" sz="2200" baseline="30000" dirty="0">
                 <a:solidFill>
                   <a:schemeClr val="tx1"/>
                 </a:solidFill>
               </a:rPr>
               <a:t>2</a:t>
             </a:r>
-            <a:endParaRPr lang="en-US" sz="2200">
+            <a:endParaRPr lang="en-US" sz="2200" dirty="0">
               <a:solidFill>
                 <a:schemeClr val="tx1"/>
               </a:solidFill>
@@ -28802,7 +29008,7 @@
           </a:p>
           <a:p>
             <a:r>
-              <a:rPr lang="en-US" sz="2200">
+              <a:rPr lang="en-US" sz="2200" dirty="0">
                 <a:solidFill>
                   <a:schemeClr val="tx1"/>
                 </a:solidFill>
@@ -28810,14 +29016,14 @@
               <a:t>Any analysis of book publication/sales figures must be aware “censorship placed on the industry from religious groups, patriots, unions, private businesses…”</a:t>
             </a:r>
             <a:r>
-              <a:rPr lang="en-US" sz="2200" baseline="30000">
+              <a:rPr lang="en-US" sz="2200" baseline="30000" dirty="0">
                 <a:solidFill>
                   <a:schemeClr val="tx1"/>
                 </a:solidFill>
               </a:rPr>
               <a:t>3</a:t>
             </a:r>
-            <a:endParaRPr lang="en-US" sz="2200">
+            <a:endParaRPr lang="en-US" sz="2200" dirty="0">
               <a:solidFill>
                 <a:schemeClr val="tx1"/>
               </a:solidFill>
@@ -28825,56 +29031,56 @@
           </a:p>
           <a:p>
             <a:r>
-              <a:rPr lang="en-US" sz="1050" baseline="30000"/>
+              <a:rPr lang="en-US" sz="1050" baseline="30000" dirty="0"/>
               <a:t>1 </a:t>
             </a:r>
             <a:r>
-              <a:rPr lang="en-US" sz="1050">
+              <a:rPr lang="en-US" sz="1050" dirty="0">
                 <a:hlinkClick r:id="rId3"/>
               </a:rPr>
               <a:t>https://scholarship.law.wm.edu/cgi/viewcontent.cgi?article=1897&amp;context=wmlr</a:t>
             </a:r>
-            <a:endParaRPr lang="en-US" sz="1050"/>
-          </a:p>
-          <a:p>
-            <a:r>
-              <a:rPr lang="en-US" sz="1050" baseline="30000"/>
+            <a:endParaRPr lang="en-US" sz="1050" dirty="0"/>
+          </a:p>
+          <a:p>
+            <a:r>
+              <a:rPr lang="en-US" sz="1050" baseline="30000" dirty="0"/>
               <a:t>2 </a:t>
             </a:r>
             <a:r>
-              <a:rPr lang="en-US" sz="1050">
+              <a:rPr lang="en-US" sz="1050" dirty="0">
                 <a:hlinkClick r:id="rId4"/>
               </a:rPr>
               <a:t>https://lithub.com/the-history-and-present-of-banning-books-in-america/</a:t>
             </a:r>
-            <a:endParaRPr lang="en-US" sz="1050"/>
-          </a:p>
-          <a:p>
-            <a:r>
-              <a:rPr lang="en-US" sz="1050" baseline="30000"/>
+            <a:endParaRPr lang="en-US" sz="1050" dirty="0"/>
+          </a:p>
+          <a:p>
+            <a:r>
+              <a:rPr lang="en-US" sz="1050" baseline="30000" dirty="0"/>
               <a:t>3 </a:t>
             </a:r>
             <a:r>
-              <a:rPr lang="en-US" sz="1050" err="1"/>
+              <a:rPr lang="en-US" sz="1050" dirty="0" err="1"/>
               <a:t>Tebbel</a:t>
             </a:r>
             <a:r>
-              <a:rPr lang="en-US" sz="1050"/>
+              <a:rPr lang="en-US" sz="1050" dirty="0"/>
               <a:t>, John William. 1975. “A Brief History of American Bookselling.”</a:t>
             </a:r>
           </a:p>
           <a:p>
-            <a:endParaRPr lang="en-US" sz="1600"/>
-          </a:p>
-          <a:p>
-            <a:endParaRPr lang="en-US"/>
+            <a:endParaRPr lang="en-US" sz="1600" dirty="0"/>
+          </a:p>
+          <a:p>
+            <a:endParaRPr lang="en-US" dirty="0"/>
           </a:p>
           <a:p>
             <a:pPr lvl="1"/>
-            <a:endParaRPr lang="en-CA"/>
-          </a:p>
-          <a:p>
-            <a:endParaRPr lang="en-CA"/>
+            <a:endParaRPr lang="en-CA" dirty="0"/>
+          </a:p>
+          <a:p>
+            <a:endParaRPr lang="en-CA" dirty="0"/>
           </a:p>
         </p:txBody>
       </p:sp>
@@ -28900,7 +29106,7 @@
           <a:lstStyle/>
           <a:p>
             <a:r>
-              <a:rPr lang="en-CA"/>
+              <a:rPr lang="en-CA" dirty="0"/>
               <a:t>Controversial books</a:t>
             </a:r>
           </a:p>
